--- a/TypeScriptBasics.pptx
+++ b/TypeScriptBasics.pptx
@@ -5,7 +5,7 @@
     <p:sldMasterId id="2147483660" r:id="rId1"/>
   </p:sldMasterIdLst>
   <p:notesMasterIdLst>
-    <p:notesMasterId r:id="rId22"/>
+    <p:notesMasterId r:id="rId27"/>
   </p:notesMasterIdLst>
   <p:sldIdLst>
     <p:sldId id="259" r:id="rId2"/>
@@ -19,15 +19,20 @@
     <p:sldId id="270" r:id="rId10"/>
     <p:sldId id="271" r:id="rId11"/>
     <p:sldId id="274" r:id="rId12"/>
-    <p:sldId id="272" r:id="rId13"/>
-    <p:sldId id="273" r:id="rId14"/>
-    <p:sldId id="275" r:id="rId15"/>
-    <p:sldId id="276" r:id="rId16"/>
-    <p:sldId id="277" r:id="rId17"/>
-    <p:sldId id="279" r:id="rId18"/>
-    <p:sldId id="278" r:id="rId19"/>
-    <p:sldId id="268" r:id="rId20"/>
-    <p:sldId id="260" r:id="rId21"/>
+    <p:sldId id="280" r:id="rId13"/>
+    <p:sldId id="281" r:id="rId14"/>
+    <p:sldId id="272" r:id="rId15"/>
+    <p:sldId id="273" r:id="rId16"/>
+    <p:sldId id="282" r:id="rId17"/>
+    <p:sldId id="283" r:id="rId18"/>
+    <p:sldId id="275" r:id="rId19"/>
+    <p:sldId id="276" r:id="rId20"/>
+    <p:sldId id="277" r:id="rId21"/>
+    <p:sldId id="284" r:id="rId22"/>
+    <p:sldId id="279" r:id="rId23"/>
+    <p:sldId id="278" r:id="rId24"/>
+    <p:sldId id="268" r:id="rId25"/>
+    <p:sldId id="260" r:id="rId26"/>
   </p:sldIdLst>
   <p:sldSz cx="12192000" cy="6858000"/>
   <p:notesSz cx="6858000" cy="9144000"/>
@@ -156,6 +161,11 @@
       </a:defRPr>
     </a:lvl9pPr>
   </p:defaultTextStyle>
+  <p:extLst>
+    <p:ext uri="{EFAFB233-063F-42B5-8137-9DF3F51BA10A}">
+      <p15:sldGuideLst xmlns:p15="http://schemas.microsoft.com/office/powerpoint/2012/main"/>
+    </p:ext>
+  </p:extLst>
 </p:presentation>
 </file>
 
@@ -253,7 +263,7 @@
           <a:p>
             <a:fld id="{97BEE526-5EB7-4409-B76B-A01705954A4C}" type="datetimeFigureOut">
               <a:rPr lang="de-DE" smtClean="0"/>
-              <a:t>09.01.2019</a:t>
+              <a:t>12.01.2019</a:t>
             </a:fld>
             <a:endParaRPr lang="de-DE"/>
           </a:p>
@@ -782,7 +792,7 @@
           <a:p>
             <a:fld id="{C0663104-BBBB-4823-99BF-1DB3B469CAD1}" type="slidenum">
               <a:rPr lang="de-DE" smtClean="0"/>
-              <a:t>12</a:t>
+              <a:t>14</a:t>
             </a:fld>
             <a:endParaRPr lang="de-DE"/>
           </a:p>
@@ -845,22 +855,6 @@
           <a:bodyPr/>
           <a:lstStyle/>
           <a:p>
-            <a:r>
-              <a:rPr lang="de-DE" dirty="0"/>
-              <a:t>Nach Demo:</a:t>
-            </a:r>
-          </a:p>
-          <a:p>
-            <a:r>
-              <a:rPr lang="de-DE" dirty="0" err="1"/>
-              <a:t>Let</a:t>
-            </a:r>
-            <a:r>
-              <a:rPr lang="de-DE" dirty="0"/>
-              <a:t> stellt sicher, dass eine Variable vor dem Zugriff explizit deklariert werden muss!</a:t>
-            </a:r>
-          </a:p>
-          <a:p>
             <a:endParaRPr lang="de-DE" dirty="0"/>
           </a:p>
         </p:txBody>
@@ -882,7 +876,7 @@
           <a:p>
             <a:fld id="{C0663104-BBBB-4823-99BF-1DB3B469CAD1}" type="slidenum">
               <a:rPr lang="de-DE" smtClean="0"/>
-              <a:t>13</a:t>
+              <a:t>15</a:t>
             </a:fld>
             <a:endParaRPr lang="de-DE"/>
           </a:p>
@@ -947,33 +941,23 @@
           <a:p>
             <a:r>
               <a:rPr lang="de-DE" dirty="0"/>
-              <a:t>Übergang:</a:t>
-            </a:r>
-          </a:p>
-          <a:p>
+              <a:t>Aufruf über „</a:t>
+            </a:r>
             <a:r>
               <a:rPr lang="de-DE" dirty="0" err="1"/>
-              <a:t>Wieviele</a:t>
-            </a:r>
-            <a:r>
-              <a:rPr lang="de-DE" dirty="0"/>
-              <a:t> Parameter hat die Funktion? -&gt; 2: </a:t>
+              <a:t>new</a:t>
+            </a:r>
+            <a:r>
+              <a:rPr lang="de-DE" dirty="0"/>
+              <a:t>“ -&gt; </a:t>
             </a:r>
             <a:r>
               <a:rPr lang="de-DE" dirty="0" err="1"/>
-              <a:t>name</a:t>
-            </a:r>
-            <a:r>
-              <a:rPr lang="de-DE" dirty="0"/>
-              <a:t> und ‚</a:t>
-            </a:r>
-            <a:r>
-              <a:rPr lang="de-DE" dirty="0" err="1"/>
-              <a:t>this</a:t>
-            </a:r>
-            <a:r>
-              <a:rPr lang="de-DE" dirty="0"/>
-              <a:t>‘</a:t>
+              <a:t>Constructor</a:t>
+            </a:r>
+            <a:r>
+              <a:rPr lang="de-DE" dirty="0"/>
+              <a:t> Invokation</a:t>
             </a:r>
           </a:p>
         </p:txBody>
@@ -995,7 +979,7 @@
           <a:p>
             <a:fld id="{C0663104-BBBB-4823-99BF-1DB3B469CAD1}" type="slidenum">
               <a:rPr lang="de-DE" smtClean="0"/>
-              <a:t>15</a:t>
+              <a:t>16</a:t>
             </a:fld>
             <a:endParaRPr lang="de-DE"/>
           </a:p>
@@ -1004,7 +988,7 @@
     </p:spTree>
     <p:extLst>
       <p:ext uri="{BB962C8B-B14F-4D97-AF65-F5344CB8AC3E}">
-        <p14:creationId xmlns:p14="http://schemas.microsoft.com/office/powerpoint/2010/main" val="1044679522"/>
+        <p14:creationId xmlns:p14="http://schemas.microsoft.com/office/powerpoint/2010/main" val="2777871867"/>
       </p:ext>
     </p:extLst>
   </p:cSld>
@@ -1060,40 +1044,25 @@
           <a:p>
             <a:r>
               <a:rPr lang="de-DE" dirty="0"/>
-              <a:t>JavaScript hohe Verbreitung -&gt; keine Breaking </a:t>
-            </a:r>
+              <a:t>Übergang:</a:t>
+            </a:r>
+          </a:p>
+          <a:p>
             <a:r>
               <a:rPr lang="de-DE" dirty="0" err="1"/>
-              <a:t>Changes</a:t>
-            </a:r>
-            <a:endParaRPr lang="de-DE" dirty="0"/>
-          </a:p>
-          <a:p>
-            <a:r>
-              <a:rPr lang="de-DE" dirty="0"/>
-              <a:t>Deshalb harmloses Literal ‚</a:t>
+              <a:t>Wieviele</a:t>
+            </a:r>
+            <a:r>
+              <a:rPr lang="de-DE" dirty="0"/>
+              <a:t> Parameter hat die Funktion? -&gt; 2: </a:t>
             </a:r>
             <a:r>
               <a:rPr lang="de-DE" dirty="0" err="1"/>
-              <a:t>use</a:t>
-            </a:r>
-            <a:r>
-              <a:rPr lang="de-DE" dirty="0"/>
-              <a:t> </a:t>
-            </a:r>
-            <a:r>
-              <a:rPr lang="de-DE" dirty="0" err="1"/>
-              <a:t>strict</a:t>
-            </a:r>
-            <a:r>
-              <a:rPr lang="de-DE" dirty="0"/>
-              <a:t>‘</a:t>
-            </a:r>
-          </a:p>
-          <a:p>
-            <a:r>
-              <a:rPr lang="de-DE" dirty="0"/>
-              <a:t>X wird dem aktuellen Kontext (</a:t>
+              <a:t>name</a:t>
+            </a:r>
+            <a:r>
+              <a:rPr lang="de-DE" dirty="0"/>
+              <a:t> und ‚</a:t>
             </a:r>
             <a:r>
               <a:rPr lang="de-DE" dirty="0" err="1"/>
@@ -1101,7 +1070,13 @@
             </a:r>
             <a:r>
               <a:rPr lang="de-DE" dirty="0"/>
-              <a:t>) hinzugefügt</a:t>
+              <a:t>‘</a:t>
+            </a:r>
+          </a:p>
+          <a:p>
+            <a:r>
+              <a:rPr lang="de-DE" dirty="0"/>
+              <a:t>This wird implizit übergeben;</a:t>
             </a:r>
           </a:p>
         </p:txBody>
@@ -1123,7 +1098,403 @@
           <a:p>
             <a:fld id="{C0663104-BBBB-4823-99BF-1DB3B469CAD1}" type="slidenum">
               <a:rPr lang="de-DE" smtClean="0"/>
-              <a:t>17</a:t>
+              <a:t>19</a:t>
+            </a:fld>
+            <a:endParaRPr lang="de-DE"/>
+          </a:p>
+        </p:txBody>
+      </p:sp>
+    </p:spTree>
+    <p:extLst>
+      <p:ext uri="{BB962C8B-B14F-4D97-AF65-F5344CB8AC3E}">
+        <p14:creationId xmlns:p14="http://schemas.microsoft.com/office/powerpoint/2010/main" val="1044679522"/>
+      </p:ext>
+    </p:extLst>
+  </p:cSld>
+  <p:clrMapOvr>
+    <a:masterClrMapping/>
+  </p:clrMapOvr>
+</p:notes>
+</file>
+
+<file path=ppt/notesSlides/notesSlide15.xml><?xml version="1.0" encoding="utf-8"?>
+<p:notes xmlns:a="http://schemas.openxmlformats.org/drawingml/2006/main" xmlns:r="http://schemas.openxmlformats.org/officeDocument/2006/relationships" xmlns:p="http://schemas.openxmlformats.org/presentationml/2006/main">
+  <p:cSld>
+    <p:spTree>
+      <p:nvGrpSpPr>
+        <p:cNvPr id="1" name=""/>
+        <p:cNvGrpSpPr/>
+        <p:nvPr/>
+      </p:nvGrpSpPr>
+      <p:grpSpPr>
+        <a:xfrm>
+          <a:off x="0" y="0"/>
+          <a:ext cx="0" cy="0"/>
+          <a:chOff x="0" y="0"/>
+          <a:chExt cx="0" cy="0"/>
+        </a:xfrm>
+      </p:grpSpPr>
+      <p:sp>
+        <p:nvSpPr>
+          <p:cNvPr id="2" name="Folienbildplatzhalter 1"/>
+          <p:cNvSpPr>
+            <a:spLocks noGrp="1" noRot="1" noChangeAspect="1"/>
+          </p:cNvSpPr>
+          <p:nvPr>
+            <p:ph type="sldImg"/>
+          </p:nvPr>
+        </p:nvSpPr>
+        <p:spPr/>
+      </p:sp>
+      <p:sp>
+        <p:nvSpPr>
+          <p:cNvPr id="3" name="Notizenplatzhalter 2"/>
+          <p:cNvSpPr>
+            <a:spLocks noGrp="1"/>
+          </p:cNvSpPr>
+          <p:nvPr>
+            <p:ph type="body" idx="1"/>
+          </p:nvPr>
+        </p:nvSpPr>
+        <p:spPr/>
+        <p:txBody>
+          <a:bodyPr/>
+          <a:lstStyle/>
+          <a:p>
+            <a:r>
+              <a:rPr lang="de-DE" dirty="0"/>
+              <a:t>In C# immer ein Objekt der Klasse, indem die Funktion definiert ist</a:t>
+            </a:r>
+          </a:p>
+          <a:p>
+            <a:r>
+              <a:rPr lang="de-DE" dirty="0"/>
+              <a:t>In JS abhängig vom Aufruf der Funktion</a:t>
+            </a:r>
+          </a:p>
+          <a:p>
+            <a:r>
+              <a:rPr lang="de-DE" dirty="0"/>
+              <a:t>‚Der, der mich rief‘</a:t>
+            </a:r>
+          </a:p>
+          <a:p>
+            <a:r>
+              <a:rPr lang="de-DE" dirty="0"/>
+              <a:t>Ermitteln von </a:t>
+            </a:r>
+            <a:r>
+              <a:rPr lang="de-DE" dirty="0" err="1"/>
+              <a:t>this</a:t>
+            </a:r>
+            <a:r>
+              <a:rPr lang="de-DE" dirty="0"/>
+              <a:t> erfolgt zur Laufzeit</a:t>
+            </a:r>
+          </a:p>
+        </p:txBody>
+      </p:sp>
+      <p:sp>
+        <p:nvSpPr>
+          <p:cNvPr id="4" name="Foliennummernplatzhalter 3"/>
+          <p:cNvSpPr>
+            <a:spLocks noGrp="1"/>
+          </p:cNvSpPr>
+          <p:nvPr>
+            <p:ph type="sldNum" sz="quarter" idx="10"/>
+          </p:nvPr>
+        </p:nvSpPr>
+        <p:spPr/>
+        <p:txBody>
+          <a:bodyPr/>
+          <a:lstStyle/>
+          <a:p>
+            <a:fld id="{C0663104-BBBB-4823-99BF-1DB3B469CAD1}" type="slidenum">
+              <a:rPr lang="de-DE" smtClean="0"/>
+              <a:t>20</a:t>
+            </a:fld>
+            <a:endParaRPr lang="de-DE"/>
+          </a:p>
+        </p:txBody>
+      </p:sp>
+    </p:spTree>
+    <p:extLst>
+      <p:ext uri="{BB962C8B-B14F-4D97-AF65-F5344CB8AC3E}">
+        <p14:creationId xmlns:p14="http://schemas.microsoft.com/office/powerpoint/2010/main" val="3419604036"/>
+      </p:ext>
+    </p:extLst>
+  </p:cSld>
+  <p:clrMapOvr>
+    <a:masterClrMapping/>
+  </p:clrMapOvr>
+</p:notes>
+</file>
+
+<file path=ppt/notesSlides/notesSlide16.xml><?xml version="1.0" encoding="utf-8"?>
+<p:notes xmlns:a="http://schemas.openxmlformats.org/drawingml/2006/main" xmlns:r="http://schemas.openxmlformats.org/officeDocument/2006/relationships" xmlns:p="http://schemas.openxmlformats.org/presentationml/2006/main">
+  <p:cSld>
+    <p:spTree>
+      <p:nvGrpSpPr>
+        <p:cNvPr id="1" name=""/>
+        <p:cNvGrpSpPr/>
+        <p:nvPr/>
+      </p:nvGrpSpPr>
+      <p:grpSpPr>
+        <a:xfrm>
+          <a:off x="0" y="0"/>
+          <a:ext cx="0" cy="0"/>
+          <a:chOff x="0" y="0"/>
+          <a:chExt cx="0" cy="0"/>
+        </a:xfrm>
+      </p:grpSpPr>
+      <p:sp>
+        <p:nvSpPr>
+          <p:cNvPr id="2" name="Folienbildplatzhalter 1"/>
+          <p:cNvSpPr>
+            <a:spLocks noGrp="1" noRot="1" noChangeAspect="1"/>
+          </p:cNvSpPr>
+          <p:nvPr>
+            <p:ph type="sldImg"/>
+          </p:nvPr>
+        </p:nvSpPr>
+        <p:spPr/>
+      </p:sp>
+      <p:sp>
+        <p:nvSpPr>
+          <p:cNvPr id="3" name="Notizenplatzhalter 2"/>
+          <p:cNvSpPr>
+            <a:spLocks noGrp="1"/>
+          </p:cNvSpPr>
+          <p:nvPr>
+            <p:ph type="body" idx="1"/>
+          </p:nvPr>
+        </p:nvSpPr>
+        <p:spPr/>
+        <p:txBody>
+          <a:bodyPr/>
+          <a:lstStyle/>
+          <a:p>
+            <a:r>
+              <a:rPr lang="de-DE" dirty="0"/>
+              <a:t>Timeout für </a:t>
+            </a:r>
+            <a:r>
+              <a:rPr lang="de-DE" dirty="0" err="1"/>
+              <a:t>sayHello</a:t>
+            </a:r>
+            <a:r>
+              <a:rPr lang="de-DE" dirty="0"/>
+              <a:t>()</a:t>
+            </a:r>
+          </a:p>
+          <a:p>
+            <a:r>
+              <a:rPr lang="de-DE" dirty="0"/>
+              <a:t>-&gt; Funktion in </a:t>
+            </a:r>
+            <a:r>
+              <a:rPr lang="de-DE" dirty="0" err="1"/>
+              <a:t>timeout</a:t>
+            </a:r>
+            <a:r>
+              <a:rPr lang="de-DE" dirty="0"/>
+              <a:t> wird als </a:t>
+            </a:r>
+            <a:r>
+              <a:rPr lang="de-DE" dirty="0" err="1"/>
+              <a:t>Function-Invocation</a:t>
+            </a:r>
+            <a:r>
+              <a:rPr lang="de-DE" dirty="0"/>
+              <a:t> aufgerufen -&gt; </a:t>
+            </a:r>
+            <a:r>
+              <a:rPr lang="de-DE" dirty="0" err="1"/>
+              <a:t>this</a:t>
+            </a:r>
+            <a:r>
+              <a:rPr lang="de-DE" dirty="0"/>
+              <a:t> &lt;&gt; </a:t>
+            </a:r>
+            <a:r>
+              <a:rPr lang="de-DE" dirty="0" err="1"/>
+              <a:t>dog</a:t>
+            </a:r>
+            <a:r>
+              <a:rPr lang="de-DE" dirty="0"/>
+              <a:t>; </a:t>
+            </a:r>
+            <a:r>
+              <a:rPr lang="de-DE" dirty="0" err="1"/>
+              <a:t>setTimeout</a:t>
+            </a:r>
+            <a:r>
+              <a:rPr lang="de-DE" dirty="0"/>
+              <a:t> kann das Objekt nicht wissen</a:t>
+            </a:r>
+          </a:p>
+          <a:p>
+            <a:r>
+              <a:rPr lang="de-DE" dirty="0"/>
+              <a:t>-&gt; Lösung: </a:t>
+            </a:r>
+            <a:r>
+              <a:rPr lang="de-DE" dirty="0" err="1"/>
+              <a:t>this</a:t>
+            </a:r>
+            <a:r>
+              <a:rPr lang="de-DE" dirty="0"/>
+              <a:t> zwischenspeichern</a:t>
+            </a:r>
+          </a:p>
+        </p:txBody>
+      </p:sp>
+      <p:sp>
+        <p:nvSpPr>
+          <p:cNvPr id="4" name="Foliennummernplatzhalter 3"/>
+          <p:cNvSpPr>
+            <a:spLocks noGrp="1"/>
+          </p:cNvSpPr>
+          <p:nvPr>
+            <p:ph type="sldNum" sz="quarter" idx="10"/>
+          </p:nvPr>
+        </p:nvSpPr>
+        <p:spPr/>
+        <p:txBody>
+          <a:bodyPr/>
+          <a:lstStyle/>
+          <a:p>
+            <a:fld id="{C0663104-BBBB-4823-99BF-1DB3B469CAD1}" type="slidenum">
+              <a:rPr lang="de-DE" smtClean="0"/>
+              <a:t>21</a:t>
+            </a:fld>
+            <a:endParaRPr lang="de-DE"/>
+          </a:p>
+        </p:txBody>
+      </p:sp>
+    </p:spTree>
+    <p:extLst>
+      <p:ext uri="{BB962C8B-B14F-4D97-AF65-F5344CB8AC3E}">
+        <p14:creationId xmlns:p14="http://schemas.microsoft.com/office/powerpoint/2010/main" val="2686729513"/>
+      </p:ext>
+    </p:extLst>
+  </p:cSld>
+  <p:clrMapOvr>
+    <a:masterClrMapping/>
+  </p:clrMapOvr>
+</p:notes>
+</file>
+
+<file path=ppt/notesSlides/notesSlide17.xml><?xml version="1.0" encoding="utf-8"?>
+<p:notes xmlns:a="http://schemas.openxmlformats.org/drawingml/2006/main" xmlns:r="http://schemas.openxmlformats.org/officeDocument/2006/relationships" xmlns:p="http://schemas.openxmlformats.org/presentationml/2006/main">
+  <p:cSld>
+    <p:spTree>
+      <p:nvGrpSpPr>
+        <p:cNvPr id="1" name=""/>
+        <p:cNvGrpSpPr/>
+        <p:nvPr/>
+      </p:nvGrpSpPr>
+      <p:grpSpPr>
+        <a:xfrm>
+          <a:off x="0" y="0"/>
+          <a:ext cx="0" cy="0"/>
+          <a:chOff x="0" y="0"/>
+          <a:chExt cx="0" cy="0"/>
+        </a:xfrm>
+      </p:grpSpPr>
+      <p:sp>
+        <p:nvSpPr>
+          <p:cNvPr id="2" name="Folienbildplatzhalter 1"/>
+          <p:cNvSpPr>
+            <a:spLocks noGrp="1" noRot="1" noChangeAspect="1"/>
+          </p:cNvSpPr>
+          <p:nvPr>
+            <p:ph type="sldImg"/>
+          </p:nvPr>
+        </p:nvSpPr>
+        <p:spPr/>
+      </p:sp>
+      <p:sp>
+        <p:nvSpPr>
+          <p:cNvPr id="3" name="Notizenplatzhalter 2"/>
+          <p:cNvSpPr>
+            <a:spLocks noGrp="1"/>
+          </p:cNvSpPr>
+          <p:nvPr>
+            <p:ph type="body" idx="1"/>
+          </p:nvPr>
+        </p:nvSpPr>
+        <p:spPr/>
+        <p:txBody>
+          <a:bodyPr/>
+          <a:lstStyle/>
+          <a:p>
+            <a:r>
+              <a:rPr lang="de-DE" dirty="0"/>
+              <a:t>JavaScript hohe Verbreitung -&gt; keine Breaking </a:t>
+            </a:r>
+            <a:r>
+              <a:rPr lang="de-DE" dirty="0" err="1"/>
+              <a:t>Changes</a:t>
+            </a:r>
+            <a:endParaRPr lang="de-DE" dirty="0"/>
+          </a:p>
+          <a:p>
+            <a:r>
+              <a:rPr lang="de-DE" dirty="0"/>
+              <a:t>Deshalb harmloses Literal ‚</a:t>
+            </a:r>
+            <a:r>
+              <a:rPr lang="de-DE" dirty="0" err="1"/>
+              <a:t>use</a:t>
+            </a:r>
+            <a:r>
+              <a:rPr lang="de-DE" dirty="0"/>
+              <a:t> </a:t>
+            </a:r>
+            <a:r>
+              <a:rPr lang="de-DE" dirty="0" err="1"/>
+              <a:t>strict</a:t>
+            </a:r>
+            <a:r>
+              <a:rPr lang="de-DE" dirty="0"/>
+              <a:t>‘</a:t>
+            </a:r>
+          </a:p>
+          <a:p>
+            <a:r>
+              <a:rPr lang="de-DE" dirty="0"/>
+              <a:t>X wird dem aktuellen Kontext (</a:t>
+            </a:r>
+            <a:r>
+              <a:rPr lang="de-DE" dirty="0" err="1"/>
+              <a:t>this</a:t>
+            </a:r>
+            <a:r>
+              <a:rPr lang="de-DE" dirty="0"/>
+              <a:t>) hinzugefügt</a:t>
+            </a:r>
+          </a:p>
+        </p:txBody>
+      </p:sp>
+      <p:sp>
+        <p:nvSpPr>
+          <p:cNvPr id="4" name="Foliennummernplatzhalter 3"/>
+          <p:cNvSpPr>
+            <a:spLocks noGrp="1"/>
+          </p:cNvSpPr>
+          <p:nvPr>
+            <p:ph type="sldNum" sz="quarter" idx="10"/>
+          </p:nvPr>
+        </p:nvSpPr>
+        <p:spPr/>
+        <p:txBody>
+          <a:bodyPr/>
+          <a:lstStyle/>
+          <a:p>
+            <a:fld id="{C0663104-BBBB-4823-99BF-1DB3B469CAD1}" type="slidenum">
+              <a:rPr lang="de-DE" smtClean="0"/>
+              <a:t>22</a:t>
             </a:fld>
             <a:endParaRPr lang="de-DE"/>
           </a:p>
@@ -2479,7 +2850,7 @@
           <a:p>
             <a:fld id="{F1FE92DC-4F65-4B7E-8132-A160040A277A}" type="datetimeFigureOut">
               <a:rPr lang="de-DE" smtClean="0"/>
-              <a:t>09.01.2019</a:t>
+              <a:t>12.01.2019</a:t>
             </a:fld>
             <a:endParaRPr lang="de-DE"/>
           </a:p>
@@ -4412,7 +4783,7 @@
           <a:p>
             <a:fld id="{F1FE92DC-4F65-4B7E-8132-A160040A277A}" type="datetimeFigureOut">
               <a:rPr lang="de-DE" smtClean="0"/>
-              <a:t>09.01.2019</a:t>
+              <a:t>12.01.2019</a:t>
             </a:fld>
             <a:endParaRPr lang="de-DE"/>
           </a:p>
@@ -4750,7 +5121,7 @@
           <a:p>
             <a:fld id="{F1FE92DC-4F65-4B7E-8132-A160040A277A}" type="datetimeFigureOut">
               <a:rPr lang="de-DE" smtClean="0"/>
-              <a:t>09.01.2019</a:t>
+              <a:t>12.01.2019</a:t>
             </a:fld>
             <a:endParaRPr lang="de-DE"/>
           </a:p>
@@ -5021,7 +5392,7 @@
           <a:p>
             <a:fld id="{F1FE92DC-4F65-4B7E-8132-A160040A277A}" type="datetimeFigureOut">
               <a:rPr lang="de-DE" smtClean="0"/>
-              <a:t>09.01.2019</a:t>
+              <a:t>12.01.2019</a:t>
             </a:fld>
             <a:endParaRPr lang="de-DE"/>
           </a:p>
@@ -5502,7 +5873,7 @@
           <a:p>
             <a:fld id="{F1FE92DC-4F65-4B7E-8132-A160040A277A}" type="datetimeFigureOut">
               <a:rPr lang="de-DE" smtClean="0"/>
-              <a:t>09.01.2019</a:t>
+              <a:t>12.01.2019</a:t>
             </a:fld>
             <a:endParaRPr lang="de-DE"/>
           </a:p>
@@ -5907,7 +6278,7 @@
           <a:p>
             <a:fld id="{F1FE92DC-4F65-4B7E-8132-A160040A277A}" type="datetimeFigureOut">
               <a:rPr lang="de-DE" smtClean="0"/>
-              <a:t>09.01.2019</a:t>
+              <a:t>12.01.2019</a:t>
             </a:fld>
             <a:endParaRPr lang="de-DE"/>
           </a:p>
@@ -6260,7 +6631,7 @@
           <a:p>
             <a:fld id="{F1FE92DC-4F65-4B7E-8132-A160040A277A}" type="datetimeFigureOut">
               <a:rPr lang="de-DE" smtClean="0"/>
-              <a:t>09.01.2019</a:t>
+              <a:t>12.01.2019</a:t>
             </a:fld>
             <a:endParaRPr lang="de-DE"/>
           </a:p>
@@ -6447,7 +6818,7 @@
           <a:p>
             <a:fld id="{F1FE92DC-4F65-4B7E-8132-A160040A277A}" type="datetimeFigureOut">
               <a:rPr lang="de-DE" smtClean="0"/>
-              <a:t>09.01.2019</a:t>
+              <a:t>12.01.2019</a:t>
             </a:fld>
             <a:endParaRPr lang="de-DE"/>
           </a:p>
@@ -6823,7 +7194,7 @@
           <a:p>
             <a:fld id="{F1FE92DC-4F65-4B7E-8132-A160040A277A}" type="datetimeFigureOut">
               <a:rPr lang="de-DE" smtClean="0"/>
-              <a:t>09.01.2019</a:t>
+              <a:t>12.01.2019</a:t>
             </a:fld>
             <a:endParaRPr lang="de-DE"/>
           </a:p>
@@ -7098,7 +7469,7 @@
           <a:p>
             <a:fld id="{F1FE92DC-4F65-4B7E-8132-A160040A277A}" type="datetimeFigureOut">
               <a:rPr lang="de-DE" smtClean="0"/>
-              <a:t>09.01.2019</a:t>
+              <a:t>12.01.2019</a:t>
             </a:fld>
             <a:endParaRPr lang="de-DE"/>
           </a:p>
@@ -7708,14 +8079,14 @@
             <p:ph sz="quarter" idx="11"/>
             <p:extLst>
               <p:ext uri="{D42A27DB-BD31-4B8C-83A1-F6EECF244321}">
-                <p14:modId xmlns:p14="http://schemas.microsoft.com/office/powerpoint/2010/main" val="1526830725"/>
+                <p14:modId xmlns:p14="http://schemas.microsoft.com/office/powerpoint/2010/main" val="3059513252"/>
               </p:ext>
             </p:extLst>
           </p:nvPr>
         </p:nvGraphicFramePr>
         <p:xfrm>
           <a:off x="1533094" y="1991470"/>
-          <a:ext cx="9144828" cy="2103120"/>
+          <a:ext cx="9144828" cy="2484120"/>
         </p:xfrm>
         <a:graphic>
           <a:graphicData uri="http://schemas.openxmlformats.org/drawingml/2006/table">
@@ -8058,6 +8429,98 @@
                   </a:ext>
                 </a:extLst>
               </a:tr>
+              <a:tr h="370840">
+                <a:tc>
+                  <a:txBody>
+                    <a:bodyPr/>
+                    <a:lstStyle/>
+                    <a:p>
+                      <a:pPr algn="ctr"/>
+                      <a:r>
+                        <a:rPr lang="de-DE" dirty="0">
+                          <a:solidFill>
+                            <a:schemeClr val="tx1"/>
+                          </a:solidFill>
+                        </a:rPr>
+                        <a:t>Block-</a:t>
+                      </a:r>
+                      <a:r>
+                        <a:rPr lang="de-DE" dirty="0" err="1">
+                          <a:solidFill>
+                            <a:schemeClr val="tx1"/>
+                          </a:solidFill>
+                        </a:rPr>
+                        <a:t>Scope</a:t>
+                      </a:r>
+                      <a:endParaRPr lang="de-DE" dirty="0">
+                        <a:solidFill>
+                          <a:schemeClr val="tx1"/>
+                        </a:solidFill>
+                      </a:endParaRPr>
+                    </a:p>
+                  </a:txBody>
+                  <a:tcPr/>
+                </a:tc>
+                <a:tc>
+                  <a:txBody>
+                    <a:bodyPr/>
+                    <a:lstStyle/>
+                    <a:p>
+                      <a:pPr algn="ctr"/>
+                      <a:r>
+                        <a:rPr lang="de-DE" dirty="0">
+                          <a:solidFill>
+                            <a:srgbClr val="FF0000"/>
+                          </a:solidFill>
+                        </a:rPr>
+                        <a:t>Nein</a:t>
+                      </a:r>
+                    </a:p>
+                  </a:txBody>
+                  <a:tcPr/>
+                </a:tc>
+                <a:tc>
+                  <a:txBody>
+                    <a:bodyPr/>
+                    <a:lstStyle/>
+                    <a:p>
+                      <a:pPr algn="ctr"/>
+                      <a:r>
+                        <a:rPr lang="de-DE" dirty="0">
+                          <a:solidFill>
+                            <a:srgbClr val="00B050"/>
+                          </a:solidFill>
+                        </a:rPr>
+                        <a:t>Ja</a:t>
+                      </a:r>
+                    </a:p>
+                  </a:txBody>
+                  <a:tcPr/>
+                </a:tc>
+                <a:tc>
+                  <a:txBody>
+                    <a:bodyPr/>
+                    <a:lstStyle/>
+                    <a:p>
+                      <a:pPr algn="ctr"/>
+                      <a:r>
+                        <a:rPr lang="de-DE" dirty="0">
+                          <a:solidFill>
+                            <a:srgbClr val="00B050"/>
+                          </a:solidFill>
+                        </a:rPr>
+                        <a:t>Ja</a:t>
+                      </a:r>
+                    </a:p>
+                  </a:txBody>
+                  <a:tcPr/>
+                </a:tc>
+                <a:extLst>
+                  <a:ext uri="{0D108BD9-81ED-4DB2-BD59-A6C34878D82A}">
+                    <a16:rowId xmlns:a16="http://schemas.microsoft.com/office/drawing/2014/main" val="2232215857"/>
+                  </a:ext>
+                </a:extLst>
+              </a:tr>
             </a:tbl>
           </a:graphicData>
         </a:graphic>
@@ -8400,6 +8863,465 @@
           <p:cNvPr id="2" name="Titel 1">
             <a:extLst>
               <a:ext uri="{FF2B5EF4-FFF2-40B4-BE49-F238E27FC236}">
+                <a16:creationId xmlns:a16="http://schemas.microsoft.com/office/drawing/2014/main" id="{539F7A58-50A7-4FB7-815E-637540C8D23B}"/>
+              </a:ext>
+            </a:extLst>
+          </p:cNvPr>
+          <p:cNvSpPr>
+            <a:spLocks noGrp="1"/>
+          </p:cNvSpPr>
+          <p:nvPr>
+            <p:ph type="title"/>
+          </p:nvPr>
+        </p:nvSpPr>
+        <p:spPr/>
+        <p:txBody>
+          <a:bodyPr/>
+          <a:lstStyle/>
+          <a:p>
+            <a:r>
+              <a:rPr lang="de-DE" dirty="0"/>
+              <a:t>Funktionen</a:t>
+            </a:r>
+          </a:p>
+        </p:txBody>
+      </p:sp>
+      <p:sp>
+        <p:nvSpPr>
+          <p:cNvPr id="3" name="Inhaltsplatzhalter 2">
+            <a:extLst>
+              <a:ext uri="{FF2B5EF4-FFF2-40B4-BE49-F238E27FC236}">
+                <a16:creationId xmlns:a16="http://schemas.microsoft.com/office/drawing/2014/main" id="{6C5EF106-CEF0-4410-A1F4-BA537F240DD3}"/>
+              </a:ext>
+            </a:extLst>
+          </p:cNvPr>
+          <p:cNvSpPr>
+            <a:spLocks noGrp="1"/>
+          </p:cNvSpPr>
+          <p:nvPr>
+            <p:ph sz="quarter" idx="11"/>
+          </p:nvPr>
+        </p:nvSpPr>
+        <p:spPr/>
+        <p:txBody>
+          <a:bodyPr/>
+          <a:lstStyle/>
+          <a:p>
+            <a:pPr marL="285750" indent="-285750">
+              <a:buFontTx/>
+              <a:buChar char="-"/>
+            </a:pPr>
+            <a:r>
+              <a:rPr lang="de-DE" dirty="0"/>
+              <a:t>Definieren einen eigenen Gültigkeitsbereich</a:t>
+            </a:r>
+          </a:p>
+          <a:p>
+            <a:pPr marL="285750" indent="-285750">
+              <a:buFontTx/>
+              <a:buChar char="-"/>
+            </a:pPr>
+            <a:r>
+              <a:rPr lang="de-DE" dirty="0" err="1"/>
+              <a:t>Function</a:t>
+            </a:r>
+            <a:r>
+              <a:rPr lang="de-DE" dirty="0"/>
+              <a:t> </a:t>
+            </a:r>
+            <a:r>
+              <a:rPr lang="de-DE" dirty="0" err="1"/>
+              <a:t>statement</a:t>
+            </a:r>
+            <a:endParaRPr lang="de-DE" dirty="0"/>
+          </a:p>
+          <a:p>
+            <a:pPr marL="285750" indent="-285750">
+              <a:buFontTx/>
+              <a:buChar char="-"/>
+            </a:pPr>
+            <a:r>
+              <a:rPr lang="de-DE" dirty="0" err="1"/>
+              <a:t>Function</a:t>
+            </a:r>
+            <a:r>
+              <a:rPr lang="de-DE" dirty="0"/>
+              <a:t> </a:t>
+            </a:r>
+            <a:r>
+              <a:rPr lang="de-DE" dirty="0" err="1"/>
+              <a:t>expression</a:t>
+            </a:r>
+            <a:endParaRPr lang="de-DE" dirty="0"/>
+          </a:p>
+          <a:p>
+            <a:pPr marL="285750" indent="-285750">
+              <a:buFontTx/>
+              <a:buChar char="-"/>
+            </a:pPr>
+            <a:r>
+              <a:rPr lang="de-DE" dirty="0"/>
+              <a:t>Anonymous </a:t>
+            </a:r>
+            <a:r>
+              <a:rPr lang="de-DE" dirty="0" err="1"/>
+              <a:t>function</a:t>
+            </a:r>
+            <a:endParaRPr lang="de-DE" dirty="0"/>
+          </a:p>
+        </p:txBody>
+      </p:sp>
+    </p:spTree>
+    <p:extLst>
+      <p:ext uri="{BB962C8B-B14F-4D97-AF65-F5344CB8AC3E}">
+        <p14:creationId xmlns:p14="http://schemas.microsoft.com/office/powerpoint/2010/main" val="3745617669"/>
+      </p:ext>
+    </p:extLst>
+  </p:cSld>
+  <p:clrMapOvr>
+    <a:masterClrMapping/>
+  </p:clrMapOvr>
+  <p:timing>
+    <p:tnLst>
+      <p:par>
+        <p:cTn id="1" dur="indefinite" restart="never" nodeType="tmRoot">
+          <p:childTnLst>
+            <p:seq concurrent="1" nextAc="seek">
+              <p:cTn id="2" dur="indefinite" nodeType="mainSeq">
+                <p:childTnLst>
+                  <p:par>
+                    <p:cTn id="3" fill="hold">
+                      <p:stCondLst>
+                        <p:cond delay="indefinite"/>
+                        <p:cond evt="onBegin" delay="0">
+                          <p:tn val="2"/>
+                        </p:cond>
+                      </p:stCondLst>
+                      <p:childTnLst>
+                        <p:par>
+                          <p:cTn id="4" fill="hold">
+                            <p:stCondLst>
+                              <p:cond delay="0"/>
+                            </p:stCondLst>
+                            <p:childTnLst>
+                              <p:par>
+                                <p:cTn id="5" presetID="1" presetClass="entr" presetSubtype="0" fill="hold" nodeType="afterEffect">
+                                  <p:stCondLst>
+                                    <p:cond delay="0"/>
+                                  </p:stCondLst>
+                                  <p:childTnLst>
+                                    <p:set>
+                                      <p:cBhvr>
+                                        <p:cTn id="6" dur="1" fill="hold">
+                                          <p:stCondLst>
+                                            <p:cond delay="0"/>
+                                          </p:stCondLst>
+                                        </p:cTn>
+                                        <p:tgtEl>
+                                          <p:spTgt spid="3">
+                                            <p:txEl>
+                                              <p:pRg st="0" end="0"/>
+                                            </p:txEl>
+                                          </p:spTgt>
+                                        </p:tgtEl>
+                                        <p:attrNameLst>
+                                          <p:attrName>style.visibility</p:attrName>
+                                        </p:attrNameLst>
+                                      </p:cBhvr>
+                                      <p:to>
+                                        <p:strVal val="visible"/>
+                                      </p:to>
+                                    </p:set>
+                                  </p:childTnLst>
+                                </p:cTn>
+                              </p:par>
+                            </p:childTnLst>
+                          </p:cTn>
+                        </p:par>
+                      </p:childTnLst>
+                    </p:cTn>
+                  </p:par>
+                  <p:par>
+                    <p:cTn id="7" fill="hold">
+                      <p:stCondLst>
+                        <p:cond delay="indefinite"/>
+                      </p:stCondLst>
+                      <p:childTnLst>
+                        <p:par>
+                          <p:cTn id="8" fill="hold">
+                            <p:stCondLst>
+                              <p:cond delay="0"/>
+                            </p:stCondLst>
+                            <p:childTnLst>
+                              <p:par>
+                                <p:cTn id="9" presetID="1" presetClass="entr" presetSubtype="0" fill="hold" nodeType="clickEffect">
+                                  <p:stCondLst>
+                                    <p:cond delay="0"/>
+                                  </p:stCondLst>
+                                  <p:childTnLst>
+                                    <p:set>
+                                      <p:cBhvr>
+                                        <p:cTn id="10" dur="1" fill="hold">
+                                          <p:stCondLst>
+                                            <p:cond delay="0"/>
+                                          </p:stCondLst>
+                                        </p:cTn>
+                                        <p:tgtEl>
+                                          <p:spTgt spid="3">
+                                            <p:txEl>
+                                              <p:pRg st="1" end="1"/>
+                                            </p:txEl>
+                                          </p:spTgt>
+                                        </p:tgtEl>
+                                        <p:attrNameLst>
+                                          <p:attrName>style.visibility</p:attrName>
+                                        </p:attrNameLst>
+                                      </p:cBhvr>
+                                      <p:to>
+                                        <p:strVal val="visible"/>
+                                      </p:to>
+                                    </p:set>
+                                  </p:childTnLst>
+                                </p:cTn>
+                              </p:par>
+                            </p:childTnLst>
+                          </p:cTn>
+                        </p:par>
+                      </p:childTnLst>
+                    </p:cTn>
+                  </p:par>
+                  <p:par>
+                    <p:cTn id="11" fill="hold">
+                      <p:stCondLst>
+                        <p:cond delay="indefinite"/>
+                      </p:stCondLst>
+                      <p:childTnLst>
+                        <p:par>
+                          <p:cTn id="12" fill="hold">
+                            <p:stCondLst>
+                              <p:cond delay="0"/>
+                            </p:stCondLst>
+                            <p:childTnLst>
+                              <p:par>
+                                <p:cTn id="13" presetID="1" presetClass="entr" presetSubtype="0" fill="hold" nodeType="clickEffect">
+                                  <p:stCondLst>
+                                    <p:cond delay="0"/>
+                                  </p:stCondLst>
+                                  <p:childTnLst>
+                                    <p:set>
+                                      <p:cBhvr>
+                                        <p:cTn id="14" dur="1" fill="hold">
+                                          <p:stCondLst>
+                                            <p:cond delay="0"/>
+                                          </p:stCondLst>
+                                        </p:cTn>
+                                        <p:tgtEl>
+                                          <p:spTgt spid="3">
+                                            <p:txEl>
+                                              <p:pRg st="2" end="2"/>
+                                            </p:txEl>
+                                          </p:spTgt>
+                                        </p:tgtEl>
+                                        <p:attrNameLst>
+                                          <p:attrName>style.visibility</p:attrName>
+                                        </p:attrNameLst>
+                                      </p:cBhvr>
+                                      <p:to>
+                                        <p:strVal val="visible"/>
+                                      </p:to>
+                                    </p:set>
+                                  </p:childTnLst>
+                                </p:cTn>
+                              </p:par>
+                            </p:childTnLst>
+                          </p:cTn>
+                        </p:par>
+                      </p:childTnLst>
+                    </p:cTn>
+                  </p:par>
+                  <p:par>
+                    <p:cTn id="15" fill="hold">
+                      <p:stCondLst>
+                        <p:cond delay="indefinite"/>
+                      </p:stCondLst>
+                      <p:childTnLst>
+                        <p:par>
+                          <p:cTn id="16" fill="hold">
+                            <p:stCondLst>
+                              <p:cond delay="0"/>
+                            </p:stCondLst>
+                            <p:childTnLst>
+                              <p:par>
+                                <p:cTn id="17" presetID="1" presetClass="entr" presetSubtype="0" fill="hold" nodeType="clickEffect">
+                                  <p:stCondLst>
+                                    <p:cond delay="0"/>
+                                  </p:stCondLst>
+                                  <p:childTnLst>
+                                    <p:set>
+                                      <p:cBhvr>
+                                        <p:cTn id="18" dur="1" fill="hold">
+                                          <p:stCondLst>
+                                            <p:cond delay="0"/>
+                                          </p:stCondLst>
+                                        </p:cTn>
+                                        <p:tgtEl>
+                                          <p:spTgt spid="3">
+                                            <p:txEl>
+                                              <p:pRg st="3" end="3"/>
+                                            </p:txEl>
+                                          </p:spTgt>
+                                        </p:tgtEl>
+                                        <p:attrNameLst>
+                                          <p:attrName>style.visibility</p:attrName>
+                                        </p:attrNameLst>
+                                      </p:cBhvr>
+                                      <p:to>
+                                        <p:strVal val="visible"/>
+                                      </p:to>
+                                    </p:set>
+                                  </p:childTnLst>
+                                </p:cTn>
+                              </p:par>
+                            </p:childTnLst>
+                          </p:cTn>
+                        </p:par>
+                      </p:childTnLst>
+                    </p:cTn>
+                  </p:par>
+                </p:childTnLst>
+              </p:cTn>
+              <p:prevCondLst>
+                <p:cond evt="onPrev" delay="0">
+                  <p:tgtEl>
+                    <p:sldTgt/>
+                  </p:tgtEl>
+                </p:cond>
+              </p:prevCondLst>
+              <p:nextCondLst>
+                <p:cond evt="onNext" delay="0">
+                  <p:tgtEl>
+                    <p:sldTgt/>
+                  </p:tgtEl>
+                </p:cond>
+              </p:nextCondLst>
+            </p:seq>
+          </p:childTnLst>
+        </p:cTn>
+      </p:par>
+    </p:tnLst>
+  </p:timing>
+</p:sld>
+</file>
+
+<file path=ppt/slides/slide13.xml><?xml version="1.0" encoding="utf-8"?>
+<p:sld xmlns:a="http://schemas.openxmlformats.org/drawingml/2006/main" xmlns:r="http://schemas.openxmlformats.org/officeDocument/2006/relationships" xmlns:p="http://schemas.openxmlformats.org/presentationml/2006/main">
+  <p:cSld>
+    <p:spTree>
+      <p:nvGrpSpPr>
+        <p:cNvPr id="1" name=""/>
+        <p:cNvGrpSpPr/>
+        <p:nvPr/>
+      </p:nvGrpSpPr>
+      <p:grpSpPr>
+        <a:xfrm>
+          <a:off x="0" y="0"/>
+          <a:ext cx="0" cy="0"/>
+          <a:chOff x="0" y="0"/>
+          <a:chExt cx="0" cy="0"/>
+        </a:xfrm>
+      </p:grpSpPr>
+      <p:sp>
+        <p:nvSpPr>
+          <p:cNvPr id="2" name="Titel 1">
+            <a:extLst>
+              <a:ext uri="{FF2B5EF4-FFF2-40B4-BE49-F238E27FC236}">
+                <a16:creationId xmlns:a16="http://schemas.microsoft.com/office/drawing/2014/main" id="{539F7A58-50A7-4FB7-815E-637540C8D23B}"/>
+              </a:ext>
+            </a:extLst>
+          </p:cNvPr>
+          <p:cNvSpPr>
+            <a:spLocks noGrp="1"/>
+          </p:cNvSpPr>
+          <p:nvPr>
+            <p:ph type="title"/>
+          </p:nvPr>
+        </p:nvSpPr>
+        <p:spPr/>
+        <p:txBody>
+          <a:bodyPr/>
+          <a:lstStyle/>
+          <a:p>
+            <a:r>
+              <a:rPr lang="de-DE" dirty="0"/>
+              <a:t>Funktionen</a:t>
+            </a:r>
+          </a:p>
+        </p:txBody>
+      </p:sp>
+      <p:sp>
+        <p:nvSpPr>
+          <p:cNvPr id="3" name="Inhaltsplatzhalter 2">
+            <a:extLst>
+              <a:ext uri="{FF2B5EF4-FFF2-40B4-BE49-F238E27FC236}">
+                <a16:creationId xmlns:a16="http://schemas.microsoft.com/office/drawing/2014/main" id="{6C5EF106-CEF0-4410-A1F4-BA537F240DD3}"/>
+              </a:ext>
+            </a:extLst>
+          </p:cNvPr>
+          <p:cNvSpPr>
+            <a:spLocks noGrp="1"/>
+          </p:cNvSpPr>
+          <p:nvPr>
+            <p:ph sz="quarter" idx="11"/>
+          </p:nvPr>
+        </p:nvSpPr>
+        <p:spPr/>
+        <p:txBody>
+          <a:bodyPr/>
+          <a:lstStyle/>
+          <a:p>
+            <a:pPr algn="ctr"/>
+            <a:r>
+              <a:rPr lang="de-DE" sz="6000" dirty="0"/>
+              <a:t>DEMO</a:t>
+            </a:r>
+          </a:p>
+        </p:txBody>
+      </p:sp>
+    </p:spTree>
+    <p:extLst>
+      <p:ext uri="{BB962C8B-B14F-4D97-AF65-F5344CB8AC3E}">
+        <p14:creationId xmlns:p14="http://schemas.microsoft.com/office/powerpoint/2010/main" val="1767370580"/>
+      </p:ext>
+    </p:extLst>
+  </p:cSld>
+  <p:clrMapOvr>
+    <a:masterClrMapping/>
+  </p:clrMapOvr>
+</p:sld>
+</file>
+
+<file path=ppt/slides/slide14.xml><?xml version="1.0" encoding="utf-8"?>
+<p:sld xmlns:a="http://schemas.openxmlformats.org/drawingml/2006/main" xmlns:r="http://schemas.openxmlformats.org/officeDocument/2006/relationships" xmlns:p="http://schemas.openxmlformats.org/presentationml/2006/main">
+  <p:cSld>
+    <p:spTree>
+      <p:nvGrpSpPr>
+        <p:cNvPr id="1" name=""/>
+        <p:cNvGrpSpPr/>
+        <p:nvPr/>
+      </p:nvGrpSpPr>
+      <p:grpSpPr>
+        <a:xfrm>
+          <a:off x="0" y="0"/>
+          <a:ext cx="0" cy="0"/>
+          <a:chOff x="0" y="0"/>
+          <a:chExt cx="0" cy="0"/>
+        </a:xfrm>
+      </p:grpSpPr>
+      <p:sp>
+        <p:nvSpPr>
+          <p:cNvPr id="2" name="Titel 1">
+            <a:extLst>
+              <a:ext uri="{FF2B5EF4-FFF2-40B4-BE49-F238E27FC236}">
                 <a16:creationId xmlns:a16="http://schemas.microsoft.com/office/drawing/2014/main" id="{80CCB5EB-CA7B-4A63-846F-EC5D2432D97C}"/>
               </a:ext>
             </a:extLst>
@@ -8419,6 +9341,14 @@
             <a:r>
               <a:rPr lang="de-DE" dirty="0" err="1"/>
               <a:t>Hoisting</a:t>
+            </a:r>
+            <a:r>
+              <a:rPr lang="de-DE" dirty="0"/>
+              <a:t> von </a:t>
+            </a:r>
+            <a:r>
+              <a:rPr lang="de-DE" dirty="0" err="1"/>
+              <a:t>var</a:t>
             </a:r>
             <a:endParaRPr lang="de-DE" dirty="0"/>
           </a:p>
@@ -8971,7 +9901,7 @@
 </p:sld>
 </file>
 
-<file path=ppt/slides/slide13.xml><?xml version="1.0" encoding="utf-8"?>
+<file path=ppt/slides/slide15.xml><?xml version="1.0" encoding="utf-8"?>
 <p:sld xmlns:a="http://schemas.openxmlformats.org/drawingml/2006/main" xmlns:r="http://schemas.openxmlformats.org/officeDocument/2006/relationships" xmlns:p="http://schemas.openxmlformats.org/presentationml/2006/main">
   <p:cSld>
     <p:spTree>
@@ -9059,7 +9989,7 @@
 </p:sld>
 </file>
 
-<file path=ppt/slides/slide14.xml><?xml version="1.0" encoding="utf-8"?>
+<file path=ppt/slides/slide16.xml><?xml version="1.0" encoding="utf-8"?>
 <p:sld xmlns:a="http://schemas.openxmlformats.org/drawingml/2006/main" xmlns:r="http://schemas.openxmlformats.org/officeDocument/2006/relationships" xmlns:p="http://schemas.openxmlformats.org/presentationml/2006/main">
   <p:cSld>
     <p:spTree>
@@ -9081,6 +10011,437 @@
           <p:cNvPr id="2" name="Titel 1">
             <a:extLst>
               <a:ext uri="{FF2B5EF4-FFF2-40B4-BE49-F238E27FC236}">
+                <a16:creationId xmlns:a16="http://schemas.microsoft.com/office/drawing/2014/main" id="{072037C1-860B-4A04-8F70-72BF0572169B}"/>
+              </a:ext>
+            </a:extLst>
+          </p:cNvPr>
+          <p:cNvSpPr>
+            <a:spLocks noGrp="1"/>
+          </p:cNvSpPr>
+          <p:nvPr>
+            <p:ph type="title"/>
+          </p:nvPr>
+        </p:nvSpPr>
+        <p:spPr/>
+        <p:txBody>
+          <a:bodyPr/>
+          <a:lstStyle/>
+          <a:p>
+            <a:r>
+              <a:rPr lang="de-DE" dirty="0"/>
+              <a:t>Klassen</a:t>
+            </a:r>
+          </a:p>
+        </p:txBody>
+      </p:sp>
+      <p:sp>
+        <p:nvSpPr>
+          <p:cNvPr id="3" name="Inhaltsplatzhalter 2">
+            <a:extLst>
+              <a:ext uri="{FF2B5EF4-FFF2-40B4-BE49-F238E27FC236}">
+                <a16:creationId xmlns:a16="http://schemas.microsoft.com/office/drawing/2014/main" id="{6EE35551-5258-47D2-8976-C258476BBB60}"/>
+              </a:ext>
+            </a:extLst>
+          </p:cNvPr>
+          <p:cNvSpPr>
+            <a:spLocks noGrp="1"/>
+          </p:cNvSpPr>
+          <p:nvPr>
+            <p:ph sz="quarter" idx="11"/>
+          </p:nvPr>
+        </p:nvSpPr>
+        <p:spPr/>
+        <p:txBody>
+          <a:bodyPr/>
+          <a:lstStyle/>
+          <a:p>
+            <a:pPr marL="285750" indent="-285750">
+              <a:buFontTx/>
+              <a:buChar char="-"/>
+            </a:pPr>
+            <a:r>
+              <a:rPr lang="de-DE" dirty="0"/>
+              <a:t>Erst seit ES5</a:t>
+            </a:r>
+          </a:p>
+          <a:p>
+            <a:pPr marL="285750" indent="-285750">
+              <a:buFontTx/>
+              <a:buChar char="-"/>
+            </a:pPr>
+            <a:r>
+              <a:rPr lang="de-DE" dirty="0"/>
+              <a:t>Syntaktischer Zucker für Funktionen</a:t>
+            </a:r>
+          </a:p>
+          <a:p>
+            <a:pPr marL="285750" indent="-285750">
+              <a:buFontTx/>
+              <a:buChar char="-"/>
+            </a:pPr>
+            <a:r>
+              <a:rPr lang="de-DE" dirty="0"/>
+              <a:t>Können „erben“ mittels </a:t>
+            </a:r>
+            <a:r>
+              <a:rPr lang="de-DE" dirty="0" err="1"/>
+              <a:t>extends</a:t>
+            </a:r>
+            <a:endParaRPr lang="de-DE" dirty="0"/>
+          </a:p>
+          <a:p>
+            <a:pPr marL="285750" indent="-285750">
+              <a:buFontTx/>
+              <a:buChar char="-"/>
+            </a:pPr>
+            <a:r>
+              <a:rPr lang="de-DE" dirty="0"/>
+              <a:t>Müssen mittels „</a:t>
+            </a:r>
+            <a:r>
+              <a:rPr lang="de-DE" dirty="0" err="1"/>
+              <a:t>Constructor</a:t>
+            </a:r>
+            <a:r>
+              <a:rPr lang="de-DE" dirty="0"/>
+              <a:t> Invokation“ aufgerufen werden!</a:t>
+            </a:r>
+          </a:p>
+        </p:txBody>
+      </p:sp>
+    </p:spTree>
+    <p:extLst>
+      <p:ext uri="{BB962C8B-B14F-4D97-AF65-F5344CB8AC3E}">
+        <p14:creationId xmlns:p14="http://schemas.microsoft.com/office/powerpoint/2010/main" val="2764567598"/>
+      </p:ext>
+    </p:extLst>
+  </p:cSld>
+  <p:clrMapOvr>
+    <a:masterClrMapping/>
+  </p:clrMapOvr>
+  <p:timing>
+    <p:tnLst>
+      <p:par>
+        <p:cTn id="1" dur="indefinite" restart="never" nodeType="tmRoot">
+          <p:childTnLst>
+            <p:seq concurrent="1" nextAc="seek">
+              <p:cTn id="2" dur="indefinite" nodeType="mainSeq">
+                <p:childTnLst>
+                  <p:par>
+                    <p:cTn id="3" fill="hold">
+                      <p:stCondLst>
+                        <p:cond delay="indefinite"/>
+                        <p:cond evt="onBegin" delay="0">
+                          <p:tn val="2"/>
+                        </p:cond>
+                      </p:stCondLst>
+                      <p:childTnLst>
+                        <p:par>
+                          <p:cTn id="4" fill="hold">
+                            <p:stCondLst>
+                              <p:cond delay="0"/>
+                            </p:stCondLst>
+                            <p:childTnLst>
+                              <p:par>
+                                <p:cTn id="5" presetID="1" presetClass="entr" presetSubtype="0" fill="hold" nodeType="withEffect">
+                                  <p:stCondLst>
+                                    <p:cond delay="0"/>
+                                  </p:stCondLst>
+                                  <p:childTnLst>
+                                    <p:set>
+                                      <p:cBhvr>
+                                        <p:cTn id="6" dur="1" fill="hold">
+                                          <p:stCondLst>
+                                            <p:cond delay="0"/>
+                                          </p:stCondLst>
+                                        </p:cTn>
+                                        <p:tgtEl>
+                                          <p:spTgt spid="3">
+                                            <p:txEl>
+                                              <p:pRg st="0" end="0"/>
+                                            </p:txEl>
+                                          </p:spTgt>
+                                        </p:tgtEl>
+                                        <p:attrNameLst>
+                                          <p:attrName>style.visibility</p:attrName>
+                                        </p:attrNameLst>
+                                      </p:cBhvr>
+                                      <p:to>
+                                        <p:strVal val="visible"/>
+                                      </p:to>
+                                    </p:set>
+                                  </p:childTnLst>
+                                </p:cTn>
+                              </p:par>
+                              <p:par>
+                                <p:cTn id="7" presetID="1" presetClass="entr" presetSubtype="0" fill="hold" nodeType="withEffect">
+                                  <p:stCondLst>
+                                    <p:cond delay="0"/>
+                                  </p:stCondLst>
+                                  <p:childTnLst>
+                                    <p:set>
+                                      <p:cBhvr>
+                                        <p:cTn id="8" dur="1" fill="hold">
+                                          <p:stCondLst>
+                                            <p:cond delay="0"/>
+                                          </p:stCondLst>
+                                        </p:cTn>
+                                        <p:tgtEl>
+                                          <p:spTgt spid="3">
+                                            <p:txEl>
+                                              <p:pRg st="1" end="1"/>
+                                            </p:txEl>
+                                          </p:spTgt>
+                                        </p:tgtEl>
+                                        <p:attrNameLst>
+                                          <p:attrName>style.visibility</p:attrName>
+                                        </p:attrNameLst>
+                                      </p:cBhvr>
+                                      <p:to>
+                                        <p:strVal val="visible"/>
+                                      </p:to>
+                                    </p:set>
+                                  </p:childTnLst>
+                                </p:cTn>
+                              </p:par>
+                            </p:childTnLst>
+                          </p:cTn>
+                        </p:par>
+                      </p:childTnLst>
+                    </p:cTn>
+                  </p:par>
+                  <p:par>
+                    <p:cTn id="9" fill="hold">
+                      <p:stCondLst>
+                        <p:cond delay="indefinite"/>
+                      </p:stCondLst>
+                      <p:childTnLst>
+                        <p:par>
+                          <p:cTn id="10" fill="hold">
+                            <p:stCondLst>
+                              <p:cond delay="0"/>
+                            </p:stCondLst>
+                            <p:childTnLst>
+                              <p:par>
+                                <p:cTn id="11" presetID="1" presetClass="entr" presetSubtype="0" fill="hold" nodeType="clickEffect">
+                                  <p:stCondLst>
+                                    <p:cond delay="0"/>
+                                  </p:stCondLst>
+                                  <p:childTnLst>
+                                    <p:set>
+                                      <p:cBhvr>
+                                        <p:cTn id="12" dur="1" fill="hold">
+                                          <p:stCondLst>
+                                            <p:cond delay="0"/>
+                                          </p:stCondLst>
+                                        </p:cTn>
+                                        <p:tgtEl>
+                                          <p:spTgt spid="3">
+                                            <p:txEl>
+                                              <p:pRg st="2" end="2"/>
+                                            </p:txEl>
+                                          </p:spTgt>
+                                        </p:tgtEl>
+                                        <p:attrNameLst>
+                                          <p:attrName>style.visibility</p:attrName>
+                                        </p:attrNameLst>
+                                      </p:cBhvr>
+                                      <p:to>
+                                        <p:strVal val="visible"/>
+                                      </p:to>
+                                    </p:set>
+                                  </p:childTnLst>
+                                </p:cTn>
+                              </p:par>
+                            </p:childTnLst>
+                          </p:cTn>
+                        </p:par>
+                      </p:childTnLst>
+                    </p:cTn>
+                  </p:par>
+                  <p:par>
+                    <p:cTn id="13" fill="hold">
+                      <p:stCondLst>
+                        <p:cond delay="indefinite"/>
+                      </p:stCondLst>
+                      <p:childTnLst>
+                        <p:par>
+                          <p:cTn id="14" fill="hold">
+                            <p:stCondLst>
+                              <p:cond delay="0"/>
+                            </p:stCondLst>
+                            <p:childTnLst>
+                              <p:par>
+                                <p:cTn id="15" presetID="1" presetClass="entr" presetSubtype="0" fill="hold" nodeType="clickEffect">
+                                  <p:stCondLst>
+                                    <p:cond delay="0"/>
+                                  </p:stCondLst>
+                                  <p:childTnLst>
+                                    <p:set>
+                                      <p:cBhvr>
+                                        <p:cTn id="16" dur="1" fill="hold">
+                                          <p:stCondLst>
+                                            <p:cond delay="0"/>
+                                          </p:stCondLst>
+                                        </p:cTn>
+                                        <p:tgtEl>
+                                          <p:spTgt spid="3">
+                                            <p:txEl>
+                                              <p:pRg st="3" end="3"/>
+                                            </p:txEl>
+                                          </p:spTgt>
+                                        </p:tgtEl>
+                                        <p:attrNameLst>
+                                          <p:attrName>style.visibility</p:attrName>
+                                        </p:attrNameLst>
+                                      </p:cBhvr>
+                                      <p:to>
+                                        <p:strVal val="visible"/>
+                                      </p:to>
+                                    </p:set>
+                                  </p:childTnLst>
+                                </p:cTn>
+                              </p:par>
+                            </p:childTnLst>
+                          </p:cTn>
+                        </p:par>
+                      </p:childTnLst>
+                    </p:cTn>
+                  </p:par>
+                </p:childTnLst>
+              </p:cTn>
+              <p:prevCondLst>
+                <p:cond evt="onPrev" delay="0">
+                  <p:tgtEl>
+                    <p:sldTgt/>
+                  </p:tgtEl>
+                </p:cond>
+              </p:prevCondLst>
+              <p:nextCondLst>
+                <p:cond evt="onNext" delay="0">
+                  <p:tgtEl>
+                    <p:sldTgt/>
+                  </p:tgtEl>
+                </p:cond>
+              </p:nextCondLst>
+            </p:seq>
+          </p:childTnLst>
+        </p:cTn>
+      </p:par>
+    </p:tnLst>
+  </p:timing>
+</p:sld>
+</file>
+
+<file path=ppt/slides/slide17.xml><?xml version="1.0" encoding="utf-8"?>
+<p:sld xmlns:a="http://schemas.openxmlformats.org/drawingml/2006/main" xmlns:r="http://schemas.openxmlformats.org/officeDocument/2006/relationships" xmlns:p="http://schemas.openxmlformats.org/presentationml/2006/main">
+  <p:cSld>
+    <p:spTree>
+      <p:nvGrpSpPr>
+        <p:cNvPr id="1" name=""/>
+        <p:cNvGrpSpPr/>
+        <p:nvPr/>
+      </p:nvGrpSpPr>
+      <p:grpSpPr>
+        <a:xfrm>
+          <a:off x="0" y="0"/>
+          <a:ext cx="0" cy="0"/>
+          <a:chOff x="0" y="0"/>
+          <a:chExt cx="0" cy="0"/>
+        </a:xfrm>
+      </p:grpSpPr>
+      <p:sp>
+        <p:nvSpPr>
+          <p:cNvPr id="2" name="Titel 1">
+            <a:extLst>
+              <a:ext uri="{FF2B5EF4-FFF2-40B4-BE49-F238E27FC236}">
+                <a16:creationId xmlns:a16="http://schemas.microsoft.com/office/drawing/2014/main" id="{072037C1-860B-4A04-8F70-72BF0572169B}"/>
+              </a:ext>
+            </a:extLst>
+          </p:cNvPr>
+          <p:cNvSpPr>
+            <a:spLocks noGrp="1"/>
+          </p:cNvSpPr>
+          <p:nvPr>
+            <p:ph type="title"/>
+          </p:nvPr>
+        </p:nvSpPr>
+        <p:spPr/>
+        <p:txBody>
+          <a:bodyPr/>
+          <a:lstStyle/>
+          <a:p>
+            <a:r>
+              <a:rPr lang="de-DE" dirty="0"/>
+              <a:t>Klassen</a:t>
+            </a:r>
+          </a:p>
+        </p:txBody>
+      </p:sp>
+      <p:sp>
+        <p:nvSpPr>
+          <p:cNvPr id="3" name="Inhaltsplatzhalter 2">
+            <a:extLst>
+              <a:ext uri="{FF2B5EF4-FFF2-40B4-BE49-F238E27FC236}">
+                <a16:creationId xmlns:a16="http://schemas.microsoft.com/office/drawing/2014/main" id="{6EE35551-5258-47D2-8976-C258476BBB60}"/>
+              </a:ext>
+            </a:extLst>
+          </p:cNvPr>
+          <p:cNvSpPr>
+            <a:spLocks noGrp="1"/>
+          </p:cNvSpPr>
+          <p:nvPr>
+            <p:ph sz="quarter" idx="11"/>
+          </p:nvPr>
+        </p:nvSpPr>
+        <p:spPr/>
+        <p:txBody>
+          <a:bodyPr/>
+          <a:lstStyle/>
+          <a:p>
+            <a:pPr algn="ctr"/>
+            <a:r>
+              <a:rPr lang="de-DE" sz="6000" dirty="0"/>
+              <a:t>DEMO</a:t>
+            </a:r>
+          </a:p>
+        </p:txBody>
+      </p:sp>
+    </p:spTree>
+    <p:extLst>
+      <p:ext uri="{BB962C8B-B14F-4D97-AF65-F5344CB8AC3E}">
+        <p14:creationId xmlns:p14="http://schemas.microsoft.com/office/powerpoint/2010/main" val="2943548267"/>
+      </p:ext>
+    </p:extLst>
+  </p:cSld>
+  <p:clrMapOvr>
+    <a:masterClrMapping/>
+  </p:clrMapOvr>
+</p:sld>
+</file>
+
+<file path=ppt/slides/slide18.xml><?xml version="1.0" encoding="utf-8"?>
+<p:sld xmlns:a="http://schemas.openxmlformats.org/drawingml/2006/main" xmlns:r="http://schemas.openxmlformats.org/officeDocument/2006/relationships" xmlns:p="http://schemas.openxmlformats.org/presentationml/2006/main">
+  <p:cSld>
+    <p:spTree>
+      <p:nvGrpSpPr>
+        <p:cNvPr id="1" name=""/>
+        <p:cNvGrpSpPr/>
+        <p:nvPr/>
+      </p:nvGrpSpPr>
+      <p:grpSpPr>
+        <a:xfrm>
+          <a:off x="0" y="0"/>
+          <a:ext cx="0" cy="0"/>
+          <a:chOff x="0" y="0"/>
+          <a:chExt cx="0" cy="0"/>
+        </a:xfrm>
+      </p:grpSpPr>
+      <p:sp>
+        <p:nvSpPr>
+          <p:cNvPr id="2" name="Titel 1">
+            <a:extLst>
+              <a:ext uri="{FF2B5EF4-FFF2-40B4-BE49-F238E27FC236}">
                 <a16:creationId xmlns:a16="http://schemas.microsoft.com/office/drawing/2014/main" id="{909DC615-3B4C-417D-B5DC-B48FBF6C9BE5}"/>
               </a:ext>
             </a:extLst>
@@ -9210,7 +10571,26 @@
               <a:rPr lang="de-DE" dirty="0" err="1"/>
               <a:t>Scope</a:t>
             </a:r>
-            <a:endParaRPr lang="de-DE" dirty="0"/>
+            <a:r>
+              <a:rPr lang="de-DE" dirty="0"/>
+              <a:t> (nur bei </a:t>
+            </a:r>
+            <a:r>
+              <a:rPr lang="de-DE" dirty="0" err="1"/>
+              <a:t>let</a:t>
+            </a:r>
+            <a:r>
+              <a:rPr lang="de-DE" dirty="0"/>
+              <a:t> und </a:t>
+            </a:r>
+            <a:r>
+              <a:rPr lang="de-DE" dirty="0" err="1"/>
+              <a:t>const</a:t>
+            </a:r>
+            <a:r>
+              <a:rPr lang="de-DE" dirty="0"/>
+              <a:t>)</a:t>
+            </a:r>
           </a:p>
           <a:p>
             <a:pPr marL="468276" lvl="1" indent="-285750">
@@ -9617,896 +10997,6 @@
 </p:sld>
 </file>
 
-<file path=ppt/slides/slide15.xml><?xml version="1.0" encoding="utf-8"?>
-<p:sld xmlns:a="http://schemas.openxmlformats.org/drawingml/2006/main" xmlns:r="http://schemas.openxmlformats.org/officeDocument/2006/relationships" xmlns:p="http://schemas.openxmlformats.org/presentationml/2006/main">
-  <p:cSld>
-    <p:spTree>
-      <p:nvGrpSpPr>
-        <p:cNvPr id="1" name=""/>
-        <p:cNvGrpSpPr/>
-        <p:nvPr/>
-      </p:nvGrpSpPr>
-      <p:grpSpPr>
-        <a:xfrm>
-          <a:off x="0" y="0"/>
-          <a:ext cx="0" cy="0"/>
-          <a:chOff x="0" y="0"/>
-          <a:chExt cx="0" cy="0"/>
-        </a:xfrm>
-      </p:grpSpPr>
-      <p:sp>
-        <p:nvSpPr>
-          <p:cNvPr id="2" name="Titel 1">
-            <a:extLst>
-              <a:ext uri="{FF2B5EF4-FFF2-40B4-BE49-F238E27FC236}">
-                <a16:creationId xmlns:a16="http://schemas.microsoft.com/office/drawing/2014/main" id="{4865D6E2-5ED5-4DBA-A5D5-D6B83D966956}"/>
-              </a:ext>
-            </a:extLst>
-          </p:cNvPr>
-          <p:cNvSpPr>
-            <a:spLocks noGrp="1"/>
-          </p:cNvSpPr>
-          <p:nvPr>
-            <p:ph type="title"/>
-          </p:nvPr>
-        </p:nvSpPr>
-        <p:spPr/>
-        <p:txBody>
-          <a:bodyPr/>
-          <a:lstStyle/>
-          <a:p>
-            <a:r>
-              <a:rPr lang="de-DE" dirty="0"/>
-              <a:t>Scopes</a:t>
-            </a:r>
-          </a:p>
-        </p:txBody>
-      </p:sp>
-      <p:sp>
-        <p:nvSpPr>
-          <p:cNvPr id="3" name="Inhaltsplatzhalter 2">
-            <a:extLst>
-              <a:ext uri="{FF2B5EF4-FFF2-40B4-BE49-F238E27FC236}">
-                <a16:creationId xmlns:a16="http://schemas.microsoft.com/office/drawing/2014/main" id="{E293A8D4-6858-49F0-8B86-B10F5A2338C7}"/>
-              </a:ext>
-            </a:extLst>
-          </p:cNvPr>
-          <p:cNvSpPr>
-            <a:spLocks noGrp="1"/>
-          </p:cNvSpPr>
-          <p:nvPr>
-            <p:ph sz="quarter" idx="11"/>
-          </p:nvPr>
-        </p:nvSpPr>
-        <p:spPr/>
-        <p:txBody>
-          <a:bodyPr/>
-          <a:lstStyle/>
-          <a:p>
-            <a:pPr algn="ctr"/>
-            <a:r>
-              <a:rPr lang="de-DE" sz="6000" dirty="0"/>
-              <a:t>DEMO</a:t>
-            </a:r>
-          </a:p>
-        </p:txBody>
-      </p:sp>
-    </p:spTree>
-    <p:extLst>
-      <p:ext uri="{BB962C8B-B14F-4D97-AF65-F5344CB8AC3E}">
-        <p14:creationId xmlns:p14="http://schemas.microsoft.com/office/powerpoint/2010/main" val="3373386575"/>
-      </p:ext>
-    </p:extLst>
-  </p:cSld>
-  <p:clrMapOvr>
-    <a:masterClrMapping/>
-  </p:clrMapOvr>
-</p:sld>
-</file>
-
-<file path=ppt/slides/slide16.xml><?xml version="1.0" encoding="utf-8"?>
-<p:sld xmlns:a="http://schemas.openxmlformats.org/drawingml/2006/main" xmlns:r="http://schemas.openxmlformats.org/officeDocument/2006/relationships" xmlns:p="http://schemas.openxmlformats.org/presentationml/2006/main">
-  <p:cSld>
-    <p:spTree>
-      <p:nvGrpSpPr>
-        <p:cNvPr id="1" name=""/>
-        <p:cNvGrpSpPr/>
-        <p:nvPr/>
-      </p:nvGrpSpPr>
-      <p:grpSpPr>
-        <a:xfrm>
-          <a:off x="0" y="0"/>
-          <a:ext cx="0" cy="0"/>
-          <a:chOff x="0" y="0"/>
-          <a:chExt cx="0" cy="0"/>
-        </a:xfrm>
-      </p:grpSpPr>
-      <p:sp>
-        <p:nvSpPr>
-          <p:cNvPr id="2" name="Titel 1">
-            <a:extLst>
-              <a:ext uri="{FF2B5EF4-FFF2-40B4-BE49-F238E27FC236}">
-                <a16:creationId xmlns:a16="http://schemas.microsoft.com/office/drawing/2014/main" id="{7B3567E3-CE43-4F1D-921D-D56B34FBD93B}"/>
-              </a:ext>
-            </a:extLst>
-          </p:cNvPr>
-          <p:cNvSpPr>
-            <a:spLocks noGrp="1"/>
-          </p:cNvSpPr>
-          <p:nvPr>
-            <p:ph type="title"/>
-          </p:nvPr>
-        </p:nvSpPr>
-        <p:spPr/>
-        <p:txBody>
-          <a:bodyPr/>
-          <a:lstStyle/>
-          <a:p>
-            <a:r>
-              <a:rPr lang="de-DE" dirty="0"/>
-              <a:t>This</a:t>
-            </a:r>
-          </a:p>
-        </p:txBody>
-      </p:sp>
-      <p:sp>
-        <p:nvSpPr>
-          <p:cNvPr id="3" name="Inhaltsplatzhalter 2">
-            <a:extLst>
-              <a:ext uri="{FF2B5EF4-FFF2-40B4-BE49-F238E27FC236}">
-                <a16:creationId xmlns:a16="http://schemas.microsoft.com/office/drawing/2014/main" id="{2F3128E9-F77F-4634-80CF-368A725E1DAA}"/>
-              </a:ext>
-            </a:extLst>
-          </p:cNvPr>
-          <p:cNvSpPr>
-            <a:spLocks noGrp="1"/>
-          </p:cNvSpPr>
-          <p:nvPr>
-            <p:ph sz="quarter" idx="11"/>
-          </p:nvPr>
-        </p:nvSpPr>
-        <p:spPr/>
-        <p:txBody>
-          <a:bodyPr/>
-          <a:lstStyle/>
-          <a:p>
-            <a:endParaRPr lang="de-DE" dirty="0"/>
-          </a:p>
-        </p:txBody>
-      </p:sp>
-    </p:spTree>
-    <p:extLst>
-      <p:ext uri="{BB962C8B-B14F-4D97-AF65-F5344CB8AC3E}">
-        <p14:creationId xmlns:p14="http://schemas.microsoft.com/office/powerpoint/2010/main" val="3729833156"/>
-      </p:ext>
-    </p:extLst>
-  </p:cSld>
-  <p:clrMapOvr>
-    <a:masterClrMapping/>
-  </p:clrMapOvr>
-</p:sld>
-</file>
-
-<file path=ppt/slides/slide17.xml><?xml version="1.0" encoding="utf-8"?>
-<p:sld xmlns:a="http://schemas.openxmlformats.org/drawingml/2006/main" xmlns:r="http://schemas.openxmlformats.org/officeDocument/2006/relationships" xmlns:p="http://schemas.openxmlformats.org/presentationml/2006/main">
-  <p:cSld>
-    <p:spTree>
-      <p:nvGrpSpPr>
-        <p:cNvPr id="1" name=""/>
-        <p:cNvGrpSpPr/>
-        <p:nvPr/>
-      </p:nvGrpSpPr>
-      <p:grpSpPr>
-        <a:xfrm>
-          <a:off x="0" y="0"/>
-          <a:ext cx="0" cy="0"/>
-          <a:chOff x="0" y="0"/>
-          <a:chExt cx="0" cy="0"/>
-        </a:xfrm>
-      </p:grpSpPr>
-      <p:sp>
-        <p:nvSpPr>
-          <p:cNvPr id="2" name="Titel 1">
-            <a:extLst>
-              <a:ext uri="{FF2B5EF4-FFF2-40B4-BE49-F238E27FC236}">
-                <a16:creationId xmlns:a16="http://schemas.microsoft.com/office/drawing/2014/main" id="{C7B61E2F-5D3B-4FB7-A46D-97252DFF1120}"/>
-              </a:ext>
-            </a:extLst>
-          </p:cNvPr>
-          <p:cNvSpPr>
-            <a:spLocks noGrp="1"/>
-          </p:cNvSpPr>
-          <p:nvPr>
-            <p:ph type="title"/>
-          </p:nvPr>
-        </p:nvSpPr>
-        <p:spPr/>
-        <p:txBody>
-          <a:bodyPr/>
-          <a:lstStyle/>
-          <a:p>
-            <a:r>
-              <a:rPr lang="de-DE" dirty="0" err="1"/>
-              <a:t>Strict</a:t>
-            </a:r>
-            <a:r>
-              <a:rPr lang="de-DE" dirty="0"/>
-              <a:t>-Mode</a:t>
-            </a:r>
-          </a:p>
-        </p:txBody>
-      </p:sp>
-      <p:sp>
-        <p:nvSpPr>
-          <p:cNvPr id="3" name="Inhaltsplatzhalter 2">
-            <a:extLst>
-              <a:ext uri="{FF2B5EF4-FFF2-40B4-BE49-F238E27FC236}">
-                <a16:creationId xmlns:a16="http://schemas.microsoft.com/office/drawing/2014/main" id="{C66A3FAC-7F1F-43E2-B43B-870A2735CBC4}"/>
-              </a:ext>
-            </a:extLst>
-          </p:cNvPr>
-          <p:cNvSpPr>
-            <a:spLocks noGrp="1"/>
-          </p:cNvSpPr>
-          <p:nvPr>
-            <p:ph sz="quarter" idx="11"/>
-          </p:nvPr>
-        </p:nvSpPr>
-        <p:spPr/>
-        <p:txBody>
-          <a:bodyPr/>
-          <a:lstStyle/>
-          <a:p>
-            <a:pPr marL="285750" indent="-285750">
-              <a:buFontTx/>
-              <a:buChar char="-"/>
-            </a:pPr>
-            <a:r>
-              <a:rPr lang="de-DE" dirty="0"/>
-              <a:t>JavaScript verzeiht viele Fehler</a:t>
-            </a:r>
-          </a:p>
-          <a:p>
-            <a:pPr marL="285750" indent="-285750">
-              <a:buFontTx/>
-              <a:buChar char="-"/>
-            </a:pPr>
-            <a:r>
-              <a:rPr lang="de-DE" dirty="0"/>
-              <a:t>Versucht Fehler eigenständig zu korrigieren</a:t>
-            </a:r>
-          </a:p>
-          <a:p>
-            <a:pPr marL="285750" indent="-285750">
-              <a:buFontTx/>
-              <a:buChar char="-"/>
-            </a:pPr>
-            <a:r>
-              <a:rPr lang="de-DE" dirty="0"/>
-              <a:t>‘</a:t>
-            </a:r>
-            <a:r>
-              <a:rPr lang="de-DE" dirty="0" err="1"/>
-              <a:t>use</a:t>
-            </a:r>
-            <a:r>
-              <a:rPr lang="de-DE" dirty="0"/>
-              <a:t> </a:t>
-            </a:r>
-            <a:r>
-              <a:rPr lang="de-DE" dirty="0" err="1"/>
-              <a:t>strict</a:t>
-            </a:r>
-            <a:r>
-              <a:rPr lang="de-DE" dirty="0"/>
-              <a:t>‘</a:t>
-            </a:r>
-          </a:p>
-          <a:p>
-            <a:endParaRPr lang="de-DE" dirty="0"/>
-          </a:p>
-          <a:p>
-            <a:r>
-              <a:rPr lang="de-DE" dirty="0"/>
-              <a:t>Beispiel:</a:t>
-            </a:r>
-          </a:p>
-          <a:p>
-            <a:r>
-              <a:rPr lang="de-DE" dirty="0"/>
-              <a:t>x = 23;</a:t>
-            </a:r>
-          </a:p>
-          <a:p>
-            <a:r>
-              <a:rPr lang="de-DE" dirty="0"/>
-              <a:t>console.log(x);</a:t>
-            </a:r>
-          </a:p>
-          <a:p>
-            <a:endParaRPr lang="de-DE" dirty="0"/>
-          </a:p>
-          <a:p>
-            <a:pPr marL="285750" indent="-285750">
-              <a:buFontTx/>
-              <a:buChar char="-"/>
-            </a:pPr>
-            <a:r>
-              <a:rPr lang="de-DE" dirty="0"/>
-              <a:t>Code ist sauberer, lesbarer, wartbarer </a:t>
-            </a:r>
-          </a:p>
-          <a:p>
-            <a:r>
-              <a:rPr lang="de-DE" dirty="0"/>
-              <a:t>	</a:t>
-            </a:r>
-          </a:p>
-        </p:txBody>
-      </p:sp>
-      <p:sp>
-        <p:nvSpPr>
-          <p:cNvPr id="5" name="Textfeld 4">
-            <a:extLst>
-              <a:ext uri="{FF2B5EF4-FFF2-40B4-BE49-F238E27FC236}">
-                <a16:creationId xmlns:a16="http://schemas.microsoft.com/office/drawing/2014/main" id="{4703504F-51E2-4BA0-8083-3DA4108A4E64}"/>
-              </a:ext>
-            </a:extLst>
-          </p:cNvPr>
-          <p:cNvSpPr txBox="1"/>
-          <p:nvPr/>
-        </p:nvSpPr>
-        <p:spPr>
-          <a:xfrm>
-            <a:off x="2369974" y="3736133"/>
-            <a:ext cx="4534678" cy="369332"/>
-          </a:xfrm>
-          <a:prstGeom prst="rect">
-            <a:avLst/>
-          </a:prstGeom>
-          <a:noFill/>
-        </p:spPr>
-        <p:txBody>
-          <a:bodyPr wrap="square" rtlCol="0">
-            <a:spAutoFit/>
-          </a:bodyPr>
-          <a:lstStyle/>
-          <a:p>
-            <a:r>
-              <a:rPr lang="de-DE" dirty="0"/>
-              <a:t>// </a:t>
-            </a:r>
-            <a:r>
-              <a:rPr lang="en-US" dirty="0" err="1"/>
-              <a:t>ReferenceError</a:t>
-            </a:r>
-            <a:r>
-              <a:rPr lang="en-US" dirty="0"/>
-              <a:t>: x is not defined</a:t>
-            </a:r>
-            <a:endParaRPr lang="de-DE" dirty="0"/>
-          </a:p>
-        </p:txBody>
-      </p:sp>
-    </p:spTree>
-    <p:extLst>
-      <p:ext uri="{BB962C8B-B14F-4D97-AF65-F5344CB8AC3E}">
-        <p14:creationId xmlns:p14="http://schemas.microsoft.com/office/powerpoint/2010/main" val="662705198"/>
-      </p:ext>
-    </p:extLst>
-  </p:cSld>
-  <p:clrMapOvr>
-    <a:masterClrMapping/>
-  </p:clrMapOvr>
-  <p:timing>
-    <p:tnLst>
-      <p:par>
-        <p:cTn id="1" dur="indefinite" restart="never" nodeType="tmRoot">
-          <p:childTnLst>
-            <p:seq concurrent="1" nextAc="seek">
-              <p:cTn id="2" dur="indefinite" nodeType="mainSeq">
-                <p:childTnLst>
-                  <p:par>
-                    <p:cTn id="3" fill="hold">
-                      <p:stCondLst>
-                        <p:cond delay="indefinite"/>
-                        <p:cond evt="onBegin" delay="0">
-                          <p:tn val="2"/>
-                        </p:cond>
-                      </p:stCondLst>
-                      <p:childTnLst>
-                        <p:par>
-                          <p:cTn id="4" fill="hold">
-                            <p:stCondLst>
-                              <p:cond delay="0"/>
-                            </p:stCondLst>
-                            <p:childTnLst>
-                              <p:par>
-                                <p:cTn id="5" presetID="1" presetClass="entr" presetSubtype="0" fill="hold" nodeType="withEffect">
-                                  <p:stCondLst>
-                                    <p:cond delay="0"/>
-                                  </p:stCondLst>
-                                  <p:childTnLst>
-                                    <p:set>
-                                      <p:cBhvr>
-                                        <p:cTn id="6" dur="1" fill="hold">
-                                          <p:stCondLst>
-                                            <p:cond delay="0"/>
-                                          </p:stCondLst>
-                                        </p:cTn>
-                                        <p:tgtEl>
-                                          <p:spTgt spid="3">
-                                            <p:txEl>
-                                              <p:pRg st="0" end="0"/>
-                                            </p:txEl>
-                                          </p:spTgt>
-                                        </p:tgtEl>
-                                        <p:attrNameLst>
-                                          <p:attrName>style.visibility</p:attrName>
-                                        </p:attrNameLst>
-                                      </p:cBhvr>
-                                      <p:to>
-                                        <p:strVal val="visible"/>
-                                      </p:to>
-                                    </p:set>
-                                  </p:childTnLst>
-                                </p:cTn>
-                              </p:par>
-                              <p:par>
-                                <p:cTn id="7" presetID="1" presetClass="entr" presetSubtype="0" fill="hold" nodeType="withEffect">
-                                  <p:stCondLst>
-                                    <p:cond delay="0"/>
-                                  </p:stCondLst>
-                                  <p:childTnLst>
-                                    <p:set>
-                                      <p:cBhvr>
-                                        <p:cTn id="8" dur="1" fill="hold">
-                                          <p:stCondLst>
-                                            <p:cond delay="0"/>
-                                          </p:stCondLst>
-                                        </p:cTn>
-                                        <p:tgtEl>
-                                          <p:spTgt spid="3">
-                                            <p:txEl>
-                                              <p:pRg st="1" end="1"/>
-                                            </p:txEl>
-                                          </p:spTgt>
-                                        </p:tgtEl>
-                                        <p:attrNameLst>
-                                          <p:attrName>style.visibility</p:attrName>
-                                        </p:attrNameLst>
-                                      </p:cBhvr>
-                                      <p:to>
-                                        <p:strVal val="visible"/>
-                                      </p:to>
-                                    </p:set>
-                                  </p:childTnLst>
-                                </p:cTn>
-                              </p:par>
-                            </p:childTnLst>
-                          </p:cTn>
-                        </p:par>
-                      </p:childTnLst>
-                    </p:cTn>
-                  </p:par>
-                  <p:par>
-                    <p:cTn id="9" fill="hold">
-                      <p:stCondLst>
-                        <p:cond delay="indefinite"/>
-                      </p:stCondLst>
-                      <p:childTnLst>
-                        <p:par>
-                          <p:cTn id="10" fill="hold">
-                            <p:stCondLst>
-                              <p:cond delay="0"/>
-                            </p:stCondLst>
-                            <p:childTnLst>
-                              <p:par>
-                                <p:cTn id="11" presetID="1" presetClass="entr" presetSubtype="0" fill="hold" nodeType="clickEffect">
-                                  <p:stCondLst>
-                                    <p:cond delay="0"/>
-                                  </p:stCondLst>
-                                  <p:childTnLst>
-                                    <p:set>
-                                      <p:cBhvr>
-                                        <p:cTn id="12" dur="1" fill="hold">
-                                          <p:stCondLst>
-                                            <p:cond delay="0"/>
-                                          </p:stCondLst>
-                                        </p:cTn>
-                                        <p:tgtEl>
-                                          <p:spTgt spid="3">
-                                            <p:txEl>
-                                              <p:pRg st="2" end="2"/>
-                                            </p:txEl>
-                                          </p:spTgt>
-                                        </p:tgtEl>
-                                        <p:attrNameLst>
-                                          <p:attrName>style.visibility</p:attrName>
-                                        </p:attrNameLst>
-                                      </p:cBhvr>
-                                      <p:to>
-                                        <p:strVal val="visible"/>
-                                      </p:to>
-                                    </p:set>
-                                  </p:childTnLst>
-                                </p:cTn>
-                              </p:par>
-                            </p:childTnLst>
-                          </p:cTn>
-                        </p:par>
-                      </p:childTnLst>
-                    </p:cTn>
-                  </p:par>
-                  <p:par>
-                    <p:cTn id="13" fill="hold">
-                      <p:stCondLst>
-                        <p:cond delay="indefinite"/>
-                      </p:stCondLst>
-                      <p:childTnLst>
-                        <p:par>
-                          <p:cTn id="14" fill="hold">
-                            <p:stCondLst>
-                              <p:cond delay="0"/>
-                            </p:stCondLst>
-                            <p:childTnLst>
-                              <p:par>
-                                <p:cTn id="15" presetID="1" presetClass="entr" presetSubtype="0" fill="hold" nodeType="clickEffect">
-                                  <p:stCondLst>
-                                    <p:cond delay="0"/>
-                                  </p:stCondLst>
-                                  <p:childTnLst>
-                                    <p:set>
-                                      <p:cBhvr>
-                                        <p:cTn id="16" dur="1" fill="hold">
-                                          <p:stCondLst>
-                                            <p:cond delay="0"/>
-                                          </p:stCondLst>
-                                        </p:cTn>
-                                        <p:tgtEl>
-                                          <p:spTgt spid="3">
-                                            <p:txEl>
-                                              <p:pRg st="4" end="4"/>
-                                            </p:txEl>
-                                          </p:spTgt>
-                                        </p:tgtEl>
-                                        <p:attrNameLst>
-                                          <p:attrName>style.visibility</p:attrName>
-                                        </p:attrNameLst>
-                                      </p:cBhvr>
-                                      <p:to>
-                                        <p:strVal val="visible"/>
-                                      </p:to>
-                                    </p:set>
-                                  </p:childTnLst>
-                                </p:cTn>
-                              </p:par>
-                              <p:par>
-                                <p:cTn id="17" presetID="1" presetClass="entr" presetSubtype="0" fill="hold" nodeType="withEffect">
-                                  <p:stCondLst>
-                                    <p:cond delay="0"/>
-                                  </p:stCondLst>
-                                  <p:childTnLst>
-                                    <p:set>
-                                      <p:cBhvr>
-                                        <p:cTn id="18" dur="1" fill="hold">
-                                          <p:stCondLst>
-                                            <p:cond delay="0"/>
-                                          </p:stCondLst>
-                                        </p:cTn>
-                                        <p:tgtEl>
-                                          <p:spTgt spid="3">
-                                            <p:txEl>
-                                              <p:pRg st="5" end="5"/>
-                                            </p:txEl>
-                                          </p:spTgt>
-                                        </p:tgtEl>
-                                        <p:attrNameLst>
-                                          <p:attrName>style.visibility</p:attrName>
-                                        </p:attrNameLst>
-                                      </p:cBhvr>
-                                      <p:to>
-                                        <p:strVal val="visible"/>
-                                      </p:to>
-                                    </p:set>
-                                  </p:childTnLst>
-                                </p:cTn>
-                              </p:par>
-                              <p:par>
-                                <p:cTn id="19" presetID="1" presetClass="entr" presetSubtype="0" fill="hold" nodeType="withEffect">
-                                  <p:stCondLst>
-                                    <p:cond delay="0"/>
-                                  </p:stCondLst>
-                                  <p:childTnLst>
-                                    <p:set>
-                                      <p:cBhvr>
-                                        <p:cTn id="20" dur="1" fill="hold">
-                                          <p:stCondLst>
-                                            <p:cond delay="0"/>
-                                          </p:stCondLst>
-                                        </p:cTn>
-                                        <p:tgtEl>
-                                          <p:spTgt spid="3">
-                                            <p:txEl>
-                                              <p:pRg st="6" end="6"/>
-                                            </p:txEl>
-                                          </p:spTgt>
-                                        </p:tgtEl>
-                                        <p:attrNameLst>
-                                          <p:attrName>style.visibility</p:attrName>
-                                        </p:attrNameLst>
-                                      </p:cBhvr>
-                                      <p:to>
-                                        <p:strVal val="visible"/>
-                                      </p:to>
-                                    </p:set>
-                                  </p:childTnLst>
-                                </p:cTn>
-                              </p:par>
-                            </p:childTnLst>
-                          </p:cTn>
-                        </p:par>
-                      </p:childTnLst>
-                    </p:cTn>
-                  </p:par>
-                  <p:par>
-                    <p:cTn id="21" fill="hold">
-                      <p:stCondLst>
-                        <p:cond delay="indefinite"/>
-                      </p:stCondLst>
-                      <p:childTnLst>
-                        <p:par>
-                          <p:cTn id="22" fill="hold">
-                            <p:stCondLst>
-                              <p:cond delay="0"/>
-                            </p:stCondLst>
-                            <p:childTnLst>
-                              <p:par>
-                                <p:cTn id="23" presetID="1" presetClass="entr" presetSubtype="0" fill="hold" grpId="0" nodeType="clickEffect">
-                                  <p:stCondLst>
-                                    <p:cond delay="0"/>
-                                  </p:stCondLst>
-                                  <p:childTnLst>
-                                    <p:set>
-                                      <p:cBhvr>
-                                        <p:cTn id="24" dur="1" fill="hold">
-                                          <p:stCondLst>
-                                            <p:cond delay="0"/>
-                                          </p:stCondLst>
-                                        </p:cTn>
-                                        <p:tgtEl>
-                                          <p:spTgt spid="5"/>
-                                        </p:tgtEl>
-                                        <p:attrNameLst>
-                                          <p:attrName>style.visibility</p:attrName>
-                                        </p:attrNameLst>
-                                      </p:cBhvr>
-                                      <p:to>
-                                        <p:strVal val="visible"/>
-                                      </p:to>
-                                    </p:set>
-                                  </p:childTnLst>
-                                </p:cTn>
-                              </p:par>
-                            </p:childTnLst>
-                          </p:cTn>
-                        </p:par>
-                      </p:childTnLst>
-                    </p:cTn>
-                  </p:par>
-                  <p:par>
-                    <p:cTn id="25" fill="hold">
-                      <p:stCondLst>
-                        <p:cond delay="indefinite"/>
-                      </p:stCondLst>
-                      <p:childTnLst>
-                        <p:par>
-                          <p:cTn id="26" fill="hold">
-                            <p:stCondLst>
-                              <p:cond delay="0"/>
-                            </p:stCondLst>
-                            <p:childTnLst>
-                              <p:par>
-                                <p:cTn id="27" presetID="1" presetClass="entr" presetSubtype="0" fill="hold" nodeType="clickEffect">
-                                  <p:stCondLst>
-                                    <p:cond delay="0"/>
-                                  </p:stCondLst>
-                                  <p:childTnLst>
-                                    <p:set>
-                                      <p:cBhvr>
-                                        <p:cTn id="28" dur="1" fill="hold">
-                                          <p:stCondLst>
-                                            <p:cond delay="0"/>
-                                          </p:stCondLst>
-                                        </p:cTn>
-                                        <p:tgtEl>
-                                          <p:spTgt spid="3">
-                                            <p:txEl>
-                                              <p:pRg st="8" end="8"/>
-                                            </p:txEl>
-                                          </p:spTgt>
-                                        </p:tgtEl>
-                                        <p:attrNameLst>
-                                          <p:attrName>style.visibility</p:attrName>
-                                        </p:attrNameLst>
-                                      </p:cBhvr>
-                                      <p:to>
-                                        <p:strVal val="visible"/>
-                                      </p:to>
-                                    </p:set>
-                                  </p:childTnLst>
-                                </p:cTn>
-                              </p:par>
-                            </p:childTnLst>
-                          </p:cTn>
-                        </p:par>
-                      </p:childTnLst>
-                    </p:cTn>
-                  </p:par>
-                  <p:par>
-                    <p:cTn id="29" fill="hold">
-                      <p:stCondLst>
-                        <p:cond delay="indefinite"/>
-                      </p:stCondLst>
-                      <p:childTnLst>
-                        <p:par>
-                          <p:cTn id="30" fill="hold">
-                            <p:stCondLst>
-                              <p:cond delay="0"/>
-                            </p:stCondLst>
-                            <p:childTnLst>
-                              <p:par>
-                                <p:cTn id="31" presetID="1" presetClass="entr" presetSubtype="0" fill="hold" nodeType="clickEffect">
-                                  <p:stCondLst>
-                                    <p:cond delay="0"/>
-                                  </p:stCondLst>
-                                  <p:childTnLst>
-                                    <p:set>
-                                      <p:cBhvr>
-                                        <p:cTn id="32" dur="1" fill="hold">
-                                          <p:stCondLst>
-                                            <p:cond delay="0"/>
-                                          </p:stCondLst>
-                                        </p:cTn>
-                                        <p:tgtEl>
-                                          <p:spTgt spid="3">
-                                            <p:txEl>
-                                              <p:pRg st="9" end="9"/>
-                                            </p:txEl>
-                                          </p:spTgt>
-                                        </p:tgtEl>
-                                        <p:attrNameLst>
-                                          <p:attrName>style.visibility</p:attrName>
-                                        </p:attrNameLst>
-                                      </p:cBhvr>
-                                      <p:to>
-                                        <p:strVal val="visible"/>
-                                      </p:to>
-                                    </p:set>
-                                  </p:childTnLst>
-                                </p:cTn>
-                              </p:par>
-                            </p:childTnLst>
-                          </p:cTn>
-                        </p:par>
-                      </p:childTnLst>
-                    </p:cTn>
-                  </p:par>
-                </p:childTnLst>
-              </p:cTn>
-              <p:prevCondLst>
-                <p:cond evt="onPrev" delay="0">
-                  <p:tgtEl>
-                    <p:sldTgt/>
-                  </p:tgtEl>
-                </p:cond>
-              </p:prevCondLst>
-              <p:nextCondLst>
-                <p:cond evt="onNext" delay="0">
-                  <p:tgtEl>
-                    <p:sldTgt/>
-                  </p:tgtEl>
-                </p:cond>
-              </p:nextCondLst>
-            </p:seq>
-          </p:childTnLst>
-        </p:cTn>
-      </p:par>
-    </p:tnLst>
-    <p:bldLst>
-      <p:bldP spid="5" grpId="0"/>
-    </p:bldLst>
-  </p:timing>
-</p:sld>
-</file>
-
-<file path=ppt/slides/slide18.xml><?xml version="1.0" encoding="utf-8"?>
-<p:sld xmlns:a="http://schemas.openxmlformats.org/drawingml/2006/main" xmlns:r="http://schemas.openxmlformats.org/officeDocument/2006/relationships" xmlns:p="http://schemas.openxmlformats.org/presentationml/2006/main">
-  <p:cSld>
-    <p:spTree>
-      <p:nvGrpSpPr>
-        <p:cNvPr id="1" name=""/>
-        <p:cNvGrpSpPr/>
-        <p:nvPr/>
-      </p:nvGrpSpPr>
-      <p:grpSpPr>
-        <a:xfrm>
-          <a:off x="0" y="0"/>
-          <a:ext cx="0" cy="0"/>
-          <a:chOff x="0" y="0"/>
-          <a:chExt cx="0" cy="0"/>
-        </a:xfrm>
-      </p:grpSpPr>
-      <p:sp>
-        <p:nvSpPr>
-          <p:cNvPr id="2" name="Titel 1">
-            <a:extLst>
-              <a:ext uri="{FF2B5EF4-FFF2-40B4-BE49-F238E27FC236}">
-                <a16:creationId xmlns:a16="http://schemas.microsoft.com/office/drawing/2014/main" id="{9D430920-52DF-406A-97B8-E440569CC14A}"/>
-              </a:ext>
-            </a:extLst>
-          </p:cNvPr>
-          <p:cNvSpPr>
-            <a:spLocks noGrp="1"/>
-          </p:cNvSpPr>
-          <p:nvPr>
-            <p:ph type="title"/>
-          </p:nvPr>
-        </p:nvSpPr>
-        <p:spPr/>
-        <p:txBody>
-          <a:bodyPr/>
-          <a:lstStyle/>
-          <a:p>
-            <a:r>
-              <a:rPr lang="de-DE" dirty="0" err="1"/>
-              <a:t>TypeScript</a:t>
-            </a:r>
-            <a:r>
-              <a:rPr lang="de-DE" dirty="0"/>
-              <a:t> Typen</a:t>
-            </a:r>
-          </a:p>
-        </p:txBody>
-      </p:sp>
-      <p:sp>
-        <p:nvSpPr>
-          <p:cNvPr id="3" name="Inhaltsplatzhalter 2">
-            <a:extLst>
-              <a:ext uri="{FF2B5EF4-FFF2-40B4-BE49-F238E27FC236}">
-                <a16:creationId xmlns:a16="http://schemas.microsoft.com/office/drawing/2014/main" id="{2DDAA101-1ED8-464A-B61F-B4E932DF553D}"/>
-              </a:ext>
-            </a:extLst>
-          </p:cNvPr>
-          <p:cNvSpPr>
-            <a:spLocks noGrp="1"/>
-          </p:cNvSpPr>
-          <p:nvPr>
-            <p:ph sz="quarter" idx="11"/>
-          </p:nvPr>
-        </p:nvSpPr>
-        <p:spPr/>
-        <p:txBody>
-          <a:bodyPr/>
-          <a:lstStyle/>
-          <a:p>
-            <a:endParaRPr lang="de-DE"/>
-          </a:p>
-        </p:txBody>
-      </p:sp>
-    </p:spTree>
-    <p:extLst>
-      <p:ext uri="{BB962C8B-B14F-4D97-AF65-F5344CB8AC3E}">
-        <p14:creationId xmlns:p14="http://schemas.microsoft.com/office/powerpoint/2010/main" val="2242404016"/>
-      </p:ext>
-    </p:extLst>
-  </p:cSld>
-  <p:clrMapOvr>
-    <a:masterClrMapping/>
-  </p:clrMapOvr>
-</p:sld>
-</file>
-
 <file path=ppt/slides/slide19.xml><?xml version="1.0" encoding="utf-8"?>
 <p:sld xmlns:a="http://schemas.openxmlformats.org/drawingml/2006/main" xmlns:r="http://schemas.openxmlformats.org/officeDocument/2006/relationships" xmlns:p="http://schemas.openxmlformats.org/presentationml/2006/main">
   <p:cSld>
@@ -10529,7 +11019,7 @@
           <p:cNvPr id="2" name="Titel 1">
             <a:extLst>
               <a:ext uri="{FF2B5EF4-FFF2-40B4-BE49-F238E27FC236}">
-                <a16:creationId xmlns:a16="http://schemas.microsoft.com/office/drawing/2014/main" id="{EE08B43D-448C-433E-9870-51D5660D16EA}"/>
+                <a16:creationId xmlns:a16="http://schemas.microsoft.com/office/drawing/2014/main" id="{4865D6E2-5ED5-4DBA-A5D5-D6B83D966956}"/>
               </a:ext>
             </a:extLst>
           </p:cNvPr>
@@ -10547,7 +11037,7 @@
           <a:p>
             <a:r>
               <a:rPr lang="de-DE" dirty="0"/>
-              <a:t>Quellen</a:t>
+              <a:t>Scopes</a:t>
             </a:r>
           </a:p>
         </p:txBody>
@@ -10557,7 +11047,7 @@
           <p:cNvPr id="3" name="Inhaltsplatzhalter 2">
             <a:extLst>
               <a:ext uri="{FF2B5EF4-FFF2-40B4-BE49-F238E27FC236}">
-                <a16:creationId xmlns:a16="http://schemas.microsoft.com/office/drawing/2014/main" id="{87B611CF-87BD-48B3-8558-1926A06064B7}"/>
+                <a16:creationId xmlns:a16="http://schemas.microsoft.com/office/drawing/2014/main" id="{E293A8D4-6858-49F0-8B86-B10F5A2338C7}"/>
               </a:ext>
             </a:extLst>
           </p:cNvPr>
@@ -10573,51 +11063,10 @@
           <a:bodyPr/>
           <a:lstStyle/>
           <a:p>
-            <a:pPr marL="285750" indent="-285750">
-              <a:buFontTx/>
-              <a:buChar char="-"/>
-            </a:pPr>
-            <a:r>
-              <a:rPr lang="de-DE" dirty="0">
-                <a:hlinkClick r:id="rId2"/>
-              </a:rPr>
-              <a:t>www.typescriptlang.org</a:t>
-            </a:r>
-            <a:endParaRPr lang="de-DE" dirty="0"/>
-          </a:p>
-          <a:p>
-            <a:pPr marL="285750" indent="-285750">
-              <a:buFontTx/>
-              <a:buChar char="-"/>
-            </a:pPr>
-            <a:r>
-              <a:rPr lang="de-DE" dirty="0">
-                <a:hlinkClick r:id="rId3"/>
-              </a:rPr>
-              <a:t>https://medium.freecodecamp.org</a:t>
-            </a:r>
-            <a:endParaRPr lang="de-DE" dirty="0"/>
-          </a:p>
-          <a:p>
-            <a:pPr marL="285750" indent="-285750">
-              <a:buFontTx/>
-              <a:buChar char="-"/>
-            </a:pPr>
-            <a:r>
-              <a:rPr lang="de-DE" dirty="0" err="1"/>
-              <a:t>goloJS</a:t>
-            </a:r>
-            <a:r>
-              <a:rPr lang="de-DE" dirty="0"/>
-              <a:t> (</a:t>
-            </a:r>
-            <a:r>
-              <a:rPr lang="de-DE" dirty="0" err="1"/>
-              <a:t>dotnetpro</a:t>
-            </a:r>
-            <a:r>
-              <a:rPr lang="de-DE" dirty="0"/>
-              <a:t>)</a:t>
+            <a:pPr algn="ctr"/>
+            <a:r>
+              <a:rPr lang="de-DE" sz="6000" dirty="0"/>
+              <a:t>DEMO</a:t>
             </a:r>
           </a:p>
         </p:txBody>
@@ -10625,7 +11074,7 @@
     </p:spTree>
     <p:extLst>
       <p:ext uri="{BB962C8B-B14F-4D97-AF65-F5344CB8AC3E}">
-        <p14:creationId xmlns:p14="http://schemas.microsoft.com/office/powerpoint/2010/main" val="3297395879"/>
+        <p14:creationId xmlns:p14="http://schemas.microsoft.com/office/powerpoint/2010/main" val="3373386575"/>
       </p:ext>
     </p:extLst>
   </p:cSld>
@@ -11524,6 +11973,1473 @@
 </file>
 
 <file path=ppt/slides/slide20.xml><?xml version="1.0" encoding="utf-8"?>
+<p:sld xmlns:a="http://schemas.openxmlformats.org/drawingml/2006/main" xmlns:r="http://schemas.openxmlformats.org/officeDocument/2006/relationships" xmlns:p="http://schemas.openxmlformats.org/presentationml/2006/main">
+  <p:cSld>
+    <p:spTree>
+      <p:nvGrpSpPr>
+        <p:cNvPr id="1" name=""/>
+        <p:cNvGrpSpPr/>
+        <p:nvPr/>
+      </p:nvGrpSpPr>
+      <p:grpSpPr>
+        <a:xfrm>
+          <a:off x="0" y="0"/>
+          <a:ext cx="0" cy="0"/>
+          <a:chOff x="0" y="0"/>
+          <a:chExt cx="0" cy="0"/>
+        </a:xfrm>
+      </p:grpSpPr>
+      <p:sp>
+        <p:nvSpPr>
+          <p:cNvPr id="2" name="Titel 1">
+            <a:extLst>
+              <a:ext uri="{FF2B5EF4-FFF2-40B4-BE49-F238E27FC236}">
+                <a16:creationId xmlns:a16="http://schemas.microsoft.com/office/drawing/2014/main" id="{7B3567E3-CE43-4F1D-921D-D56B34FBD93B}"/>
+              </a:ext>
+            </a:extLst>
+          </p:cNvPr>
+          <p:cNvSpPr>
+            <a:spLocks noGrp="1"/>
+          </p:cNvSpPr>
+          <p:nvPr>
+            <p:ph type="title"/>
+          </p:nvPr>
+        </p:nvSpPr>
+        <p:spPr/>
+        <p:txBody>
+          <a:bodyPr/>
+          <a:lstStyle/>
+          <a:p>
+            <a:r>
+              <a:rPr lang="de-DE" dirty="0"/>
+              <a:t>This</a:t>
+            </a:r>
+          </a:p>
+        </p:txBody>
+      </p:sp>
+      <p:sp>
+        <p:nvSpPr>
+          <p:cNvPr id="3" name="Inhaltsplatzhalter 2">
+            <a:extLst>
+              <a:ext uri="{FF2B5EF4-FFF2-40B4-BE49-F238E27FC236}">
+                <a16:creationId xmlns:a16="http://schemas.microsoft.com/office/drawing/2014/main" id="{2F3128E9-F77F-4634-80CF-368A725E1DAA}"/>
+              </a:ext>
+            </a:extLst>
+          </p:cNvPr>
+          <p:cNvSpPr>
+            <a:spLocks noGrp="1"/>
+          </p:cNvSpPr>
+          <p:nvPr>
+            <p:ph sz="quarter" idx="11"/>
+          </p:nvPr>
+        </p:nvSpPr>
+        <p:spPr/>
+        <p:txBody>
+          <a:bodyPr/>
+          <a:lstStyle/>
+          <a:p>
+            <a:pPr marL="285750" indent="-285750">
+              <a:buFontTx/>
+              <a:buChar char="-"/>
+            </a:pPr>
+            <a:r>
+              <a:rPr lang="de-DE" dirty="0"/>
+              <a:t>Implizite Übergabe:</a:t>
+            </a:r>
+          </a:p>
+          <a:p>
+            <a:pPr marL="468276" lvl="1" indent="-285750">
+              <a:buFontTx/>
+              <a:buChar char="-"/>
+            </a:pPr>
+            <a:r>
+              <a:rPr lang="de-DE" dirty="0"/>
+              <a:t>Funktion selbst aufrufen</a:t>
+            </a:r>
+          </a:p>
+          <a:p>
+            <a:pPr marL="468276" lvl="1" indent="-285750">
+              <a:buFontTx/>
+              <a:buChar char="-"/>
+            </a:pPr>
+            <a:r>
+              <a:rPr lang="de-DE" dirty="0"/>
+              <a:t>Funktion auf Objekt aufrufen</a:t>
+            </a:r>
+          </a:p>
+          <a:p>
+            <a:pPr marL="285750" indent="-285750">
+              <a:buFontTx/>
+              <a:buChar char="-"/>
+            </a:pPr>
+            <a:endParaRPr lang="de-DE" dirty="0"/>
+          </a:p>
+          <a:p>
+            <a:pPr marL="285750" indent="-285750">
+              <a:buFontTx/>
+              <a:buChar char="-"/>
+            </a:pPr>
+            <a:r>
+              <a:rPr lang="de-DE" dirty="0"/>
+              <a:t>Explizites Übergeben von </a:t>
+            </a:r>
+            <a:r>
+              <a:rPr lang="de-DE" dirty="0" err="1"/>
+              <a:t>this</a:t>
+            </a:r>
+            <a:r>
+              <a:rPr lang="de-DE" dirty="0"/>
+              <a:t> an Funktionen:</a:t>
+            </a:r>
+          </a:p>
+          <a:p>
+            <a:pPr marL="468276" lvl="1" indent="-285750">
+              <a:buFontTx/>
+              <a:buChar char="-"/>
+            </a:pPr>
+            <a:r>
+              <a:rPr lang="de-DE" dirty="0" err="1"/>
+              <a:t>myFunction</a:t>
+            </a:r>
+            <a:r>
+              <a:rPr lang="de-DE" dirty="0"/>
+              <a:t>(23, 42); -&gt; </a:t>
+            </a:r>
+            <a:r>
+              <a:rPr lang="de-DE" dirty="0" err="1"/>
+              <a:t>myFunction.call</a:t>
+            </a:r>
+            <a:r>
+              <a:rPr lang="de-DE" dirty="0"/>
+              <a:t>(</a:t>
+            </a:r>
+            <a:r>
+              <a:rPr lang="de-DE" dirty="0" err="1"/>
+              <a:t>this</a:t>
+            </a:r>
+            <a:r>
+              <a:rPr lang="de-DE" dirty="0"/>
+              <a:t>, 23, 42);</a:t>
+            </a:r>
+          </a:p>
+          <a:p>
+            <a:pPr marL="468276" lvl="1" indent="-285750">
+              <a:buFontTx/>
+              <a:buChar char="-"/>
+            </a:pPr>
+            <a:r>
+              <a:rPr lang="de-DE" dirty="0" err="1"/>
+              <a:t>myFunction</a:t>
+            </a:r>
+            <a:r>
+              <a:rPr lang="de-DE" dirty="0"/>
+              <a:t>(23, 42); -&gt; </a:t>
+            </a:r>
+            <a:r>
+              <a:rPr lang="de-DE" dirty="0" err="1"/>
+              <a:t>myFunction.apply</a:t>
+            </a:r>
+            <a:r>
+              <a:rPr lang="de-DE" dirty="0"/>
+              <a:t>(</a:t>
+            </a:r>
+            <a:r>
+              <a:rPr lang="de-DE" dirty="0" err="1"/>
+              <a:t>this</a:t>
+            </a:r>
+            <a:r>
+              <a:rPr lang="de-DE" dirty="0"/>
+              <a:t>, [23, 42]);</a:t>
+            </a:r>
+          </a:p>
+          <a:p>
+            <a:pPr marL="468276" lvl="1" indent="-285750">
+              <a:buFontTx/>
+              <a:buChar char="-"/>
+            </a:pPr>
+            <a:r>
+              <a:rPr lang="de-DE" dirty="0" err="1"/>
+              <a:t>myFunction</a:t>
+            </a:r>
+            <a:r>
+              <a:rPr lang="de-DE" dirty="0"/>
+              <a:t>(23, 42); -&gt; </a:t>
+            </a:r>
+            <a:r>
+              <a:rPr lang="de-DE" dirty="0" err="1"/>
+              <a:t>const</a:t>
+            </a:r>
+            <a:r>
+              <a:rPr lang="de-DE" dirty="0"/>
+              <a:t> </a:t>
+            </a:r>
+            <a:r>
+              <a:rPr lang="de-DE" dirty="0" err="1"/>
+              <a:t>bindedFunction</a:t>
+            </a:r>
+            <a:r>
+              <a:rPr lang="de-DE" dirty="0"/>
+              <a:t> = </a:t>
+            </a:r>
+            <a:r>
+              <a:rPr lang="de-DE" dirty="0" err="1"/>
+              <a:t>myFunction.bind</a:t>
+            </a:r>
+            <a:r>
+              <a:rPr lang="de-DE" dirty="0"/>
+              <a:t>(</a:t>
+            </a:r>
+            <a:r>
+              <a:rPr lang="de-DE" dirty="0" err="1"/>
+              <a:t>this</a:t>
+            </a:r>
+            <a:r>
+              <a:rPr lang="de-DE" dirty="0"/>
+              <a:t>); -&gt; </a:t>
+            </a:r>
+            <a:r>
+              <a:rPr lang="de-DE" dirty="0" err="1"/>
+              <a:t>bindedFunction</a:t>
+            </a:r>
+            <a:r>
+              <a:rPr lang="de-DE" dirty="0"/>
+              <a:t>(23, 42)</a:t>
+            </a:r>
+          </a:p>
+        </p:txBody>
+      </p:sp>
+    </p:spTree>
+    <p:extLst>
+      <p:ext uri="{BB962C8B-B14F-4D97-AF65-F5344CB8AC3E}">
+        <p14:creationId xmlns:p14="http://schemas.microsoft.com/office/powerpoint/2010/main" val="3729833156"/>
+      </p:ext>
+    </p:extLst>
+  </p:cSld>
+  <p:clrMapOvr>
+    <a:masterClrMapping/>
+  </p:clrMapOvr>
+  <p:timing>
+    <p:tnLst>
+      <p:par>
+        <p:cTn id="1" dur="indefinite" restart="never" nodeType="tmRoot">
+          <p:childTnLst>
+            <p:seq concurrent="1" nextAc="seek">
+              <p:cTn id="2" dur="indefinite" nodeType="mainSeq">
+                <p:childTnLst>
+                  <p:par>
+                    <p:cTn id="3" fill="hold">
+                      <p:stCondLst>
+                        <p:cond delay="indefinite"/>
+                        <p:cond evt="onBegin" delay="0">
+                          <p:tn val="2"/>
+                        </p:cond>
+                      </p:stCondLst>
+                      <p:childTnLst>
+                        <p:par>
+                          <p:cTn id="4" fill="hold">
+                            <p:stCondLst>
+                              <p:cond delay="0"/>
+                            </p:stCondLst>
+                            <p:childTnLst>
+                              <p:par>
+                                <p:cTn id="5" presetID="1" presetClass="entr" presetSubtype="0" fill="hold" nodeType="withEffect">
+                                  <p:stCondLst>
+                                    <p:cond delay="0"/>
+                                  </p:stCondLst>
+                                  <p:childTnLst>
+                                    <p:set>
+                                      <p:cBhvr>
+                                        <p:cTn id="6" dur="1" fill="hold">
+                                          <p:stCondLst>
+                                            <p:cond delay="0"/>
+                                          </p:stCondLst>
+                                        </p:cTn>
+                                        <p:tgtEl>
+                                          <p:spTgt spid="3">
+                                            <p:txEl>
+                                              <p:pRg st="0" end="0"/>
+                                            </p:txEl>
+                                          </p:spTgt>
+                                        </p:tgtEl>
+                                        <p:attrNameLst>
+                                          <p:attrName>style.visibility</p:attrName>
+                                        </p:attrNameLst>
+                                      </p:cBhvr>
+                                      <p:to>
+                                        <p:strVal val="visible"/>
+                                      </p:to>
+                                    </p:set>
+                                  </p:childTnLst>
+                                </p:cTn>
+                              </p:par>
+                              <p:par>
+                                <p:cTn id="7" presetID="1" presetClass="entr" presetSubtype="0" fill="hold" nodeType="withEffect">
+                                  <p:stCondLst>
+                                    <p:cond delay="0"/>
+                                  </p:stCondLst>
+                                  <p:childTnLst>
+                                    <p:set>
+                                      <p:cBhvr>
+                                        <p:cTn id="8" dur="1" fill="hold">
+                                          <p:stCondLst>
+                                            <p:cond delay="0"/>
+                                          </p:stCondLst>
+                                        </p:cTn>
+                                        <p:tgtEl>
+                                          <p:spTgt spid="3">
+                                            <p:txEl>
+                                              <p:pRg st="1" end="1"/>
+                                            </p:txEl>
+                                          </p:spTgt>
+                                        </p:tgtEl>
+                                        <p:attrNameLst>
+                                          <p:attrName>style.visibility</p:attrName>
+                                        </p:attrNameLst>
+                                      </p:cBhvr>
+                                      <p:to>
+                                        <p:strVal val="visible"/>
+                                      </p:to>
+                                    </p:set>
+                                  </p:childTnLst>
+                                </p:cTn>
+                              </p:par>
+                              <p:par>
+                                <p:cTn id="9" presetID="1" presetClass="entr" presetSubtype="0" fill="hold" nodeType="withEffect">
+                                  <p:stCondLst>
+                                    <p:cond delay="0"/>
+                                  </p:stCondLst>
+                                  <p:childTnLst>
+                                    <p:set>
+                                      <p:cBhvr>
+                                        <p:cTn id="10" dur="1" fill="hold">
+                                          <p:stCondLst>
+                                            <p:cond delay="0"/>
+                                          </p:stCondLst>
+                                        </p:cTn>
+                                        <p:tgtEl>
+                                          <p:spTgt spid="3">
+                                            <p:txEl>
+                                              <p:pRg st="2" end="2"/>
+                                            </p:txEl>
+                                          </p:spTgt>
+                                        </p:tgtEl>
+                                        <p:attrNameLst>
+                                          <p:attrName>style.visibility</p:attrName>
+                                        </p:attrNameLst>
+                                      </p:cBhvr>
+                                      <p:to>
+                                        <p:strVal val="visible"/>
+                                      </p:to>
+                                    </p:set>
+                                  </p:childTnLst>
+                                </p:cTn>
+                              </p:par>
+                            </p:childTnLst>
+                          </p:cTn>
+                        </p:par>
+                      </p:childTnLst>
+                    </p:cTn>
+                  </p:par>
+                  <p:par>
+                    <p:cTn id="11" fill="hold">
+                      <p:stCondLst>
+                        <p:cond delay="indefinite"/>
+                      </p:stCondLst>
+                      <p:childTnLst>
+                        <p:par>
+                          <p:cTn id="12" fill="hold">
+                            <p:stCondLst>
+                              <p:cond delay="0"/>
+                            </p:stCondLst>
+                            <p:childTnLst>
+                              <p:par>
+                                <p:cTn id="13" presetID="1" presetClass="entr" presetSubtype="0" fill="hold" nodeType="clickEffect">
+                                  <p:stCondLst>
+                                    <p:cond delay="0"/>
+                                  </p:stCondLst>
+                                  <p:childTnLst>
+                                    <p:set>
+                                      <p:cBhvr>
+                                        <p:cTn id="14" dur="1" fill="hold">
+                                          <p:stCondLst>
+                                            <p:cond delay="0"/>
+                                          </p:stCondLst>
+                                        </p:cTn>
+                                        <p:tgtEl>
+                                          <p:spTgt spid="3">
+                                            <p:txEl>
+                                              <p:pRg st="4" end="4"/>
+                                            </p:txEl>
+                                          </p:spTgt>
+                                        </p:tgtEl>
+                                        <p:attrNameLst>
+                                          <p:attrName>style.visibility</p:attrName>
+                                        </p:attrNameLst>
+                                      </p:cBhvr>
+                                      <p:to>
+                                        <p:strVal val="visible"/>
+                                      </p:to>
+                                    </p:set>
+                                  </p:childTnLst>
+                                </p:cTn>
+                              </p:par>
+                              <p:par>
+                                <p:cTn id="15" presetID="1" presetClass="entr" presetSubtype="0" fill="hold" nodeType="withEffect">
+                                  <p:stCondLst>
+                                    <p:cond delay="0"/>
+                                  </p:stCondLst>
+                                  <p:childTnLst>
+                                    <p:set>
+                                      <p:cBhvr>
+                                        <p:cTn id="16" dur="1" fill="hold">
+                                          <p:stCondLst>
+                                            <p:cond delay="0"/>
+                                          </p:stCondLst>
+                                        </p:cTn>
+                                        <p:tgtEl>
+                                          <p:spTgt spid="3">
+                                            <p:txEl>
+                                              <p:pRg st="5" end="5"/>
+                                            </p:txEl>
+                                          </p:spTgt>
+                                        </p:tgtEl>
+                                        <p:attrNameLst>
+                                          <p:attrName>style.visibility</p:attrName>
+                                        </p:attrNameLst>
+                                      </p:cBhvr>
+                                      <p:to>
+                                        <p:strVal val="visible"/>
+                                      </p:to>
+                                    </p:set>
+                                  </p:childTnLst>
+                                </p:cTn>
+                              </p:par>
+                            </p:childTnLst>
+                          </p:cTn>
+                        </p:par>
+                      </p:childTnLst>
+                    </p:cTn>
+                  </p:par>
+                  <p:par>
+                    <p:cTn id="17" fill="hold">
+                      <p:stCondLst>
+                        <p:cond delay="indefinite"/>
+                      </p:stCondLst>
+                      <p:childTnLst>
+                        <p:par>
+                          <p:cTn id="18" fill="hold">
+                            <p:stCondLst>
+                              <p:cond delay="0"/>
+                            </p:stCondLst>
+                            <p:childTnLst>
+                              <p:par>
+                                <p:cTn id="19" presetID="1" presetClass="entr" presetSubtype="0" fill="hold" nodeType="clickEffect">
+                                  <p:stCondLst>
+                                    <p:cond delay="0"/>
+                                  </p:stCondLst>
+                                  <p:childTnLst>
+                                    <p:set>
+                                      <p:cBhvr>
+                                        <p:cTn id="20" dur="1" fill="hold">
+                                          <p:stCondLst>
+                                            <p:cond delay="0"/>
+                                          </p:stCondLst>
+                                        </p:cTn>
+                                        <p:tgtEl>
+                                          <p:spTgt spid="3">
+                                            <p:txEl>
+                                              <p:pRg st="6" end="6"/>
+                                            </p:txEl>
+                                          </p:spTgt>
+                                        </p:tgtEl>
+                                        <p:attrNameLst>
+                                          <p:attrName>style.visibility</p:attrName>
+                                        </p:attrNameLst>
+                                      </p:cBhvr>
+                                      <p:to>
+                                        <p:strVal val="visible"/>
+                                      </p:to>
+                                    </p:set>
+                                  </p:childTnLst>
+                                </p:cTn>
+                              </p:par>
+                            </p:childTnLst>
+                          </p:cTn>
+                        </p:par>
+                      </p:childTnLst>
+                    </p:cTn>
+                  </p:par>
+                  <p:par>
+                    <p:cTn id="21" fill="hold">
+                      <p:stCondLst>
+                        <p:cond delay="indefinite"/>
+                      </p:stCondLst>
+                      <p:childTnLst>
+                        <p:par>
+                          <p:cTn id="22" fill="hold">
+                            <p:stCondLst>
+                              <p:cond delay="0"/>
+                            </p:stCondLst>
+                            <p:childTnLst>
+                              <p:par>
+                                <p:cTn id="23" presetID="1" presetClass="entr" presetSubtype="0" fill="hold" nodeType="clickEffect">
+                                  <p:stCondLst>
+                                    <p:cond delay="0"/>
+                                  </p:stCondLst>
+                                  <p:childTnLst>
+                                    <p:set>
+                                      <p:cBhvr>
+                                        <p:cTn id="24" dur="1" fill="hold">
+                                          <p:stCondLst>
+                                            <p:cond delay="0"/>
+                                          </p:stCondLst>
+                                        </p:cTn>
+                                        <p:tgtEl>
+                                          <p:spTgt spid="3">
+                                            <p:txEl>
+                                              <p:pRg st="7" end="7"/>
+                                            </p:txEl>
+                                          </p:spTgt>
+                                        </p:tgtEl>
+                                        <p:attrNameLst>
+                                          <p:attrName>style.visibility</p:attrName>
+                                        </p:attrNameLst>
+                                      </p:cBhvr>
+                                      <p:to>
+                                        <p:strVal val="visible"/>
+                                      </p:to>
+                                    </p:set>
+                                  </p:childTnLst>
+                                </p:cTn>
+                              </p:par>
+                            </p:childTnLst>
+                          </p:cTn>
+                        </p:par>
+                      </p:childTnLst>
+                    </p:cTn>
+                  </p:par>
+                </p:childTnLst>
+              </p:cTn>
+              <p:prevCondLst>
+                <p:cond evt="onPrev" delay="0">
+                  <p:tgtEl>
+                    <p:sldTgt/>
+                  </p:tgtEl>
+                </p:cond>
+              </p:prevCondLst>
+              <p:nextCondLst>
+                <p:cond evt="onNext" delay="0">
+                  <p:tgtEl>
+                    <p:sldTgt/>
+                  </p:tgtEl>
+                </p:cond>
+              </p:nextCondLst>
+            </p:seq>
+          </p:childTnLst>
+        </p:cTn>
+      </p:par>
+    </p:tnLst>
+  </p:timing>
+</p:sld>
+</file>
+
+<file path=ppt/slides/slide21.xml><?xml version="1.0" encoding="utf-8"?>
+<p:sld xmlns:a="http://schemas.openxmlformats.org/drawingml/2006/main" xmlns:r="http://schemas.openxmlformats.org/officeDocument/2006/relationships" xmlns:p="http://schemas.openxmlformats.org/presentationml/2006/main">
+  <p:cSld>
+    <p:spTree>
+      <p:nvGrpSpPr>
+        <p:cNvPr id="1" name=""/>
+        <p:cNvGrpSpPr/>
+        <p:nvPr/>
+      </p:nvGrpSpPr>
+      <p:grpSpPr>
+        <a:xfrm>
+          <a:off x="0" y="0"/>
+          <a:ext cx="0" cy="0"/>
+          <a:chOff x="0" y="0"/>
+          <a:chExt cx="0" cy="0"/>
+        </a:xfrm>
+      </p:grpSpPr>
+      <p:sp>
+        <p:nvSpPr>
+          <p:cNvPr id="2" name="Titel 1">
+            <a:extLst>
+              <a:ext uri="{FF2B5EF4-FFF2-40B4-BE49-F238E27FC236}">
+                <a16:creationId xmlns:a16="http://schemas.microsoft.com/office/drawing/2014/main" id="{7B3567E3-CE43-4F1D-921D-D56B34FBD93B}"/>
+              </a:ext>
+            </a:extLst>
+          </p:cNvPr>
+          <p:cNvSpPr>
+            <a:spLocks noGrp="1"/>
+          </p:cNvSpPr>
+          <p:nvPr>
+            <p:ph type="title"/>
+          </p:nvPr>
+        </p:nvSpPr>
+        <p:spPr/>
+        <p:txBody>
+          <a:bodyPr/>
+          <a:lstStyle/>
+          <a:p>
+            <a:r>
+              <a:rPr lang="de-DE" dirty="0"/>
+              <a:t>This</a:t>
+            </a:r>
+          </a:p>
+        </p:txBody>
+      </p:sp>
+      <p:sp>
+        <p:nvSpPr>
+          <p:cNvPr id="3" name="Inhaltsplatzhalter 2">
+            <a:extLst>
+              <a:ext uri="{FF2B5EF4-FFF2-40B4-BE49-F238E27FC236}">
+                <a16:creationId xmlns:a16="http://schemas.microsoft.com/office/drawing/2014/main" id="{2F3128E9-F77F-4634-80CF-368A725E1DAA}"/>
+              </a:ext>
+            </a:extLst>
+          </p:cNvPr>
+          <p:cNvSpPr>
+            <a:spLocks noGrp="1"/>
+          </p:cNvSpPr>
+          <p:nvPr>
+            <p:ph sz="quarter" idx="11"/>
+          </p:nvPr>
+        </p:nvSpPr>
+        <p:spPr/>
+        <p:txBody>
+          <a:bodyPr/>
+          <a:lstStyle/>
+          <a:p>
+            <a:pPr algn="ctr"/>
+            <a:r>
+              <a:rPr lang="de-DE" sz="6000" dirty="0"/>
+              <a:t>DEMO</a:t>
+            </a:r>
+          </a:p>
+        </p:txBody>
+      </p:sp>
+    </p:spTree>
+    <p:extLst>
+      <p:ext uri="{BB962C8B-B14F-4D97-AF65-F5344CB8AC3E}">
+        <p14:creationId xmlns:p14="http://schemas.microsoft.com/office/powerpoint/2010/main" val="1228814445"/>
+      </p:ext>
+    </p:extLst>
+  </p:cSld>
+  <p:clrMapOvr>
+    <a:masterClrMapping/>
+  </p:clrMapOvr>
+</p:sld>
+</file>
+
+<file path=ppt/slides/slide22.xml><?xml version="1.0" encoding="utf-8"?>
+<p:sld xmlns:a="http://schemas.openxmlformats.org/drawingml/2006/main" xmlns:r="http://schemas.openxmlformats.org/officeDocument/2006/relationships" xmlns:p="http://schemas.openxmlformats.org/presentationml/2006/main">
+  <p:cSld>
+    <p:spTree>
+      <p:nvGrpSpPr>
+        <p:cNvPr id="1" name=""/>
+        <p:cNvGrpSpPr/>
+        <p:nvPr/>
+      </p:nvGrpSpPr>
+      <p:grpSpPr>
+        <a:xfrm>
+          <a:off x="0" y="0"/>
+          <a:ext cx="0" cy="0"/>
+          <a:chOff x="0" y="0"/>
+          <a:chExt cx="0" cy="0"/>
+        </a:xfrm>
+      </p:grpSpPr>
+      <p:sp>
+        <p:nvSpPr>
+          <p:cNvPr id="2" name="Titel 1">
+            <a:extLst>
+              <a:ext uri="{FF2B5EF4-FFF2-40B4-BE49-F238E27FC236}">
+                <a16:creationId xmlns:a16="http://schemas.microsoft.com/office/drawing/2014/main" id="{C7B61E2F-5D3B-4FB7-A46D-97252DFF1120}"/>
+              </a:ext>
+            </a:extLst>
+          </p:cNvPr>
+          <p:cNvSpPr>
+            <a:spLocks noGrp="1"/>
+          </p:cNvSpPr>
+          <p:nvPr>
+            <p:ph type="title"/>
+          </p:nvPr>
+        </p:nvSpPr>
+        <p:spPr/>
+        <p:txBody>
+          <a:bodyPr/>
+          <a:lstStyle/>
+          <a:p>
+            <a:r>
+              <a:rPr lang="de-DE" dirty="0" err="1"/>
+              <a:t>Strict</a:t>
+            </a:r>
+            <a:r>
+              <a:rPr lang="de-DE" dirty="0"/>
+              <a:t>-Mode</a:t>
+            </a:r>
+          </a:p>
+        </p:txBody>
+      </p:sp>
+      <p:sp>
+        <p:nvSpPr>
+          <p:cNvPr id="3" name="Inhaltsplatzhalter 2">
+            <a:extLst>
+              <a:ext uri="{FF2B5EF4-FFF2-40B4-BE49-F238E27FC236}">
+                <a16:creationId xmlns:a16="http://schemas.microsoft.com/office/drawing/2014/main" id="{C66A3FAC-7F1F-43E2-B43B-870A2735CBC4}"/>
+              </a:ext>
+            </a:extLst>
+          </p:cNvPr>
+          <p:cNvSpPr>
+            <a:spLocks noGrp="1"/>
+          </p:cNvSpPr>
+          <p:nvPr>
+            <p:ph sz="quarter" idx="11"/>
+          </p:nvPr>
+        </p:nvSpPr>
+        <p:spPr/>
+        <p:txBody>
+          <a:bodyPr/>
+          <a:lstStyle/>
+          <a:p>
+            <a:pPr marL="285750" indent="-285750">
+              <a:buFontTx/>
+              <a:buChar char="-"/>
+            </a:pPr>
+            <a:r>
+              <a:rPr lang="de-DE" dirty="0"/>
+              <a:t>JavaScript verzeiht viele Fehler</a:t>
+            </a:r>
+          </a:p>
+          <a:p>
+            <a:pPr marL="285750" indent="-285750">
+              <a:buFontTx/>
+              <a:buChar char="-"/>
+            </a:pPr>
+            <a:r>
+              <a:rPr lang="de-DE" dirty="0"/>
+              <a:t>Versucht Fehler eigenständig zu korrigieren</a:t>
+            </a:r>
+          </a:p>
+          <a:p>
+            <a:pPr marL="285750" indent="-285750">
+              <a:buFontTx/>
+              <a:buChar char="-"/>
+            </a:pPr>
+            <a:r>
+              <a:rPr lang="de-DE" dirty="0"/>
+              <a:t>‘</a:t>
+            </a:r>
+            <a:r>
+              <a:rPr lang="de-DE" dirty="0" err="1"/>
+              <a:t>use</a:t>
+            </a:r>
+            <a:r>
+              <a:rPr lang="de-DE" dirty="0"/>
+              <a:t> </a:t>
+            </a:r>
+            <a:r>
+              <a:rPr lang="de-DE" dirty="0" err="1"/>
+              <a:t>strict</a:t>
+            </a:r>
+            <a:r>
+              <a:rPr lang="de-DE" dirty="0"/>
+              <a:t>‘</a:t>
+            </a:r>
+          </a:p>
+          <a:p>
+            <a:endParaRPr lang="de-DE" dirty="0"/>
+          </a:p>
+          <a:p>
+            <a:r>
+              <a:rPr lang="de-DE" dirty="0"/>
+              <a:t>Beispiel:</a:t>
+            </a:r>
+          </a:p>
+          <a:p>
+            <a:r>
+              <a:rPr lang="de-DE" dirty="0"/>
+              <a:t>x = 23;</a:t>
+            </a:r>
+          </a:p>
+          <a:p>
+            <a:r>
+              <a:rPr lang="de-DE" dirty="0"/>
+              <a:t>console.log(x);</a:t>
+            </a:r>
+          </a:p>
+          <a:p>
+            <a:endParaRPr lang="de-DE" dirty="0"/>
+          </a:p>
+          <a:p>
+            <a:pPr marL="285750" indent="-285750">
+              <a:buFontTx/>
+              <a:buChar char="-"/>
+            </a:pPr>
+            <a:r>
+              <a:rPr lang="de-DE" dirty="0"/>
+              <a:t>Code ist sauberer, lesbarer, wartbarer </a:t>
+            </a:r>
+          </a:p>
+          <a:p>
+            <a:r>
+              <a:rPr lang="de-DE" dirty="0"/>
+              <a:t>	</a:t>
+            </a:r>
+          </a:p>
+        </p:txBody>
+      </p:sp>
+      <p:sp>
+        <p:nvSpPr>
+          <p:cNvPr id="5" name="Textfeld 4">
+            <a:extLst>
+              <a:ext uri="{FF2B5EF4-FFF2-40B4-BE49-F238E27FC236}">
+                <a16:creationId xmlns:a16="http://schemas.microsoft.com/office/drawing/2014/main" id="{4703504F-51E2-4BA0-8083-3DA4108A4E64}"/>
+              </a:ext>
+            </a:extLst>
+          </p:cNvPr>
+          <p:cNvSpPr txBox="1"/>
+          <p:nvPr/>
+        </p:nvSpPr>
+        <p:spPr>
+          <a:xfrm>
+            <a:off x="2369974" y="3736133"/>
+            <a:ext cx="4534678" cy="369332"/>
+          </a:xfrm>
+          <a:prstGeom prst="rect">
+            <a:avLst/>
+          </a:prstGeom>
+          <a:noFill/>
+        </p:spPr>
+        <p:txBody>
+          <a:bodyPr wrap="square" rtlCol="0">
+            <a:spAutoFit/>
+          </a:bodyPr>
+          <a:lstStyle/>
+          <a:p>
+            <a:r>
+              <a:rPr lang="de-DE" dirty="0"/>
+              <a:t>// </a:t>
+            </a:r>
+            <a:r>
+              <a:rPr lang="en-US" dirty="0" err="1"/>
+              <a:t>ReferenceError</a:t>
+            </a:r>
+            <a:r>
+              <a:rPr lang="en-US" dirty="0"/>
+              <a:t>: x is not defined</a:t>
+            </a:r>
+            <a:endParaRPr lang="de-DE" dirty="0"/>
+          </a:p>
+        </p:txBody>
+      </p:sp>
+    </p:spTree>
+    <p:extLst>
+      <p:ext uri="{BB962C8B-B14F-4D97-AF65-F5344CB8AC3E}">
+        <p14:creationId xmlns:p14="http://schemas.microsoft.com/office/powerpoint/2010/main" val="662705198"/>
+      </p:ext>
+    </p:extLst>
+  </p:cSld>
+  <p:clrMapOvr>
+    <a:masterClrMapping/>
+  </p:clrMapOvr>
+  <p:timing>
+    <p:tnLst>
+      <p:par>
+        <p:cTn id="1" dur="indefinite" restart="never" nodeType="tmRoot">
+          <p:childTnLst>
+            <p:seq concurrent="1" nextAc="seek">
+              <p:cTn id="2" dur="indefinite" nodeType="mainSeq">
+                <p:childTnLst>
+                  <p:par>
+                    <p:cTn id="3" fill="hold">
+                      <p:stCondLst>
+                        <p:cond delay="indefinite"/>
+                        <p:cond evt="onBegin" delay="0">
+                          <p:tn val="2"/>
+                        </p:cond>
+                      </p:stCondLst>
+                      <p:childTnLst>
+                        <p:par>
+                          <p:cTn id="4" fill="hold">
+                            <p:stCondLst>
+                              <p:cond delay="0"/>
+                            </p:stCondLst>
+                            <p:childTnLst>
+                              <p:par>
+                                <p:cTn id="5" presetID="1" presetClass="entr" presetSubtype="0" fill="hold" nodeType="withEffect">
+                                  <p:stCondLst>
+                                    <p:cond delay="0"/>
+                                  </p:stCondLst>
+                                  <p:childTnLst>
+                                    <p:set>
+                                      <p:cBhvr>
+                                        <p:cTn id="6" dur="1" fill="hold">
+                                          <p:stCondLst>
+                                            <p:cond delay="0"/>
+                                          </p:stCondLst>
+                                        </p:cTn>
+                                        <p:tgtEl>
+                                          <p:spTgt spid="3">
+                                            <p:txEl>
+                                              <p:pRg st="0" end="0"/>
+                                            </p:txEl>
+                                          </p:spTgt>
+                                        </p:tgtEl>
+                                        <p:attrNameLst>
+                                          <p:attrName>style.visibility</p:attrName>
+                                        </p:attrNameLst>
+                                      </p:cBhvr>
+                                      <p:to>
+                                        <p:strVal val="visible"/>
+                                      </p:to>
+                                    </p:set>
+                                  </p:childTnLst>
+                                </p:cTn>
+                              </p:par>
+                              <p:par>
+                                <p:cTn id="7" presetID="1" presetClass="entr" presetSubtype="0" fill="hold" nodeType="withEffect">
+                                  <p:stCondLst>
+                                    <p:cond delay="0"/>
+                                  </p:stCondLst>
+                                  <p:childTnLst>
+                                    <p:set>
+                                      <p:cBhvr>
+                                        <p:cTn id="8" dur="1" fill="hold">
+                                          <p:stCondLst>
+                                            <p:cond delay="0"/>
+                                          </p:stCondLst>
+                                        </p:cTn>
+                                        <p:tgtEl>
+                                          <p:spTgt spid="3">
+                                            <p:txEl>
+                                              <p:pRg st="1" end="1"/>
+                                            </p:txEl>
+                                          </p:spTgt>
+                                        </p:tgtEl>
+                                        <p:attrNameLst>
+                                          <p:attrName>style.visibility</p:attrName>
+                                        </p:attrNameLst>
+                                      </p:cBhvr>
+                                      <p:to>
+                                        <p:strVal val="visible"/>
+                                      </p:to>
+                                    </p:set>
+                                  </p:childTnLst>
+                                </p:cTn>
+                              </p:par>
+                            </p:childTnLst>
+                          </p:cTn>
+                        </p:par>
+                      </p:childTnLst>
+                    </p:cTn>
+                  </p:par>
+                  <p:par>
+                    <p:cTn id="9" fill="hold">
+                      <p:stCondLst>
+                        <p:cond delay="indefinite"/>
+                      </p:stCondLst>
+                      <p:childTnLst>
+                        <p:par>
+                          <p:cTn id="10" fill="hold">
+                            <p:stCondLst>
+                              <p:cond delay="0"/>
+                            </p:stCondLst>
+                            <p:childTnLst>
+                              <p:par>
+                                <p:cTn id="11" presetID="1" presetClass="entr" presetSubtype="0" fill="hold" nodeType="clickEffect">
+                                  <p:stCondLst>
+                                    <p:cond delay="0"/>
+                                  </p:stCondLst>
+                                  <p:childTnLst>
+                                    <p:set>
+                                      <p:cBhvr>
+                                        <p:cTn id="12" dur="1" fill="hold">
+                                          <p:stCondLst>
+                                            <p:cond delay="0"/>
+                                          </p:stCondLst>
+                                        </p:cTn>
+                                        <p:tgtEl>
+                                          <p:spTgt spid="3">
+                                            <p:txEl>
+                                              <p:pRg st="2" end="2"/>
+                                            </p:txEl>
+                                          </p:spTgt>
+                                        </p:tgtEl>
+                                        <p:attrNameLst>
+                                          <p:attrName>style.visibility</p:attrName>
+                                        </p:attrNameLst>
+                                      </p:cBhvr>
+                                      <p:to>
+                                        <p:strVal val="visible"/>
+                                      </p:to>
+                                    </p:set>
+                                  </p:childTnLst>
+                                </p:cTn>
+                              </p:par>
+                            </p:childTnLst>
+                          </p:cTn>
+                        </p:par>
+                      </p:childTnLst>
+                    </p:cTn>
+                  </p:par>
+                  <p:par>
+                    <p:cTn id="13" fill="hold">
+                      <p:stCondLst>
+                        <p:cond delay="indefinite"/>
+                      </p:stCondLst>
+                      <p:childTnLst>
+                        <p:par>
+                          <p:cTn id="14" fill="hold">
+                            <p:stCondLst>
+                              <p:cond delay="0"/>
+                            </p:stCondLst>
+                            <p:childTnLst>
+                              <p:par>
+                                <p:cTn id="15" presetID="1" presetClass="entr" presetSubtype="0" fill="hold" nodeType="clickEffect">
+                                  <p:stCondLst>
+                                    <p:cond delay="0"/>
+                                  </p:stCondLst>
+                                  <p:childTnLst>
+                                    <p:set>
+                                      <p:cBhvr>
+                                        <p:cTn id="16" dur="1" fill="hold">
+                                          <p:stCondLst>
+                                            <p:cond delay="0"/>
+                                          </p:stCondLst>
+                                        </p:cTn>
+                                        <p:tgtEl>
+                                          <p:spTgt spid="3">
+                                            <p:txEl>
+                                              <p:pRg st="4" end="4"/>
+                                            </p:txEl>
+                                          </p:spTgt>
+                                        </p:tgtEl>
+                                        <p:attrNameLst>
+                                          <p:attrName>style.visibility</p:attrName>
+                                        </p:attrNameLst>
+                                      </p:cBhvr>
+                                      <p:to>
+                                        <p:strVal val="visible"/>
+                                      </p:to>
+                                    </p:set>
+                                  </p:childTnLst>
+                                </p:cTn>
+                              </p:par>
+                              <p:par>
+                                <p:cTn id="17" presetID="1" presetClass="entr" presetSubtype="0" fill="hold" nodeType="withEffect">
+                                  <p:stCondLst>
+                                    <p:cond delay="0"/>
+                                  </p:stCondLst>
+                                  <p:childTnLst>
+                                    <p:set>
+                                      <p:cBhvr>
+                                        <p:cTn id="18" dur="1" fill="hold">
+                                          <p:stCondLst>
+                                            <p:cond delay="0"/>
+                                          </p:stCondLst>
+                                        </p:cTn>
+                                        <p:tgtEl>
+                                          <p:spTgt spid="3">
+                                            <p:txEl>
+                                              <p:pRg st="5" end="5"/>
+                                            </p:txEl>
+                                          </p:spTgt>
+                                        </p:tgtEl>
+                                        <p:attrNameLst>
+                                          <p:attrName>style.visibility</p:attrName>
+                                        </p:attrNameLst>
+                                      </p:cBhvr>
+                                      <p:to>
+                                        <p:strVal val="visible"/>
+                                      </p:to>
+                                    </p:set>
+                                  </p:childTnLst>
+                                </p:cTn>
+                              </p:par>
+                              <p:par>
+                                <p:cTn id="19" presetID="1" presetClass="entr" presetSubtype="0" fill="hold" nodeType="withEffect">
+                                  <p:stCondLst>
+                                    <p:cond delay="0"/>
+                                  </p:stCondLst>
+                                  <p:childTnLst>
+                                    <p:set>
+                                      <p:cBhvr>
+                                        <p:cTn id="20" dur="1" fill="hold">
+                                          <p:stCondLst>
+                                            <p:cond delay="0"/>
+                                          </p:stCondLst>
+                                        </p:cTn>
+                                        <p:tgtEl>
+                                          <p:spTgt spid="3">
+                                            <p:txEl>
+                                              <p:pRg st="6" end="6"/>
+                                            </p:txEl>
+                                          </p:spTgt>
+                                        </p:tgtEl>
+                                        <p:attrNameLst>
+                                          <p:attrName>style.visibility</p:attrName>
+                                        </p:attrNameLst>
+                                      </p:cBhvr>
+                                      <p:to>
+                                        <p:strVal val="visible"/>
+                                      </p:to>
+                                    </p:set>
+                                  </p:childTnLst>
+                                </p:cTn>
+                              </p:par>
+                            </p:childTnLst>
+                          </p:cTn>
+                        </p:par>
+                      </p:childTnLst>
+                    </p:cTn>
+                  </p:par>
+                  <p:par>
+                    <p:cTn id="21" fill="hold">
+                      <p:stCondLst>
+                        <p:cond delay="indefinite"/>
+                      </p:stCondLst>
+                      <p:childTnLst>
+                        <p:par>
+                          <p:cTn id="22" fill="hold">
+                            <p:stCondLst>
+                              <p:cond delay="0"/>
+                            </p:stCondLst>
+                            <p:childTnLst>
+                              <p:par>
+                                <p:cTn id="23" presetID="1" presetClass="entr" presetSubtype="0" fill="hold" grpId="0" nodeType="clickEffect">
+                                  <p:stCondLst>
+                                    <p:cond delay="0"/>
+                                  </p:stCondLst>
+                                  <p:childTnLst>
+                                    <p:set>
+                                      <p:cBhvr>
+                                        <p:cTn id="24" dur="1" fill="hold">
+                                          <p:stCondLst>
+                                            <p:cond delay="0"/>
+                                          </p:stCondLst>
+                                        </p:cTn>
+                                        <p:tgtEl>
+                                          <p:spTgt spid="5"/>
+                                        </p:tgtEl>
+                                        <p:attrNameLst>
+                                          <p:attrName>style.visibility</p:attrName>
+                                        </p:attrNameLst>
+                                      </p:cBhvr>
+                                      <p:to>
+                                        <p:strVal val="visible"/>
+                                      </p:to>
+                                    </p:set>
+                                  </p:childTnLst>
+                                </p:cTn>
+                              </p:par>
+                            </p:childTnLst>
+                          </p:cTn>
+                        </p:par>
+                      </p:childTnLst>
+                    </p:cTn>
+                  </p:par>
+                  <p:par>
+                    <p:cTn id="25" fill="hold">
+                      <p:stCondLst>
+                        <p:cond delay="indefinite"/>
+                      </p:stCondLst>
+                      <p:childTnLst>
+                        <p:par>
+                          <p:cTn id="26" fill="hold">
+                            <p:stCondLst>
+                              <p:cond delay="0"/>
+                            </p:stCondLst>
+                            <p:childTnLst>
+                              <p:par>
+                                <p:cTn id="27" presetID="1" presetClass="entr" presetSubtype="0" fill="hold" nodeType="clickEffect">
+                                  <p:stCondLst>
+                                    <p:cond delay="0"/>
+                                  </p:stCondLst>
+                                  <p:childTnLst>
+                                    <p:set>
+                                      <p:cBhvr>
+                                        <p:cTn id="28" dur="1" fill="hold">
+                                          <p:stCondLst>
+                                            <p:cond delay="0"/>
+                                          </p:stCondLst>
+                                        </p:cTn>
+                                        <p:tgtEl>
+                                          <p:spTgt spid="3">
+                                            <p:txEl>
+                                              <p:pRg st="8" end="8"/>
+                                            </p:txEl>
+                                          </p:spTgt>
+                                        </p:tgtEl>
+                                        <p:attrNameLst>
+                                          <p:attrName>style.visibility</p:attrName>
+                                        </p:attrNameLst>
+                                      </p:cBhvr>
+                                      <p:to>
+                                        <p:strVal val="visible"/>
+                                      </p:to>
+                                    </p:set>
+                                  </p:childTnLst>
+                                </p:cTn>
+                              </p:par>
+                            </p:childTnLst>
+                          </p:cTn>
+                        </p:par>
+                      </p:childTnLst>
+                    </p:cTn>
+                  </p:par>
+                </p:childTnLst>
+              </p:cTn>
+              <p:prevCondLst>
+                <p:cond evt="onPrev" delay="0">
+                  <p:tgtEl>
+                    <p:sldTgt/>
+                  </p:tgtEl>
+                </p:cond>
+              </p:prevCondLst>
+              <p:nextCondLst>
+                <p:cond evt="onNext" delay="0">
+                  <p:tgtEl>
+                    <p:sldTgt/>
+                  </p:tgtEl>
+                </p:cond>
+              </p:nextCondLst>
+            </p:seq>
+          </p:childTnLst>
+        </p:cTn>
+      </p:par>
+    </p:tnLst>
+    <p:bldLst>
+      <p:bldP spid="5" grpId="0"/>
+    </p:bldLst>
+  </p:timing>
+</p:sld>
+</file>
+
+<file path=ppt/slides/slide23.xml><?xml version="1.0" encoding="utf-8"?>
+<p:sld xmlns:a="http://schemas.openxmlformats.org/drawingml/2006/main" xmlns:r="http://schemas.openxmlformats.org/officeDocument/2006/relationships" xmlns:p="http://schemas.openxmlformats.org/presentationml/2006/main">
+  <p:cSld>
+    <p:spTree>
+      <p:nvGrpSpPr>
+        <p:cNvPr id="1" name=""/>
+        <p:cNvGrpSpPr/>
+        <p:nvPr/>
+      </p:nvGrpSpPr>
+      <p:grpSpPr>
+        <a:xfrm>
+          <a:off x="0" y="0"/>
+          <a:ext cx="0" cy="0"/>
+          <a:chOff x="0" y="0"/>
+          <a:chExt cx="0" cy="0"/>
+        </a:xfrm>
+      </p:grpSpPr>
+      <p:sp>
+        <p:nvSpPr>
+          <p:cNvPr id="2" name="Titel 1">
+            <a:extLst>
+              <a:ext uri="{FF2B5EF4-FFF2-40B4-BE49-F238E27FC236}">
+                <a16:creationId xmlns:a16="http://schemas.microsoft.com/office/drawing/2014/main" id="{9D430920-52DF-406A-97B8-E440569CC14A}"/>
+              </a:ext>
+            </a:extLst>
+          </p:cNvPr>
+          <p:cNvSpPr>
+            <a:spLocks noGrp="1"/>
+          </p:cNvSpPr>
+          <p:nvPr>
+            <p:ph type="title"/>
+          </p:nvPr>
+        </p:nvSpPr>
+        <p:spPr/>
+        <p:txBody>
+          <a:bodyPr/>
+          <a:lstStyle/>
+          <a:p>
+            <a:r>
+              <a:rPr lang="de-DE" dirty="0" err="1"/>
+              <a:t>TypeScript</a:t>
+            </a:r>
+            <a:r>
+              <a:rPr lang="de-DE" dirty="0"/>
+              <a:t> Typen</a:t>
+            </a:r>
+          </a:p>
+        </p:txBody>
+      </p:sp>
+      <p:sp>
+        <p:nvSpPr>
+          <p:cNvPr id="3" name="Inhaltsplatzhalter 2">
+            <a:extLst>
+              <a:ext uri="{FF2B5EF4-FFF2-40B4-BE49-F238E27FC236}">
+                <a16:creationId xmlns:a16="http://schemas.microsoft.com/office/drawing/2014/main" id="{2DDAA101-1ED8-464A-B61F-B4E932DF553D}"/>
+              </a:ext>
+            </a:extLst>
+          </p:cNvPr>
+          <p:cNvSpPr>
+            <a:spLocks noGrp="1"/>
+          </p:cNvSpPr>
+          <p:nvPr>
+            <p:ph sz="quarter" idx="11"/>
+          </p:nvPr>
+        </p:nvSpPr>
+        <p:spPr/>
+        <p:txBody>
+          <a:bodyPr/>
+          <a:lstStyle/>
+          <a:p>
+            <a:endParaRPr lang="de-DE"/>
+          </a:p>
+        </p:txBody>
+      </p:sp>
+    </p:spTree>
+    <p:extLst>
+      <p:ext uri="{BB962C8B-B14F-4D97-AF65-F5344CB8AC3E}">
+        <p14:creationId xmlns:p14="http://schemas.microsoft.com/office/powerpoint/2010/main" val="2242404016"/>
+      </p:ext>
+    </p:extLst>
+  </p:cSld>
+  <p:clrMapOvr>
+    <a:masterClrMapping/>
+  </p:clrMapOvr>
+</p:sld>
+</file>
+
+<file path=ppt/slides/slide24.xml><?xml version="1.0" encoding="utf-8"?>
+<p:sld xmlns:a="http://schemas.openxmlformats.org/drawingml/2006/main" xmlns:r="http://schemas.openxmlformats.org/officeDocument/2006/relationships" xmlns:p="http://schemas.openxmlformats.org/presentationml/2006/main">
+  <p:cSld>
+    <p:spTree>
+      <p:nvGrpSpPr>
+        <p:cNvPr id="1" name=""/>
+        <p:cNvGrpSpPr/>
+        <p:nvPr/>
+      </p:nvGrpSpPr>
+      <p:grpSpPr>
+        <a:xfrm>
+          <a:off x="0" y="0"/>
+          <a:ext cx="0" cy="0"/>
+          <a:chOff x="0" y="0"/>
+          <a:chExt cx="0" cy="0"/>
+        </a:xfrm>
+      </p:grpSpPr>
+      <p:sp>
+        <p:nvSpPr>
+          <p:cNvPr id="2" name="Titel 1">
+            <a:extLst>
+              <a:ext uri="{FF2B5EF4-FFF2-40B4-BE49-F238E27FC236}">
+                <a16:creationId xmlns:a16="http://schemas.microsoft.com/office/drawing/2014/main" id="{EE08B43D-448C-433E-9870-51D5660D16EA}"/>
+              </a:ext>
+            </a:extLst>
+          </p:cNvPr>
+          <p:cNvSpPr>
+            <a:spLocks noGrp="1"/>
+          </p:cNvSpPr>
+          <p:nvPr>
+            <p:ph type="title"/>
+          </p:nvPr>
+        </p:nvSpPr>
+        <p:spPr/>
+        <p:txBody>
+          <a:bodyPr/>
+          <a:lstStyle/>
+          <a:p>
+            <a:r>
+              <a:rPr lang="de-DE" dirty="0"/>
+              <a:t>Quellen</a:t>
+            </a:r>
+          </a:p>
+        </p:txBody>
+      </p:sp>
+      <p:sp>
+        <p:nvSpPr>
+          <p:cNvPr id="3" name="Inhaltsplatzhalter 2">
+            <a:extLst>
+              <a:ext uri="{FF2B5EF4-FFF2-40B4-BE49-F238E27FC236}">
+                <a16:creationId xmlns:a16="http://schemas.microsoft.com/office/drawing/2014/main" id="{87B611CF-87BD-48B3-8558-1926A06064B7}"/>
+              </a:ext>
+            </a:extLst>
+          </p:cNvPr>
+          <p:cNvSpPr>
+            <a:spLocks noGrp="1"/>
+          </p:cNvSpPr>
+          <p:nvPr>
+            <p:ph sz="quarter" idx="11"/>
+          </p:nvPr>
+        </p:nvSpPr>
+        <p:spPr/>
+        <p:txBody>
+          <a:bodyPr/>
+          <a:lstStyle/>
+          <a:p>
+            <a:pPr marL="285750" indent="-285750">
+              <a:buFontTx/>
+              <a:buChar char="-"/>
+            </a:pPr>
+            <a:r>
+              <a:rPr lang="de-DE" dirty="0">
+                <a:hlinkClick r:id="rId2"/>
+              </a:rPr>
+              <a:t>www.typescriptlang.org</a:t>
+            </a:r>
+            <a:endParaRPr lang="de-DE" dirty="0"/>
+          </a:p>
+          <a:p>
+            <a:pPr marL="285750" indent="-285750">
+              <a:buFontTx/>
+              <a:buChar char="-"/>
+            </a:pPr>
+            <a:r>
+              <a:rPr lang="de-DE" dirty="0">
+                <a:hlinkClick r:id="rId3"/>
+              </a:rPr>
+              <a:t>https://medium.freecodecamp.org</a:t>
+            </a:r>
+            <a:endParaRPr lang="de-DE" dirty="0"/>
+          </a:p>
+          <a:p>
+            <a:pPr marL="285750" indent="-285750">
+              <a:buFontTx/>
+              <a:buChar char="-"/>
+            </a:pPr>
+            <a:r>
+              <a:rPr lang="de-DE" dirty="0"/>
+              <a:t>https://www.w3schools.com</a:t>
+            </a:r>
+          </a:p>
+          <a:p>
+            <a:pPr marL="285750" indent="-285750">
+              <a:buFontTx/>
+              <a:buChar char="-"/>
+            </a:pPr>
+            <a:r>
+              <a:rPr lang="de-DE" dirty="0" err="1"/>
+              <a:t>goloJS</a:t>
+            </a:r>
+            <a:r>
+              <a:rPr lang="de-DE" dirty="0"/>
+              <a:t> (</a:t>
+            </a:r>
+            <a:r>
+              <a:rPr lang="de-DE" dirty="0" err="1"/>
+              <a:t>dotnetpro</a:t>
+            </a:r>
+            <a:r>
+              <a:rPr lang="de-DE" dirty="0"/>
+              <a:t>)</a:t>
+            </a:r>
+          </a:p>
+        </p:txBody>
+      </p:sp>
+    </p:spTree>
+    <p:extLst>
+      <p:ext uri="{BB962C8B-B14F-4D97-AF65-F5344CB8AC3E}">
+        <p14:creationId xmlns:p14="http://schemas.microsoft.com/office/powerpoint/2010/main" val="3297395879"/>
+      </p:ext>
+    </p:extLst>
+  </p:cSld>
+  <p:clrMapOvr>
+    <a:masterClrMapping/>
+  </p:clrMapOvr>
+</p:sld>
+</file>
+
+<file path=ppt/slides/slide25.xml><?xml version="1.0" encoding="utf-8"?>
 <p:sld xmlns:a="http://schemas.openxmlformats.org/drawingml/2006/main" xmlns:r="http://schemas.openxmlformats.org/officeDocument/2006/relationships" xmlns:p="http://schemas.openxmlformats.org/presentationml/2006/main">
   <p:cSld>
     <p:spTree>

--- a/TypeScriptBasics.pptx
+++ b/TypeScriptBasics.pptx
@@ -12043,8 +12043,12 @@
               <a:buChar char="-"/>
             </a:pPr>
             <a:r>
-              <a:rPr lang="de-DE" dirty="0"/>
-              <a:t>Implizite Übergabe:</a:t>
+              <a:rPr lang="de-DE"/>
+              <a:t>Implizite </a:t>
+            </a:r>
+            <a:r>
+              <a:rPr lang="de-DE" dirty="0"/>
+              <a:t>Übergabe:</a:t>
             </a:r>
           </a:p>
           <a:p>

--- a/TypeScriptBasics.pptx
+++ b/TypeScriptBasics.pptx
@@ -263,7 +263,7 @@
           <a:p>
             <a:fld id="{97BEE526-5EB7-4409-B76B-A01705954A4C}" type="datetimeFigureOut">
               <a:rPr lang="de-DE" smtClean="0"/>
-              <a:t>12.01.2019</a:t>
+              <a:t>13.01.2019</a:t>
             </a:fld>
             <a:endParaRPr lang="de-DE"/>
           </a:p>
@@ -855,6 +855,22 @@
           <a:bodyPr/>
           <a:lstStyle/>
           <a:p>
+            <a:r>
+              <a:rPr lang="de-DE" dirty="0"/>
+              <a:t>Nach Demo:</a:t>
+            </a:r>
+          </a:p>
+          <a:p>
+            <a:r>
+              <a:rPr lang="de-DE" dirty="0" err="1"/>
+              <a:t>Let</a:t>
+            </a:r>
+            <a:r>
+              <a:rPr lang="de-DE" dirty="0"/>
+              <a:t> stellt sicher, dass eine Variable vor dem Zugriff explizit deklariert werden muss!</a:t>
+            </a:r>
+          </a:p>
+          <a:p>
             <a:endParaRPr lang="de-DE" dirty="0"/>
           </a:p>
         </p:txBody>
@@ -1073,12 +1089,6 @@
               <a:t>‘</a:t>
             </a:r>
           </a:p>
-          <a:p>
-            <a:r>
-              <a:rPr lang="de-DE" dirty="0"/>
-              <a:t>This wird implizit übergeben;</a:t>
-            </a:r>
-          </a:p>
         </p:txBody>
       </p:sp>
       <p:sp>
@@ -1247,137 +1257,7 @@
           <a:chExt cx="0" cy="0"/>
         </a:xfrm>
       </p:grpSpPr>
-      <p:sp>
-        <p:nvSpPr>
-          <p:cNvPr id="2" name="Folienbildplatzhalter 1"/>
-          <p:cNvSpPr>
-            <a:spLocks noGrp="1" noRot="1" noChangeAspect="1"/>
-          </p:cNvSpPr>
-          <p:nvPr>
-            <p:ph type="sldImg"/>
-          </p:nvPr>
-        </p:nvSpPr>
-        <p:spPr/>
-      </p:sp>
-      <p:sp>
-        <p:nvSpPr>
-          <p:cNvPr id="3" name="Notizenplatzhalter 2"/>
-          <p:cNvSpPr>
-            <a:spLocks noGrp="1"/>
-          </p:cNvSpPr>
-          <p:nvPr>
-            <p:ph type="body" idx="1"/>
-          </p:nvPr>
-        </p:nvSpPr>
-        <p:spPr/>
-        <p:txBody>
-          <a:bodyPr/>
-          <a:lstStyle/>
-          <a:p>
-            <a:r>
-              <a:rPr lang="de-DE" dirty="0"/>
-              <a:t>Timeout für </a:t>
-            </a:r>
-            <a:r>
-              <a:rPr lang="de-DE" dirty="0" err="1"/>
-              <a:t>sayHello</a:t>
-            </a:r>
-            <a:r>
-              <a:rPr lang="de-DE" dirty="0"/>
-              <a:t>()</a:t>
-            </a:r>
-          </a:p>
-          <a:p>
-            <a:r>
-              <a:rPr lang="de-DE" dirty="0"/>
-              <a:t>-&gt; Funktion in </a:t>
-            </a:r>
-            <a:r>
-              <a:rPr lang="de-DE" dirty="0" err="1"/>
-              <a:t>timeout</a:t>
-            </a:r>
-            <a:r>
-              <a:rPr lang="de-DE" dirty="0"/>
-              <a:t> wird als </a:t>
-            </a:r>
-            <a:r>
-              <a:rPr lang="de-DE" dirty="0" err="1"/>
-              <a:t>Function-Invocation</a:t>
-            </a:r>
-            <a:r>
-              <a:rPr lang="de-DE" dirty="0"/>
-              <a:t> aufgerufen -&gt; </a:t>
-            </a:r>
-            <a:r>
-              <a:rPr lang="de-DE" dirty="0" err="1"/>
-              <a:t>this</a:t>
-            </a:r>
-            <a:r>
-              <a:rPr lang="de-DE" dirty="0"/>
-              <a:t> &lt;&gt; </a:t>
-            </a:r>
-            <a:r>
-              <a:rPr lang="de-DE" dirty="0" err="1"/>
-              <a:t>dog</a:t>
-            </a:r>
-            <a:r>
-              <a:rPr lang="de-DE" dirty="0"/>
-              <a:t>; </a:t>
-            </a:r>
-            <a:r>
-              <a:rPr lang="de-DE" dirty="0" err="1"/>
-              <a:t>setTimeout</a:t>
-            </a:r>
-            <a:r>
-              <a:rPr lang="de-DE" dirty="0"/>
-              <a:t> kann das Objekt nicht wissen</a:t>
-            </a:r>
-          </a:p>
-          <a:p>
-            <a:r>
-              <a:rPr lang="de-DE" dirty="0"/>
-              <a:t>-&gt; Lösung: </a:t>
-            </a:r>
-            <a:r>
-              <a:rPr lang="de-DE" dirty="0" err="1"/>
-              <a:t>this</a:t>
-            </a:r>
-            <a:r>
-              <a:rPr lang="de-DE" dirty="0"/>
-              <a:t> zwischenspeichern</a:t>
-            </a:r>
-          </a:p>
-        </p:txBody>
-      </p:sp>
-      <p:sp>
-        <p:nvSpPr>
-          <p:cNvPr id="4" name="Foliennummernplatzhalter 3"/>
-          <p:cNvSpPr>
-            <a:spLocks noGrp="1"/>
-          </p:cNvSpPr>
-          <p:nvPr>
-            <p:ph type="sldNum" sz="quarter" idx="10"/>
-          </p:nvPr>
-        </p:nvSpPr>
-        <p:spPr/>
-        <p:txBody>
-          <a:bodyPr/>
-          <a:lstStyle/>
-          <a:p>
-            <a:fld id="{C0663104-BBBB-4823-99BF-1DB3B469CAD1}" type="slidenum">
-              <a:rPr lang="de-DE" smtClean="0"/>
-              <a:t>21</a:t>
-            </a:fld>
-            <a:endParaRPr lang="de-DE"/>
-          </a:p>
-        </p:txBody>
-      </p:sp>
     </p:spTree>
-    <p:extLst>
-      <p:ext uri="{BB962C8B-B14F-4D97-AF65-F5344CB8AC3E}">
-        <p14:creationId xmlns:p14="http://schemas.microsoft.com/office/powerpoint/2010/main" val="2686729513"/>
-      </p:ext>
-    </p:extLst>
   </p:cSld>
   <p:clrMapOvr>
     <a:masterClrMapping/>
@@ -1570,6 +1450,19 @@
             <a:r>
               <a:rPr lang="de-DE" dirty="0"/>
               <a:t>JavaScript =&gt; Implementierung</a:t>
+            </a:r>
+          </a:p>
+          <a:p>
+            <a:endParaRPr lang="de-DE" dirty="0"/>
+          </a:p>
+          <a:p>
+            <a:r>
+              <a:rPr lang="de-DE" dirty="0" err="1"/>
+              <a:t>Typescript</a:t>
+            </a:r>
+            <a:r>
+              <a:rPr lang="de-DE" dirty="0"/>
+              <a:t> wird nach JavaScript transpiliert</a:t>
             </a:r>
           </a:p>
         </p:txBody>
@@ -2850,7 +2743,7 @@
           <a:p>
             <a:fld id="{F1FE92DC-4F65-4B7E-8132-A160040A277A}" type="datetimeFigureOut">
               <a:rPr lang="de-DE" smtClean="0"/>
-              <a:t>12.01.2019</a:t>
+              <a:t>13.01.2019</a:t>
             </a:fld>
             <a:endParaRPr lang="de-DE"/>
           </a:p>
@@ -4783,7 +4676,7 @@
           <a:p>
             <a:fld id="{F1FE92DC-4F65-4B7E-8132-A160040A277A}" type="datetimeFigureOut">
               <a:rPr lang="de-DE" smtClean="0"/>
-              <a:t>12.01.2019</a:t>
+              <a:t>13.01.2019</a:t>
             </a:fld>
             <a:endParaRPr lang="de-DE"/>
           </a:p>
@@ -5121,7 +5014,7 @@
           <a:p>
             <a:fld id="{F1FE92DC-4F65-4B7E-8132-A160040A277A}" type="datetimeFigureOut">
               <a:rPr lang="de-DE" smtClean="0"/>
-              <a:t>12.01.2019</a:t>
+              <a:t>13.01.2019</a:t>
             </a:fld>
             <a:endParaRPr lang="de-DE"/>
           </a:p>
@@ -5392,7 +5285,7 @@
           <a:p>
             <a:fld id="{F1FE92DC-4F65-4B7E-8132-A160040A277A}" type="datetimeFigureOut">
               <a:rPr lang="de-DE" smtClean="0"/>
-              <a:t>12.01.2019</a:t>
+              <a:t>13.01.2019</a:t>
             </a:fld>
             <a:endParaRPr lang="de-DE"/>
           </a:p>
@@ -5873,7 +5766,7 @@
           <a:p>
             <a:fld id="{F1FE92DC-4F65-4B7E-8132-A160040A277A}" type="datetimeFigureOut">
               <a:rPr lang="de-DE" smtClean="0"/>
-              <a:t>12.01.2019</a:t>
+              <a:t>13.01.2019</a:t>
             </a:fld>
             <a:endParaRPr lang="de-DE"/>
           </a:p>
@@ -6278,7 +6171,7 @@
           <a:p>
             <a:fld id="{F1FE92DC-4F65-4B7E-8132-A160040A277A}" type="datetimeFigureOut">
               <a:rPr lang="de-DE" smtClean="0"/>
-              <a:t>12.01.2019</a:t>
+              <a:t>13.01.2019</a:t>
             </a:fld>
             <a:endParaRPr lang="de-DE"/>
           </a:p>
@@ -6631,7 +6524,7 @@
           <a:p>
             <a:fld id="{F1FE92DC-4F65-4B7E-8132-A160040A277A}" type="datetimeFigureOut">
               <a:rPr lang="de-DE" smtClean="0"/>
-              <a:t>12.01.2019</a:t>
+              <a:t>13.01.2019</a:t>
             </a:fld>
             <a:endParaRPr lang="de-DE"/>
           </a:p>
@@ -6818,7 +6711,7 @@
           <a:p>
             <a:fld id="{F1FE92DC-4F65-4B7E-8132-A160040A277A}" type="datetimeFigureOut">
               <a:rPr lang="de-DE" smtClean="0"/>
-              <a:t>12.01.2019</a:t>
+              <a:t>13.01.2019</a:t>
             </a:fld>
             <a:endParaRPr lang="de-DE"/>
           </a:p>
@@ -7194,7 +7087,7 @@
           <a:p>
             <a:fld id="{F1FE92DC-4F65-4B7E-8132-A160040A277A}" type="datetimeFigureOut">
               <a:rPr lang="de-DE" smtClean="0"/>
-              <a:t>12.01.2019</a:t>
+              <a:t>13.01.2019</a:t>
             </a:fld>
             <a:endParaRPr lang="de-DE"/>
           </a:p>
@@ -7469,7 +7362,7 @@
           <a:p>
             <a:fld id="{F1FE92DC-4F65-4B7E-8132-A160040A277A}" type="datetimeFigureOut">
               <a:rPr lang="de-DE" smtClean="0"/>
-              <a:t>12.01.2019</a:t>
+              <a:t>13.01.2019</a:t>
             </a:fld>
             <a:endParaRPr lang="de-DE"/>
           </a:p>
@@ -10061,7 +9954,7 @@
             </a:pPr>
             <a:r>
               <a:rPr lang="de-DE" dirty="0"/>
-              <a:t>Erst seit ES5</a:t>
+              <a:t>Erst seit ES6</a:t>
             </a:r>
           </a:p>
           <a:p>
@@ -11221,7 +11114,38 @@
             </a:pPr>
             <a:r>
               <a:rPr lang="de-DE" dirty="0"/>
-              <a:t>Verwendung von neuen ES-Features</a:t>
+              <a:t>Erweiterung um neue Features</a:t>
+            </a:r>
+          </a:p>
+          <a:p>
+            <a:pPr marL="468276" lvl="1" indent="-285750">
+              <a:buFontTx/>
+              <a:buChar char="-"/>
+            </a:pPr>
+            <a:r>
+              <a:rPr lang="de-DE" dirty="0"/>
+              <a:t>Interfaces</a:t>
+            </a:r>
+          </a:p>
+          <a:p>
+            <a:pPr marL="468276" lvl="1" indent="-285750">
+              <a:buFontTx/>
+              <a:buChar char="-"/>
+            </a:pPr>
+            <a:r>
+              <a:rPr lang="de-DE" dirty="0" err="1"/>
+              <a:t>Generics</a:t>
+            </a:r>
+            <a:endParaRPr lang="de-DE" dirty="0"/>
+          </a:p>
+          <a:p>
+            <a:pPr marL="468276" lvl="1" indent="-285750">
+              <a:buFontTx/>
+              <a:buChar char="-"/>
+            </a:pPr>
+            <a:r>
+              <a:rPr lang="de-DE" dirty="0"/>
+              <a:t>Zukünftige ES-Features</a:t>
             </a:r>
           </a:p>
           <a:p>
@@ -11232,6 +11156,16 @@
             <a:r>
               <a:rPr lang="de-DE" dirty="0"/>
               <a:t>Anreicherung um statisches Typ-System</a:t>
+            </a:r>
+          </a:p>
+          <a:p>
+            <a:pPr marL="468276" lvl="1" indent="-285750">
+              <a:buFontTx/>
+              <a:buChar char="-"/>
+            </a:pPr>
+            <a:r>
+              <a:rPr lang="de-DE" dirty="0"/>
+              <a:t>Anzeige von Syntaxfehlern</a:t>
             </a:r>
           </a:p>
         </p:txBody>
@@ -11883,26 +11817,39 @@
                                   </p:childTnLst>
                                 </p:cTn>
                               </p:par>
-                            </p:childTnLst>
-                          </p:cTn>
-                        </p:par>
-                      </p:childTnLst>
-                    </p:cTn>
-                  </p:par>
-                  <p:par>
-                    <p:cTn id="31" fill="hold">
-                      <p:stCondLst>
-                        <p:cond delay="indefinite"/>
-                      </p:stCondLst>
-                      <p:childTnLst>
-                        <p:par>
-                          <p:cTn id="32" fill="hold">
-                            <p:stCondLst>
-                              <p:cond delay="0"/>
-                            </p:stCondLst>
-                            <p:childTnLst>
                               <p:par>
-                                <p:cTn id="33" presetID="1" presetClass="entr" presetSubtype="0" fill="hold" grpId="0" nodeType="clickEffect">
+                                <p:cTn id="31" presetID="1" presetClass="entr" presetSubtype="0" fill="hold" grpId="0" nodeType="withEffect">
+                                  <p:stCondLst>
+                                    <p:cond delay="0"/>
+                                  </p:stCondLst>
+                                  <p:childTnLst>
+                                    <p:set>
+                                      <p:cBhvr>
+                                        <p:cTn id="32" dur="1" fill="hold">
+                                          <p:stCondLst>
+                                            <p:cond delay="0"/>
+                                          </p:stCondLst>
+                                        </p:cTn>
+                                        <p:tgtEl>
+                                          <p:spTgt spid="3">
+                                            <p:txEl>
+                                              <p:pRg st="7" end="7"/>
+                                            </p:txEl>
+                                          </p:spTgt>
+                                        </p:tgtEl>
+                                        <p:attrNameLst>
+                                          <p:attrName>style.visibility</p:attrName>
+                                        </p:attrNameLst>
+                                      </p:cBhvr>
+                                      <p:to>
+                                        <p:strVal val="visible"/>
+                                      </p:to>
+                                    </p:set>
+                                  </p:childTnLst>
+                                </p:cTn>
+                              </p:par>
+                              <p:par>
+                                <p:cTn id="33" presetID="1" presetClass="entr" presetSubtype="0" fill="hold" grpId="0" nodeType="withEffect">
                                   <p:stCondLst>
                                     <p:cond delay="0"/>
                                   </p:stCondLst>
@@ -11917,7 +11864,118 @@
                                         <p:tgtEl>
                                           <p:spTgt spid="3">
                                             <p:txEl>
-                                              <p:pRg st="7" end="7"/>
+                                              <p:pRg st="8" end="8"/>
+                                            </p:txEl>
+                                          </p:spTgt>
+                                        </p:tgtEl>
+                                        <p:attrNameLst>
+                                          <p:attrName>style.visibility</p:attrName>
+                                        </p:attrNameLst>
+                                      </p:cBhvr>
+                                      <p:to>
+                                        <p:strVal val="visible"/>
+                                      </p:to>
+                                    </p:set>
+                                  </p:childTnLst>
+                                </p:cTn>
+                              </p:par>
+                              <p:par>
+                                <p:cTn id="35" presetID="1" presetClass="entr" presetSubtype="0" fill="hold" grpId="0" nodeType="withEffect">
+                                  <p:stCondLst>
+                                    <p:cond delay="0"/>
+                                  </p:stCondLst>
+                                  <p:childTnLst>
+                                    <p:set>
+                                      <p:cBhvr>
+                                        <p:cTn id="36" dur="1" fill="hold">
+                                          <p:stCondLst>
+                                            <p:cond delay="0"/>
+                                          </p:stCondLst>
+                                        </p:cTn>
+                                        <p:tgtEl>
+                                          <p:spTgt spid="3">
+                                            <p:txEl>
+                                              <p:pRg st="9" end="9"/>
+                                            </p:txEl>
+                                          </p:spTgt>
+                                        </p:tgtEl>
+                                        <p:attrNameLst>
+                                          <p:attrName>style.visibility</p:attrName>
+                                        </p:attrNameLst>
+                                      </p:cBhvr>
+                                      <p:to>
+                                        <p:strVal val="visible"/>
+                                      </p:to>
+                                    </p:set>
+                                  </p:childTnLst>
+                                </p:cTn>
+                              </p:par>
+                            </p:childTnLst>
+                          </p:cTn>
+                        </p:par>
+                      </p:childTnLst>
+                    </p:cTn>
+                  </p:par>
+                  <p:par>
+                    <p:cTn id="37" fill="hold">
+                      <p:stCondLst>
+                        <p:cond delay="indefinite"/>
+                      </p:stCondLst>
+                      <p:childTnLst>
+                        <p:par>
+                          <p:cTn id="38" fill="hold">
+                            <p:stCondLst>
+                              <p:cond delay="0"/>
+                            </p:stCondLst>
+                            <p:childTnLst>
+                              <p:par>
+                                <p:cTn id="39" presetID="1" presetClass="entr" presetSubtype="0" fill="hold" grpId="0" nodeType="clickEffect">
+                                  <p:stCondLst>
+                                    <p:cond delay="0"/>
+                                  </p:stCondLst>
+                                  <p:childTnLst>
+                                    <p:set>
+                                      <p:cBhvr>
+                                        <p:cTn id="40" dur="1" fill="hold">
+                                          <p:stCondLst>
+                                            <p:cond delay="0"/>
+                                          </p:stCondLst>
+                                        </p:cTn>
+                                        <p:tgtEl>
+                                          <p:spTgt spid="3">
+                                            <p:txEl>
+                                              <p:pRg st="10" end="10"/>
+                                            </p:txEl>
+                                          </p:spTgt>
+                                        </p:tgtEl>
+                                        <p:attrNameLst>
+                                          <p:attrName>style.visibility</p:attrName>
+                                        </p:attrNameLst>
+                                      </p:cBhvr>
+                                      <p:to>
+                                        <p:strVal val="visible"/>
+                                      </p:to>
+                                    </p:set>
+                                  </p:childTnLst>
+                                </p:cTn>
+                              </p:par>
+                              <p:par>
+                                <p:cTn id="41" presetID="1" presetClass="entr" presetSubtype="0" fill="hold" grpId="0" nodeType="withEffect">
+                                  <p:stCondLst>
+                                    <p:cond delay="0"/>
+                                  </p:stCondLst>
+                                  <p:childTnLst>
+                                    <p:set>
+                                      <p:cBhvr>
+                                        <p:cTn id="42" dur="1" fill="hold">
+                                          <p:stCondLst>
+                                            <p:cond delay="0"/>
+                                          </p:stCondLst>
+                                        </p:cTn>
+                                        <p:tgtEl>
+                                          <p:spTgt spid="3">
+                                            <p:txEl>
+                                              <p:pRg st="11" end="11"/>
                                             </p:txEl>
                                           </p:spTgt>
                                         </p:tgtEl>

--- a/TypeScriptBasics.pptx
+++ b/TypeScriptBasics.pptx
@@ -1384,6 +1384,96 @@
     <p:extLst>
       <p:ext uri="{BB962C8B-B14F-4D97-AF65-F5344CB8AC3E}">
         <p14:creationId xmlns:p14="http://schemas.microsoft.com/office/powerpoint/2010/main" val="3469212084"/>
+      </p:ext>
+    </p:extLst>
+  </p:cSld>
+  <p:clrMapOvr>
+    <a:masterClrMapping/>
+  </p:clrMapOvr>
+</p:notes>
+</file>
+
+<file path=ppt/notesSlides/notesSlide18.xml><?xml version="1.0" encoding="utf-8"?>
+<p:notes xmlns:a="http://schemas.openxmlformats.org/drawingml/2006/main" xmlns:r="http://schemas.openxmlformats.org/officeDocument/2006/relationships" xmlns:p="http://schemas.openxmlformats.org/presentationml/2006/main">
+  <p:cSld>
+    <p:spTree>
+      <p:nvGrpSpPr>
+        <p:cNvPr id="1" name=""/>
+        <p:cNvGrpSpPr/>
+        <p:nvPr/>
+      </p:nvGrpSpPr>
+      <p:grpSpPr>
+        <a:xfrm>
+          <a:off x="0" y="0"/>
+          <a:ext cx="0" cy="0"/>
+          <a:chOff x="0" y="0"/>
+          <a:chExt cx="0" cy="0"/>
+        </a:xfrm>
+      </p:grpSpPr>
+      <p:sp>
+        <p:nvSpPr>
+          <p:cNvPr id="2" name="Folienbildplatzhalter 1"/>
+          <p:cNvSpPr>
+            <a:spLocks noGrp="1" noRot="1" noChangeAspect="1"/>
+          </p:cNvSpPr>
+          <p:nvPr>
+            <p:ph type="sldImg"/>
+          </p:nvPr>
+        </p:nvSpPr>
+        <p:spPr/>
+      </p:sp>
+      <p:sp>
+        <p:nvSpPr>
+          <p:cNvPr id="3" name="Notizenplatzhalter 2"/>
+          <p:cNvSpPr>
+            <a:spLocks noGrp="1"/>
+          </p:cNvSpPr>
+          <p:nvPr>
+            <p:ph type="body" idx="1"/>
+          </p:nvPr>
+        </p:nvSpPr>
+        <p:spPr/>
+        <p:txBody>
+          <a:bodyPr/>
+          <a:lstStyle/>
+          <a:p>
+            <a:r>
+              <a:rPr lang="de-DE" dirty="0"/>
+              <a:t>Typen existieren nur zur Entwicklung (gehen beim transpilieren verloren)</a:t>
+            </a:r>
+          </a:p>
+          <a:p>
+            <a:endParaRPr lang="de-DE" dirty="0"/>
+          </a:p>
+        </p:txBody>
+      </p:sp>
+      <p:sp>
+        <p:nvSpPr>
+          <p:cNvPr id="4" name="Foliennummernplatzhalter 3"/>
+          <p:cNvSpPr>
+            <a:spLocks noGrp="1"/>
+          </p:cNvSpPr>
+          <p:nvPr>
+            <p:ph type="sldNum" sz="quarter" idx="10"/>
+          </p:nvPr>
+        </p:nvSpPr>
+        <p:spPr/>
+        <p:txBody>
+          <a:bodyPr/>
+          <a:lstStyle/>
+          <a:p>
+            <a:fld id="{C0663104-BBBB-4823-99BF-1DB3B469CAD1}" type="slidenum">
+              <a:rPr lang="de-DE" smtClean="0"/>
+              <a:t>23</a:t>
+            </a:fld>
+            <a:endParaRPr lang="de-DE"/>
+          </a:p>
+        </p:txBody>
+      </p:sp>
+    </p:spTree>
+    <p:extLst>
+      <p:ext uri="{BB962C8B-B14F-4D97-AF65-F5344CB8AC3E}">
+        <p14:creationId xmlns:p14="http://schemas.microsoft.com/office/powerpoint/2010/main" val="4032013435"/>
       </p:ext>
     </p:extLst>
   </p:cSld>
@@ -13346,7 +13436,110 @@
           <a:bodyPr/>
           <a:lstStyle/>
           <a:p>
-            <a:endParaRPr lang="de-DE"/>
+            <a:pPr marL="285750" indent="-285750">
+              <a:buFontTx/>
+              <a:buChar char="-"/>
+            </a:pPr>
+            <a:r>
+              <a:rPr lang="de-DE" dirty="0"/>
+              <a:t>String</a:t>
+            </a:r>
+          </a:p>
+          <a:p>
+            <a:pPr marL="285750" indent="-285750">
+              <a:buFontTx/>
+              <a:buChar char="-"/>
+            </a:pPr>
+            <a:r>
+              <a:rPr lang="de-DE" dirty="0" err="1"/>
+              <a:t>Number</a:t>
+            </a:r>
+            <a:endParaRPr lang="de-DE" dirty="0"/>
+          </a:p>
+          <a:p>
+            <a:pPr marL="285750" indent="-285750">
+              <a:buFontTx/>
+              <a:buChar char="-"/>
+            </a:pPr>
+            <a:r>
+              <a:rPr lang="de-DE" dirty="0"/>
+              <a:t>Boolean</a:t>
+            </a:r>
+          </a:p>
+          <a:p>
+            <a:pPr marL="285750" indent="-285750">
+              <a:buFontTx/>
+              <a:buChar char="-"/>
+            </a:pPr>
+            <a:r>
+              <a:rPr lang="de-DE" dirty="0"/>
+              <a:t>Array</a:t>
+            </a:r>
+          </a:p>
+          <a:p>
+            <a:pPr marL="285750" indent="-285750">
+              <a:buFontTx/>
+              <a:buChar char="-"/>
+            </a:pPr>
+            <a:r>
+              <a:rPr lang="de-DE" dirty="0" err="1"/>
+              <a:t>Tuple</a:t>
+            </a:r>
+            <a:endParaRPr lang="de-DE" dirty="0"/>
+          </a:p>
+          <a:p>
+            <a:pPr marL="285750" indent="-285750">
+              <a:buFontTx/>
+              <a:buChar char="-"/>
+            </a:pPr>
+            <a:r>
+              <a:rPr lang="de-DE" dirty="0" err="1"/>
+              <a:t>Enums</a:t>
+            </a:r>
+            <a:endParaRPr lang="de-DE" dirty="0"/>
+          </a:p>
+          <a:p>
+            <a:pPr marL="285750" indent="-285750">
+              <a:buFontTx/>
+              <a:buChar char="-"/>
+            </a:pPr>
+            <a:r>
+              <a:rPr lang="de-DE" dirty="0"/>
+              <a:t>Any</a:t>
+            </a:r>
+          </a:p>
+          <a:p>
+            <a:pPr marL="285750" indent="-285750">
+              <a:buFontTx/>
+              <a:buChar char="-"/>
+            </a:pPr>
+            <a:r>
+              <a:rPr lang="de-DE" dirty="0" err="1"/>
+              <a:t>Function</a:t>
+            </a:r>
+            <a:endParaRPr lang="de-DE" dirty="0"/>
+          </a:p>
+          <a:p>
+            <a:pPr marL="285750" indent="-285750">
+              <a:buFontTx/>
+              <a:buChar char="-"/>
+            </a:pPr>
+            <a:r>
+              <a:rPr lang="de-DE" dirty="0" err="1"/>
+              <a:t>Object</a:t>
+            </a:r>
+            <a:endParaRPr lang="de-DE" dirty="0"/>
+          </a:p>
+          <a:p>
+            <a:pPr marL="285750" indent="-285750">
+              <a:buFontTx/>
+              <a:buChar char="-"/>
+            </a:pPr>
+            <a:r>
+              <a:rPr lang="de-DE"/>
+              <a:t>Never</a:t>
+            </a:r>
+            <a:endParaRPr lang="de-DE" dirty="0"/>
           </a:p>
         </p:txBody>
       </p:sp>

--- a/TypeScriptBasics.pptx
+++ b/TypeScriptBasics.pptx
@@ -5,7 +5,7 @@
     <p:sldMasterId id="2147483660" r:id="rId1"/>
   </p:sldMasterIdLst>
   <p:notesMasterIdLst>
-    <p:notesMasterId r:id="rId27"/>
+    <p:notesMasterId r:id="rId32"/>
   </p:notesMasterIdLst>
   <p:sldIdLst>
     <p:sldId id="259" r:id="rId2"/>
@@ -30,9 +30,14 @@
     <p:sldId id="277" r:id="rId21"/>
     <p:sldId id="284" r:id="rId22"/>
     <p:sldId id="279" r:id="rId23"/>
-    <p:sldId id="278" r:id="rId24"/>
-    <p:sldId id="268" r:id="rId25"/>
-    <p:sldId id="260" r:id="rId26"/>
+    <p:sldId id="286" r:id="rId24"/>
+    <p:sldId id="287" r:id="rId25"/>
+    <p:sldId id="278" r:id="rId26"/>
+    <p:sldId id="288" r:id="rId27"/>
+    <p:sldId id="289" r:id="rId28"/>
+    <p:sldId id="285" r:id="rId29"/>
+    <p:sldId id="268" r:id="rId30"/>
+    <p:sldId id="260" r:id="rId31"/>
   </p:sldIdLst>
   <p:sldSz cx="12192000" cy="6858000"/>
   <p:notesSz cx="6858000" cy="9144000"/>
@@ -263,7 +268,7 @@
           <a:p>
             <a:fld id="{97BEE526-5EB7-4409-B76B-A01705954A4C}" type="datetimeFigureOut">
               <a:rPr lang="de-DE" smtClean="0"/>
-              <a:t>13.01.2019</a:t>
+              <a:t>15.01.2019</a:t>
             </a:fld>
             <a:endParaRPr lang="de-DE"/>
           </a:p>
@@ -1464,7 +1469,7 @@
           <a:p>
             <a:fld id="{C0663104-BBBB-4823-99BF-1DB3B469CAD1}" type="slidenum">
               <a:rPr lang="de-DE" smtClean="0"/>
-              <a:t>23</a:t>
+              <a:t>25</a:t>
             </a:fld>
             <a:endParaRPr lang="de-DE"/>
           </a:p>
@@ -1474,6 +1479,96 @@
     <p:extLst>
       <p:ext uri="{BB962C8B-B14F-4D97-AF65-F5344CB8AC3E}">
         <p14:creationId xmlns:p14="http://schemas.microsoft.com/office/powerpoint/2010/main" val="4032013435"/>
+      </p:ext>
+    </p:extLst>
+  </p:cSld>
+  <p:clrMapOvr>
+    <a:masterClrMapping/>
+  </p:clrMapOvr>
+</p:notes>
+</file>
+
+<file path=ppt/notesSlides/notesSlide19.xml><?xml version="1.0" encoding="utf-8"?>
+<p:notes xmlns:a="http://schemas.openxmlformats.org/drawingml/2006/main" xmlns:r="http://schemas.openxmlformats.org/officeDocument/2006/relationships" xmlns:p="http://schemas.openxmlformats.org/presentationml/2006/main">
+  <p:cSld>
+    <p:spTree>
+      <p:nvGrpSpPr>
+        <p:cNvPr id="1" name=""/>
+        <p:cNvGrpSpPr/>
+        <p:nvPr/>
+      </p:nvGrpSpPr>
+      <p:grpSpPr>
+        <a:xfrm>
+          <a:off x="0" y="0"/>
+          <a:ext cx="0" cy="0"/>
+          <a:chOff x="0" y="0"/>
+          <a:chExt cx="0" cy="0"/>
+        </a:xfrm>
+      </p:grpSpPr>
+      <p:sp>
+        <p:nvSpPr>
+          <p:cNvPr id="2" name="Folienbildplatzhalter 1"/>
+          <p:cNvSpPr>
+            <a:spLocks noGrp="1" noRot="1" noChangeAspect="1"/>
+          </p:cNvSpPr>
+          <p:nvPr>
+            <p:ph type="sldImg"/>
+          </p:nvPr>
+        </p:nvSpPr>
+        <p:spPr/>
+      </p:sp>
+      <p:sp>
+        <p:nvSpPr>
+          <p:cNvPr id="3" name="Notizenplatzhalter 2"/>
+          <p:cNvSpPr>
+            <a:spLocks noGrp="1"/>
+          </p:cNvSpPr>
+          <p:nvPr>
+            <p:ph type="body" idx="1"/>
+          </p:nvPr>
+        </p:nvSpPr>
+        <p:spPr/>
+        <p:txBody>
+          <a:bodyPr/>
+          <a:lstStyle/>
+          <a:p>
+            <a:r>
+              <a:rPr lang="de-DE" dirty="0"/>
+              <a:t>Typen existieren nur zur Entwicklung (gehen beim transpilieren verloren)</a:t>
+            </a:r>
+          </a:p>
+          <a:p>
+            <a:endParaRPr lang="de-DE" dirty="0"/>
+          </a:p>
+        </p:txBody>
+      </p:sp>
+      <p:sp>
+        <p:nvSpPr>
+          <p:cNvPr id="4" name="Foliennummernplatzhalter 3"/>
+          <p:cNvSpPr>
+            <a:spLocks noGrp="1"/>
+          </p:cNvSpPr>
+          <p:nvPr>
+            <p:ph type="sldNum" sz="quarter" idx="10"/>
+          </p:nvPr>
+        </p:nvSpPr>
+        <p:spPr/>
+        <p:txBody>
+          <a:bodyPr/>
+          <a:lstStyle/>
+          <a:p>
+            <a:fld id="{C0663104-BBBB-4823-99BF-1DB3B469CAD1}" type="slidenum">
+              <a:rPr lang="de-DE" smtClean="0"/>
+              <a:t>26</a:t>
+            </a:fld>
+            <a:endParaRPr lang="de-DE"/>
+          </a:p>
+        </p:txBody>
+      </p:sp>
+    </p:spTree>
+    <p:extLst>
+      <p:ext uri="{BB962C8B-B14F-4D97-AF65-F5344CB8AC3E}">
+        <p14:creationId xmlns:p14="http://schemas.microsoft.com/office/powerpoint/2010/main" val="3411909009"/>
       </p:ext>
     </p:extLst>
   </p:cSld>
@@ -1584,6 +1679,180 @@
     <p:extLst>
       <p:ext uri="{BB962C8B-B14F-4D97-AF65-F5344CB8AC3E}">
         <p14:creationId xmlns:p14="http://schemas.microsoft.com/office/powerpoint/2010/main" val="1081092574"/>
+      </p:ext>
+    </p:extLst>
+  </p:cSld>
+  <p:clrMapOvr>
+    <a:masterClrMapping/>
+  </p:clrMapOvr>
+</p:notes>
+</file>
+
+<file path=ppt/notesSlides/notesSlide20.xml><?xml version="1.0" encoding="utf-8"?>
+<p:notes xmlns:a="http://schemas.openxmlformats.org/drawingml/2006/main" xmlns:r="http://schemas.openxmlformats.org/officeDocument/2006/relationships" xmlns:p="http://schemas.openxmlformats.org/presentationml/2006/main">
+  <p:cSld>
+    <p:spTree>
+      <p:nvGrpSpPr>
+        <p:cNvPr id="1" name=""/>
+        <p:cNvGrpSpPr/>
+        <p:nvPr/>
+      </p:nvGrpSpPr>
+      <p:grpSpPr>
+        <a:xfrm>
+          <a:off x="0" y="0"/>
+          <a:ext cx="0" cy="0"/>
+          <a:chOff x="0" y="0"/>
+          <a:chExt cx="0" cy="0"/>
+        </a:xfrm>
+      </p:grpSpPr>
+      <p:sp>
+        <p:nvSpPr>
+          <p:cNvPr id="2" name="Folienbildplatzhalter 1"/>
+          <p:cNvSpPr>
+            <a:spLocks noGrp="1" noRot="1" noChangeAspect="1"/>
+          </p:cNvSpPr>
+          <p:nvPr>
+            <p:ph type="sldImg"/>
+          </p:nvPr>
+        </p:nvSpPr>
+        <p:spPr/>
+      </p:sp>
+      <p:sp>
+        <p:nvSpPr>
+          <p:cNvPr id="3" name="Notizenplatzhalter 2"/>
+          <p:cNvSpPr>
+            <a:spLocks noGrp="1"/>
+          </p:cNvSpPr>
+          <p:nvPr>
+            <p:ph type="body" idx="1"/>
+          </p:nvPr>
+        </p:nvSpPr>
+        <p:spPr/>
+        <p:txBody>
+          <a:bodyPr/>
+          <a:lstStyle/>
+          <a:p>
+            <a:r>
+              <a:rPr lang="de-DE" dirty="0"/>
+              <a:t>Typen existieren nur zur Entwicklung (gehen beim transpilieren verloren)</a:t>
+            </a:r>
+          </a:p>
+          <a:p>
+            <a:endParaRPr lang="de-DE" dirty="0"/>
+          </a:p>
+        </p:txBody>
+      </p:sp>
+      <p:sp>
+        <p:nvSpPr>
+          <p:cNvPr id="4" name="Foliennummernplatzhalter 3"/>
+          <p:cNvSpPr>
+            <a:spLocks noGrp="1"/>
+          </p:cNvSpPr>
+          <p:nvPr>
+            <p:ph type="sldNum" sz="quarter" idx="10"/>
+          </p:nvPr>
+        </p:nvSpPr>
+        <p:spPr/>
+        <p:txBody>
+          <a:bodyPr/>
+          <a:lstStyle/>
+          <a:p>
+            <a:fld id="{C0663104-BBBB-4823-99BF-1DB3B469CAD1}" type="slidenum">
+              <a:rPr lang="de-DE" smtClean="0"/>
+              <a:t>27</a:t>
+            </a:fld>
+            <a:endParaRPr lang="de-DE"/>
+          </a:p>
+        </p:txBody>
+      </p:sp>
+    </p:spTree>
+    <p:extLst>
+      <p:ext uri="{BB962C8B-B14F-4D97-AF65-F5344CB8AC3E}">
+        <p14:creationId xmlns:p14="http://schemas.microsoft.com/office/powerpoint/2010/main" val="3583523099"/>
+      </p:ext>
+    </p:extLst>
+  </p:cSld>
+  <p:clrMapOvr>
+    <a:masterClrMapping/>
+  </p:clrMapOvr>
+</p:notes>
+</file>
+
+<file path=ppt/notesSlides/notesSlide21.xml><?xml version="1.0" encoding="utf-8"?>
+<p:notes xmlns:a="http://schemas.openxmlformats.org/drawingml/2006/main" xmlns:r="http://schemas.openxmlformats.org/officeDocument/2006/relationships" xmlns:p="http://schemas.openxmlformats.org/presentationml/2006/main">
+  <p:cSld>
+    <p:spTree>
+      <p:nvGrpSpPr>
+        <p:cNvPr id="1" name=""/>
+        <p:cNvGrpSpPr/>
+        <p:nvPr/>
+      </p:nvGrpSpPr>
+      <p:grpSpPr>
+        <a:xfrm>
+          <a:off x="0" y="0"/>
+          <a:ext cx="0" cy="0"/>
+          <a:chOff x="0" y="0"/>
+          <a:chExt cx="0" cy="0"/>
+        </a:xfrm>
+      </p:grpSpPr>
+      <p:sp>
+        <p:nvSpPr>
+          <p:cNvPr id="2" name="Folienbildplatzhalter 1"/>
+          <p:cNvSpPr>
+            <a:spLocks noGrp="1" noRot="1" noChangeAspect="1"/>
+          </p:cNvSpPr>
+          <p:nvPr>
+            <p:ph type="sldImg"/>
+          </p:nvPr>
+        </p:nvSpPr>
+        <p:spPr/>
+      </p:sp>
+      <p:sp>
+        <p:nvSpPr>
+          <p:cNvPr id="3" name="Notizenplatzhalter 2"/>
+          <p:cNvSpPr>
+            <a:spLocks noGrp="1"/>
+          </p:cNvSpPr>
+          <p:nvPr>
+            <p:ph type="body" idx="1"/>
+          </p:nvPr>
+        </p:nvSpPr>
+        <p:spPr/>
+        <p:txBody>
+          <a:bodyPr/>
+          <a:lstStyle/>
+          <a:p>
+            <a:endParaRPr lang="de-DE" dirty="0"/>
+          </a:p>
+        </p:txBody>
+      </p:sp>
+      <p:sp>
+        <p:nvSpPr>
+          <p:cNvPr id="4" name="Foliennummernplatzhalter 3"/>
+          <p:cNvSpPr>
+            <a:spLocks noGrp="1"/>
+          </p:cNvSpPr>
+          <p:nvPr>
+            <p:ph type="sldNum" sz="quarter" idx="10"/>
+          </p:nvPr>
+        </p:nvSpPr>
+        <p:spPr/>
+        <p:txBody>
+          <a:bodyPr/>
+          <a:lstStyle/>
+          <a:p>
+            <a:fld id="{C0663104-BBBB-4823-99BF-1DB3B469CAD1}" type="slidenum">
+              <a:rPr lang="de-DE" smtClean="0"/>
+              <a:t>28</a:t>
+            </a:fld>
+            <a:endParaRPr lang="de-DE"/>
+          </a:p>
+        </p:txBody>
+      </p:sp>
+    </p:spTree>
+    <p:extLst>
+      <p:ext uri="{BB962C8B-B14F-4D97-AF65-F5344CB8AC3E}">
+        <p14:creationId xmlns:p14="http://schemas.microsoft.com/office/powerpoint/2010/main" val="3395224485"/>
       </p:ext>
     </p:extLst>
   </p:cSld>
@@ -2833,7 +3102,7 @@
           <a:p>
             <a:fld id="{F1FE92DC-4F65-4B7E-8132-A160040A277A}" type="datetimeFigureOut">
               <a:rPr lang="de-DE" smtClean="0"/>
-              <a:t>13.01.2019</a:t>
+              <a:t>15.01.2019</a:t>
             </a:fld>
             <a:endParaRPr lang="de-DE"/>
           </a:p>
@@ -4766,7 +5035,7 @@
           <a:p>
             <a:fld id="{F1FE92DC-4F65-4B7E-8132-A160040A277A}" type="datetimeFigureOut">
               <a:rPr lang="de-DE" smtClean="0"/>
-              <a:t>13.01.2019</a:t>
+              <a:t>15.01.2019</a:t>
             </a:fld>
             <a:endParaRPr lang="de-DE"/>
           </a:p>
@@ -5104,7 +5373,7 @@
           <a:p>
             <a:fld id="{F1FE92DC-4F65-4B7E-8132-A160040A277A}" type="datetimeFigureOut">
               <a:rPr lang="de-DE" smtClean="0"/>
-              <a:t>13.01.2019</a:t>
+              <a:t>15.01.2019</a:t>
             </a:fld>
             <a:endParaRPr lang="de-DE"/>
           </a:p>
@@ -5375,7 +5644,7 @@
           <a:p>
             <a:fld id="{F1FE92DC-4F65-4B7E-8132-A160040A277A}" type="datetimeFigureOut">
               <a:rPr lang="de-DE" smtClean="0"/>
-              <a:t>13.01.2019</a:t>
+              <a:t>15.01.2019</a:t>
             </a:fld>
             <a:endParaRPr lang="de-DE"/>
           </a:p>
@@ -5856,7 +6125,7 @@
           <a:p>
             <a:fld id="{F1FE92DC-4F65-4B7E-8132-A160040A277A}" type="datetimeFigureOut">
               <a:rPr lang="de-DE" smtClean="0"/>
-              <a:t>13.01.2019</a:t>
+              <a:t>15.01.2019</a:t>
             </a:fld>
             <a:endParaRPr lang="de-DE"/>
           </a:p>
@@ -6261,7 +6530,7 @@
           <a:p>
             <a:fld id="{F1FE92DC-4F65-4B7E-8132-A160040A277A}" type="datetimeFigureOut">
               <a:rPr lang="de-DE" smtClean="0"/>
-              <a:t>13.01.2019</a:t>
+              <a:t>15.01.2019</a:t>
             </a:fld>
             <a:endParaRPr lang="de-DE"/>
           </a:p>
@@ -6614,7 +6883,7 @@
           <a:p>
             <a:fld id="{F1FE92DC-4F65-4B7E-8132-A160040A277A}" type="datetimeFigureOut">
               <a:rPr lang="de-DE" smtClean="0"/>
-              <a:t>13.01.2019</a:t>
+              <a:t>15.01.2019</a:t>
             </a:fld>
             <a:endParaRPr lang="de-DE"/>
           </a:p>
@@ -6801,7 +7070,7 @@
           <a:p>
             <a:fld id="{F1FE92DC-4F65-4B7E-8132-A160040A277A}" type="datetimeFigureOut">
               <a:rPr lang="de-DE" smtClean="0"/>
-              <a:t>13.01.2019</a:t>
+              <a:t>15.01.2019</a:t>
             </a:fld>
             <a:endParaRPr lang="de-DE"/>
           </a:p>
@@ -7177,7 +7446,7 @@
           <a:p>
             <a:fld id="{F1FE92DC-4F65-4B7E-8132-A160040A277A}" type="datetimeFigureOut">
               <a:rPr lang="de-DE" smtClean="0"/>
-              <a:t>13.01.2019</a:t>
+              <a:t>15.01.2019</a:t>
             </a:fld>
             <a:endParaRPr lang="de-DE"/>
           </a:p>
@@ -7452,7 +7721,7 @@
           <a:p>
             <a:fld id="{F1FE92DC-4F65-4B7E-8132-A160040A277A}" type="datetimeFigureOut">
               <a:rPr lang="de-DE" smtClean="0"/>
-              <a:t>13.01.2019</a:t>
+              <a:t>15.01.2019</a:t>
             </a:fld>
             <a:endParaRPr lang="de-DE"/>
           </a:p>
@@ -8800,7 +9069,7 @@
         </p:nvSpPr>
         <p:spPr/>
         <p:txBody>
-          <a:bodyPr/>
+          <a:bodyPr anchor="ctr"/>
           <a:lstStyle/>
           <a:p>
             <a:pPr algn="ctr"/>
@@ -9259,7 +9528,7 @@
         </p:nvSpPr>
         <p:spPr/>
         <p:txBody>
-          <a:bodyPr/>
+          <a:bodyPr anchor="ctr"/>
           <a:lstStyle/>
           <a:p>
             <a:pPr algn="ctr"/>
@@ -9948,7 +10217,7 @@
         </p:nvSpPr>
         <p:spPr/>
         <p:txBody>
-          <a:bodyPr/>
+          <a:bodyPr anchor="ctr"/>
           <a:lstStyle/>
           <a:p>
             <a:pPr algn="ctr"/>
@@ -10379,7 +10648,7 @@
         </p:nvSpPr>
         <p:spPr/>
         <p:txBody>
-          <a:bodyPr/>
+          <a:bodyPr anchor="ctr"/>
           <a:lstStyle/>
           <a:p>
             <a:pPr algn="ctr"/>
@@ -11043,7 +11312,7 @@
         </p:nvSpPr>
         <p:spPr/>
         <p:txBody>
-          <a:bodyPr/>
+          <a:bodyPr anchor="ctr"/>
           <a:lstStyle/>
           <a:p>
             <a:pPr algn="ctr"/>
@@ -12758,7 +13027,7 @@
         </p:nvSpPr>
         <p:spPr/>
         <p:txBody>
-          <a:bodyPr/>
+          <a:bodyPr anchor="ctr"/>
           <a:lstStyle/>
           <a:p>
             <a:pPr algn="ctr"/>
@@ -13388,7 +13657,7 @@
           <p:cNvPr id="2" name="Titel 1">
             <a:extLst>
               <a:ext uri="{FF2B5EF4-FFF2-40B4-BE49-F238E27FC236}">
-                <a16:creationId xmlns:a16="http://schemas.microsoft.com/office/drawing/2014/main" id="{9D430920-52DF-406A-97B8-E440569CC14A}"/>
+                <a16:creationId xmlns:a16="http://schemas.microsoft.com/office/drawing/2014/main" id="{C1EBE725-592C-4439-8380-503F3CCB72F4}"/>
               </a:ext>
             </a:extLst>
           </p:cNvPr>
@@ -13405,12 +13674,16 @@
           <a:lstStyle/>
           <a:p>
             <a:r>
+              <a:rPr lang="de-DE" dirty="0"/>
+              <a:t>Vorbereitung </a:t>
+            </a:r>
+            <a:r>
               <a:rPr lang="de-DE" dirty="0" err="1"/>
               <a:t>TypeScript</a:t>
             </a:r>
             <a:r>
               <a:rPr lang="de-DE" dirty="0"/>
-              <a:t> Typen</a:t>
+              <a:t> (mit VS-Code)</a:t>
             </a:r>
           </a:p>
         </p:txBody>
@@ -13420,7 +13693,7 @@
           <p:cNvPr id="3" name="Inhaltsplatzhalter 2">
             <a:extLst>
               <a:ext uri="{FF2B5EF4-FFF2-40B4-BE49-F238E27FC236}">
-                <a16:creationId xmlns:a16="http://schemas.microsoft.com/office/drawing/2014/main" id="{2DDAA101-1ED8-464A-B61F-B4E932DF553D}"/>
+                <a16:creationId xmlns:a16="http://schemas.microsoft.com/office/drawing/2014/main" id="{8BAB2CFD-7930-464A-B21C-CA78D6F4D621}"/>
               </a:ext>
             </a:extLst>
           </p:cNvPr>
@@ -13441,9 +13714,18 @@
               <a:buChar char="-"/>
             </a:pPr>
             <a:r>
-              <a:rPr lang="de-DE" dirty="0"/>
-              <a:t>String</a:t>
-            </a:r>
+              <a:rPr lang="de-DE" dirty="0" err="1"/>
+              <a:t>TypeScript</a:t>
+            </a:r>
+            <a:r>
+              <a:rPr lang="de-DE" dirty="0"/>
+              <a:t> wird in JavaScript </a:t>
+            </a:r>
+            <a:r>
+              <a:rPr lang="de-DE" dirty="0" err="1"/>
+              <a:t>compiliert</a:t>
+            </a:r>
+            <a:endParaRPr lang="de-DE" dirty="0"/>
           </a:p>
           <a:p>
             <a:pPr marL="285750" indent="-285750">
@@ -13451,10 +13733,33 @@
               <a:buChar char="-"/>
             </a:pPr>
             <a:r>
+              <a:rPr lang="de-DE" dirty="0"/>
+              <a:t>Anlegen der </a:t>
+            </a:r>
+            <a:r>
               <a:rPr lang="de-DE" dirty="0" err="1"/>
-              <a:t>Number</a:t>
-            </a:r>
-            <a:endParaRPr lang="de-DE" dirty="0"/>
+              <a:t>tsconfig.json</a:t>
+            </a:r>
+            <a:r>
+              <a:rPr lang="de-DE" dirty="0"/>
+              <a:t> mittels „</a:t>
+            </a:r>
+            <a:r>
+              <a:rPr lang="de-DE" dirty="0" err="1"/>
+              <a:t>tsc</a:t>
+            </a:r>
+            <a:r>
+              <a:rPr lang="de-DE" dirty="0"/>
+              <a:t> --</a:t>
+            </a:r>
+            <a:r>
+              <a:rPr lang="de-DE" dirty="0" err="1"/>
+              <a:t>init</a:t>
+            </a:r>
+            <a:r>
+              <a:rPr lang="de-DE" dirty="0"/>
+              <a:t>„</a:t>
+            </a:r>
           </a:p>
           <a:p>
             <a:pPr marL="285750" indent="-285750">
@@ -13462,8 +13767,12 @@
               <a:buChar char="-"/>
             </a:pPr>
             <a:r>
-              <a:rPr lang="de-DE" dirty="0"/>
-              <a:t>Boolean</a:t>
+              <a:rPr lang="de-DE" dirty="0" err="1"/>
+              <a:t>tsconfig.json</a:t>
+            </a:r>
+            <a:r>
+              <a:rPr lang="de-DE" dirty="0"/>
+              <a:t> steuert die Compiler-Optionen</a:t>
             </a:r>
           </a:p>
           <a:p>
@@ -13473,7 +13782,23 @@
             </a:pPr>
             <a:r>
               <a:rPr lang="de-DE" dirty="0"/>
-              <a:t>Array</a:t>
+              <a:t>„Übersetzen“ mittels „</a:t>
+            </a:r>
+            <a:r>
+              <a:rPr lang="de-DE" dirty="0" err="1"/>
+              <a:t>tsc</a:t>
+            </a:r>
+            <a:r>
+              <a:rPr lang="de-DE" dirty="0"/>
+              <a:t> </a:t>
+            </a:r>
+            <a:r>
+              <a:rPr lang="de-DE" dirty="0" err="1"/>
+              <a:t>filename.ts</a:t>
+            </a:r>
+            <a:r>
+              <a:rPr lang="de-DE" dirty="0"/>
+              <a:t>“</a:t>
             </a:r>
           </a:p>
           <a:p>
@@ -13482,77 +13807,308 @@
               <a:buChar char="-"/>
             </a:pPr>
             <a:r>
+              <a:rPr lang="de-DE" dirty="0"/>
+              <a:t>„</a:t>
+            </a:r>
+            <a:r>
               <a:rPr lang="de-DE" dirty="0" err="1"/>
-              <a:t>Tuple</a:t>
-            </a:r>
-            <a:endParaRPr lang="de-DE" dirty="0"/>
-          </a:p>
-          <a:p>
-            <a:pPr marL="285750" indent="-285750">
-              <a:buFontTx/>
-              <a:buChar char="-"/>
-            </a:pPr>
-            <a:r>
-              <a:rPr lang="de-DE" dirty="0" err="1"/>
-              <a:t>Enums</a:t>
-            </a:r>
-            <a:endParaRPr lang="de-DE" dirty="0"/>
-          </a:p>
-          <a:p>
-            <a:pPr marL="285750" indent="-285750">
-              <a:buFontTx/>
-              <a:buChar char="-"/>
-            </a:pPr>
-            <a:r>
-              <a:rPr lang="de-DE" dirty="0"/>
-              <a:t>Any</a:t>
-            </a:r>
-          </a:p>
-          <a:p>
-            <a:pPr marL="285750" indent="-285750">
-              <a:buFontTx/>
-              <a:buChar char="-"/>
-            </a:pPr>
-            <a:r>
-              <a:rPr lang="de-DE" dirty="0" err="1"/>
-              <a:t>Function</a:t>
-            </a:r>
-            <a:endParaRPr lang="de-DE" dirty="0"/>
-          </a:p>
-          <a:p>
-            <a:pPr marL="285750" indent="-285750">
-              <a:buFontTx/>
-              <a:buChar char="-"/>
-            </a:pPr>
-            <a:r>
-              <a:rPr lang="de-DE" dirty="0" err="1"/>
-              <a:t>Object</a:t>
-            </a:r>
-            <a:endParaRPr lang="de-DE" dirty="0"/>
-          </a:p>
-          <a:p>
-            <a:pPr marL="285750" indent="-285750">
-              <a:buFontTx/>
-              <a:buChar char="-"/>
-            </a:pPr>
-            <a:r>
-              <a:rPr lang="de-DE"/>
-              <a:t>Never</a:t>
-            </a:r>
-            <a:endParaRPr lang="de-DE" dirty="0"/>
+              <a:t>tsc</a:t>
+            </a:r>
+            <a:r>
+              <a:rPr lang="de-DE" dirty="0"/>
+              <a:t> --watch“ übersetzt nach Speichern</a:t>
+            </a:r>
           </a:p>
         </p:txBody>
       </p:sp>
     </p:spTree>
     <p:extLst>
       <p:ext uri="{BB962C8B-B14F-4D97-AF65-F5344CB8AC3E}">
-        <p14:creationId xmlns:p14="http://schemas.microsoft.com/office/powerpoint/2010/main" val="2242404016"/>
+        <p14:creationId xmlns:p14="http://schemas.microsoft.com/office/powerpoint/2010/main" val="2066793908"/>
       </p:ext>
     </p:extLst>
   </p:cSld>
   <p:clrMapOvr>
     <a:masterClrMapping/>
   </p:clrMapOvr>
+  <p:timing>
+    <p:tnLst>
+      <p:par>
+        <p:cTn id="1" dur="indefinite" restart="never" nodeType="tmRoot">
+          <p:childTnLst>
+            <p:seq concurrent="1" nextAc="seek">
+              <p:cTn id="2" dur="indefinite" nodeType="mainSeq">
+                <p:childTnLst>
+                  <p:par>
+                    <p:cTn id="3" fill="hold">
+                      <p:stCondLst>
+                        <p:cond delay="indefinite"/>
+                        <p:cond evt="onBegin" delay="0">
+                          <p:tn val="2"/>
+                        </p:cond>
+                      </p:stCondLst>
+                      <p:childTnLst>
+                        <p:par>
+                          <p:cTn id="4" fill="hold">
+                            <p:stCondLst>
+                              <p:cond delay="0"/>
+                            </p:stCondLst>
+                            <p:childTnLst>
+                              <p:par>
+                                <p:cTn id="5" presetID="1" presetClass="entr" presetSubtype="0" fill="hold" nodeType="withEffect">
+                                  <p:stCondLst>
+                                    <p:cond delay="0"/>
+                                  </p:stCondLst>
+                                  <p:childTnLst>
+                                    <p:set>
+                                      <p:cBhvr>
+                                        <p:cTn id="6" dur="1" fill="hold">
+                                          <p:stCondLst>
+                                            <p:cond delay="0"/>
+                                          </p:stCondLst>
+                                        </p:cTn>
+                                        <p:tgtEl>
+                                          <p:spTgt spid="3">
+                                            <p:txEl>
+                                              <p:pRg st="0" end="0"/>
+                                            </p:txEl>
+                                          </p:spTgt>
+                                        </p:tgtEl>
+                                        <p:attrNameLst>
+                                          <p:attrName>style.visibility</p:attrName>
+                                        </p:attrNameLst>
+                                      </p:cBhvr>
+                                      <p:to>
+                                        <p:strVal val="visible"/>
+                                      </p:to>
+                                    </p:set>
+                                  </p:childTnLst>
+                                </p:cTn>
+                              </p:par>
+                            </p:childTnLst>
+                          </p:cTn>
+                        </p:par>
+                      </p:childTnLst>
+                    </p:cTn>
+                  </p:par>
+                  <p:par>
+                    <p:cTn id="7" fill="hold">
+                      <p:stCondLst>
+                        <p:cond delay="indefinite"/>
+                      </p:stCondLst>
+                      <p:childTnLst>
+                        <p:par>
+                          <p:cTn id="8" fill="hold">
+                            <p:stCondLst>
+                              <p:cond delay="0"/>
+                            </p:stCondLst>
+                            <p:childTnLst>
+                              <p:par>
+                                <p:cTn id="9" presetID="1" presetClass="entr" presetSubtype="0" fill="hold" nodeType="clickEffect">
+                                  <p:stCondLst>
+                                    <p:cond delay="0"/>
+                                  </p:stCondLst>
+                                  <p:childTnLst>
+                                    <p:set>
+                                      <p:cBhvr>
+                                        <p:cTn id="10" dur="1" fill="hold">
+                                          <p:stCondLst>
+                                            <p:cond delay="0"/>
+                                          </p:stCondLst>
+                                        </p:cTn>
+                                        <p:tgtEl>
+                                          <p:spTgt spid="3">
+                                            <p:txEl>
+                                              <p:pRg st="1" end="1"/>
+                                            </p:txEl>
+                                          </p:spTgt>
+                                        </p:tgtEl>
+                                        <p:attrNameLst>
+                                          <p:attrName>style.visibility</p:attrName>
+                                        </p:attrNameLst>
+                                      </p:cBhvr>
+                                      <p:to>
+                                        <p:strVal val="visible"/>
+                                      </p:to>
+                                    </p:set>
+                                  </p:childTnLst>
+                                </p:cTn>
+                              </p:par>
+                            </p:childTnLst>
+                          </p:cTn>
+                        </p:par>
+                      </p:childTnLst>
+                    </p:cTn>
+                  </p:par>
+                  <p:par>
+                    <p:cTn id="11" fill="hold">
+                      <p:stCondLst>
+                        <p:cond delay="indefinite"/>
+                      </p:stCondLst>
+                      <p:childTnLst>
+                        <p:par>
+                          <p:cTn id="12" fill="hold">
+                            <p:stCondLst>
+                              <p:cond delay="0"/>
+                            </p:stCondLst>
+                            <p:childTnLst>
+                              <p:par>
+                                <p:cTn id="13" presetID="1" presetClass="entr" presetSubtype="0" fill="hold" nodeType="clickEffect">
+                                  <p:stCondLst>
+                                    <p:cond delay="0"/>
+                                  </p:stCondLst>
+                                  <p:childTnLst>
+                                    <p:set>
+                                      <p:cBhvr>
+                                        <p:cTn id="14" dur="1" fill="hold">
+                                          <p:stCondLst>
+                                            <p:cond delay="0"/>
+                                          </p:stCondLst>
+                                        </p:cTn>
+                                        <p:tgtEl>
+                                          <p:spTgt spid="3">
+                                            <p:txEl>
+                                              <p:pRg st="2" end="2"/>
+                                            </p:txEl>
+                                          </p:spTgt>
+                                        </p:tgtEl>
+                                        <p:attrNameLst>
+                                          <p:attrName>style.visibility</p:attrName>
+                                        </p:attrNameLst>
+                                      </p:cBhvr>
+                                      <p:to>
+                                        <p:strVal val="visible"/>
+                                      </p:to>
+                                    </p:set>
+                                  </p:childTnLst>
+                                </p:cTn>
+                              </p:par>
+                            </p:childTnLst>
+                          </p:cTn>
+                        </p:par>
+                      </p:childTnLst>
+                    </p:cTn>
+                  </p:par>
+                  <p:par>
+                    <p:cTn id="15" fill="hold">
+                      <p:stCondLst>
+                        <p:cond delay="indefinite"/>
+                      </p:stCondLst>
+                      <p:childTnLst>
+                        <p:par>
+                          <p:cTn id="16" fill="hold">
+                            <p:stCondLst>
+                              <p:cond delay="0"/>
+                            </p:stCondLst>
+                            <p:childTnLst>
+                              <p:par>
+                                <p:cTn id="17" presetID="1" presetClass="entr" presetSubtype="0" fill="hold" nodeType="clickEffect">
+                                  <p:stCondLst>
+                                    <p:cond delay="0"/>
+                                  </p:stCondLst>
+                                  <p:childTnLst>
+                                    <p:set>
+                                      <p:cBhvr>
+                                        <p:cTn id="18" dur="1" fill="hold">
+                                          <p:stCondLst>
+                                            <p:cond delay="0"/>
+                                          </p:stCondLst>
+                                        </p:cTn>
+                                        <p:tgtEl>
+                                          <p:spTgt spid="3">
+                                            <p:txEl>
+                                              <p:pRg st="3" end="3"/>
+                                            </p:txEl>
+                                          </p:spTgt>
+                                        </p:tgtEl>
+                                        <p:attrNameLst>
+                                          <p:attrName>style.visibility</p:attrName>
+                                        </p:attrNameLst>
+                                      </p:cBhvr>
+                                      <p:to>
+                                        <p:strVal val="visible"/>
+                                      </p:to>
+                                    </p:set>
+                                  </p:childTnLst>
+                                </p:cTn>
+                              </p:par>
+                            </p:childTnLst>
+                          </p:cTn>
+                        </p:par>
+                      </p:childTnLst>
+                    </p:cTn>
+                  </p:par>
+                  <p:par>
+                    <p:cTn id="19" fill="hold">
+                      <p:stCondLst>
+                        <p:cond delay="indefinite"/>
+                      </p:stCondLst>
+                      <p:childTnLst>
+                        <p:par>
+                          <p:cTn id="20" fill="hold">
+                            <p:stCondLst>
+                              <p:cond delay="0"/>
+                            </p:stCondLst>
+                            <p:childTnLst>
+                              <p:par>
+                                <p:cTn id="21" presetID="1" presetClass="entr" presetSubtype="0" fill="hold" nodeType="clickEffect">
+                                  <p:stCondLst>
+                                    <p:cond delay="0"/>
+                                  </p:stCondLst>
+                                  <p:childTnLst>
+                                    <p:set>
+                                      <p:cBhvr>
+                                        <p:cTn id="22" dur="1" fill="hold">
+                                          <p:stCondLst>
+                                            <p:cond delay="0"/>
+                                          </p:stCondLst>
+                                        </p:cTn>
+                                        <p:tgtEl>
+                                          <p:spTgt spid="3">
+                                            <p:txEl>
+                                              <p:pRg st="4" end="4"/>
+                                            </p:txEl>
+                                          </p:spTgt>
+                                        </p:tgtEl>
+                                        <p:attrNameLst>
+                                          <p:attrName>style.visibility</p:attrName>
+                                        </p:attrNameLst>
+                                      </p:cBhvr>
+                                      <p:to>
+                                        <p:strVal val="visible"/>
+                                      </p:to>
+                                    </p:set>
+                                  </p:childTnLst>
+                                </p:cTn>
+                              </p:par>
+                            </p:childTnLst>
+                          </p:cTn>
+                        </p:par>
+                      </p:childTnLst>
+                    </p:cTn>
+                  </p:par>
+                </p:childTnLst>
+              </p:cTn>
+              <p:prevCondLst>
+                <p:cond evt="onPrev" delay="0">
+                  <p:tgtEl>
+                    <p:sldTgt/>
+                  </p:tgtEl>
+                </p:cond>
+              </p:prevCondLst>
+              <p:nextCondLst>
+                <p:cond evt="onNext" delay="0">
+                  <p:tgtEl>
+                    <p:sldTgt/>
+                  </p:tgtEl>
+                </p:cond>
+              </p:nextCondLst>
+            </p:seq>
+          </p:childTnLst>
+        </p:cTn>
+      </p:par>
+    </p:tnLst>
+  </p:timing>
 </p:sld>
 </file>
 
@@ -13578,7 +14134,7 @@
           <p:cNvPr id="2" name="Titel 1">
             <a:extLst>
               <a:ext uri="{FF2B5EF4-FFF2-40B4-BE49-F238E27FC236}">
-                <a16:creationId xmlns:a16="http://schemas.microsoft.com/office/drawing/2014/main" id="{EE08B43D-448C-433E-9870-51D5660D16EA}"/>
+                <a16:creationId xmlns:a16="http://schemas.microsoft.com/office/drawing/2014/main" id="{C1EBE725-592C-4439-8380-503F3CCB72F4}"/>
               </a:ext>
             </a:extLst>
           </p:cNvPr>
@@ -13596,7 +14152,15 @@
           <a:p>
             <a:r>
               <a:rPr lang="de-DE" dirty="0"/>
-              <a:t>Quellen</a:t>
+              <a:t>Vorbereitung </a:t>
+            </a:r>
+            <a:r>
+              <a:rPr lang="de-DE" dirty="0" err="1"/>
+              <a:t>TypeScript</a:t>
+            </a:r>
+            <a:r>
+              <a:rPr lang="de-DE" dirty="0"/>
+              <a:t> (mit VS-Code)</a:t>
             </a:r>
           </a:p>
         </p:txBody>
@@ -13606,7 +14170,7 @@
           <p:cNvPr id="3" name="Inhaltsplatzhalter 2">
             <a:extLst>
               <a:ext uri="{FF2B5EF4-FFF2-40B4-BE49-F238E27FC236}">
-                <a16:creationId xmlns:a16="http://schemas.microsoft.com/office/drawing/2014/main" id="{87B611CF-87BD-48B3-8558-1926A06064B7}"/>
+                <a16:creationId xmlns:a16="http://schemas.microsoft.com/office/drawing/2014/main" id="{8BAB2CFD-7930-464A-B21C-CA78D6F4D621}"/>
               </a:ext>
             </a:extLst>
           </p:cNvPr>
@@ -13619,64 +14183,13 @@
         </p:nvSpPr>
         <p:spPr/>
         <p:txBody>
-          <a:bodyPr/>
+          <a:bodyPr anchor="ctr"/>
           <a:lstStyle/>
           <a:p>
-            <a:pPr marL="285750" indent="-285750">
-              <a:buFontTx/>
-              <a:buChar char="-"/>
-            </a:pPr>
-            <a:r>
-              <a:rPr lang="de-DE" dirty="0">
-                <a:hlinkClick r:id="rId2"/>
-              </a:rPr>
-              <a:t>www.typescriptlang.org</a:t>
-            </a:r>
-            <a:endParaRPr lang="de-DE" dirty="0"/>
-          </a:p>
-          <a:p>
-            <a:pPr marL="285750" indent="-285750">
-              <a:buFontTx/>
-              <a:buChar char="-"/>
-            </a:pPr>
-            <a:r>
-              <a:rPr lang="de-DE" dirty="0">
-                <a:hlinkClick r:id="rId3"/>
-              </a:rPr>
-              <a:t>https://medium.freecodecamp.org</a:t>
-            </a:r>
-            <a:endParaRPr lang="de-DE" dirty="0"/>
-          </a:p>
-          <a:p>
-            <a:pPr marL="285750" indent="-285750">
-              <a:buFontTx/>
-              <a:buChar char="-"/>
-            </a:pPr>
-            <a:r>
-              <a:rPr lang="de-DE" dirty="0"/>
-              <a:t>https://www.w3schools.com</a:t>
-            </a:r>
-          </a:p>
-          <a:p>
-            <a:pPr marL="285750" indent="-285750">
-              <a:buFontTx/>
-              <a:buChar char="-"/>
-            </a:pPr>
-            <a:r>
-              <a:rPr lang="de-DE" dirty="0" err="1"/>
-              <a:t>goloJS</a:t>
-            </a:r>
-            <a:r>
-              <a:rPr lang="de-DE" dirty="0"/>
-              <a:t> (</a:t>
-            </a:r>
-            <a:r>
-              <a:rPr lang="de-DE" dirty="0" err="1"/>
-              <a:t>dotnetpro</a:t>
-            </a:r>
-            <a:r>
-              <a:rPr lang="de-DE" dirty="0"/>
-              <a:t>)</a:t>
+            <a:pPr algn="ctr"/>
+            <a:r>
+              <a:rPr lang="de-DE" sz="6000" dirty="0"/>
+              <a:t>ÜBUNG</a:t>
             </a:r>
           </a:p>
         </p:txBody>
@@ -13684,7 +14197,7 @@
     </p:spTree>
     <p:extLst>
       <p:ext uri="{BB962C8B-B14F-4D97-AF65-F5344CB8AC3E}">
-        <p14:creationId xmlns:p14="http://schemas.microsoft.com/office/powerpoint/2010/main" val="3297395879"/>
+        <p14:creationId xmlns:p14="http://schemas.microsoft.com/office/powerpoint/2010/main" val="1543461631"/>
       </p:ext>
     </p:extLst>
   </p:cSld>
@@ -13711,10 +14224,577 @@
           <a:chExt cx="0" cy="0"/>
         </a:xfrm>
       </p:grpSpPr>
+      <p:sp>
+        <p:nvSpPr>
+          <p:cNvPr id="2" name="Titel 1">
+            <a:extLst>
+              <a:ext uri="{FF2B5EF4-FFF2-40B4-BE49-F238E27FC236}">
+                <a16:creationId xmlns:a16="http://schemas.microsoft.com/office/drawing/2014/main" id="{9D430920-52DF-406A-97B8-E440569CC14A}"/>
+              </a:ext>
+            </a:extLst>
+          </p:cNvPr>
+          <p:cNvSpPr>
+            <a:spLocks noGrp="1"/>
+          </p:cNvSpPr>
+          <p:nvPr>
+            <p:ph type="title"/>
+          </p:nvPr>
+        </p:nvSpPr>
+        <p:spPr/>
+        <p:txBody>
+          <a:bodyPr/>
+          <a:lstStyle/>
+          <a:p>
+            <a:r>
+              <a:rPr lang="de-DE" dirty="0" err="1"/>
+              <a:t>TypeScript</a:t>
+            </a:r>
+            <a:r>
+              <a:rPr lang="de-DE" dirty="0"/>
+              <a:t> Typen</a:t>
+            </a:r>
+          </a:p>
+        </p:txBody>
+      </p:sp>
+      <p:sp>
+        <p:nvSpPr>
+          <p:cNvPr id="3" name="Inhaltsplatzhalter 2">
+            <a:extLst>
+              <a:ext uri="{FF2B5EF4-FFF2-40B4-BE49-F238E27FC236}">
+                <a16:creationId xmlns:a16="http://schemas.microsoft.com/office/drawing/2014/main" id="{2DDAA101-1ED8-464A-B61F-B4E932DF553D}"/>
+              </a:ext>
+            </a:extLst>
+          </p:cNvPr>
+          <p:cNvSpPr>
+            <a:spLocks noGrp="1"/>
+          </p:cNvSpPr>
+          <p:nvPr>
+            <p:ph sz="quarter" idx="11"/>
+          </p:nvPr>
+        </p:nvSpPr>
+        <p:spPr/>
+        <p:txBody>
+          <a:bodyPr/>
+          <a:lstStyle/>
+          <a:p>
+            <a:pPr marL="285750" indent="-285750">
+              <a:buFontTx/>
+              <a:buChar char="-"/>
+            </a:pPr>
+            <a:r>
+              <a:rPr lang="de-DE" dirty="0"/>
+              <a:t>String</a:t>
+            </a:r>
+          </a:p>
+          <a:p>
+            <a:pPr marL="285750" indent="-285750">
+              <a:buFontTx/>
+              <a:buChar char="-"/>
+            </a:pPr>
+            <a:r>
+              <a:rPr lang="de-DE" dirty="0" err="1"/>
+              <a:t>Number</a:t>
+            </a:r>
+            <a:endParaRPr lang="de-DE" dirty="0"/>
+          </a:p>
+          <a:p>
+            <a:pPr marL="285750" indent="-285750">
+              <a:buFontTx/>
+              <a:buChar char="-"/>
+            </a:pPr>
+            <a:r>
+              <a:rPr lang="de-DE" dirty="0"/>
+              <a:t>Boolean</a:t>
+            </a:r>
+          </a:p>
+          <a:p>
+            <a:pPr marL="285750" indent="-285750">
+              <a:buFontTx/>
+              <a:buChar char="-"/>
+            </a:pPr>
+            <a:r>
+              <a:rPr lang="de-DE" dirty="0"/>
+              <a:t>Array</a:t>
+            </a:r>
+          </a:p>
+          <a:p>
+            <a:pPr marL="285750" indent="-285750">
+              <a:buFontTx/>
+              <a:buChar char="-"/>
+            </a:pPr>
+            <a:r>
+              <a:rPr lang="de-DE" dirty="0" err="1"/>
+              <a:t>Tuple</a:t>
+            </a:r>
+            <a:endParaRPr lang="de-DE" dirty="0"/>
+          </a:p>
+          <a:p>
+            <a:pPr marL="285750" indent="-285750">
+              <a:buFontTx/>
+              <a:buChar char="-"/>
+            </a:pPr>
+            <a:r>
+              <a:rPr lang="de-DE" dirty="0" err="1"/>
+              <a:t>Enums</a:t>
+            </a:r>
+            <a:endParaRPr lang="de-DE" dirty="0"/>
+          </a:p>
+          <a:p>
+            <a:pPr marL="285750" indent="-285750">
+              <a:buFontTx/>
+              <a:buChar char="-"/>
+            </a:pPr>
+            <a:r>
+              <a:rPr lang="de-DE" dirty="0"/>
+              <a:t>Any</a:t>
+            </a:r>
+          </a:p>
+          <a:p>
+            <a:pPr marL="285750" indent="-285750">
+              <a:buFontTx/>
+              <a:buChar char="-"/>
+            </a:pPr>
+            <a:r>
+              <a:rPr lang="de-DE" dirty="0" err="1"/>
+              <a:t>Function</a:t>
+            </a:r>
+            <a:endParaRPr lang="de-DE" dirty="0"/>
+          </a:p>
+          <a:p>
+            <a:pPr marL="285750" indent="-285750">
+              <a:buFontTx/>
+              <a:buChar char="-"/>
+            </a:pPr>
+            <a:r>
+              <a:rPr lang="de-DE" dirty="0" err="1"/>
+              <a:t>Object</a:t>
+            </a:r>
+            <a:endParaRPr lang="de-DE" dirty="0"/>
+          </a:p>
+          <a:p>
+            <a:pPr marL="285750" indent="-285750">
+              <a:buFontTx/>
+              <a:buChar char="-"/>
+            </a:pPr>
+            <a:r>
+              <a:rPr lang="de-DE"/>
+              <a:t>Never</a:t>
+            </a:r>
+            <a:endParaRPr lang="de-DE" dirty="0"/>
+          </a:p>
+        </p:txBody>
+      </p:sp>
     </p:spTree>
     <p:extLst>
       <p:ext uri="{BB962C8B-B14F-4D97-AF65-F5344CB8AC3E}">
-        <p14:creationId xmlns:p14="http://schemas.microsoft.com/office/powerpoint/2010/main" val="1960385770"/>
+        <p14:creationId xmlns:p14="http://schemas.microsoft.com/office/powerpoint/2010/main" val="2242404016"/>
+      </p:ext>
+    </p:extLst>
+  </p:cSld>
+  <p:clrMapOvr>
+    <a:masterClrMapping/>
+  </p:clrMapOvr>
+</p:sld>
+</file>
+
+<file path=ppt/slides/slide26.xml><?xml version="1.0" encoding="utf-8"?>
+<p:sld xmlns:a="http://schemas.openxmlformats.org/drawingml/2006/main" xmlns:r="http://schemas.openxmlformats.org/officeDocument/2006/relationships" xmlns:p="http://schemas.openxmlformats.org/presentationml/2006/main">
+  <p:cSld>
+    <p:spTree>
+      <p:nvGrpSpPr>
+        <p:cNvPr id="1" name=""/>
+        <p:cNvGrpSpPr/>
+        <p:nvPr/>
+      </p:nvGrpSpPr>
+      <p:grpSpPr>
+        <a:xfrm>
+          <a:off x="0" y="0"/>
+          <a:ext cx="0" cy="0"/>
+          <a:chOff x="0" y="0"/>
+          <a:chExt cx="0" cy="0"/>
+        </a:xfrm>
+      </p:grpSpPr>
+      <p:sp>
+        <p:nvSpPr>
+          <p:cNvPr id="2" name="Titel 1">
+            <a:extLst>
+              <a:ext uri="{FF2B5EF4-FFF2-40B4-BE49-F238E27FC236}">
+                <a16:creationId xmlns:a16="http://schemas.microsoft.com/office/drawing/2014/main" id="{9D430920-52DF-406A-97B8-E440569CC14A}"/>
+              </a:ext>
+            </a:extLst>
+          </p:cNvPr>
+          <p:cNvSpPr>
+            <a:spLocks noGrp="1"/>
+          </p:cNvSpPr>
+          <p:nvPr>
+            <p:ph type="title"/>
+          </p:nvPr>
+        </p:nvSpPr>
+        <p:spPr/>
+        <p:txBody>
+          <a:bodyPr/>
+          <a:lstStyle/>
+          <a:p>
+            <a:r>
+              <a:rPr lang="de-DE" dirty="0" err="1"/>
+              <a:t>TypeScript</a:t>
+            </a:r>
+            <a:r>
+              <a:rPr lang="de-DE" dirty="0"/>
+              <a:t> Typen</a:t>
+            </a:r>
+          </a:p>
+        </p:txBody>
+      </p:sp>
+      <p:sp>
+        <p:nvSpPr>
+          <p:cNvPr id="3" name="Inhaltsplatzhalter 2">
+            <a:extLst>
+              <a:ext uri="{FF2B5EF4-FFF2-40B4-BE49-F238E27FC236}">
+                <a16:creationId xmlns:a16="http://schemas.microsoft.com/office/drawing/2014/main" id="{2DDAA101-1ED8-464A-B61F-B4E932DF553D}"/>
+              </a:ext>
+            </a:extLst>
+          </p:cNvPr>
+          <p:cNvSpPr>
+            <a:spLocks noGrp="1"/>
+          </p:cNvSpPr>
+          <p:nvPr>
+            <p:ph sz="quarter" idx="11"/>
+          </p:nvPr>
+        </p:nvSpPr>
+        <p:spPr/>
+        <p:txBody>
+          <a:bodyPr anchor="ctr"/>
+          <a:lstStyle/>
+          <a:p>
+            <a:pPr algn="ctr"/>
+            <a:r>
+              <a:rPr lang="de-DE" sz="6000" dirty="0"/>
+              <a:t>DEMO</a:t>
+            </a:r>
+          </a:p>
+        </p:txBody>
+      </p:sp>
+    </p:spTree>
+    <p:extLst>
+      <p:ext uri="{BB962C8B-B14F-4D97-AF65-F5344CB8AC3E}">
+        <p14:creationId xmlns:p14="http://schemas.microsoft.com/office/powerpoint/2010/main" val="1512250536"/>
+      </p:ext>
+    </p:extLst>
+  </p:cSld>
+  <p:clrMapOvr>
+    <a:masterClrMapping/>
+  </p:clrMapOvr>
+</p:sld>
+</file>
+
+<file path=ppt/slides/slide27.xml><?xml version="1.0" encoding="utf-8"?>
+<p:sld xmlns:a="http://schemas.openxmlformats.org/drawingml/2006/main" xmlns:r="http://schemas.openxmlformats.org/officeDocument/2006/relationships" xmlns:p="http://schemas.openxmlformats.org/presentationml/2006/main">
+  <p:cSld>
+    <p:spTree>
+      <p:nvGrpSpPr>
+        <p:cNvPr id="1" name=""/>
+        <p:cNvGrpSpPr/>
+        <p:nvPr/>
+      </p:nvGrpSpPr>
+      <p:grpSpPr>
+        <a:xfrm>
+          <a:off x="0" y="0"/>
+          <a:ext cx="0" cy="0"/>
+          <a:chOff x="0" y="0"/>
+          <a:chExt cx="0" cy="0"/>
+        </a:xfrm>
+      </p:grpSpPr>
+      <p:sp>
+        <p:nvSpPr>
+          <p:cNvPr id="2" name="Titel 1">
+            <a:extLst>
+              <a:ext uri="{FF2B5EF4-FFF2-40B4-BE49-F238E27FC236}">
+                <a16:creationId xmlns:a16="http://schemas.microsoft.com/office/drawing/2014/main" id="{9D430920-52DF-406A-97B8-E440569CC14A}"/>
+              </a:ext>
+            </a:extLst>
+          </p:cNvPr>
+          <p:cNvSpPr>
+            <a:spLocks noGrp="1"/>
+          </p:cNvSpPr>
+          <p:nvPr>
+            <p:ph type="title"/>
+          </p:nvPr>
+        </p:nvSpPr>
+        <p:spPr/>
+        <p:txBody>
+          <a:bodyPr/>
+          <a:lstStyle/>
+          <a:p>
+            <a:r>
+              <a:rPr lang="de-DE" dirty="0" err="1"/>
+              <a:t>TypeScript</a:t>
+            </a:r>
+            <a:r>
+              <a:rPr lang="de-DE" dirty="0"/>
+              <a:t> Typen</a:t>
+            </a:r>
+          </a:p>
+        </p:txBody>
+      </p:sp>
+      <p:sp>
+        <p:nvSpPr>
+          <p:cNvPr id="3" name="Inhaltsplatzhalter 2">
+            <a:extLst>
+              <a:ext uri="{FF2B5EF4-FFF2-40B4-BE49-F238E27FC236}">
+                <a16:creationId xmlns:a16="http://schemas.microsoft.com/office/drawing/2014/main" id="{2DDAA101-1ED8-464A-B61F-B4E932DF553D}"/>
+              </a:ext>
+            </a:extLst>
+          </p:cNvPr>
+          <p:cNvSpPr>
+            <a:spLocks noGrp="1"/>
+          </p:cNvSpPr>
+          <p:nvPr>
+            <p:ph sz="quarter" idx="11"/>
+          </p:nvPr>
+        </p:nvSpPr>
+        <p:spPr/>
+        <p:txBody>
+          <a:bodyPr anchor="ctr"/>
+          <a:lstStyle/>
+          <a:p>
+            <a:pPr algn="ctr"/>
+            <a:r>
+              <a:rPr lang="de-DE" sz="6000" dirty="0"/>
+              <a:t>ÜBUNG</a:t>
+            </a:r>
+          </a:p>
+        </p:txBody>
+      </p:sp>
+    </p:spTree>
+    <p:extLst>
+      <p:ext uri="{BB962C8B-B14F-4D97-AF65-F5344CB8AC3E}">
+        <p14:creationId xmlns:p14="http://schemas.microsoft.com/office/powerpoint/2010/main" val="3611504462"/>
+      </p:ext>
+    </p:extLst>
+  </p:cSld>
+  <p:clrMapOvr>
+    <a:masterClrMapping/>
+  </p:clrMapOvr>
+</p:sld>
+</file>
+
+<file path=ppt/slides/slide28.xml><?xml version="1.0" encoding="utf-8"?>
+<p:sld xmlns:a="http://schemas.openxmlformats.org/drawingml/2006/main" xmlns:r="http://schemas.openxmlformats.org/officeDocument/2006/relationships" xmlns:p="http://schemas.openxmlformats.org/presentationml/2006/main">
+  <p:cSld>
+    <p:spTree>
+      <p:nvGrpSpPr>
+        <p:cNvPr id="1" name=""/>
+        <p:cNvGrpSpPr/>
+        <p:nvPr/>
+      </p:nvGrpSpPr>
+      <p:grpSpPr>
+        <a:xfrm>
+          <a:off x="0" y="0"/>
+          <a:ext cx="0" cy="0"/>
+          <a:chOff x="0" y="0"/>
+          <a:chExt cx="0" cy="0"/>
+        </a:xfrm>
+      </p:grpSpPr>
+      <p:sp>
+        <p:nvSpPr>
+          <p:cNvPr id="2" name="Titel 1">
+            <a:extLst>
+              <a:ext uri="{FF2B5EF4-FFF2-40B4-BE49-F238E27FC236}">
+                <a16:creationId xmlns:a16="http://schemas.microsoft.com/office/drawing/2014/main" id="{648681C9-71A1-4E71-A107-37917662F5A6}"/>
+              </a:ext>
+            </a:extLst>
+          </p:cNvPr>
+          <p:cNvSpPr>
+            <a:spLocks noGrp="1"/>
+          </p:cNvSpPr>
+          <p:nvPr>
+            <p:ph type="title"/>
+          </p:nvPr>
+        </p:nvSpPr>
+        <p:spPr/>
+        <p:txBody>
+          <a:bodyPr/>
+          <a:lstStyle/>
+          <a:p>
+            <a:r>
+              <a:rPr lang="de-DE"/>
+              <a:t>Neue Features (ab ES6)</a:t>
+            </a:r>
+            <a:endParaRPr lang="de-DE" dirty="0"/>
+          </a:p>
+        </p:txBody>
+      </p:sp>
+      <p:sp>
+        <p:nvSpPr>
+          <p:cNvPr id="3" name="Inhaltsplatzhalter 2">
+            <a:extLst>
+              <a:ext uri="{FF2B5EF4-FFF2-40B4-BE49-F238E27FC236}">
+                <a16:creationId xmlns:a16="http://schemas.microsoft.com/office/drawing/2014/main" id="{F97B25CF-A5FF-4B0F-885D-93B361B61166}"/>
+              </a:ext>
+            </a:extLst>
+          </p:cNvPr>
+          <p:cNvSpPr>
+            <a:spLocks noGrp="1"/>
+          </p:cNvSpPr>
+          <p:nvPr>
+            <p:ph sz="quarter" idx="11"/>
+          </p:nvPr>
+        </p:nvSpPr>
+        <p:spPr/>
+        <p:txBody>
+          <a:bodyPr/>
+          <a:lstStyle/>
+          <a:p>
+            <a:r>
+              <a:rPr lang="de-DE" dirty="0"/>
+              <a:t>- ES6 kann nicht immer verwendet werden:</a:t>
+            </a:r>
+          </a:p>
+        </p:txBody>
+      </p:sp>
+    </p:spTree>
+    <p:extLst>
+      <p:ext uri="{BB962C8B-B14F-4D97-AF65-F5344CB8AC3E}">
+        <p14:creationId xmlns:p14="http://schemas.microsoft.com/office/powerpoint/2010/main" val="3269690261"/>
+      </p:ext>
+    </p:extLst>
+  </p:cSld>
+  <p:clrMapOvr>
+    <a:masterClrMapping/>
+  </p:clrMapOvr>
+</p:sld>
+</file>
+
+<file path=ppt/slides/slide29.xml><?xml version="1.0" encoding="utf-8"?>
+<p:sld xmlns:a="http://schemas.openxmlformats.org/drawingml/2006/main" xmlns:r="http://schemas.openxmlformats.org/officeDocument/2006/relationships" xmlns:p="http://schemas.openxmlformats.org/presentationml/2006/main">
+  <p:cSld>
+    <p:spTree>
+      <p:nvGrpSpPr>
+        <p:cNvPr id="1" name=""/>
+        <p:cNvGrpSpPr/>
+        <p:nvPr/>
+      </p:nvGrpSpPr>
+      <p:grpSpPr>
+        <a:xfrm>
+          <a:off x="0" y="0"/>
+          <a:ext cx="0" cy="0"/>
+          <a:chOff x="0" y="0"/>
+          <a:chExt cx="0" cy="0"/>
+        </a:xfrm>
+      </p:grpSpPr>
+      <p:sp>
+        <p:nvSpPr>
+          <p:cNvPr id="2" name="Titel 1">
+            <a:extLst>
+              <a:ext uri="{FF2B5EF4-FFF2-40B4-BE49-F238E27FC236}">
+                <a16:creationId xmlns:a16="http://schemas.microsoft.com/office/drawing/2014/main" id="{EE08B43D-448C-433E-9870-51D5660D16EA}"/>
+              </a:ext>
+            </a:extLst>
+          </p:cNvPr>
+          <p:cNvSpPr>
+            <a:spLocks noGrp="1"/>
+          </p:cNvSpPr>
+          <p:nvPr>
+            <p:ph type="title"/>
+          </p:nvPr>
+        </p:nvSpPr>
+        <p:spPr/>
+        <p:txBody>
+          <a:bodyPr/>
+          <a:lstStyle/>
+          <a:p>
+            <a:r>
+              <a:rPr lang="de-DE" dirty="0"/>
+              <a:t>Quellen</a:t>
+            </a:r>
+          </a:p>
+        </p:txBody>
+      </p:sp>
+      <p:sp>
+        <p:nvSpPr>
+          <p:cNvPr id="3" name="Inhaltsplatzhalter 2">
+            <a:extLst>
+              <a:ext uri="{FF2B5EF4-FFF2-40B4-BE49-F238E27FC236}">
+                <a16:creationId xmlns:a16="http://schemas.microsoft.com/office/drawing/2014/main" id="{87B611CF-87BD-48B3-8558-1926A06064B7}"/>
+              </a:ext>
+            </a:extLst>
+          </p:cNvPr>
+          <p:cNvSpPr>
+            <a:spLocks noGrp="1"/>
+          </p:cNvSpPr>
+          <p:nvPr>
+            <p:ph sz="quarter" idx="11"/>
+          </p:nvPr>
+        </p:nvSpPr>
+        <p:spPr/>
+        <p:txBody>
+          <a:bodyPr/>
+          <a:lstStyle/>
+          <a:p>
+            <a:pPr marL="285750" indent="-285750">
+              <a:buFontTx/>
+              <a:buChar char="-"/>
+            </a:pPr>
+            <a:r>
+              <a:rPr lang="de-DE" dirty="0">
+                <a:hlinkClick r:id="rId2"/>
+              </a:rPr>
+              <a:t>www.typescriptlang.org</a:t>
+            </a:r>
+            <a:endParaRPr lang="de-DE" dirty="0"/>
+          </a:p>
+          <a:p>
+            <a:pPr marL="285750" indent="-285750">
+              <a:buFontTx/>
+              <a:buChar char="-"/>
+            </a:pPr>
+            <a:r>
+              <a:rPr lang="de-DE" dirty="0">
+                <a:hlinkClick r:id="rId3"/>
+              </a:rPr>
+              <a:t>https://medium.freecodecamp.org</a:t>
+            </a:r>
+            <a:endParaRPr lang="de-DE" dirty="0"/>
+          </a:p>
+          <a:p>
+            <a:pPr marL="285750" indent="-285750">
+              <a:buFontTx/>
+              <a:buChar char="-"/>
+            </a:pPr>
+            <a:r>
+              <a:rPr lang="de-DE" dirty="0"/>
+              <a:t>https://www.w3schools.com</a:t>
+            </a:r>
+          </a:p>
+          <a:p>
+            <a:pPr marL="285750" indent="-285750">
+              <a:buFontTx/>
+              <a:buChar char="-"/>
+            </a:pPr>
+            <a:r>
+              <a:rPr lang="de-DE" dirty="0" err="1"/>
+              <a:t>goloJS</a:t>
+            </a:r>
+            <a:r>
+              <a:rPr lang="de-DE" dirty="0"/>
+              <a:t> (</a:t>
+            </a:r>
+            <a:r>
+              <a:rPr lang="de-DE" dirty="0" err="1"/>
+              <a:t>dotnetpro</a:t>
+            </a:r>
+            <a:r>
+              <a:rPr lang="de-DE" dirty="0"/>
+              <a:t>)</a:t>
+            </a:r>
+          </a:p>
+        </p:txBody>
+      </p:sp>
+    </p:spTree>
+    <p:extLst>
+      <p:ext uri="{BB962C8B-B14F-4D97-AF65-F5344CB8AC3E}">
+        <p14:creationId xmlns:p14="http://schemas.microsoft.com/office/powerpoint/2010/main" val="3297395879"/>
       </p:ext>
     </p:extLst>
   </p:cSld>
@@ -14706,6 +15786,36 @@
 </p:sld>
 </file>
 
+<file path=ppt/slides/slide30.xml><?xml version="1.0" encoding="utf-8"?>
+<p:sld xmlns:a="http://schemas.openxmlformats.org/drawingml/2006/main" xmlns:r="http://schemas.openxmlformats.org/officeDocument/2006/relationships" xmlns:p="http://schemas.openxmlformats.org/presentationml/2006/main">
+  <p:cSld>
+    <p:spTree>
+      <p:nvGrpSpPr>
+        <p:cNvPr id="1" name=""/>
+        <p:cNvGrpSpPr/>
+        <p:nvPr/>
+      </p:nvGrpSpPr>
+      <p:grpSpPr>
+        <a:xfrm>
+          <a:off x="0" y="0"/>
+          <a:ext cx="0" cy="0"/>
+          <a:chOff x="0" y="0"/>
+          <a:chExt cx="0" cy="0"/>
+        </a:xfrm>
+      </p:grpSpPr>
+    </p:spTree>
+    <p:extLst>
+      <p:ext uri="{BB962C8B-B14F-4D97-AF65-F5344CB8AC3E}">
+        <p14:creationId xmlns:p14="http://schemas.microsoft.com/office/powerpoint/2010/main" val="1960385770"/>
+      </p:ext>
+    </p:extLst>
+  </p:cSld>
+  <p:clrMapOvr>
+    <a:masterClrMapping/>
+  </p:clrMapOvr>
+</p:sld>
+</file>
+
 <file path=ppt/slides/slide4.xml><?xml version="1.0" encoding="utf-8"?>
 <p:sld xmlns:a="http://schemas.openxmlformats.org/drawingml/2006/main" xmlns:r="http://schemas.openxmlformats.org/officeDocument/2006/relationships" xmlns:p="http://schemas.openxmlformats.org/presentationml/2006/main">
   <p:cSld>
@@ -14927,7 +16037,7 @@
         </p:nvSpPr>
         <p:spPr/>
         <p:txBody>
-          <a:bodyPr/>
+          <a:bodyPr anchor="ctr"/>
           <a:lstStyle/>
           <a:p>
             <a:pPr algn="ctr"/>
@@ -15019,7 +16129,7 @@
         </p:nvSpPr>
         <p:spPr/>
         <p:txBody>
-          <a:bodyPr/>
+          <a:bodyPr anchor="ctr"/>
           <a:lstStyle/>
           <a:p>
             <a:pPr algn="ctr"/>

--- a/TypeScriptBasics.pptx
+++ b/TypeScriptBasics.pptx
@@ -5,7 +5,7 @@
     <p:sldMasterId id="2147483660" r:id="rId1"/>
   </p:sldMasterIdLst>
   <p:notesMasterIdLst>
-    <p:notesMasterId r:id="rId32"/>
+    <p:notesMasterId r:id="rId33"/>
   </p:notesMasterIdLst>
   <p:sldIdLst>
     <p:sldId id="259" r:id="rId2"/>
@@ -36,8 +36,9 @@
     <p:sldId id="288" r:id="rId27"/>
     <p:sldId id="289" r:id="rId28"/>
     <p:sldId id="285" r:id="rId29"/>
-    <p:sldId id="268" r:id="rId30"/>
-    <p:sldId id="260" r:id="rId31"/>
+    <p:sldId id="290" r:id="rId30"/>
+    <p:sldId id="268" r:id="rId31"/>
+    <p:sldId id="260" r:id="rId32"/>
   </p:sldIdLst>
   <p:sldSz cx="12192000" cy="6858000"/>
   <p:notesSz cx="6858000" cy="9144000"/>
@@ -268,7 +269,7 @@
           <a:p>
             <a:fld id="{97BEE526-5EB7-4409-B76B-A01705954A4C}" type="datetimeFigureOut">
               <a:rPr lang="de-DE" smtClean="0"/>
-              <a:t>15.01.2019</a:t>
+              <a:t>24.01.2019</a:t>
             </a:fld>
             <a:endParaRPr lang="de-DE"/>
           </a:p>
@@ -1862,6 +1863,90 @@
 </p:notes>
 </file>
 
+<file path=ppt/notesSlides/notesSlide22.xml><?xml version="1.0" encoding="utf-8"?>
+<p:notes xmlns:a="http://schemas.openxmlformats.org/drawingml/2006/main" xmlns:r="http://schemas.openxmlformats.org/officeDocument/2006/relationships" xmlns:p="http://schemas.openxmlformats.org/presentationml/2006/main">
+  <p:cSld>
+    <p:spTree>
+      <p:nvGrpSpPr>
+        <p:cNvPr id="1" name=""/>
+        <p:cNvGrpSpPr/>
+        <p:nvPr/>
+      </p:nvGrpSpPr>
+      <p:grpSpPr>
+        <a:xfrm>
+          <a:off x="0" y="0"/>
+          <a:ext cx="0" cy="0"/>
+          <a:chOff x="0" y="0"/>
+          <a:chExt cx="0" cy="0"/>
+        </a:xfrm>
+      </p:grpSpPr>
+      <p:sp>
+        <p:nvSpPr>
+          <p:cNvPr id="2" name="Folienbildplatzhalter 1"/>
+          <p:cNvSpPr>
+            <a:spLocks noGrp="1" noRot="1" noChangeAspect="1"/>
+          </p:cNvSpPr>
+          <p:nvPr>
+            <p:ph type="sldImg"/>
+          </p:nvPr>
+        </p:nvSpPr>
+        <p:spPr/>
+      </p:sp>
+      <p:sp>
+        <p:nvSpPr>
+          <p:cNvPr id="3" name="Notizenplatzhalter 2"/>
+          <p:cNvSpPr>
+            <a:spLocks noGrp="1"/>
+          </p:cNvSpPr>
+          <p:nvPr>
+            <p:ph type="body" idx="1"/>
+          </p:nvPr>
+        </p:nvSpPr>
+        <p:spPr/>
+        <p:txBody>
+          <a:bodyPr/>
+          <a:lstStyle/>
+          <a:p>
+            <a:endParaRPr lang="de-DE" dirty="0"/>
+          </a:p>
+        </p:txBody>
+      </p:sp>
+      <p:sp>
+        <p:nvSpPr>
+          <p:cNvPr id="4" name="Foliennummernplatzhalter 3"/>
+          <p:cNvSpPr>
+            <a:spLocks noGrp="1"/>
+          </p:cNvSpPr>
+          <p:nvPr>
+            <p:ph type="sldNum" sz="quarter" idx="10"/>
+          </p:nvPr>
+        </p:nvSpPr>
+        <p:spPr/>
+        <p:txBody>
+          <a:bodyPr/>
+          <a:lstStyle/>
+          <a:p>
+            <a:fld id="{C0663104-BBBB-4823-99BF-1DB3B469CAD1}" type="slidenum">
+              <a:rPr lang="de-DE" smtClean="0"/>
+              <a:t>29</a:t>
+            </a:fld>
+            <a:endParaRPr lang="de-DE"/>
+          </a:p>
+        </p:txBody>
+      </p:sp>
+    </p:spTree>
+    <p:extLst>
+      <p:ext uri="{BB962C8B-B14F-4D97-AF65-F5344CB8AC3E}">
+        <p14:creationId xmlns:p14="http://schemas.microsoft.com/office/powerpoint/2010/main" val="2580491595"/>
+      </p:ext>
+    </p:extLst>
+  </p:cSld>
+  <p:clrMapOvr>
+    <a:masterClrMapping/>
+  </p:clrMapOvr>
+</p:notes>
+</file>
+
 <file path=ppt/notesSlides/notesSlide3.xml><?xml version="1.0" encoding="utf-8"?>
 <p:notes xmlns:a="http://schemas.openxmlformats.org/drawingml/2006/main" xmlns:r="http://schemas.openxmlformats.org/officeDocument/2006/relationships" xmlns:p="http://schemas.openxmlformats.org/presentationml/2006/main">
   <p:cSld>
@@ -3102,7 +3187,7 @@
           <a:p>
             <a:fld id="{F1FE92DC-4F65-4B7E-8132-A160040A277A}" type="datetimeFigureOut">
               <a:rPr lang="de-DE" smtClean="0"/>
-              <a:t>15.01.2019</a:t>
+              <a:t>24.01.2019</a:t>
             </a:fld>
             <a:endParaRPr lang="de-DE"/>
           </a:p>
@@ -5035,7 +5120,7 @@
           <a:p>
             <a:fld id="{F1FE92DC-4F65-4B7E-8132-A160040A277A}" type="datetimeFigureOut">
               <a:rPr lang="de-DE" smtClean="0"/>
-              <a:t>15.01.2019</a:t>
+              <a:t>24.01.2019</a:t>
             </a:fld>
             <a:endParaRPr lang="de-DE"/>
           </a:p>
@@ -5373,7 +5458,7 @@
           <a:p>
             <a:fld id="{F1FE92DC-4F65-4B7E-8132-A160040A277A}" type="datetimeFigureOut">
               <a:rPr lang="de-DE" smtClean="0"/>
-              <a:t>15.01.2019</a:t>
+              <a:t>24.01.2019</a:t>
             </a:fld>
             <a:endParaRPr lang="de-DE"/>
           </a:p>
@@ -5644,7 +5729,7 @@
           <a:p>
             <a:fld id="{F1FE92DC-4F65-4B7E-8132-A160040A277A}" type="datetimeFigureOut">
               <a:rPr lang="de-DE" smtClean="0"/>
-              <a:t>15.01.2019</a:t>
+              <a:t>24.01.2019</a:t>
             </a:fld>
             <a:endParaRPr lang="de-DE"/>
           </a:p>
@@ -6125,7 +6210,7 @@
           <a:p>
             <a:fld id="{F1FE92DC-4F65-4B7E-8132-A160040A277A}" type="datetimeFigureOut">
               <a:rPr lang="de-DE" smtClean="0"/>
-              <a:t>15.01.2019</a:t>
+              <a:t>24.01.2019</a:t>
             </a:fld>
             <a:endParaRPr lang="de-DE"/>
           </a:p>
@@ -6530,7 +6615,7 @@
           <a:p>
             <a:fld id="{F1FE92DC-4F65-4B7E-8132-A160040A277A}" type="datetimeFigureOut">
               <a:rPr lang="de-DE" smtClean="0"/>
-              <a:t>15.01.2019</a:t>
+              <a:t>24.01.2019</a:t>
             </a:fld>
             <a:endParaRPr lang="de-DE"/>
           </a:p>
@@ -6883,7 +6968,7 @@
           <a:p>
             <a:fld id="{F1FE92DC-4F65-4B7E-8132-A160040A277A}" type="datetimeFigureOut">
               <a:rPr lang="de-DE" smtClean="0"/>
-              <a:t>15.01.2019</a:t>
+              <a:t>24.01.2019</a:t>
             </a:fld>
             <a:endParaRPr lang="de-DE"/>
           </a:p>
@@ -7070,7 +7155,7 @@
           <a:p>
             <a:fld id="{F1FE92DC-4F65-4B7E-8132-A160040A277A}" type="datetimeFigureOut">
               <a:rPr lang="de-DE" smtClean="0"/>
-              <a:t>15.01.2019</a:t>
+              <a:t>24.01.2019</a:t>
             </a:fld>
             <a:endParaRPr lang="de-DE"/>
           </a:p>
@@ -7446,7 +7531,7 @@
           <a:p>
             <a:fld id="{F1FE92DC-4F65-4B7E-8132-A160040A277A}" type="datetimeFigureOut">
               <a:rPr lang="de-DE" smtClean="0"/>
-              <a:t>15.01.2019</a:t>
+              <a:t>24.01.2019</a:t>
             </a:fld>
             <a:endParaRPr lang="de-DE"/>
           </a:p>
@@ -7721,7 +7806,7 @@
           <a:p>
             <a:fld id="{F1FE92DC-4F65-4B7E-8132-A160040A277A}" type="datetimeFigureOut">
               <a:rPr lang="de-DE" smtClean="0"/>
-              <a:t>15.01.2019</a:t>
+              <a:t>24.01.2019</a:t>
             </a:fld>
             <a:endParaRPr lang="de-DE"/>
           </a:p>
@@ -14688,7 +14773,7 @@
           <p:cNvPr id="2" name="Titel 1">
             <a:extLst>
               <a:ext uri="{FF2B5EF4-FFF2-40B4-BE49-F238E27FC236}">
-                <a16:creationId xmlns:a16="http://schemas.microsoft.com/office/drawing/2014/main" id="{EE08B43D-448C-433E-9870-51D5660D16EA}"/>
+                <a16:creationId xmlns:a16="http://schemas.microsoft.com/office/drawing/2014/main" id="{648681C9-71A1-4E71-A107-37917662F5A6}"/>
               </a:ext>
             </a:extLst>
           </p:cNvPr>
@@ -14706,7 +14791,7 @@
           <a:p>
             <a:r>
               <a:rPr lang="de-DE" dirty="0"/>
-              <a:t>Quellen</a:t>
+              <a:t>Funktionen höherer Ordnung</a:t>
             </a:r>
           </a:p>
         </p:txBody>
@@ -14716,7 +14801,7 @@
           <p:cNvPr id="3" name="Inhaltsplatzhalter 2">
             <a:extLst>
               <a:ext uri="{FF2B5EF4-FFF2-40B4-BE49-F238E27FC236}">
-                <a16:creationId xmlns:a16="http://schemas.microsoft.com/office/drawing/2014/main" id="{87B611CF-87BD-48B3-8558-1926A06064B7}"/>
+                <a16:creationId xmlns:a16="http://schemas.microsoft.com/office/drawing/2014/main" id="{F97B25CF-A5FF-4B0F-885D-93B361B61166}"/>
               </a:ext>
             </a:extLst>
           </p:cNvPr>
@@ -14737,12 +14822,9 @@
               <a:buChar char="-"/>
             </a:pPr>
             <a:r>
-              <a:rPr lang="de-DE" dirty="0">
-                <a:hlinkClick r:id="rId2"/>
-              </a:rPr>
-              <a:t>www.typescriptlang.org</a:t>
-            </a:r>
-            <a:endParaRPr lang="de-DE" dirty="0"/>
+              <a:rPr lang="de-DE" dirty="0"/>
+              <a:t>Funktionen können als Parameter übergeben werden</a:t>
+            </a:r>
           </a:p>
           <a:p>
             <a:pPr marL="285750" indent="-285750">
@@ -14750,12 +14832,9 @@
               <a:buChar char="-"/>
             </a:pPr>
             <a:r>
-              <a:rPr lang="de-DE" dirty="0">
-                <a:hlinkClick r:id="rId3"/>
-              </a:rPr>
-              <a:t>https://medium.freecodecamp.org</a:t>
-            </a:r>
-            <a:endParaRPr lang="de-DE" dirty="0"/>
+              <a:rPr lang="de-DE" dirty="0"/>
+              <a:t>TODO</a:t>
+            </a:r>
           </a:p>
           <a:p>
             <a:pPr marL="285750" indent="-285750">
@@ -14763,38 +14842,17 @@
               <a:buChar char="-"/>
             </a:pPr>
             <a:r>
-              <a:rPr lang="de-DE" dirty="0"/>
-              <a:t>https://www.w3schools.com</a:t>
-            </a:r>
-          </a:p>
-          <a:p>
-            <a:pPr marL="285750" indent="-285750">
-              <a:buFontTx/>
-              <a:buChar char="-"/>
-            </a:pPr>
-            <a:r>
-              <a:rPr lang="de-DE" dirty="0" err="1"/>
-              <a:t>goloJS</a:t>
-            </a:r>
-            <a:r>
-              <a:rPr lang="de-DE" dirty="0"/>
-              <a:t> (</a:t>
-            </a:r>
-            <a:r>
-              <a:rPr lang="de-DE" dirty="0" err="1"/>
-              <a:t>dotnetpro</a:t>
-            </a:r>
-            <a:r>
-              <a:rPr lang="de-DE" dirty="0"/>
-              <a:t>)</a:t>
-            </a:r>
+              <a:rPr lang="de-DE"/>
+              <a:t>https://www.heise.de/developer/artikel/Konsole-Funktionen-hoeherer-Ordnung-1958717.html</a:t>
+            </a:r>
+            <a:endParaRPr lang="de-DE" dirty="0"/>
           </a:p>
         </p:txBody>
       </p:sp>
     </p:spTree>
     <p:extLst>
       <p:ext uri="{BB962C8B-B14F-4D97-AF65-F5344CB8AC3E}">
-        <p14:creationId xmlns:p14="http://schemas.microsoft.com/office/powerpoint/2010/main" val="3297395879"/>
+        <p14:creationId xmlns:p14="http://schemas.microsoft.com/office/powerpoint/2010/main" val="2708215138"/>
       </p:ext>
     </p:extLst>
   </p:cSld>
@@ -15787,6 +15845,144 @@
 </file>
 
 <file path=ppt/slides/slide30.xml><?xml version="1.0" encoding="utf-8"?>
+<p:sld xmlns:a="http://schemas.openxmlformats.org/drawingml/2006/main" xmlns:r="http://schemas.openxmlformats.org/officeDocument/2006/relationships" xmlns:p="http://schemas.openxmlformats.org/presentationml/2006/main">
+  <p:cSld>
+    <p:spTree>
+      <p:nvGrpSpPr>
+        <p:cNvPr id="1" name=""/>
+        <p:cNvGrpSpPr/>
+        <p:nvPr/>
+      </p:nvGrpSpPr>
+      <p:grpSpPr>
+        <a:xfrm>
+          <a:off x="0" y="0"/>
+          <a:ext cx="0" cy="0"/>
+          <a:chOff x="0" y="0"/>
+          <a:chExt cx="0" cy="0"/>
+        </a:xfrm>
+      </p:grpSpPr>
+      <p:sp>
+        <p:nvSpPr>
+          <p:cNvPr id="2" name="Titel 1">
+            <a:extLst>
+              <a:ext uri="{FF2B5EF4-FFF2-40B4-BE49-F238E27FC236}">
+                <a16:creationId xmlns:a16="http://schemas.microsoft.com/office/drawing/2014/main" id="{EE08B43D-448C-433E-9870-51D5660D16EA}"/>
+              </a:ext>
+            </a:extLst>
+          </p:cNvPr>
+          <p:cNvSpPr>
+            <a:spLocks noGrp="1"/>
+          </p:cNvSpPr>
+          <p:nvPr>
+            <p:ph type="title"/>
+          </p:nvPr>
+        </p:nvSpPr>
+        <p:spPr/>
+        <p:txBody>
+          <a:bodyPr/>
+          <a:lstStyle/>
+          <a:p>
+            <a:r>
+              <a:rPr lang="de-DE" dirty="0"/>
+              <a:t>Quellen</a:t>
+            </a:r>
+          </a:p>
+        </p:txBody>
+      </p:sp>
+      <p:sp>
+        <p:nvSpPr>
+          <p:cNvPr id="3" name="Inhaltsplatzhalter 2">
+            <a:extLst>
+              <a:ext uri="{FF2B5EF4-FFF2-40B4-BE49-F238E27FC236}">
+                <a16:creationId xmlns:a16="http://schemas.microsoft.com/office/drawing/2014/main" id="{87B611CF-87BD-48B3-8558-1926A06064B7}"/>
+              </a:ext>
+            </a:extLst>
+          </p:cNvPr>
+          <p:cNvSpPr>
+            <a:spLocks noGrp="1"/>
+          </p:cNvSpPr>
+          <p:nvPr>
+            <p:ph sz="quarter" idx="11"/>
+          </p:nvPr>
+        </p:nvSpPr>
+        <p:spPr/>
+        <p:txBody>
+          <a:bodyPr/>
+          <a:lstStyle/>
+          <a:p>
+            <a:pPr marL="285750" indent="-285750">
+              <a:buFontTx/>
+              <a:buChar char="-"/>
+            </a:pPr>
+            <a:r>
+              <a:rPr lang="de-DE" dirty="0">
+                <a:hlinkClick r:id="rId2"/>
+              </a:rPr>
+              <a:t>www.typescriptlang.org</a:t>
+            </a:r>
+            <a:endParaRPr lang="de-DE" dirty="0"/>
+          </a:p>
+          <a:p>
+            <a:pPr marL="285750" indent="-285750">
+              <a:buFontTx/>
+              <a:buChar char="-"/>
+            </a:pPr>
+            <a:r>
+              <a:rPr lang="de-DE" dirty="0">
+                <a:hlinkClick r:id="rId3"/>
+              </a:rPr>
+              <a:t>https://medium.freecodecamp.org</a:t>
+            </a:r>
+            <a:endParaRPr lang="de-DE" dirty="0"/>
+          </a:p>
+          <a:p>
+            <a:pPr marL="285750" indent="-285750">
+              <a:buFontTx/>
+              <a:buChar char="-"/>
+            </a:pPr>
+            <a:r>
+              <a:rPr lang="de-DE" dirty="0"/>
+              <a:t>https://www.w3schools.com</a:t>
+            </a:r>
+          </a:p>
+          <a:p>
+            <a:pPr marL="285750" indent="-285750">
+              <a:buFontTx/>
+              <a:buChar char="-"/>
+            </a:pPr>
+            <a:r>
+              <a:rPr lang="de-DE" dirty="0" err="1"/>
+              <a:t>goloJS</a:t>
+            </a:r>
+            <a:r>
+              <a:rPr lang="de-DE" dirty="0"/>
+              <a:t> (</a:t>
+            </a:r>
+            <a:r>
+              <a:rPr lang="de-DE" dirty="0" err="1"/>
+              <a:t>dotnetpro</a:t>
+            </a:r>
+            <a:r>
+              <a:rPr lang="de-DE" dirty="0"/>
+              <a:t>)</a:t>
+            </a:r>
+          </a:p>
+        </p:txBody>
+      </p:sp>
+    </p:spTree>
+    <p:extLst>
+      <p:ext uri="{BB962C8B-B14F-4D97-AF65-F5344CB8AC3E}">
+        <p14:creationId xmlns:p14="http://schemas.microsoft.com/office/powerpoint/2010/main" val="3297395879"/>
+      </p:ext>
+    </p:extLst>
+  </p:cSld>
+  <p:clrMapOvr>
+    <a:masterClrMapping/>
+  </p:clrMapOvr>
+</p:sld>
+</file>
+
+<file path=ppt/slides/slide31.xml><?xml version="1.0" encoding="utf-8"?>
 <p:sld xmlns:a="http://schemas.openxmlformats.org/drawingml/2006/main" xmlns:r="http://schemas.openxmlformats.org/officeDocument/2006/relationships" xmlns:p="http://schemas.openxmlformats.org/presentationml/2006/main">
   <p:cSld>
     <p:spTree>

--- a/TypeScriptBasics.pptx
+++ b/TypeScriptBasics.pptx
@@ -5,7 +5,7 @@
     <p:sldMasterId id="2147483660" r:id="rId1"/>
   </p:sldMasterIdLst>
   <p:notesMasterIdLst>
-    <p:notesMasterId r:id="rId33"/>
+    <p:notesMasterId r:id="rId34"/>
   </p:notesMasterIdLst>
   <p:sldIdLst>
     <p:sldId id="259" r:id="rId2"/>
@@ -36,9 +36,10 @@
     <p:sldId id="288" r:id="rId27"/>
     <p:sldId id="289" r:id="rId28"/>
     <p:sldId id="285" r:id="rId29"/>
-    <p:sldId id="290" r:id="rId30"/>
-    <p:sldId id="268" r:id="rId31"/>
-    <p:sldId id="260" r:id="rId32"/>
+    <p:sldId id="291" r:id="rId30"/>
+    <p:sldId id="290" r:id="rId31"/>
+    <p:sldId id="268" r:id="rId32"/>
+    <p:sldId id="260" r:id="rId33"/>
   </p:sldIdLst>
   <p:sldSz cx="12192000" cy="6858000"/>
   <p:notesSz cx="6858000" cy="9144000"/>
@@ -269,7 +270,7 @@
           <a:p>
             <a:fld id="{97BEE526-5EB7-4409-B76B-A01705954A4C}" type="datetimeFigureOut">
               <a:rPr lang="de-DE" smtClean="0"/>
-              <a:t>24.01.2019</a:t>
+              <a:t>25.01.2019</a:t>
             </a:fld>
             <a:endParaRPr lang="de-DE"/>
           </a:p>
@@ -1937,6 +1938,90 @@
     </p:spTree>
     <p:extLst>
       <p:ext uri="{BB962C8B-B14F-4D97-AF65-F5344CB8AC3E}">
+        <p14:creationId xmlns:p14="http://schemas.microsoft.com/office/powerpoint/2010/main" val="3611183911"/>
+      </p:ext>
+    </p:extLst>
+  </p:cSld>
+  <p:clrMapOvr>
+    <a:masterClrMapping/>
+  </p:clrMapOvr>
+</p:notes>
+</file>
+
+<file path=ppt/notesSlides/notesSlide23.xml><?xml version="1.0" encoding="utf-8"?>
+<p:notes xmlns:a="http://schemas.openxmlformats.org/drawingml/2006/main" xmlns:r="http://schemas.openxmlformats.org/officeDocument/2006/relationships" xmlns:p="http://schemas.openxmlformats.org/presentationml/2006/main">
+  <p:cSld>
+    <p:spTree>
+      <p:nvGrpSpPr>
+        <p:cNvPr id="1" name=""/>
+        <p:cNvGrpSpPr/>
+        <p:nvPr/>
+      </p:nvGrpSpPr>
+      <p:grpSpPr>
+        <a:xfrm>
+          <a:off x="0" y="0"/>
+          <a:ext cx="0" cy="0"/>
+          <a:chOff x="0" y="0"/>
+          <a:chExt cx="0" cy="0"/>
+        </a:xfrm>
+      </p:grpSpPr>
+      <p:sp>
+        <p:nvSpPr>
+          <p:cNvPr id="2" name="Folienbildplatzhalter 1"/>
+          <p:cNvSpPr>
+            <a:spLocks noGrp="1" noRot="1" noChangeAspect="1"/>
+          </p:cNvSpPr>
+          <p:nvPr>
+            <p:ph type="sldImg"/>
+          </p:nvPr>
+        </p:nvSpPr>
+        <p:spPr/>
+      </p:sp>
+      <p:sp>
+        <p:nvSpPr>
+          <p:cNvPr id="3" name="Notizenplatzhalter 2"/>
+          <p:cNvSpPr>
+            <a:spLocks noGrp="1"/>
+          </p:cNvSpPr>
+          <p:nvPr>
+            <p:ph type="body" idx="1"/>
+          </p:nvPr>
+        </p:nvSpPr>
+        <p:spPr/>
+        <p:txBody>
+          <a:bodyPr/>
+          <a:lstStyle/>
+          <a:p>
+            <a:endParaRPr lang="de-DE" dirty="0"/>
+          </a:p>
+        </p:txBody>
+      </p:sp>
+      <p:sp>
+        <p:nvSpPr>
+          <p:cNvPr id="4" name="Foliennummernplatzhalter 3"/>
+          <p:cNvSpPr>
+            <a:spLocks noGrp="1"/>
+          </p:cNvSpPr>
+          <p:nvPr>
+            <p:ph type="sldNum" sz="quarter" idx="10"/>
+          </p:nvPr>
+        </p:nvSpPr>
+        <p:spPr/>
+        <p:txBody>
+          <a:bodyPr/>
+          <a:lstStyle/>
+          <a:p>
+            <a:fld id="{C0663104-BBBB-4823-99BF-1DB3B469CAD1}" type="slidenum">
+              <a:rPr lang="de-DE" smtClean="0"/>
+              <a:t>30</a:t>
+            </a:fld>
+            <a:endParaRPr lang="de-DE"/>
+          </a:p>
+        </p:txBody>
+      </p:sp>
+    </p:spTree>
+    <p:extLst>
+      <p:ext uri="{BB962C8B-B14F-4D97-AF65-F5344CB8AC3E}">
         <p14:creationId xmlns:p14="http://schemas.microsoft.com/office/powerpoint/2010/main" val="2580491595"/>
       </p:ext>
     </p:extLst>
@@ -3187,7 +3272,7 @@
           <a:p>
             <a:fld id="{F1FE92DC-4F65-4B7E-8132-A160040A277A}" type="datetimeFigureOut">
               <a:rPr lang="de-DE" smtClean="0"/>
-              <a:t>24.01.2019</a:t>
+              <a:t>25.01.2019</a:t>
             </a:fld>
             <a:endParaRPr lang="de-DE"/>
           </a:p>
@@ -5120,7 +5205,7 @@
           <a:p>
             <a:fld id="{F1FE92DC-4F65-4B7E-8132-A160040A277A}" type="datetimeFigureOut">
               <a:rPr lang="de-DE" smtClean="0"/>
-              <a:t>24.01.2019</a:t>
+              <a:t>25.01.2019</a:t>
             </a:fld>
             <a:endParaRPr lang="de-DE"/>
           </a:p>
@@ -5458,7 +5543,7 @@
           <a:p>
             <a:fld id="{F1FE92DC-4F65-4B7E-8132-A160040A277A}" type="datetimeFigureOut">
               <a:rPr lang="de-DE" smtClean="0"/>
-              <a:t>24.01.2019</a:t>
+              <a:t>25.01.2019</a:t>
             </a:fld>
             <a:endParaRPr lang="de-DE"/>
           </a:p>
@@ -5729,7 +5814,7 @@
           <a:p>
             <a:fld id="{F1FE92DC-4F65-4B7E-8132-A160040A277A}" type="datetimeFigureOut">
               <a:rPr lang="de-DE" smtClean="0"/>
-              <a:t>24.01.2019</a:t>
+              <a:t>25.01.2019</a:t>
             </a:fld>
             <a:endParaRPr lang="de-DE"/>
           </a:p>
@@ -6210,7 +6295,7 @@
           <a:p>
             <a:fld id="{F1FE92DC-4F65-4B7E-8132-A160040A277A}" type="datetimeFigureOut">
               <a:rPr lang="de-DE" smtClean="0"/>
-              <a:t>24.01.2019</a:t>
+              <a:t>25.01.2019</a:t>
             </a:fld>
             <a:endParaRPr lang="de-DE"/>
           </a:p>
@@ -6615,7 +6700,7 @@
           <a:p>
             <a:fld id="{F1FE92DC-4F65-4B7E-8132-A160040A277A}" type="datetimeFigureOut">
               <a:rPr lang="de-DE" smtClean="0"/>
-              <a:t>24.01.2019</a:t>
+              <a:t>25.01.2019</a:t>
             </a:fld>
             <a:endParaRPr lang="de-DE"/>
           </a:p>
@@ -6968,7 +7053,7 @@
           <a:p>
             <a:fld id="{F1FE92DC-4F65-4B7E-8132-A160040A277A}" type="datetimeFigureOut">
               <a:rPr lang="de-DE" smtClean="0"/>
-              <a:t>24.01.2019</a:t>
+              <a:t>25.01.2019</a:t>
             </a:fld>
             <a:endParaRPr lang="de-DE"/>
           </a:p>
@@ -7155,7 +7240,7 @@
           <a:p>
             <a:fld id="{F1FE92DC-4F65-4B7E-8132-A160040A277A}" type="datetimeFigureOut">
               <a:rPr lang="de-DE" smtClean="0"/>
-              <a:t>24.01.2019</a:t>
+              <a:t>25.01.2019</a:t>
             </a:fld>
             <a:endParaRPr lang="de-DE"/>
           </a:p>
@@ -7531,7 +7616,7 @@
           <a:p>
             <a:fld id="{F1FE92DC-4F65-4B7E-8132-A160040A277A}" type="datetimeFigureOut">
               <a:rPr lang="de-DE" smtClean="0"/>
-              <a:t>24.01.2019</a:t>
+              <a:t>25.01.2019</a:t>
             </a:fld>
             <a:endParaRPr lang="de-DE"/>
           </a:p>
@@ -7806,7 +7891,7 @@
           <a:p>
             <a:fld id="{F1FE92DC-4F65-4B7E-8132-A160040A277A}" type="datetimeFigureOut">
               <a:rPr lang="de-DE" smtClean="0"/>
-              <a:t>24.01.2019</a:t>
+              <a:t>25.01.2019</a:t>
             </a:fld>
             <a:endParaRPr lang="de-DE"/>
           </a:p>
@@ -14731,10 +14816,135 @@
           <a:bodyPr/>
           <a:lstStyle/>
           <a:p>
-            <a:r>
-              <a:rPr lang="de-DE" dirty="0"/>
-              <a:t>- ES6 kann nicht immer verwendet werden:</a:t>
-            </a:r>
+            <a:pPr marL="285750" indent="-285750">
+              <a:buFontTx/>
+              <a:buChar char="-"/>
+            </a:pPr>
+            <a:r>
+              <a:rPr lang="de-DE"/>
+              <a:t>Template Literals</a:t>
+            </a:r>
+            <a:endParaRPr lang="de-DE" dirty="0"/>
+          </a:p>
+          <a:p>
+            <a:pPr marL="285750" indent="-285750">
+              <a:buFontTx/>
+              <a:buChar char="-"/>
+            </a:pPr>
+            <a:r>
+              <a:rPr lang="de-DE" dirty="0" err="1"/>
+              <a:t>Let</a:t>
+            </a:r>
+            <a:r>
+              <a:rPr lang="de-DE" dirty="0"/>
+              <a:t> und </a:t>
+            </a:r>
+            <a:r>
+              <a:rPr lang="de-DE" dirty="0" err="1"/>
+              <a:t>Const</a:t>
+            </a:r>
+            <a:endParaRPr lang="de-DE" dirty="0"/>
+          </a:p>
+          <a:p>
+            <a:pPr marL="468276" lvl="1" indent="-285750">
+              <a:buFontTx/>
+              <a:buChar char="-"/>
+            </a:pPr>
+            <a:r>
+              <a:rPr lang="de-DE" dirty="0"/>
+              <a:t>Block </a:t>
+            </a:r>
+            <a:r>
+              <a:rPr lang="de-DE" dirty="0" err="1"/>
+              <a:t>Scope</a:t>
+            </a:r>
+            <a:endParaRPr lang="de-DE" dirty="0"/>
+          </a:p>
+          <a:p>
+            <a:pPr marL="285750" indent="-285750">
+              <a:buFontTx/>
+              <a:buChar char="-"/>
+            </a:pPr>
+            <a:r>
+              <a:rPr lang="de-DE" dirty="0"/>
+              <a:t>Arrow </a:t>
+            </a:r>
+            <a:r>
+              <a:rPr lang="de-DE" dirty="0" err="1"/>
+              <a:t>Functions</a:t>
+            </a:r>
+            <a:endParaRPr lang="de-DE" dirty="0"/>
+          </a:p>
+          <a:p>
+            <a:pPr marL="285750" indent="-285750">
+              <a:buFontTx/>
+              <a:buChar char="-"/>
+            </a:pPr>
+            <a:r>
+              <a:rPr lang="de-DE" dirty="0"/>
+              <a:t>Default Parameter</a:t>
+            </a:r>
+          </a:p>
+          <a:p>
+            <a:pPr marL="285750" indent="-285750">
+              <a:buFontTx/>
+              <a:buChar char="-"/>
+            </a:pPr>
+            <a:r>
+              <a:rPr lang="de-DE" dirty="0"/>
+              <a:t>Spread &amp; Rest Operatoren</a:t>
+            </a:r>
+          </a:p>
+          <a:p>
+            <a:pPr marL="285750" indent="-285750">
+              <a:buFontTx/>
+              <a:buChar char="-"/>
+            </a:pPr>
+            <a:r>
+              <a:rPr lang="de-DE" dirty="0" err="1"/>
+              <a:t>Destructuring</a:t>
+            </a:r>
+            <a:r>
+              <a:rPr lang="de-DE" dirty="0"/>
+              <a:t> Arrays &amp; Objects</a:t>
+            </a:r>
+          </a:p>
+          <a:p>
+            <a:pPr marL="285750" indent="-285750">
+              <a:buFontTx/>
+              <a:buChar char="-"/>
+            </a:pPr>
+            <a:endParaRPr lang="de-DE" dirty="0"/>
+          </a:p>
+          <a:p>
+            <a:pPr marL="285750" indent="-285750">
+              <a:buFontTx/>
+              <a:buChar char="-"/>
+            </a:pPr>
+            <a:r>
+              <a:rPr lang="de-DE" dirty="0"/>
+              <a:t>ABER: ES6 kann nicht immer verwendet werden:</a:t>
+            </a:r>
+          </a:p>
+          <a:p>
+            <a:pPr marL="468276" lvl="1" indent="-285750">
+              <a:buFontTx/>
+              <a:buChar char="-"/>
+            </a:pPr>
+            <a:r>
+              <a:rPr lang="de-DE" dirty="0">
+                <a:hlinkClick r:id="rId3"/>
+              </a:rPr>
+              <a:t>ES6 Support</a:t>
+            </a:r>
+            <a:endParaRPr lang="de-DE" dirty="0"/>
+          </a:p>
+          <a:p>
+            <a:pPr marL="285750" indent="-285750">
+              <a:buFontTx/>
+              <a:buChar char="-"/>
+            </a:pPr>
+            <a:endParaRPr lang="de-DE" dirty="0"/>
           </a:p>
         </p:txBody>
       </p:sp>
@@ -14791,7 +15001,7 @@
           <a:p>
             <a:r>
               <a:rPr lang="de-DE" dirty="0"/>
-              <a:t>Funktionen höherer Ordnung</a:t>
+              <a:t>Neue Features (ab ES6)</a:t>
             </a:r>
           </a:p>
         </p:txBody>
@@ -14814,45 +15024,21 @@
         </p:nvSpPr>
         <p:spPr/>
         <p:txBody>
-          <a:bodyPr/>
+          <a:bodyPr anchor="ctr"/>
           <a:lstStyle/>
           <a:p>
-            <a:pPr marL="285750" indent="-285750">
-              <a:buFontTx/>
-              <a:buChar char="-"/>
-            </a:pPr>
-            <a:r>
-              <a:rPr lang="de-DE" dirty="0"/>
-              <a:t>Funktionen können als Parameter übergeben werden</a:t>
-            </a:r>
-          </a:p>
-          <a:p>
-            <a:pPr marL="285750" indent="-285750">
-              <a:buFontTx/>
-              <a:buChar char="-"/>
-            </a:pPr>
-            <a:r>
-              <a:rPr lang="de-DE" dirty="0"/>
-              <a:t>TODO</a:t>
-            </a:r>
-          </a:p>
-          <a:p>
-            <a:pPr marL="285750" indent="-285750">
-              <a:buFontTx/>
-              <a:buChar char="-"/>
-            </a:pPr>
-            <a:r>
-              <a:rPr lang="de-DE"/>
-              <a:t>https://www.heise.de/developer/artikel/Konsole-Funktionen-hoeherer-Ordnung-1958717.html</a:t>
-            </a:r>
-            <a:endParaRPr lang="de-DE" dirty="0"/>
+            <a:pPr algn="ctr"/>
+            <a:r>
+              <a:rPr lang="de-DE" sz="6000" dirty="0"/>
+              <a:t>DEMO</a:t>
+            </a:r>
           </a:p>
         </p:txBody>
       </p:sp>
     </p:spTree>
     <p:extLst>
       <p:ext uri="{BB962C8B-B14F-4D97-AF65-F5344CB8AC3E}">
-        <p14:creationId xmlns:p14="http://schemas.microsoft.com/office/powerpoint/2010/main" val="2708215138"/>
+        <p14:creationId xmlns:p14="http://schemas.microsoft.com/office/powerpoint/2010/main" val="1966252469"/>
       </p:ext>
     </p:extLst>
   </p:cSld>
@@ -15866,6 +16052,117 @@
           <p:cNvPr id="2" name="Titel 1">
             <a:extLst>
               <a:ext uri="{FF2B5EF4-FFF2-40B4-BE49-F238E27FC236}">
+                <a16:creationId xmlns:a16="http://schemas.microsoft.com/office/drawing/2014/main" id="{648681C9-71A1-4E71-A107-37917662F5A6}"/>
+              </a:ext>
+            </a:extLst>
+          </p:cNvPr>
+          <p:cNvSpPr>
+            <a:spLocks noGrp="1"/>
+          </p:cNvSpPr>
+          <p:nvPr>
+            <p:ph type="title"/>
+          </p:nvPr>
+        </p:nvSpPr>
+        <p:spPr/>
+        <p:txBody>
+          <a:bodyPr/>
+          <a:lstStyle/>
+          <a:p>
+            <a:r>
+              <a:rPr lang="de-DE" dirty="0"/>
+              <a:t>Funktionen höherer Ordnung</a:t>
+            </a:r>
+          </a:p>
+        </p:txBody>
+      </p:sp>
+      <p:sp>
+        <p:nvSpPr>
+          <p:cNvPr id="3" name="Inhaltsplatzhalter 2">
+            <a:extLst>
+              <a:ext uri="{FF2B5EF4-FFF2-40B4-BE49-F238E27FC236}">
+                <a16:creationId xmlns:a16="http://schemas.microsoft.com/office/drawing/2014/main" id="{F97B25CF-A5FF-4B0F-885D-93B361B61166}"/>
+              </a:ext>
+            </a:extLst>
+          </p:cNvPr>
+          <p:cNvSpPr>
+            <a:spLocks noGrp="1"/>
+          </p:cNvSpPr>
+          <p:nvPr>
+            <p:ph sz="quarter" idx="11"/>
+          </p:nvPr>
+        </p:nvSpPr>
+        <p:spPr/>
+        <p:txBody>
+          <a:bodyPr/>
+          <a:lstStyle/>
+          <a:p>
+            <a:pPr marL="285750" indent="-285750">
+              <a:buFontTx/>
+              <a:buChar char="-"/>
+            </a:pPr>
+            <a:r>
+              <a:rPr lang="de-DE" dirty="0"/>
+              <a:t>Funktionen können als Parameter übergeben werden</a:t>
+            </a:r>
+          </a:p>
+          <a:p>
+            <a:pPr marL="285750" indent="-285750">
+              <a:buFontTx/>
+              <a:buChar char="-"/>
+            </a:pPr>
+            <a:r>
+              <a:rPr lang="de-DE" dirty="0"/>
+              <a:t>TODO</a:t>
+            </a:r>
+          </a:p>
+          <a:p>
+            <a:pPr marL="285750" indent="-285750">
+              <a:buFontTx/>
+              <a:buChar char="-"/>
+            </a:pPr>
+            <a:r>
+              <a:rPr lang="de-DE"/>
+              <a:t>https://www.heise.de/developer/artikel/Konsole-Funktionen-hoeherer-Ordnung-1958717.html</a:t>
+            </a:r>
+            <a:endParaRPr lang="de-DE" dirty="0"/>
+          </a:p>
+        </p:txBody>
+      </p:sp>
+    </p:spTree>
+    <p:extLst>
+      <p:ext uri="{BB962C8B-B14F-4D97-AF65-F5344CB8AC3E}">
+        <p14:creationId xmlns:p14="http://schemas.microsoft.com/office/powerpoint/2010/main" val="2708215138"/>
+      </p:ext>
+    </p:extLst>
+  </p:cSld>
+  <p:clrMapOvr>
+    <a:masterClrMapping/>
+  </p:clrMapOvr>
+</p:sld>
+</file>
+
+<file path=ppt/slides/slide31.xml><?xml version="1.0" encoding="utf-8"?>
+<p:sld xmlns:a="http://schemas.openxmlformats.org/drawingml/2006/main" xmlns:r="http://schemas.openxmlformats.org/officeDocument/2006/relationships" xmlns:p="http://schemas.openxmlformats.org/presentationml/2006/main">
+  <p:cSld>
+    <p:spTree>
+      <p:nvGrpSpPr>
+        <p:cNvPr id="1" name=""/>
+        <p:cNvGrpSpPr/>
+        <p:nvPr/>
+      </p:nvGrpSpPr>
+      <p:grpSpPr>
+        <a:xfrm>
+          <a:off x="0" y="0"/>
+          <a:ext cx="0" cy="0"/>
+          <a:chOff x="0" y="0"/>
+          <a:chExt cx="0" cy="0"/>
+        </a:xfrm>
+      </p:grpSpPr>
+      <p:sp>
+        <p:nvSpPr>
+          <p:cNvPr id="2" name="Titel 1">
+            <a:extLst>
+              <a:ext uri="{FF2B5EF4-FFF2-40B4-BE49-F238E27FC236}">
                 <a16:creationId xmlns:a16="http://schemas.microsoft.com/office/drawing/2014/main" id="{EE08B43D-448C-433E-9870-51D5660D16EA}"/>
               </a:ext>
             </a:extLst>
@@ -15982,7 +16279,7 @@
 </p:sld>
 </file>
 
-<file path=ppt/slides/slide31.xml><?xml version="1.0" encoding="utf-8"?>
+<file path=ppt/slides/slide32.xml><?xml version="1.0" encoding="utf-8"?>
 <p:sld xmlns:a="http://schemas.openxmlformats.org/drawingml/2006/main" xmlns:r="http://schemas.openxmlformats.org/officeDocument/2006/relationships" xmlns:p="http://schemas.openxmlformats.org/presentationml/2006/main">
   <p:cSld>
     <p:spTree>

--- a/TypeScriptBasics.pptx
+++ b/TypeScriptBasics.pptx
@@ -5,7 +5,7 @@
     <p:sldMasterId id="2147483660" r:id="rId1"/>
   </p:sldMasterIdLst>
   <p:notesMasterIdLst>
-    <p:notesMasterId r:id="rId34"/>
+    <p:notesMasterId r:id="rId36"/>
   </p:notesMasterIdLst>
   <p:sldIdLst>
     <p:sldId id="259" r:id="rId2"/>
@@ -37,9 +37,11 @@
     <p:sldId id="289" r:id="rId28"/>
     <p:sldId id="285" r:id="rId29"/>
     <p:sldId id="291" r:id="rId30"/>
-    <p:sldId id="290" r:id="rId31"/>
-    <p:sldId id="268" r:id="rId32"/>
-    <p:sldId id="260" r:id="rId33"/>
+    <p:sldId id="292" r:id="rId31"/>
+    <p:sldId id="293" r:id="rId32"/>
+    <p:sldId id="290" r:id="rId33"/>
+    <p:sldId id="268" r:id="rId34"/>
+    <p:sldId id="260" r:id="rId35"/>
   </p:sldIdLst>
   <p:sldSz cx="12192000" cy="6858000"/>
   <p:notesSz cx="6858000" cy="9144000"/>
@@ -270,7 +272,7 @@
           <a:p>
             <a:fld id="{97BEE526-5EB7-4409-B76B-A01705954A4C}" type="datetimeFigureOut">
               <a:rPr lang="de-DE" smtClean="0"/>
-              <a:t>25.01.2019</a:t>
+              <a:t>26.01.2019</a:t>
             </a:fld>
             <a:endParaRPr lang="de-DE"/>
           </a:p>
@@ -2013,7 +2015,7 @@
           <a:p>
             <a:fld id="{C0663104-BBBB-4823-99BF-1DB3B469CAD1}" type="slidenum">
               <a:rPr lang="de-DE" smtClean="0"/>
-              <a:t>30</a:t>
+              <a:t>32</a:t>
             </a:fld>
             <a:endParaRPr lang="de-DE"/>
           </a:p>
@@ -3272,7 +3274,7 @@
           <a:p>
             <a:fld id="{F1FE92DC-4F65-4B7E-8132-A160040A277A}" type="datetimeFigureOut">
               <a:rPr lang="de-DE" smtClean="0"/>
-              <a:t>25.01.2019</a:t>
+              <a:t>26.01.2019</a:t>
             </a:fld>
             <a:endParaRPr lang="de-DE"/>
           </a:p>
@@ -5205,7 +5207,7 @@
           <a:p>
             <a:fld id="{F1FE92DC-4F65-4B7E-8132-A160040A277A}" type="datetimeFigureOut">
               <a:rPr lang="de-DE" smtClean="0"/>
-              <a:t>25.01.2019</a:t>
+              <a:t>26.01.2019</a:t>
             </a:fld>
             <a:endParaRPr lang="de-DE"/>
           </a:p>
@@ -5543,7 +5545,7 @@
           <a:p>
             <a:fld id="{F1FE92DC-4F65-4B7E-8132-A160040A277A}" type="datetimeFigureOut">
               <a:rPr lang="de-DE" smtClean="0"/>
-              <a:t>25.01.2019</a:t>
+              <a:t>26.01.2019</a:t>
             </a:fld>
             <a:endParaRPr lang="de-DE"/>
           </a:p>
@@ -5814,7 +5816,7 @@
           <a:p>
             <a:fld id="{F1FE92DC-4F65-4B7E-8132-A160040A277A}" type="datetimeFigureOut">
               <a:rPr lang="de-DE" smtClean="0"/>
-              <a:t>25.01.2019</a:t>
+              <a:t>26.01.2019</a:t>
             </a:fld>
             <a:endParaRPr lang="de-DE"/>
           </a:p>
@@ -6295,7 +6297,7 @@
           <a:p>
             <a:fld id="{F1FE92DC-4F65-4B7E-8132-A160040A277A}" type="datetimeFigureOut">
               <a:rPr lang="de-DE" smtClean="0"/>
-              <a:t>25.01.2019</a:t>
+              <a:t>26.01.2019</a:t>
             </a:fld>
             <a:endParaRPr lang="de-DE"/>
           </a:p>
@@ -6700,7 +6702,7 @@
           <a:p>
             <a:fld id="{F1FE92DC-4F65-4B7E-8132-A160040A277A}" type="datetimeFigureOut">
               <a:rPr lang="de-DE" smtClean="0"/>
-              <a:t>25.01.2019</a:t>
+              <a:t>26.01.2019</a:t>
             </a:fld>
             <a:endParaRPr lang="de-DE"/>
           </a:p>
@@ -7053,7 +7055,7 @@
           <a:p>
             <a:fld id="{F1FE92DC-4F65-4B7E-8132-A160040A277A}" type="datetimeFigureOut">
               <a:rPr lang="de-DE" smtClean="0"/>
-              <a:t>25.01.2019</a:t>
+              <a:t>26.01.2019</a:t>
             </a:fld>
             <a:endParaRPr lang="de-DE"/>
           </a:p>
@@ -7240,7 +7242,7 @@
           <a:p>
             <a:fld id="{F1FE92DC-4F65-4B7E-8132-A160040A277A}" type="datetimeFigureOut">
               <a:rPr lang="de-DE" smtClean="0"/>
-              <a:t>25.01.2019</a:t>
+              <a:t>26.01.2019</a:t>
             </a:fld>
             <a:endParaRPr lang="de-DE"/>
           </a:p>
@@ -7616,7 +7618,7 @@
           <a:p>
             <a:fld id="{F1FE92DC-4F65-4B7E-8132-A160040A277A}" type="datetimeFigureOut">
               <a:rPr lang="de-DE" smtClean="0"/>
-              <a:t>25.01.2019</a:t>
+              <a:t>26.01.2019</a:t>
             </a:fld>
             <a:endParaRPr lang="de-DE"/>
           </a:p>
@@ -7891,7 +7893,7 @@
           <a:p>
             <a:fld id="{F1FE92DC-4F65-4B7E-8132-A160040A277A}" type="datetimeFigureOut">
               <a:rPr lang="de-DE" smtClean="0"/>
-              <a:t>25.01.2019</a:t>
+              <a:t>26.01.2019</a:t>
             </a:fld>
             <a:endParaRPr lang="de-DE"/>
           </a:p>
@@ -16052,7 +16054,7 @@
           <p:cNvPr id="2" name="Titel 1">
             <a:extLst>
               <a:ext uri="{FF2B5EF4-FFF2-40B4-BE49-F238E27FC236}">
-                <a16:creationId xmlns:a16="http://schemas.microsoft.com/office/drawing/2014/main" id="{648681C9-71A1-4E71-A107-37917662F5A6}"/>
+                <a16:creationId xmlns:a16="http://schemas.microsoft.com/office/drawing/2014/main" id="{53A9C705-FEC0-4763-8AD5-0F16CE73AD4A}"/>
               </a:ext>
             </a:extLst>
           </p:cNvPr>
@@ -16070,7 +16072,7 @@
           <a:p>
             <a:r>
               <a:rPr lang="de-DE" dirty="0"/>
-              <a:t>Funktionen höherer Ordnung</a:t>
+              <a:t>Klassen</a:t>
             </a:r>
           </a:p>
         </p:txBody>
@@ -16080,7 +16082,7 @@
           <p:cNvPr id="3" name="Inhaltsplatzhalter 2">
             <a:extLst>
               <a:ext uri="{FF2B5EF4-FFF2-40B4-BE49-F238E27FC236}">
-                <a16:creationId xmlns:a16="http://schemas.microsoft.com/office/drawing/2014/main" id="{F97B25CF-A5FF-4B0F-885D-93B361B61166}"/>
+                <a16:creationId xmlns:a16="http://schemas.microsoft.com/office/drawing/2014/main" id="{CE03FD3B-F1E7-4089-BFA3-5092F858E654}"/>
               </a:ext>
             </a:extLst>
           </p:cNvPr>
@@ -16102,27 +16104,108 @@
             </a:pPr>
             <a:r>
               <a:rPr lang="de-DE" dirty="0"/>
-              <a:t>Funktionen können als Parameter übergeben werden</a:t>
-            </a:r>
+              <a:t>Ähnlich zu ES6-Klassen, aber:</a:t>
+            </a:r>
+          </a:p>
+          <a:p>
+            <a:pPr marL="468276" lvl="1" indent="-285750">
+              <a:buFontTx/>
+              <a:buChar char="-"/>
+            </a:pPr>
+            <a:r>
+              <a:rPr lang="de-DE"/>
+              <a:t>Properties </a:t>
+            </a:r>
+            <a:r>
+              <a:rPr lang="de-DE" dirty="0"/>
+              <a:t>sind typisiert</a:t>
+            </a:r>
+          </a:p>
+          <a:p>
+            <a:pPr marL="468276" lvl="1" indent="-285750">
+              <a:buFontTx/>
+              <a:buChar char="-"/>
+            </a:pPr>
+            <a:r>
+              <a:rPr lang="de-DE" dirty="0"/>
+              <a:t>Properties haben </a:t>
+            </a:r>
+            <a:r>
+              <a:rPr lang="de-DE" dirty="0" err="1"/>
+              <a:t>Zugriffsmodifizierer</a:t>
+            </a:r>
+            <a:endParaRPr lang="de-DE" dirty="0"/>
+          </a:p>
+          <a:p>
+            <a:pPr marL="468276" lvl="1" indent="-285750">
+              <a:buFontTx/>
+              <a:buChar char="-"/>
+            </a:pPr>
+            <a:r>
+              <a:rPr lang="de-DE" dirty="0"/>
+              <a:t>können Interfaces implementieren</a:t>
+            </a:r>
+          </a:p>
+          <a:p>
+            <a:pPr marL="468276" lvl="1" indent="-285750">
+              <a:buFontTx/>
+              <a:buChar char="-"/>
+            </a:pPr>
+            <a:r>
+              <a:rPr lang="de-DE" dirty="0"/>
+              <a:t>können abstrakt sein</a:t>
+            </a:r>
+          </a:p>
+          <a:p>
+            <a:pPr marL="468276" lvl="1" indent="-285750">
+              <a:buFontTx/>
+              <a:buChar char="-"/>
+            </a:pPr>
+            <a:endParaRPr lang="de-DE" dirty="0"/>
           </a:p>
           <a:p>
             <a:pPr marL="285750" indent="-285750">
               <a:buFontTx/>
               <a:buChar char="-"/>
             </a:pPr>
-            <a:r>
-              <a:rPr lang="de-DE" dirty="0"/>
-              <a:t>TODO</a:t>
-            </a:r>
+            <a:endParaRPr lang="de-DE" dirty="0"/>
           </a:p>
           <a:p>
             <a:pPr marL="285750" indent="-285750">
               <a:buFontTx/>
               <a:buChar char="-"/>
             </a:pPr>
-            <a:r>
-              <a:rPr lang="de-DE"/>
-              <a:t>https://www.heise.de/developer/artikel/Konsole-Funktionen-hoeherer-Ordnung-1958717.html</a:t>
+            <a:endParaRPr lang="de-DE" dirty="0"/>
+          </a:p>
+          <a:p>
+            <a:pPr marL="285750" indent="-285750">
+              <a:buFontTx/>
+              <a:buChar char="-"/>
+            </a:pPr>
+            <a:endParaRPr lang="de-DE" dirty="0"/>
+          </a:p>
+          <a:p>
+            <a:pPr marL="285750" indent="-285750">
+              <a:buFontTx/>
+              <a:buChar char="-"/>
+            </a:pPr>
+            <a:r>
+              <a:rPr lang="de-DE" dirty="0"/>
+              <a:t>Polymorphismus</a:t>
+            </a:r>
+          </a:p>
+          <a:p>
+            <a:pPr marL="285750" indent="-285750">
+              <a:buFontTx/>
+              <a:buChar char="-"/>
+            </a:pPr>
+            <a:r>
+              <a:rPr lang="de-DE" dirty="0"/>
+              <a:t>Duck </a:t>
+            </a:r>
+            <a:r>
+              <a:rPr lang="de-DE" dirty="0" err="1"/>
+              <a:t>Typing</a:t>
             </a:r>
             <a:endParaRPr lang="de-DE" dirty="0"/>
           </a:p>
@@ -16131,7 +16214,7 @@
     </p:spTree>
     <p:extLst>
       <p:ext uri="{BB962C8B-B14F-4D97-AF65-F5344CB8AC3E}">
-        <p14:creationId xmlns:p14="http://schemas.microsoft.com/office/powerpoint/2010/main" val="2708215138"/>
+        <p14:creationId xmlns:p14="http://schemas.microsoft.com/office/powerpoint/2010/main" val="4045856346"/>
       </p:ext>
     </p:extLst>
   </p:cSld>
@@ -16163,6 +16246,204 @@
           <p:cNvPr id="2" name="Titel 1">
             <a:extLst>
               <a:ext uri="{FF2B5EF4-FFF2-40B4-BE49-F238E27FC236}">
+                <a16:creationId xmlns:a16="http://schemas.microsoft.com/office/drawing/2014/main" id="{53A9C705-FEC0-4763-8AD5-0F16CE73AD4A}"/>
+              </a:ext>
+            </a:extLst>
+          </p:cNvPr>
+          <p:cNvSpPr>
+            <a:spLocks noGrp="1"/>
+          </p:cNvSpPr>
+          <p:nvPr>
+            <p:ph type="title"/>
+          </p:nvPr>
+        </p:nvSpPr>
+        <p:spPr/>
+        <p:txBody>
+          <a:bodyPr/>
+          <a:lstStyle/>
+          <a:p>
+            <a:r>
+              <a:rPr lang="de-DE" dirty="0"/>
+              <a:t>Klassen</a:t>
+            </a:r>
+          </a:p>
+        </p:txBody>
+      </p:sp>
+      <p:sp>
+        <p:nvSpPr>
+          <p:cNvPr id="3" name="Inhaltsplatzhalter 2">
+            <a:extLst>
+              <a:ext uri="{FF2B5EF4-FFF2-40B4-BE49-F238E27FC236}">
+                <a16:creationId xmlns:a16="http://schemas.microsoft.com/office/drawing/2014/main" id="{CE03FD3B-F1E7-4089-BFA3-5092F858E654}"/>
+              </a:ext>
+            </a:extLst>
+          </p:cNvPr>
+          <p:cNvSpPr>
+            <a:spLocks noGrp="1"/>
+          </p:cNvSpPr>
+          <p:nvPr>
+            <p:ph sz="quarter" idx="11"/>
+          </p:nvPr>
+        </p:nvSpPr>
+        <p:spPr/>
+        <p:txBody>
+          <a:bodyPr anchor="ctr"/>
+          <a:lstStyle/>
+          <a:p>
+            <a:pPr algn="ctr"/>
+            <a:r>
+              <a:rPr lang="de-DE" sz="6000" dirty="0"/>
+              <a:t>DEMO</a:t>
+            </a:r>
+          </a:p>
+        </p:txBody>
+      </p:sp>
+    </p:spTree>
+    <p:extLst>
+      <p:ext uri="{BB962C8B-B14F-4D97-AF65-F5344CB8AC3E}">
+        <p14:creationId xmlns:p14="http://schemas.microsoft.com/office/powerpoint/2010/main" val="1123944266"/>
+      </p:ext>
+    </p:extLst>
+  </p:cSld>
+  <p:clrMapOvr>
+    <a:masterClrMapping/>
+  </p:clrMapOvr>
+</p:sld>
+</file>
+
+<file path=ppt/slides/slide32.xml><?xml version="1.0" encoding="utf-8"?>
+<p:sld xmlns:a="http://schemas.openxmlformats.org/drawingml/2006/main" xmlns:r="http://schemas.openxmlformats.org/officeDocument/2006/relationships" xmlns:p="http://schemas.openxmlformats.org/presentationml/2006/main">
+  <p:cSld>
+    <p:spTree>
+      <p:nvGrpSpPr>
+        <p:cNvPr id="1" name=""/>
+        <p:cNvGrpSpPr/>
+        <p:nvPr/>
+      </p:nvGrpSpPr>
+      <p:grpSpPr>
+        <a:xfrm>
+          <a:off x="0" y="0"/>
+          <a:ext cx="0" cy="0"/>
+          <a:chOff x="0" y="0"/>
+          <a:chExt cx="0" cy="0"/>
+        </a:xfrm>
+      </p:grpSpPr>
+      <p:sp>
+        <p:nvSpPr>
+          <p:cNvPr id="2" name="Titel 1">
+            <a:extLst>
+              <a:ext uri="{FF2B5EF4-FFF2-40B4-BE49-F238E27FC236}">
+                <a16:creationId xmlns:a16="http://schemas.microsoft.com/office/drawing/2014/main" id="{648681C9-71A1-4E71-A107-37917662F5A6}"/>
+              </a:ext>
+            </a:extLst>
+          </p:cNvPr>
+          <p:cNvSpPr>
+            <a:spLocks noGrp="1"/>
+          </p:cNvSpPr>
+          <p:nvPr>
+            <p:ph type="title"/>
+          </p:nvPr>
+        </p:nvSpPr>
+        <p:spPr/>
+        <p:txBody>
+          <a:bodyPr/>
+          <a:lstStyle/>
+          <a:p>
+            <a:r>
+              <a:rPr lang="de-DE" dirty="0"/>
+              <a:t>Funktionen höherer Ordnung</a:t>
+            </a:r>
+          </a:p>
+        </p:txBody>
+      </p:sp>
+      <p:sp>
+        <p:nvSpPr>
+          <p:cNvPr id="3" name="Inhaltsplatzhalter 2">
+            <a:extLst>
+              <a:ext uri="{FF2B5EF4-FFF2-40B4-BE49-F238E27FC236}">
+                <a16:creationId xmlns:a16="http://schemas.microsoft.com/office/drawing/2014/main" id="{F97B25CF-A5FF-4B0F-885D-93B361B61166}"/>
+              </a:ext>
+            </a:extLst>
+          </p:cNvPr>
+          <p:cNvSpPr>
+            <a:spLocks noGrp="1"/>
+          </p:cNvSpPr>
+          <p:nvPr>
+            <p:ph sz="quarter" idx="11"/>
+          </p:nvPr>
+        </p:nvSpPr>
+        <p:spPr/>
+        <p:txBody>
+          <a:bodyPr/>
+          <a:lstStyle/>
+          <a:p>
+            <a:pPr marL="285750" indent="-285750">
+              <a:buFontTx/>
+              <a:buChar char="-"/>
+            </a:pPr>
+            <a:r>
+              <a:rPr lang="de-DE" dirty="0"/>
+              <a:t>Funktionen können als Parameter übergeben werden</a:t>
+            </a:r>
+          </a:p>
+          <a:p>
+            <a:pPr marL="285750" indent="-285750">
+              <a:buFontTx/>
+              <a:buChar char="-"/>
+            </a:pPr>
+            <a:r>
+              <a:rPr lang="de-DE" dirty="0"/>
+              <a:t>TODO</a:t>
+            </a:r>
+          </a:p>
+          <a:p>
+            <a:pPr marL="285750" indent="-285750">
+              <a:buFontTx/>
+              <a:buChar char="-"/>
+            </a:pPr>
+            <a:r>
+              <a:rPr lang="de-DE"/>
+              <a:t>https://www.heise.de/developer/artikel/Konsole-Funktionen-hoeherer-Ordnung-1958717.html</a:t>
+            </a:r>
+            <a:endParaRPr lang="de-DE" dirty="0"/>
+          </a:p>
+        </p:txBody>
+      </p:sp>
+    </p:spTree>
+    <p:extLst>
+      <p:ext uri="{BB962C8B-B14F-4D97-AF65-F5344CB8AC3E}">
+        <p14:creationId xmlns:p14="http://schemas.microsoft.com/office/powerpoint/2010/main" val="2708215138"/>
+      </p:ext>
+    </p:extLst>
+  </p:cSld>
+  <p:clrMapOvr>
+    <a:masterClrMapping/>
+  </p:clrMapOvr>
+</p:sld>
+</file>
+
+<file path=ppt/slides/slide33.xml><?xml version="1.0" encoding="utf-8"?>
+<p:sld xmlns:a="http://schemas.openxmlformats.org/drawingml/2006/main" xmlns:r="http://schemas.openxmlformats.org/officeDocument/2006/relationships" xmlns:p="http://schemas.openxmlformats.org/presentationml/2006/main">
+  <p:cSld>
+    <p:spTree>
+      <p:nvGrpSpPr>
+        <p:cNvPr id="1" name=""/>
+        <p:cNvGrpSpPr/>
+        <p:nvPr/>
+      </p:nvGrpSpPr>
+      <p:grpSpPr>
+        <a:xfrm>
+          <a:off x="0" y="0"/>
+          <a:ext cx="0" cy="0"/>
+          <a:chOff x="0" y="0"/>
+          <a:chExt cx="0" cy="0"/>
+        </a:xfrm>
+      </p:grpSpPr>
+      <p:sp>
+        <p:nvSpPr>
+          <p:cNvPr id="2" name="Titel 1">
+            <a:extLst>
+              <a:ext uri="{FF2B5EF4-FFF2-40B4-BE49-F238E27FC236}">
                 <a16:creationId xmlns:a16="http://schemas.microsoft.com/office/drawing/2014/main" id="{EE08B43D-448C-433E-9870-51D5660D16EA}"/>
               </a:ext>
             </a:extLst>
@@ -16279,7 +16560,7 @@
 </p:sld>
 </file>
 
-<file path=ppt/slides/slide32.xml><?xml version="1.0" encoding="utf-8"?>
+<file path=ppt/slides/slide34.xml><?xml version="1.0" encoding="utf-8"?>
 <p:sld xmlns:a="http://schemas.openxmlformats.org/drawingml/2006/main" xmlns:r="http://schemas.openxmlformats.org/officeDocument/2006/relationships" xmlns:p="http://schemas.openxmlformats.org/presentationml/2006/main">
   <p:cSld>
     <p:spTree>

--- a/TypeScriptBasics.pptx
+++ b/TypeScriptBasics.pptx
@@ -5,7 +5,7 @@
     <p:sldMasterId id="2147483660" r:id="rId1"/>
   </p:sldMasterIdLst>
   <p:notesMasterIdLst>
-    <p:notesMasterId r:id="rId36"/>
+    <p:notesMasterId r:id="rId39"/>
   </p:notesMasterIdLst>
   <p:sldIdLst>
     <p:sldId id="259" r:id="rId2"/>
@@ -39,9 +39,12 @@
     <p:sldId id="291" r:id="rId30"/>
     <p:sldId id="292" r:id="rId31"/>
     <p:sldId id="293" r:id="rId32"/>
-    <p:sldId id="290" r:id="rId33"/>
-    <p:sldId id="268" r:id="rId34"/>
-    <p:sldId id="260" r:id="rId35"/>
+    <p:sldId id="294" r:id="rId33"/>
+    <p:sldId id="295" r:id="rId34"/>
+    <p:sldId id="296" r:id="rId35"/>
+    <p:sldId id="290" r:id="rId36"/>
+    <p:sldId id="268" r:id="rId37"/>
+    <p:sldId id="260" r:id="rId38"/>
   </p:sldIdLst>
   <p:sldSz cx="12192000" cy="6858000"/>
   <p:notesSz cx="6858000" cy="9144000"/>
@@ -2015,7 +2018,7 @@
           <a:p>
             <a:fld id="{C0663104-BBBB-4823-99BF-1DB3B469CAD1}" type="slidenum">
               <a:rPr lang="de-DE" smtClean="0"/>
-              <a:t>32</a:t>
+              <a:t>35</a:t>
             </a:fld>
             <a:endParaRPr lang="de-DE"/>
           </a:p>
@@ -16113,12 +16116,8 @@
               <a:buChar char="-"/>
             </a:pPr>
             <a:r>
-              <a:rPr lang="de-DE"/>
-              <a:t>Properties </a:t>
-            </a:r>
-            <a:r>
-              <a:rPr lang="de-DE" dirty="0"/>
-              <a:t>sind typisiert</a:t>
+              <a:rPr lang="de-DE" dirty="0"/>
+              <a:t>Properties sind typisiert</a:t>
             </a:r>
           </a:p>
           <a:p>
@@ -16182,31 +16181,6 @@
               <a:buFontTx/>
               <a:buChar char="-"/>
             </a:pPr>
-            <a:endParaRPr lang="de-DE" dirty="0"/>
-          </a:p>
-          <a:p>
-            <a:pPr marL="285750" indent="-285750">
-              <a:buFontTx/>
-              <a:buChar char="-"/>
-            </a:pPr>
-            <a:r>
-              <a:rPr lang="de-DE" dirty="0"/>
-              <a:t>Polymorphismus</a:t>
-            </a:r>
-          </a:p>
-          <a:p>
-            <a:pPr marL="285750" indent="-285750">
-              <a:buFontTx/>
-              <a:buChar char="-"/>
-            </a:pPr>
-            <a:r>
-              <a:rPr lang="de-DE" dirty="0"/>
-              <a:t>Duck </a:t>
-            </a:r>
-            <a:r>
-              <a:rPr lang="de-DE" dirty="0" err="1"/>
-              <a:t>Typing</a:t>
-            </a:r>
             <a:endParaRPr lang="de-DE" dirty="0"/>
           </a:p>
         </p:txBody>
@@ -16333,7 +16307,7 @@
           <p:cNvPr id="2" name="Titel 1">
             <a:extLst>
               <a:ext uri="{FF2B5EF4-FFF2-40B4-BE49-F238E27FC236}">
-                <a16:creationId xmlns:a16="http://schemas.microsoft.com/office/drawing/2014/main" id="{648681C9-71A1-4E71-A107-37917662F5A6}"/>
+                <a16:creationId xmlns:a16="http://schemas.microsoft.com/office/drawing/2014/main" id="{53A9C705-FEC0-4763-8AD5-0F16CE73AD4A}"/>
               </a:ext>
             </a:extLst>
           </p:cNvPr>
@@ -16351,7 +16325,7 @@
           <a:p>
             <a:r>
               <a:rPr lang="de-DE" dirty="0"/>
-              <a:t>Funktionen höherer Ordnung</a:t>
+              <a:t>Klassen</a:t>
             </a:r>
           </a:p>
         </p:txBody>
@@ -16361,7 +16335,7 @@
           <p:cNvPr id="3" name="Inhaltsplatzhalter 2">
             <a:extLst>
               <a:ext uri="{FF2B5EF4-FFF2-40B4-BE49-F238E27FC236}">
-                <a16:creationId xmlns:a16="http://schemas.microsoft.com/office/drawing/2014/main" id="{F97B25CF-A5FF-4B0F-885D-93B361B61166}"/>
+                <a16:creationId xmlns:a16="http://schemas.microsoft.com/office/drawing/2014/main" id="{CE03FD3B-F1E7-4089-BFA3-5092F858E654}"/>
               </a:ext>
             </a:extLst>
           </p:cNvPr>
@@ -16374,45 +16348,25 @@
         </p:nvSpPr>
         <p:spPr/>
         <p:txBody>
-          <a:bodyPr/>
+          <a:bodyPr anchor="ctr"/>
           <a:lstStyle/>
           <a:p>
-            <a:pPr marL="285750" indent="-285750">
-              <a:buFontTx/>
-              <a:buChar char="-"/>
-            </a:pPr>
-            <a:r>
-              <a:rPr lang="de-DE" dirty="0"/>
-              <a:t>Funktionen können als Parameter übergeben werden</a:t>
-            </a:r>
-          </a:p>
-          <a:p>
-            <a:pPr marL="285750" indent="-285750">
-              <a:buFontTx/>
-              <a:buChar char="-"/>
-            </a:pPr>
-            <a:r>
-              <a:rPr lang="de-DE" dirty="0"/>
-              <a:t>TODO</a:t>
-            </a:r>
-          </a:p>
-          <a:p>
-            <a:pPr marL="285750" indent="-285750">
-              <a:buFontTx/>
-              <a:buChar char="-"/>
-            </a:pPr>
-            <a:r>
-              <a:rPr lang="de-DE"/>
-              <a:t>https://www.heise.de/developer/artikel/Konsole-Funktionen-hoeherer-Ordnung-1958717.html</a:t>
-            </a:r>
-            <a:endParaRPr lang="de-DE" dirty="0"/>
+            <a:pPr algn="ctr"/>
+            <a:r>
+              <a:rPr lang="de-DE" sz="6000" dirty="0">
+                <a:solidFill>
+                  <a:srgbClr val="FF0000"/>
+                </a:solidFill>
+              </a:rPr>
+              <a:t>ÜBUNG?</a:t>
+            </a:r>
           </a:p>
         </p:txBody>
       </p:sp>
     </p:spTree>
     <p:extLst>
       <p:ext uri="{BB962C8B-B14F-4D97-AF65-F5344CB8AC3E}">
-        <p14:creationId xmlns:p14="http://schemas.microsoft.com/office/powerpoint/2010/main" val="2708215138"/>
+        <p14:creationId xmlns:p14="http://schemas.microsoft.com/office/powerpoint/2010/main" val="4159146999"/>
       </p:ext>
     </p:extLst>
   </p:cSld>
@@ -16444,6 +16398,374 @@
           <p:cNvPr id="2" name="Titel 1">
             <a:extLst>
               <a:ext uri="{FF2B5EF4-FFF2-40B4-BE49-F238E27FC236}">
+                <a16:creationId xmlns:a16="http://schemas.microsoft.com/office/drawing/2014/main" id="{04FE455D-A66C-4BA9-B430-E96416D86570}"/>
+              </a:ext>
+            </a:extLst>
+          </p:cNvPr>
+          <p:cNvSpPr>
+            <a:spLocks noGrp="1"/>
+          </p:cNvSpPr>
+          <p:nvPr>
+            <p:ph type="title"/>
+          </p:nvPr>
+        </p:nvSpPr>
+        <p:spPr/>
+        <p:txBody>
+          <a:bodyPr/>
+          <a:lstStyle/>
+          <a:p>
+            <a:r>
+              <a:rPr lang="de-DE" dirty="0" err="1"/>
+              <a:t>NameSpaces</a:t>
+            </a:r>
+            <a:r>
+              <a:rPr lang="de-DE" dirty="0"/>
+              <a:t> und Modules</a:t>
+            </a:r>
+          </a:p>
+        </p:txBody>
+      </p:sp>
+      <p:sp>
+        <p:nvSpPr>
+          <p:cNvPr id="3" name="Inhaltsplatzhalter 2">
+            <a:extLst>
+              <a:ext uri="{FF2B5EF4-FFF2-40B4-BE49-F238E27FC236}">
+                <a16:creationId xmlns:a16="http://schemas.microsoft.com/office/drawing/2014/main" id="{F1B6381C-4FCA-401B-BDFC-B15EF4F65DCD}"/>
+              </a:ext>
+            </a:extLst>
+          </p:cNvPr>
+          <p:cNvSpPr>
+            <a:spLocks noGrp="1"/>
+          </p:cNvSpPr>
+          <p:nvPr>
+            <p:ph sz="quarter" idx="11"/>
+          </p:nvPr>
+        </p:nvSpPr>
+        <p:spPr/>
+        <p:txBody>
+          <a:bodyPr/>
+          <a:lstStyle/>
+          <a:p>
+            <a:pPr marL="285750" indent="-285750">
+              <a:buFontTx/>
+              <a:buChar char="-"/>
+            </a:pPr>
+            <a:r>
+              <a:rPr lang="de-DE" dirty="0"/>
+              <a:t>Helfen dabei, den Code zu strukturieren</a:t>
+            </a:r>
+          </a:p>
+          <a:p>
+            <a:pPr marL="285750" indent="-285750">
+              <a:buFontTx/>
+              <a:buChar char="-"/>
+            </a:pPr>
+            <a:r>
+              <a:rPr lang="de-DE" dirty="0"/>
+              <a:t>Beugen </a:t>
+            </a:r>
+            <a:r>
+              <a:rPr lang="de-DE" dirty="0" err="1"/>
+              <a:t>Naming</a:t>
+            </a:r>
+            <a:r>
+              <a:rPr lang="de-DE" dirty="0"/>
+              <a:t> </a:t>
+            </a:r>
+            <a:r>
+              <a:rPr lang="de-DE" dirty="0" err="1"/>
+              <a:t>Collisions</a:t>
+            </a:r>
+            <a:r>
+              <a:rPr lang="de-DE" dirty="0"/>
+              <a:t> vor</a:t>
+            </a:r>
+          </a:p>
+          <a:p>
+            <a:pPr marL="285750" indent="-285750">
+              <a:buFontTx/>
+              <a:buChar char="-"/>
+            </a:pPr>
+            <a:r>
+              <a:rPr lang="de-DE" dirty="0" err="1"/>
+              <a:t>Namespaces</a:t>
+            </a:r>
+            <a:r>
+              <a:rPr lang="de-DE" dirty="0"/>
+              <a:t> sind gut für kleinere Projekte</a:t>
+            </a:r>
+          </a:p>
+          <a:p>
+            <a:pPr marL="468276" lvl="1" indent="-285750">
+              <a:buFontTx/>
+              <a:buChar char="-"/>
+            </a:pPr>
+            <a:r>
+              <a:rPr lang="de-DE" dirty="0"/>
+              <a:t>Nicht so restriktiv wie Modules, kann schnell unübersichtlich werden</a:t>
+            </a:r>
+          </a:p>
+          <a:p>
+            <a:pPr marL="468276" lvl="1" indent="-285750">
+              <a:buFontTx/>
+              <a:buChar char="-"/>
+            </a:pPr>
+            <a:endParaRPr lang="de-DE" dirty="0"/>
+          </a:p>
+          <a:p>
+            <a:pPr marL="285750" indent="-285750">
+              <a:buFontTx/>
+              <a:buChar char="-"/>
+            </a:pPr>
+            <a:r>
+              <a:rPr lang="de-DE" dirty="0"/>
+              <a:t>Modules &gt; </a:t>
+            </a:r>
+            <a:r>
+              <a:rPr lang="de-DE" dirty="0" err="1"/>
+              <a:t>Namespaces</a:t>
+            </a:r>
+            <a:endParaRPr lang="de-DE" dirty="0"/>
+          </a:p>
+        </p:txBody>
+      </p:sp>
+    </p:spTree>
+    <p:extLst>
+      <p:ext uri="{BB962C8B-B14F-4D97-AF65-F5344CB8AC3E}">
+        <p14:creationId xmlns:p14="http://schemas.microsoft.com/office/powerpoint/2010/main" val="1932991495"/>
+      </p:ext>
+    </p:extLst>
+  </p:cSld>
+  <p:clrMapOvr>
+    <a:masterClrMapping/>
+  </p:clrMapOvr>
+</p:sld>
+</file>
+
+<file path=ppt/slides/slide34.xml><?xml version="1.0" encoding="utf-8"?>
+<p:sld xmlns:a="http://schemas.openxmlformats.org/drawingml/2006/main" xmlns:r="http://schemas.openxmlformats.org/officeDocument/2006/relationships" xmlns:p="http://schemas.openxmlformats.org/presentationml/2006/main">
+  <p:cSld>
+    <p:spTree>
+      <p:nvGrpSpPr>
+        <p:cNvPr id="1" name=""/>
+        <p:cNvGrpSpPr/>
+        <p:nvPr/>
+      </p:nvGrpSpPr>
+      <p:grpSpPr>
+        <a:xfrm>
+          <a:off x="0" y="0"/>
+          <a:ext cx="0" cy="0"/>
+          <a:chOff x="0" y="0"/>
+          <a:chExt cx="0" cy="0"/>
+        </a:xfrm>
+      </p:grpSpPr>
+      <p:sp>
+        <p:nvSpPr>
+          <p:cNvPr id="2" name="Titel 1">
+            <a:extLst>
+              <a:ext uri="{FF2B5EF4-FFF2-40B4-BE49-F238E27FC236}">
+                <a16:creationId xmlns:a16="http://schemas.microsoft.com/office/drawing/2014/main" id="{04FE455D-A66C-4BA9-B430-E96416D86570}"/>
+              </a:ext>
+            </a:extLst>
+          </p:cNvPr>
+          <p:cNvSpPr>
+            <a:spLocks noGrp="1"/>
+          </p:cNvSpPr>
+          <p:nvPr>
+            <p:ph type="title"/>
+          </p:nvPr>
+        </p:nvSpPr>
+        <p:spPr/>
+        <p:txBody>
+          <a:bodyPr/>
+          <a:lstStyle/>
+          <a:p>
+            <a:r>
+              <a:rPr lang="de-DE" dirty="0" err="1"/>
+              <a:t>NameSpaces</a:t>
+            </a:r>
+            <a:r>
+              <a:rPr lang="de-DE" dirty="0"/>
+              <a:t> und Modules</a:t>
+            </a:r>
+          </a:p>
+        </p:txBody>
+      </p:sp>
+      <p:sp>
+        <p:nvSpPr>
+          <p:cNvPr id="3" name="Inhaltsplatzhalter 2">
+            <a:extLst>
+              <a:ext uri="{FF2B5EF4-FFF2-40B4-BE49-F238E27FC236}">
+                <a16:creationId xmlns:a16="http://schemas.microsoft.com/office/drawing/2014/main" id="{F1B6381C-4FCA-401B-BDFC-B15EF4F65DCD}"/>
+              </a:ext>
+            </a:extLst>
+          </p:cNvPr>
+          <p:cNvSpPr>
+            <a:spLocks noGrp="1"/>
+          </p:cNvSpPr>
+          <p:nvPr>
+            <p:ph sz="quarter" idx="11"/>
+          </p:nvPr>
+        </p:nvSpPr>
+        <p:spPr/>
+        <p:txBody>
+          <a:bodyPr anchor="ctr"/>
+          <a:lstStyle/>
+          <a:p>
+            <a:pPr algn="ctr"/>
+            <a:r>
+              <a:rPr lang="de-DE" sz="6000" dirty="0"/>
+              <a:t>DEMO</a:t>
+            </a:r>
+          </a:p>
+        </p:txBody>
+      </p:sp>
+    </p:spTree>
+    <p:extLst>
+      <p:ext uri="{BB962C8B-B14F-4D97-AF65-F5344CB8AC3E}">
+        <p14:creationId xmlns:p14="http://schemas.microsoft.com/office/powerpoint/2010/main" val="1009980574"/>
+      </p:ext>
+    </p:extLst>
+  </p:cSld>
+  <p:clrMapOvr>
+    <a:masterClrMapping/>
+  </p:clrMapOvr>
+</p:sld>
+</file>
+
+<file path=ppt/slides/slide35.xml><?xml version="1.0" encoding="utf-8"?>
+<p:sld xmlns:a="http://schemas.openxmlformats.org/drawingml/2006/main" xmlns:r="http://schemas.openxmlformats.org/officeDocument/2006/relationships" xmlns:p="http://schemas.openxmlformats.org/presentationml/2006/main">
+  <p:cSld>
+    <p:spTree>
+      <p:nvGrpSpPr>
+        <p:cNvPr id="1" name=""/>
+        <p:cNvGrpSpPr/>
+        <p:nvPr/>
+      </p:nvGrpSpPr>
+      <p:grpSpPr>
+        <a:xfrm>
+          <a:off x="0" y="0"/>
+          <a:ext cx="0" cy="0"/>
+          <a:chOff x="0" y="0"/>
+          <a:chExt cx="0" cy="0"/>
+        </a:xfrm>
+      </p:grpSpPr>
+      <p:sp>
+        <p:nvSpPr>
+          <p:cNvPr id="2" name="Titel 1">
+            <a:extLst>
+              <a:ext uri="{FF2B5EF4-FFF2-40B4-BE49-F238E27FC236}">
+                <a16:creationId xmlns:a16="http://schemas.microsoft.com/office/drawing/2014/main" id="{648681C9-71A1-4E71-A107-37917662F5A6}"/>
+              </a:ext>
+            </a:extLst>
+          </p:cNvPr>
+          <p:cNvSpPr>
+            <a:spLocks noGrp="1"/>
+          </p:cNvSpPr>
+          <p:nvPr>
+            <p:ph type="title"/>
+          </p:nvPr>
+        </p:nvSpPr>
+        <p:spPr/>
+        <p:txBody>
+          <a:bodyPr/>
+          <a:lstStyle/>
+          <a:p>
+            <a:r>
+              <a:rPr lang="de-DE" dirty="0"/>
+              <a:t>Funktionen höherer Ordnung</a:t>
+            </a:r>
+          </a:p>
+        </p:txBody>
+      </p:sp>
+      <p:sp>
+        <p:nvSpPr>
+          <p:cNvPr id="3" name="Inhaltsplatzhalter 2">
+            <a:extLst>
+              <a:ext uri="{FF2B5EF4-FFF2-40B4-BE49-F238E27FC236}">
+                <a16:creationId xmlns:a16="http://schemas.microsoft.com/office/drawing/2014/main" id="{F97B25CF-A5FF-4B0F-885D-93B361B61166}"/>
+              </a:ext>
+            </a:extLst>
+          </p:cNvPr>
+          <p:cNvSpPr>
+            <a:spLocks noGrp="1"/>
+          </p:cNvSpPr>
+          <p:nvPr>
+            <p:ph sz="quarter" idx="11"/>
+          </p:nvPr>
+        </p:nvSpPr>
+        <p:spPr/>
+        <p:txBody>
+          <a:bodyPr/>
+          <a:lstStyle/>
+          <a:p>
+            <a:pPr marL="285750" indent="-285750">
+              <a:buFontTx/>
+              <a:buChar char="-"/>
+            </a:pPr>
+            <a:r>
+              <a:rPr lang="de-DE" dirty="0"/>
+              <a:t>Funktionen können als Parameter übergeben werden</a:t>
+            </a:r>
+          </a:p>
+          <a:p>
+            <a:pPr marL="285750" indent="-285750">
+              <a:buFontTx/>
+              <a:buChar char="-"/>
+            </a:pPr>
+            <a:r>
+              <a:rPr lang="de-DE" dirty="0"/>
+              <a:t>TODO</a:t>
+            </a:r>
+          </a:p>
+          <a:p>
+            <a:pPr marL="285750" indent="-285750">
+              <a:buFontTx/>
+              <a:buChar char="-"/>
+            </a:pPr>
+            <a:r>
+              <a:rPr lang="de-DE"/>
+              <a:t>https://www.heise.de/developer/artikel/Konsole-Funktionen-hoeherer-Ordnung-1958717.html</a:t>
+            </a:r>
+            <a:endParaRPr lang="de-DE" dirty="0"/>
+          </a:p>
+        </p:txBody>
+      </p:sp>
+    </p:spTree>
+    <p:extLst>
+      <p:ext uri="{BB962C8B-B14F-4D97-AF65-F5344CB8AC3E}">
+        <p14:creationId xmlns:p14="http://schemas.microsoft.com/office/powerpoint/2010/main" val="2708215138"/>
+      </p:ext>
+    </p:extLst>
+  </p:cSld>
+  <p:clrMapOvr>
+    <a:masterClrMapping/>
+  </p:clrMapOvr>
+</p:sld>
+</file>
+
+<file path=ppt/slides/slide36.xml><?xml version="1.0" encoding="utf-8"?>
+<p:sld xmlns:a="http://schemas.openxmlformats.org/drawingml/2006/main" xmlns:r="http://schemas.openxmlformats.org/officeDocument/2006/relationships" xmlns:p="http://schemas.openxmlformats.org/presentationml/2006/main">
+  <p:cSld>
+    <p:spTree>
+      <p:nvGrpSpPr>
+        <p:cNvPr id="1" name=""/>
+        <p:cNvGrpSpPr/>
+        <p:nvPr/>
+      </p:nvGrpSpPr>
+      <p:grpSpPr>
+        <a:xfrm>
+          <a:off x="0" y="0"/>
+          <a:ext cx="0" cy="0"/>
+          <a:chOff x="0" y="0"/>
+          <a:chExt cx="0" cy="0"/>
+        </a:xfrm>
+      </p:grpSpPr>
+      <p:sp>
+        <p:nvSpPr>
+          <p:cNvPr id="2" name="Titel 1">
+            <a:extLst>
+              <a:ext uri="{FF2B5EF4-FFF2-40B4-BE49-F238E27FC236}">
                 <a16:creationId xmlns:a16="http://schemas.microsoft.com/office/drawing/2014/main" id="{EE08B43D-448C-433E-9870-51D5660D16EA}"/>
               </a:ext>
             </a:extLst>
@@ -16560,7 +16882,7 @@
 </p:sld>
 </file>
 
-<file path=ppt/slides/slide34.xml><?xml version="1.0" encoding="utf-8"?>
+<file path=ppt/slides/slide37.xml><?xml version="1.0" encoding="utf-8"?>
 <p:sld xmlns:a="http://schemas.openxmlformats.org/drawingml/2006/main" xmlns:r="http://schemas.openxmlformats.org/officeDocument/2006/relationships" xmlns:p="http://schemas.openxmlformats.org/presentationml/2006/main">
   <p:cSld>
     <p:spTree>

--- a/TypeScriptBasics.pptx
+++ b/TypeScriptBasics.pptx
@@ -5,7 +5,7 @@
     <p:sldMasterId id="2147483660" r:id="rId1"/>
   </p:sldMasterIdLst>
   <p:notesMasterIdLst>
-    <p:notesMasterId r:id="rId39"/>
+    <p:notesMasterId r:id="rId40"/>
   </p:notesMasterIdLst>
   <p:sldIdLst>
     <p:sldId id="259" r:id="rId2"/>
@@ -42,9 +42,10 @@
     <p:sldId id="294" r:id="rId33"/>
     <p:sldId id="295" r:id="rId34"/>
     <p:sldId id="296" r:id="rId35"/>
-    <p:sldId id="290" r:id="rId36"/>
-    <p:sldId id="268" r:id="rId37"/>
-    <p:sldId id="260" r:id="rId38"/>
+    <p:sldId id="297" r:id="rId36"/>
+    <p:sldId id="290" r:id="rId37"/>
+    <p:sldId id="268" r:id="rId38"/>
+    <p:sldId id="260" r:id="rId39"/>
   </p:sldIdLst>
   <p:sldSz cx="12192000" cy="6858000"/>
   <p:notesSz cx="6858000" cy="9144000"/>
@@ -2018,7 +2019,7 @@
           <a:p>
             <a:fld id="{C0663104-BBBB-4823-99BF-1DB3B469CAD1}" type="slidenum">
               <a:rPr lang="de-DE" smtClean="0"/>
-              <a:t>35</a:t>
+              <a:t>36</a:t>
             </a:fld>
             <a:endParaRPr lang="de-DE"/>
           </a:p>
@@ -16487,6 +16488,16 @@
               <a:buChar char="-"/>
             </a:pPr>
             <a:r>
+              <a:rPr lang="de-DE" dirty="0"/>
+              <a:t>Modules kommen aus ES6</a:t>
+            </a:r>
+          </a:p>
+          <a:p>
+            <a:pPr marL="285750" indent="-285750">
+              <a:buFontTx/>
+              <a:buChar char="-"/>
+            </a:pPr>
+            <a:r>
               <a:rPr lang="de-DE" dirty="0" err="1"/>
               <a:t>Namespaces</a:t>
             </a:r>
@@ -16504,6 +16515,17 @@
               <a:rPr lang="de-DE" dirty="0"/>
               <a:t>Nicht so restriktiv wie Modules, kann schnell unübersichtlich werden</a:t>
             </a:r>
+          </a:p>
+          <a:p>
+            <a:r>
+              <a:rPr lang="de-DE" dirty="0"/>
+              <a:t>- ABER: Modules benötigen einen Module-</a:t>
+            </a:r>
+            <a:r>
+              <a:rPr lang="de-DE" dirty="0" err="1"/>
+              <a:t>Loader</a:t>
+            </a:r>
+            <a:endParaRPr lang="de-DE" dirty="0"/>
           </a:p>
           <a:p>
             <a:pPr marL="468276" lvl="1" indent="-285750">
@@ -16655,7 +16677,7 @@
           <p:cNvPr id="2" name="Titel 1">
             <a:extLst>
               <a:ext uri="{FF2B5EF4-FFF2-40B4-BE49-F238E27FC236}">
-                <a16:creationId xmlns:a16="http://schemas.microsoft.com/office/drawing/2014/main" id="{648681C9-71A1-4E71-A107-37917662F5A6}"/>
+                <a16:creationId xmlns:a16="http://schemas.microsoft.com/office/drawing/2014/main" id="{D339E603-42FD-4500-8453-4C0A2E877926}"/>
               </a:ext>
             </a:extLst>
           </p:cNvPr>
@@ -16672,9 +16694,10 @@
           <a:lstStyle/>
           <a:p>
             <a:r>
-              <a:rPr lang="de-DE" dirty="0"/>
-              <a:t>Funktionen höherer Ordnung</a:t>
-            </a:r>
+              <a:rPr lang="de-DE" dirty="0" err="1"/>
+              <a:t>Generics</a:t>
+            </a:r>
+            <a:endParaRPr lang="de-DE" dirty="0"/>
           </a:p>
         </p:txBody>
       </p:sp>
@@ -16683,7 +16706,7 @@
           <p:cNvPr id="3" name="Inhaltsplatzhalter 2">
             <a:extLst>
               <a:ext uri="{FF2B5EF4-FFF2-40B4-BE49-F238E27FC236}">
-                <a16:creationId xmlns:a16="http://schemas.microsoft.com/office/drawing/2014/main" id="{F97B25CF-A5FF-4B0F-885D-93B361B61166}"/>
+                <a16:creationId xmlns:a16="http://schemas.microsoft.com/office/drawing/2014/main" id="{D5EE12FB-E01F-41D2-956E-DFDD9CB0A1DF}"/>
               </a:ext>
             </a:extLst>
           </p:cNvPr>
@@ -16694,47 +16717,28 @@
             <p:ph sz="quarter" idx="11"/>
           </p:nvPr>
         </p:nvSpPr>
-        <p:spPr/>
-        <p:txBody>
-          <a:bodyPr/>
+        <p:spPr>
+          <a:xfrm>
+            <a:off x="704805" y="1344134"/>
+            <a:ext cx="10791780" cy="4858213"/>
+          </a:xfrm>
+        </p:spPr>
+        <p:txBody>
+          <a:bodyPr anchor="ctr"/>
           <a:lstStyle/>
           <a:p>
-            <a:pPr marL="285750" indent="-285750">
-              <a:buFontTx/>
-              <a:buChar char="-"/>
-            </a:pPr>
-            <a:r>
-              <a:rPr lang="de-DE" dirty="0"/>
-              <a:t>Funktionen können als Parameter übergeben werden</a:t>
-            </a:r>
-          </a:p>
-          <a:p>
-            <a:pPr marL="285750" indent="-285750">
-              <a:buFontTx/>
-              <a:buChar char="-"/>
-            </a:pPr>
-            <a:r>
-              <a:rPr lang="de-DE" dirty="0"/>
-              <a:t>TODO</a:t>
-            </a:r>
-          </a:p>
-          <a:p>
-            <a:pPr marL="285750" indent="-285750">
-              <a:buFontTx/>
-              <a:buChar char="-"/>
-            </a:pPr>
-            <a:r>
-              <a:rPr lang="de-DE"/>
-              <a:t>https://www.heise.de/developer/artikel/Konsole-Funktionen-hoeherer-Ordnung-1958717.html</a:t>
-            </a:r>
-            <a:endParaRPr lang="de-DE" dirty="0"/>
+            <a:pPr algn="ctr"/>
+            <a:r>
+              <a:rPr lang="de-DE" sz="6000" dirty="0"/>
+              <a:t>DEMO</a:t>
+            </a:r>
           </a:p>
         </p:txBody>
       </p:sp>
     </p:spTree>
     <p:extLst>
       <p:ext uri="{BB962C8B-B14F-4D97-AF65-F5344CB8AC3E}">
-        <p14:creationId xmlns:p14="http://schemas.microsoft.com/office/powerpoint/2010/main" val="2708215138"/>
+        <p14:creationId xmlns:p14="http://schemas.microsoft.com/office/powerpoint/2010/main" val="14436870"/>
       </p:ext>
     </p:extLst>
   </p:cSld>
@@ -16766,6 +16770,117 @@
           <p:cNvPr id="2" name="Titel 1">
             <a:extLst>
               <a:ext uri="{FF2B5EF4-FFF2-40B4-BE49-F238E27FC236}">
+                <a16:creationId xmlns:a16="http://schemas.microsoft.com/office/drawing/2014/main" id="{648681C9-71A1-4E71-A107-37917662F5A6}"/>
+              </a:ext>
+            </a:extLst>
+          </p:cNvPr>
+          <p:cNvSpPr>
+            <a:spLocks noGrp="1"/>
+          </p:cNvSpPr>
+          <p:nvPr>
+            <p:ph type="title"/>
+          </p:nvPr>
+        </p:nvSpPr>
+        <p:spPr/>
+        <p:txBody>
+          <a:bodyPr/>
+          <a:lstStyle/>
+          <a:p>
+            <a:r>
+              <a:rPr lang="de-DE" dirty="0"/>
+              <a:t>Funktionen höherer Ordnung</a:t>
+            </a:r>
+          </a:p>
+        </p:txBody>
+      </p:sp>
+      <p:sp>
+        <p:nvSpPr>
+          <p:cNvPr id="3" name="Inhaltsplatzhalter 2">
+            <a:extLst>
+              <a:ext uri="{FF2B5EF4-FFF2-40B4-BE49-F238E27FC236}">
+                <a16:creationId xmlns:a16="http://schemas.microsoft.com/office/drawing/2014/main" id="{F97B25CF-A5FF-4B0F-885D-93B361B61166}"/>
+              </a:ext>
+            </a:extLst>
+          </p:cNvPr>
+          <p:cNvSpPr>
+            <a:spLocks noGrp="1"/>
+          </p:cNvSpPr>
+          <p:nvPr>
+            <p:ph sz="quarter" idx="11"/>
+          </p:nvPr>
+        </p:nvSpPr>
+        <p:spPr/>
+        <p:txBody>
+          <a:bodyPr/>
+          <a:lstStyle/>
+          <a:p>
+            <a:pPr marL="285750" indent="-285750">
+              <a:buFontTx/>
+              <a:buChar char="-"/>
+            </a:pPr>
+            <a:r>
+              <a:rPr lang="de-DE" dirty="0"/>
+              <a:t>Funktionen können als Parameter übergeben werden</a:t>
+            </a:r>
+          </a:p>
+          <a:p>
+            <a:pPr marL="285750" indent="-285750">
+              <a:buFontTx/>
+              <a:buChar char="-"/>
+            </a:pPr>
+            <a:r>
+              <a:rPr lang="de-DE" dirty="0"/>
+              <a:t>TODO</a:t>
+            </a:r>
+          </a:p>
+          <a:p>
+            <a:pPr marL="285750" indent="-285750">
+              <a:buFontTx/>
+              <a:buChar char="-"/>
+            </a:pPr>
+            <a:r>
+              <a:rPr lang="de-DE"/>
+              <a:t>https://www.heise.de/developer/artikel/Konsole-Funktionen-hoeherer-Ordnung-1958717.html</a:t>
+            </a:r>
+            <a:endParaRPr lang="de-DE" dirty="0"/>
+          </a:p>
+        </p:txBody>
+      </p:sp>
+    </p:spTree>
+    <p:extLst>
+      <p:ext uri="{BB962C8B-B14F-4D97-AF65-F5344CB8AC3E}">
+        <p14:creationId xmlns:p14="http://schemas.microsoft.com/office/powerpoint/2010/main" val="2708215138"/>
+      </p:ext>
+    </p:extLst>
+  </p:cSld>
+  <p:clrMapOvr>
+    <a:masterClrMapping/>
+  </p:clrMapOvr>
+</p:sld>
+</file>
+
+<file path=ppt/slides/slide37.xml><?xml version="1.0" encoding="utf-8"?>
+<p:sld xmlns:a="http://schemas.openxmlformats.org/drawingml/2006/main" xmlns:r="http://schemas.openxmlformats.org/officeDocument/2006/relationships" xmlns:p="http://schemas.openxmlformats.org/presentationml/2006/main">
+  <p:cSld>
+    <p:spTree>
+      <p:nvGrpSpPr>
+        <p:cNvPr id="1" name=""/>
+        <p:cNvGrpSpPr/>
+        <p:nvPr/>
+      </p:nvGrpSpPr>
+      <p:grpSpPr>
+        <a:xfrm>
+          <a:off x="0" y="0"/>
+          <a:ext cx="0" cy="0"/>
+          <a:chOff x="0" y="0"/>
+          <a:chExt cx="0" cy="0"/>
+        </a:xfrm>
+      </p:grpSpPr>
+      <p:sp>
+        <p:nvSpPr>
+          <p:cNvPr id="2" name="Titel 1">
+            <a:extLst>
+              <a:ext uri="{FF2B5EF4-FFF2-40B4-BE49-F238E27FC236}">
                 <a16:creationId xmlns:a16="http://schemas.microsoft.com/office/drawing/2014/main" id="{EE08B43D-448C-433E-9870-51D5660D16EA}"/>
               </a:ext>
             </a:extLst>
@@ -16882,7 +16997,7 @@
 </p:sld>
 </file>
 
-<file path=ppt/slides/slide37.xml><?xml version="1.0" encoding="utf-8"?>
+<file path=ppt/slides/slide38.xml><?xml version="1.0" encoding="utf-8"?>
 <p:sld xmlns:a="http://schemas.openxmlformats.org/drawingml/2006/main" xmlns:r="http://schemas.openxmlformats.org/officeDocument/2006/relationships" xmlns:p="http://schemas.openxmlformats.org/presentationml/2006/main">
   <p:cSld>
     <p:spTree>

--- a/TypeScriptBasics.pptx
+++ b/TypeScriptBasics.pptx
@@ -5,7 +5,7 @@
     <p:sldMasterId id="2147483660" r:id="rId1"/>
   </p:sldMasterIdLst>
   <p:notesMasterIdLst>
-    <p:notesMasterId r:id="rId40"/>
+    <p:notesMasterId r:id="rId42"/>
   </p:notesMasterIdLst>
   <p:sldIdLst>
     <p:sldId id="259" r:id="rId2"/>
@@ -43,9 +43,11 @@
     <p:sldId id="295" r:id="rId34"/>
     <p:sldId id="296" r:id="rId35"/>
     <p:sldId id="297" r:id="rId36"/>
-    <p:sldId id="290" r:id="rId37"/>
-    <p:sldId id="268" r:id="rId38"/>
-    <p:sldId id="260" r:id="rId39"/>
+    <p:sldId id="298" r:id="rId37"/>
+    <p:sldId id="299" r:id="rId38"/>
+    <p:sldId id="290" r:id="rId39"/>
+    <p:sldId id="268" r:id="rId40"/>
+    <p:sldId id="260" r:id="rId41"/>
   </p:sldIdLst>
   <p:sldSz cx="12192000" cy="6858000"/>
   <p:notesSz cx="6858000" cy="9144000"/>
@@ -2019,7 +2021,7 @@
           <a:p>
             <a:fld id="{C0663104-BBBB-4823-99BF-1DB3B469CAD1}" type="slidenum">
               <a:rPr lang="de-DE" smtClean="0"/>
-              <a:t>36</a:t>
+              <a:t>38</a:t>
             </a:fld>
             <a:endParaRPr lang="de-DE"/>
           </a:p>
@@ -16770,7 +16772,7 @@
           <p:cNvPr id="2" name="Titel 1">
             <a:extLst>
               <a:ext uri="{FF2B5EF4-FFF2-40B4-BE49-F238E27FC236}">
-                <a16:creationId xmlns:a16="http://schemas.microsoft.com/office/drawing/2014/main" id="{648681C9-71A1-4E71-A107-37917662F5A6}"/>
+                <a16:creationId xmlns:a16="http://schemas.microsoft.com/office/drawing/2014/main" id="{499DF70E-9EFE-45E4-900A-A91C9ED620AD}"/>
               </a:ext>
             </a:extLst>
           </p:cNvPr>
@@ -16788,7 +16790,7 @@
           <a:p>
             <a:r>
               <a:rPr lang="de-DE" dirty="0"/>
-              <a:t>Funktionen höherer Ordnung</a:t>
+              <a:t>JS-Bibliotheken in TS</a:t>
             </a:r>
           </a:p>
         </p:txBody>
@@ -16798,7 +16800,7 @@
           <p:cNvPr id="3" name="Inhaltsplatzhalter 2">
             <a:extLst>
               <a:ext uri="{FF2B5EF4-FFF2-40B4-BE49-F238E27FC236}">
-                <a16:creationId xmlns:a16="http://schemas.microsoft.com/office/drawing/2014/main" id="{F97B25CF-A5FF-4B0F-885D-93B361B61166}"/>
+                <a16:creationId xmlns:a16="http://schemas.microsoft.com/office/drawing/2014/main" id="{B2889A00-CF3F-49E8-B81B-E6CFFF4F72A1}"/>
               </a:ext>
             </a:extLst>
           </p:cNvPr>
@@ -16820,36 +16822,60 @@
             </a:pPr>
             <a:r>
               <a:rPr lang="de-DE" dirty="0"/>
-              <a:t>Funktionen können als Parameter übergeben werden</a:t>
-            </a:r>
-          </a:p>
-          <a:p>
-            <a:pPr marL="285750" indent="-285750">
+              <a:t>Für JS-Bibliotheken fehlt die Typ-Definition -&gt; keine Syntax-Unterstützung</a:t>
+            </a:r>
+          </a:p>
+          <a:p>
+            <a:pPr marL="468276" lvl="1" indent="-285750">
               <a:buFontTx/>
               <a:buChar char="-"/>
             </a:pPr>
             <a:r>
-              <a:rPr lang="de-DE" dirty="0"/>
-              <a:t>TODO</a:t>
-            </a:r>
-          </a:p>
-          <a:p>
-            <a:pPr marL="285750" indent="-285750">
+              <a:rPr lang="de-DE" dirty="0" err="1"/>
+              <a:t>declare</a:t>
+            </a:r>
+            <a:r>
+              <a:rPr lang="de-DE" dirty="0"/>
+              <a:t> </a:t>
+            </a:r>
+            <a:r>
+              <a:rPr lang="de-DE" dirty="0" err="1"/>
+              <a:t>var</a:t>
+            </a:r>
+            <a:r>
+              <a:rPr lang="de-DE" dirty="0"/>
+              <a:t> $: </a:t>
+            </a:r>
+            <a:r>
+              <a:rPr lang="de-DE" dirty="0" err="1"/>
+              <a:t>any</a:t>
+            </a:r>
+            <a:endParaRPr lang="de-DE" dirty="0"/>
+          </a:p>
+          <a:p>
+            <a:pPr marL="468276" lvl="1" indent="-285750">
               <a:buFontTx/>
               <a:buChar char="-"/>
             </a:pPr>
             <a:r>
-              <a:rPr lang="de-DE"/>
-              <a:t>https://www.heise.de/developer/artikel/Konsole-Funktionen-hoeherer-Ordnung-1958717.html</a:t>
-            </a:r>
-            <a:endParaRPr lang="de-DE" dirty="0"/>
+              <a:rPr lang="de-DE" dirty="0"/>
+              <a:t>ODER: -&gt; </a:t>
+            </a:r>
+            <a:r>
+              <a:rPr lang="de-DE" dirty="0" err="1"/>
+              <a:t>d.ts</a:t>
+            </a:r>
+            <a:r>
+              <a:rPr lang="de-DE" dirty="0"/>
+              <a:t> Files</a:t>
+            </a:r>
           </a:p>
         </p:txBody>
       </p:sp>
     </p:spTree>
     <p:extLst>
       <p:ext uri="{BB962C8B-B14F-4D97-AF65-F5344CB8AC3E}">
-        <p14:creationId xmlns:p14="http://schemas.microsoft.com/office/powerpoint/2010/main" val="2708215138"/>
+        <p14:creationId xmlns:p14="http://schemas.microsoft.com/office/powerpoint/2010/main" val="76808279"/>
       </p:ext>
     </p:extLst>
   </p:cSld>
@@ -16881,7 +16907,7 @@
           <p:cNvPr id="2" name="Titel 1">
             <a:extLst>
               <a:ext uri="{FF2B5EF4-FFF2-40B4-BE49-F238E27FC236}">
-                <a16:creationId xmlns:a16="http://schemas.microsoft.com/office/drawing/2014/main" id="{EE08B43D-448C-433E-9870-51D5660D16EA}"/>
+                <a16:creationId xmlns:a16="http://schemas.microsoft.com/office/drawing/2014/main" id="{499DF70E-9EFE-45E4-900A-A91C9ED620AD}"/>
               </a:ext>
             </a:extLst>
           </p:cNvPr>
@@ -16899,7 +16925,7 @@
           <a:p>
             <a:r>
               <a:rPr lang="de-DE" dirty="0"/>
-              <a:t>Quellen</a:t>
+              <a:t>JS-Bibliotheken in TS</a:t>
             </a:r>
           </a:p>
         </p:txBody>
@@ -16909,7 +16935,7 @@
           <p:cNvPr id="3" name="Inhaltsplatzhalter 2">
             <a:extLst>
               <a:ext uri="{FF2B5EF4-FFF2-40B4-BE49-F238E27FC236}">
-                <a16:creationId xmlns:a16="http://schemas.microsoft.com/office/drawing/2014/main" id="{87B611CF-87BD-48B3-8558-1926A06064B7}"/>
+                <a16:creationId xmlns:a16="http://schemas.microsoft.com/office/drawing/2014/main" id="{B2889A00-CF3F-49E8-B81B-E6CFFF4F72A1}"/>
               </a:ext>
             </a:extLst>
           </p:cNvPr>
@@ -16922,64 +16948,13 @@
         </p:nvSpPr>
         <p:spPr/>
         <p:txBody>
-          <a:bodyPr/>
+          <a:bodyPr anchor="ctr"/>
           <a:lstStyle/>
           <a:p>
-            <a:pPr marL="285750" indent="-285750">
-              <a:buFontTx/>
-              <a:buChar char="-"/>
-            </a:pPr>
-            <a:r>
-              <a:rPr lang="de-DE" dirty="0">
-                <a:hlinkClick r:id="rId2"/>
-              </a:rPr>
-              <a:t>www.typescriptlang.org</a:t>
-            </a:r>
-            <a:endParaRPr lang="de-DE" dirty="0"/>
-          </a:p>
-          <a:p>
-            <a:pPr marL="285750" indent="-285750">
-              <a:buFontTx/>
-              <a:buChar char="-"/>
-            </a:pPr>
-            <a:r>
-              <a:rPr lang="de-DE" dirty="0">
-                <a:hlinkClick r:id="rId3"/>
-              </a:rPr>
-              <a:t>https://medium.freecodecamp.org</a:t>
-            </a:r>
-            <a:endParaRPr lang="de-DE" dirty="0"/>
-          </a:p>
-          <a:p>
-            <a:pPr marL="285750" indent="-285750">
-              <a:buFontTx/>
-              <a:buChar char="-"/>
-            </a:pPr>
-            <a:r>
-              <a:rPr lang="de-DE" dirty="0"/>
-              <a:t>https://www.w3schools.com</a:t>
-            </a:r>
-          </a:p>
-          <a:p>
-            <a:pPr marL="285750" indent="-285750">
-              <a:buFontTx/>
-              <a:buChar char="-"/>
-            </a:pPr>
-            <a:r>
-              <a:rPr lang="de-DE" dirty="0" err="1"/>
-              <a:t>goloJS</a:t>
-            </a:r>
-            <a:r>
-              <a:rPr lang="de-DE" dirty="0"/>
-              <a:t> (</a:t>
-            </a:r>
-            <a:r>
-              <a:rPr lang="de-DE" dirty="0" err="1"/>
-              <a:t>dotnetpro</a:t>
-            </a:r>
-            <a:r>
-              <a:rPr lang="de-DE" dirty="0"/>
-              <a:t>)</a:t>
+            <a:pPr algn="ctr"/>
+            <a:r>
+              <a:rPr lang="de-DE" sz="6000" dirty="0"/>
+              <a:t>DEMO</a:t>
             </a:r>
           </a:p>
         </p:txBody>
@@ -16987,7 +16962,7 @@
     </p:spTree>
     <p:extLst>
       <p:ext uri="{BB962C8B-B14F-4D97-AF65-F5344CB8AC3E}">
-        <p14:creationId xmlns:p14="http://schemas.microsoft.com/office/powerpoint/2010/main" val="3297395879"/>
+        <p14:creationId xmlns:p14="http://schemas.microsoft.com/office/powerpoint/2010/main" val="2820856232"/>
       </p:ext>
     </p:extLst>
   </p:cSld>
@@ -17014,10 +16989,229 @@
           <a:chExt cx="0" cy="0"/>
         </a:xfrm>
       </p:grpSpPr>
+      <p:sp>
+        <p:nvSpPr>
+          <p:cNvPr id="2" name="Titel 1">
+            <a:extLst>
+              <a:ext uri="{FF2B5EF4-FFF2-40B4-BE49-F238E27FC236}">
+                <a16:creationId xmlns:a16="http://schemas.microsoft.com/office/drawing/2014/main" id="{648681C9-71A1-4E71-A107-37917662F5A6}"/>
+              </a:ext>
+            </a:extLst>
+          </p:cNvPr>
+          <p:cNvSpPr>
+            <a:spLocks noGrp="1"/>
+          </p:cNvSpPr>
+          <p:nvPr>
+            <p:ph type="title"/>
+          </p:nvPr>
+        </p:nvSpPr>
+        <p:spPr/>
+        <p:txBody>
+          <a:bodyPr/>
+          <a:lstStyle/>
+          <a:p>
+            <a:r>
+              <a:rPr lang="de-DE" dirty="0"/>
+              <a:t>Funktionen höherer Ordnung</a:t>
+            </a:r>
+          </a:p>
+        </p:txBody>
+      </p:sp>
+      <p:sp>
+        <p:nvSpPr>
+          <p:cNvPr id="3" name="Inhaltsplatzhalter 2">
+            <a:extLst>
+              <a:ext uri="{FF2B5EF4-FFF2-40B4-BE49-F238E27FC236}">
+                <a16:creationId xmlns:a16="http://schemas.microsoft.com/office/drawing/2014/main" id="{F97B25CF-A5FF-4B0F-885D-93B361B61166}"/>
+              </a:ext>
+            </a:extLst>
+          </p:cNvPr>
+          <p:cNvSpPr>
+            <a:spLocks noGrp="1"/>
+          </p:cNvSpPr>
+          <p:nvPr>
+            <p:ph sz="quarter" idx="11"/>
+          </p:nvPr>
+        </p:nvSpPr>
+        <p:spPr/>
+        <p:txBody>
+          <a:bodyPr/>
+          <a:lstStyle/>
+          <a:p>
+            <a:pPr marL="285750" indent="-285750">
+              <a:buFontTx/>
+              <a:buChar char="-"/>
+            </a:pPr>
+            <a:r>
+              <a:rPr lang="de-DE" dirty="0"/>
+              <a:t>Funktionen können als Parameter übergeben werden</a:t>
+            </a:r>
+          </a:p>
+          <a:p>
+            <a:pPr marL="285750" indent="-285750">
+              <a:buFontTx/>
+              <a:buChar char="-"/>
+            </a:pPr>
+            <a:r>
+              <a:rPr lang="de-DE" dirty="0"/>
+              <a:t>TODO</a:t>
+            </a:r>
+          </a:p>
+          <a:p>
+            <a:pPr marL="285750" indent="-285750">
+              <a:buFontTx/>
+              <a:buChar char="-"/>
+            </a:pPr>
+            <a:r>
+              <a:rPr lang="de-DE"/>
+              <a:t>https://www.heise.de/developer/artikel/Konsole-Funktionen-hoeherer-Ordnung-1958717.html</a:t>
+            </a:r>
+            <a:endParaRPr lang="de-DE" dirty="0"/>
+          </a:p>
+        </p:txBody>
+      </p:sp>
     </p:spTree>
     <p:extLst>
       <p:ext uri="{BB962C8B-B14F-4D97-AF65-F5344CB8AC3E}">
-        <p14:creationId xmlns:p14="http://schemas.microsoft.com/office/powerpoint/2010/main" val="1960385770"/>
+        <p14:creationId xmlns:p14="http://schemas.microsoft.com/office/powerpoint/2010/main" val="2708215138"/>
+      </p:ext>
+    </p:extLst>
+  </p:cSld>
+  <p:clrMapOvr>
+    <a:masterClrMapping/>
+  </p:clrMapOvr>
+</p:sld>
+</file>
+
+<file path=ppt/slides/slide39.xml><?xml version="1.0" encoding="utf-8"?>
+<p:sld xmlns:a="http://schemas.openxmlformats.org/drawingml/2006/main" xmlns:r="http://schemas.openxmlformats.org/officeDocument/2006/relationships" xmlns:p="http://schemas.openxmlformats.org/presentationml/2006/main">
+  <p:cSld>
+    <p:spTree>
+      <p:nvGrpSpPr>
+        <p:cNvPr id="1" name=""/>
+        <p:cNvGrpSpPr/>
+        <p:nvPr/>
+      </p:nvGrpSpPr>
+      <p:grpSpPr>
+        <a:xfrm>
+          <a:off x="0" y="0"/>
+          <a:ext cx="0" cy="0"/>
+          <a:chOff x="0" y="0"/>
+          <a:chExt cx="0" cy="0"/>
+        </a:xfrm>
+      </p:grpSpPr>
+      <p:sp>
+        <p:nvSpPr>
+          <p:cNvPr id="2" name="Titel 1">
+            <a:extLst>
+              <a:ext uri="{FF2B5EF4-FFF2-40B4-BE49-F238E27FC236}">
+                <a16:creationId xmlns:a16="http://schemas.microsoft.com/office/drawing/2014/main" id="{EE08B43D-448C-433E-9870-51D5660D16EA}"/>
+              </a:ext>
+            </a:extLst>
+          </p:cNvPr>
+          <p:cNvSpPr>
+            <a:spLocks noGrp="1"/>
+          </p:cNvSpPr>
+          <p:nvPr>
+            <p:ph type="title"/>
+          </p:nvPr>
+        </p:nvSpPr>
+        <p:spPr/>
+        <p:txBody>
+          <a:bodyPr/>
+          <a:lstStyle/>
+          <a:p>
+            <a:r>
+              <a:rPr lang="de-DE" dirty="0"/>
+              <a:t>Quellen</a:t>
+            </a:r>
+          </a:p>
+        </p:txBody>
+      </p:sp>
+      <p:sp>
+        <p:nvSpPr>
+          <p:cNvPr id="3" name="Inhaltsplatzhalter 2">
+            <a:extLst>
+              <a:ext uri="{FF2B5EF4-FFF2-40B4-BE49-F238E27FC236}">
+                <a16:creationId xmlns:a16="http://schemas.microsoft.com/office/drawing/2014/main" id="{87B611CF-87BD-48B3-8558-1926A06064B7}"/>
+              </a:ext>
+            </a:extLst>
+          </p:cNvPr>
+          <p:cNvSpPr>
+            <a:spLocks noGrp="1"/>
+          </p:cNvSpPr>
+          <p:nvPr>
+            <p:ph sz="quarter" idx="11"/>
+          </p:nvPr>
+        </p:nvSpPr>
+        <p:spPr/>
+        <p:txBody>
+          <a:bodyPr/>
+          <a:lstStyle/>
+          <a:p>
+            <a:pPr marL="285750" indent="-285750">
+              <a:buFontTx/>
+              <a:buChar char="-"/>
+            </a:pPr>
+            <a:r>
+              <a:rPr lang="de-DE" dirty="0">
+                <a:hlinkClick r:id="rId2"/>
+              </a:rPr>
+              <a:t>www.typescriptlang.org</a:t>
+            </a:r>
+            <a:endParaRPr lang="de-DE" dirty="0"/>
+          </a:p>
+          <a:p>
+            <a:pPr marL="285750" indent="-285750">
+              <a:buFontTx/>
+              <a:buChar char="-"/>
+            </a:pPr>
+            <a:r>
+              <a:rPr lang="de-DE" dirty="0">
+                <a:hlinkClick r:id="rId3"/>
+              </a:rPr>
+              <a:t>https://medium.freecodecamp.org</a:t>
+            </a:r>
+            <a:endParaRPr lang="de-DE" dirty="0"/>
+          </a:p>
+          <a:p>
+            <a:pPr marL="285750" indent="-285750">
+              <a:buFontTx/>
+              <a:buChar char="-"/>
+            </a:pPr>
+            <a:r>
+              <a:rPr lang="de-DE" dirty="0"/>
+              <a:t>https://www.w3schools.com</a:t>
+            </a:r>
+          </a:p>
+          <a:p>
+            <a:pPr marL="285750" indent="-285750">
+              <a:buFontTx/>
+              <a:buChar char="-"/>
+            </a:pPr>
+            <a:r>
+              <a:rPr lang="de-DE" dirty="0" err="1"/>
+              <a:t>goloJS</a:t>
+            </a:r>
+            <a:r>
+              <a:rPr lang="de-DE" dirty="0"/>
+              <a:t> (</a:t>
+            </a:r>
+            <a:r>
+              <a:rPr lang="de-DE" dirty="0" err="1"/>
+              <a:t>dotnetpro</a:t>
+            </a:r>
+            <a:r>
+              <a:rPr lang="de-DE" dirty="0"/>
+              <a:t>)</a:t>
+            </a:r>
+          </a:p>
+        </p:txBody>
+      </p:sp>
+    </p:spTree>
+    <p:extLst>
+      <p:ext uri="{BB962C8B-B14F-4D97-AF65-F5344CB8AC3E}">
+        <p14:creationId xmlns:p14="http://schemas.microsoft.com/office/powerpoint/2010/main" val="3297395879"/>
       </p:ext>
     </p:extLst>
   </p:cSld>
@@ -17163,6 +17357,36 @@
     <p:extLst>
       <p:ext uri="{BB962C8B-B14F-4D97-AF65-F5344CB8AC3E}">
         <p14:creationId xmlns:p14="http://schemas.microsoft.com/office/powerpoint/2010/main" val="3278483683"/>
+      </p:ext>
+    </p:extLst>
+  </p:cSld>
+  <p:clrMapOvr>
+    <a:masterClrMapping/>
+  </p:clrMapOvr>
+</p:sld>
+</file>
+
+<file path=ppt/slides/slide40.xml><?xml version="1.0" encoding="utf-8"?>
+<p:sld xmlns:a="http://schemas.openxmlformats.org/drawingml/2006/main" xmlns:r="http://schemas.openxmlformats.org/officeDocument/2006/relationships" xmlns:p="http://schemas.openxmlformats.org/presentationml/2006/main">
+  <p:cSld>
+    <p:spTree>
+      <p:nvGrpSpPr>
+        <p:cNvPr id="1" name=""/>
+        <p:cNvGrpSpPr/>
+        <p:nvPr/>
+      </p:nvGrpSpPr>
+      <p:grpSpPr>
+        <a:xfrm>
+          <a:off x="0" y="0"/>
+          <a:ext cx="0" cy="0"/>
+          <a:chOff x="0" y="0"/>
+          <a:chExt cx="0" cy="0"/>
+        </a:xfrm>
+      </p:grpSpPr>
+    </p:spTree>
+    <p:extLst>
+      <p:ext uri="{BB962C8B-B14F-4D97-AF65-F5344CB8AC3E}">
+        <p14:creationId xmlns:p14="http://schemas.microsoft.com/office/powerpoint/2010/main" val="1960385770"/>
       </p:ext>
     </p:extLst>
   </p:cSld>

--- a/TypeScriptBasics.pptx
+++ b/TypeScriptBasics.pptx
@@ -278,7 +278,7 @@
           <a:p>
             <a:fld id="{97BEE526-5EB7-4409-B76B-A01705954A4C}" type="datetimeFigureOut">
               <a:rPr lang="de-DE" smtClean="0"/>
-              <a:t>26.01.2019</a:t>
+              <a:t>30.01.2019</a:t>
             </a:fld>
             <a:endParaRPr lang="de-DE"/>
           </a:p>
@@ -3280,7 +3280,7 @@
           <a:p>
             <a:fld id="{F1FE92DC-4F65-4B7E-8132-A160040A277A}" type="datetimeFigureOut">
               <a:rPr lang="de-DE" smtClean="0"/>
-              <a:t>26.01.2019</a:t>
+              <a:t>30.01.2019</a:t>
             </a:fld>
             <a:endParaRPr lang="de-DE"/>
           </a:p>
@@ -5213,7 +5213,7 @@
           <a:p>
             <a:fld id="{F1FE92DC-4F65-4B7E-8132-A160040A277A}" type="datetimeFigureOut">
               <a:rPr lang="de-DE" smtClean="0"/>
-              <a:t>26.01.2019</a:t>
+              <a:t>30.01.2019</a:t>
             </a:fld>
             <a:endParaRPr lang="de-DE"/>
           </a:p>
@@ -5551,7 +5551,7 @@
           <a:p>
             <a:fld id="{F1FE92DC-4F65-4B7E-8132-A160040A277A}" type="datetimeFigureOut">
               <a:rPr lang="de-DE" smtClean="0"/>
-              <a:t>26.01.2019</a:t>
+              <a:t>30.01.2019</a:t>
             </a:fld>
             <a:endParaRPr lang="de-DE"/>
           </a:p>
@@ -5822,7 +5822,7 @@
           <a:p>
             <a:fld id="{F1FE92DC-4F65-4B7E-8132-A160040A277A}" type="datetimeFigureOut">
               <a:rPr lang="de-DE" smtClean="0"/>
-              <a:t>26.01.2019</a:t>
+              <a:t>30.01.2019</a:t>
             </a:fld>
             <a:endParaRPr lang="de-DE"/>
           </a:p>
@@ -6303,7 +6303,7 @@
           <a:p>
             <a:fld id="{F1FE92DC-4F65-4B7E-8132-A160040A277A}" type="datetimeFigureOut">
               <a:rPr lang="de-DE" smtClean="0"/>
-              <a:t>26.01.2019</a:t>
+              <a:t>30.01.2019</a:t>
             </a:fld>
             <a:endParaRPr lang="de-DE"/>
           </a:p>
@@ -6708,7 +6708,7 @@
           <a:p>
             <a:fld id="{F1FE92DC-4F65-4B7E-8132-A160040A277A}" type="datetimeFigureOut">
               <a:rPr lang="de-DE" smtClean="0"/>
-              <a:t>26.01.2019</a:t>
+              <a:t>30.01.2019</a:t>
             </a:fld>
             <a:endParaRPr lang="de-DE"/>
           </a:p>
@@ -7061,7 +7061,7 @@
           <a:p>
             <a:fld id="{F1FE92DC-4F65-4B7E-8132-A160040A277A}" type="datetimeFigureOut">
               <a:rPr lang="de-DE" smtClean="0"/>
-              <a:t>26.01.2019</a:t>
+              <a:t>30.01.2019</a:t>
             </a:fld>
             <a:endParaRPr lang="de-DE"/>
           </a:p>
@@ -7248,7 +7248,7 @@
           <a:p>
             <a:fld id="{F1FE92DC-4F65-4B7E-8132-A160040A277A}" type="datetimeFigureOut">
               <a:rPr lang="de-DE" smtClean="0"/>
-              <a:t>26.01.2019</a:t>
+              <a:t>30.01.2019</a:t>
             </a:fld>
             <a:endParaRPr lang="de-DE"/>
           </a:p>
@@ -7624,7 +7624,7 @@
           <a:p>
             <a:fld id="{F1FE92DC-4F65-4B7E-8132-A160040A277A}" type="datetimeFigureOut">
               <a:rPr lang="de-DE" smtClean="0"/>
-              <a:t>26.01.2019</a:t>
+              <a:t>30.01.2019</a:t>
             </a:fld>
             <a:endParaRPr lang="de-DE"/>
           </a:p>
@@ -7899,7 +7899,7 @@
           <a:p>
             <a:fld id="{F1FE92DC-4F65-4B7E-8132-A160040A277A}" type="datetimeFigureOut">
               <a:rPr lang="de-DE" smtClean="0"/>
-              <a:t>26.01.2019</a:t>
+              <a:t>30.01.2019</a:t>
             </a:fld>
             <a:endParaRPr lang="de-DE"/>
           </a:p>
@@ -14555,10 +14555,9 @@
               <a:buChar char="-"/>
             </a:pPr>
             <a:r>
-              <a:rPr lang="de-DE"/>
+              <a:rPr lang="de-DE" dirty="0"/>
               <a:t>Never</a:t>
             </a:r>
-            <a:endParaRPr lang="de-DE" dirty="0"/>
           </a:p>
         </p:txBody>
       </p:sp>
@@ -14572,6 +14571,457 @@
   <p:clrMapOvr>
     <a:masterClrMapping/>
   </p:clrMapOvr>
+  <p:timing>
+    <p:tnLst>
+      <p:par>
+        <p:cTn id="1" dur="indefinite" restart="never" nodeType="tmRoot">
+          <p:childTnLst>
+            <p:seq concurrent="1" nextAc="seek">
+              <p:cTn id="2" dur="indefinite" nodeType="mainSeq">
+                <p:childTnLst>
+                  <p:par>
+                    <p:cTn id="3" fill="hold">
+                      <p:stCondLst>
+                        <p:cond delay="indefinite"/>
+                        <p:cond evt="onBegin" delay="0">
+                          <p:tn val="2"/>
+                        </p:cond>
+                      </p:stCondLst>
+                      <p:childTnLst>
+                        <p:par>
+                          <p:cTn id="4" fill="hold">
+                            <p:stCondLst>
+                              <p:cond delay="0"/>
+                            </p:stCondLst>
+                            <p:childTnLst>
+                              <p:par>
+                                <p:cTn id="5" presetID="1" presetClass="entr" presetSubtype="0" fill="hold" nodeType="withEffect">
+                                  <p:stCondLst>
+                                    <p:cond delay="0"/>
+                                  </p:stCondLst>
+                                  <p:childTnLst>
+                                    <p:set>
+                                      <p:cBhvr>
+                                        <p:cTn id="6" dur="1" fill="hold">
+                                          <p:stCondLst>
+                                            <p:cond delay="0"/>
+                                          </p:stCondLst>
+                                        </p:cTn>
+                                        <p:tgtEl>
+                                          <p:spTgt spid="3">
+                                            <p:txEl>
+                                              <p:pRg st="0" end="0"/>
+                                            </p:txEl>
+                                          </p:spTgt>
+                                        </p:tgtEl>
+                                        <p:attrNameLst>
+                                          <p:attrName>style.visibility</p:attrName>
+                                        </p:attrNameLst>
+                                      </p:cBhvr>
+                                      <p:to>
+                                        <p:strVal val="visible"/>
+                                      </p:to>
+                                    </p:set>
+                                  </p:childTnLst>
+                                </p:cTn>
+                              </p:par>
+                              <p:par>
+                                <p:cTn id="7" presetID="1" presetClass="entr" presetSubtype="0" fill="hold" nodeType="withEffect">
+                                  <p:stCondLst>
+                                    <p:cond delay="0"/>
+                                  </p:stCondLst>
+                                  <p:childTnLst>
+                                    <p:set>
+                                      <p:cBhvr>
+                                        <p:cTn id="8" dur="1" fill="hold">
+                                          <p:stCondLst>
+                                            <p:cond delay="0"/>
+                                          </p:stCondLst>
+                                        </p:cTn>
+                                        <p:tgtEl>
+                                          <p:spTgt spid="3">
+                                            <p:txEl>
+                                              <p:pRg st="1" end="1"/>
+                                            </p:txEl>
+                                          </p:spTgt>
+                                        </p:tgtEl>
+                                        <p:attrNameLst>
+                                          <p:attrName>style.visibility</p:attrName>
+                                        </p:attrNameLst>
+                                      </p:cBhvr>
+                                      <p:to>
+                                        <p:strVal val="visible"/>
+                                      </p:to>
+                                    </p:set>
+                                  </p:childTnLst>
+                                </p:cTn>
+                              </p:par>
+                              <p:par>
+                                <p:cTn id="9" presetID="1" presetClass="entr" presetSubtype="0" fill="hold" nodeType="withEffect">
+                                  <p:stCondLst>
+                                    <p:cond delay="0"/>
+                                  </p:stCondLst>
+                                  <p:childTnLst>
+                                    <p:set>
+                                      <p:cBhvr>
+                                        <p:cTn id="10" dur="1" fill="hold">
+                                          <p:stCondLst>
+                                            <p:cond delay="0"/>
+                                          </p:stCondLst>
+                                        </p:cTn>
+                                        <p:tgtEl>
+                                          <p:spTgt spid="3">
+                                            <p:txEl>
+                                              <p:pRg st="2" end="2"/>
+                                            </p:txEl>
+                                          </p:spTgt>
+                                        </p:tgtEl>
+                                        <p:attrNameLst>
+                                          <p:attrName>style.visibility</p:attrName>
+                                        </p:attrNameLst>
+                                      </p:cBhvr>
+                                      <p:to>
+                                        <p:strVal val="visible"/>
+                                      </p:to>
+                                    </p:set>
+                                  </p:childTnLst>
+                                </p:cTn>
+                              </p:par>
+                            </p:childTnLst>
+                          </p:cTn>
+                        </p:par>
+                      </p:childTnLst>
+                    </p:cTn>
+                  </p:par>
+                  <p:par>
+                    <p:cTn id="11" fill="hold">
+                      <p:stCondLst>
+                        <p:cond delay="indefinite"/>
+                      </p:stCondLst>
+                      <p:childTnLst>
+                        <p:par>
+                          <p:cTn id="12" fill="hold">
+                            <p:stCondLst>
+                              <p:cond delay="0"/>
+                            </p:stCondLst>
+                            <p:childTnLst>
+                              <p:par>
+                                <p:cTn id="13" presetID="1" presetClass="entr" presetSubtype="0" fill="hold" nodeType="clickEffect">
+                                  <p:stCondLst>
+                                    <p:cond delay="0"/>
+                                  </p:stCondLst>
+                                  <p:childTnLst>
+                                    <p:set>
+                                      <p:cBhvr>
+                                        <p:cTn id="14" dur="1" fill="hold">
+                                          <p:stCondLst>
+                                            <p:cond delay="0"/>
+                                          </p:stCondLst>
+                                        </p:cTn>
+                                        <p:tgtEl>
+                                          <p:spTgt spid="3">
+                                            <p:txEl>
+                                              <p:pRg st="3" end="3"/>
+                                            </p:txEl>
+                                          </p:spTgt>
+                                        </p:tgtEl>
+                                        <p:attrNameLst>
+                                          <p:attrName>style.visibility</p:attrName>
+                                        </p:attrNameLst>
+                                      </p:cBhvr>
+                                      <p:to>
+                                        <p:strVal val="visible"/>
+                                      </p:to>
+                                    </p:set>
+                                  </p:childTnLst>
+                                </p:cTn>
+                              </p:par>
+                              <p:par>
+                                <p:cTn id="15" presetID="1" presetClass="entr" presetSubtype="0" fill="hold" nodeType="withEffect">
+                                  <p:stCondLst>
+                                    <p:cond delay="0"/>
+                                  </p:stCondLst>
+                                  <p:childTnLst>
+                                    <p:set>
+                                      <p:cBhvr>
+                                        <p:cTn id="16" dur="1" fill="hold">
+                                          <p:stCondLst>
+                                            <p:cond delay="0"/>
+                                          </p:stCondLst>
+                                        </p:cTn>
+                                        <p:tgtEl>
+                                          <p:spTgt spid="3">
+                                            <p:txEl>
+                                              <p:pRg st="4" end="4"/>
+                                            </p:txEl>
+                                          </p:spTgt>
+                                        </p:tgtEl>
+                                        <p:attrNameLst>
+                                          <p:attrName>style.visibility</p:attrName>
+                                        </p:attrNameLst>
+                                      </p:cBhvr>
+                                      <p:to>
+                                        <p:strVal val="visible"/>
+                                      </p:to>
+                                    </p:set>
+                                  </p:childTnLst>
+                                </p:cTn>
+                              </p:par>
+                            </p:childTnLst>
+                          </p:cTn>
+                        </p:par>
+                      </p:childTnLst>
+                    </p:cTn>
+                  </p:par>
+                  <p:par>
+                    <p:cTn id="17" fill="hold">
+                      <p:stCondLst>
+                        <p:cond delay="indefinite"/>
+                      </p:stCondLst>
+                      <p:childTnLst>
+                        <p:par>
+                          <p:cTn id="18" fill="hold">
+                            <p:stCondLst>
+                              <p:cond delay="0"/>
+                            </p:stCondLst>
+                            <p:childTnLst>
+                              <p:par>
+                                <p:cTn id="19" presetID="1" presetClass="entr" presetSubtype="0" fill="hold" nodeType="clickEffect">
+                                  <p:stCondLst>
+                                    <p:cond delay="0"/>
+                                  </p:stCondLst>
+                                  <p:childTnLst>
+                                    <p:set>
+                                      <p:cBhvr>
+                                        <p:cTn id="20" dur="1" fill="hold">
+                                          <p:stCondLst>
+                                            <p:cond delay="0"/>
+                                          </p:stCondLst>
+                                        </p:cTn>
+                                        <p:tgtEl>
+                                          <p:spTgt spid="3">
+                                            <p:txEl>
+                                              <p:pRg st="5" end="5"/>
+                                            </p:txEl>
+                                          </p:spTgt>
+                                        </p:tgtEl>
+                                        <p:attrNameLst>
+                                          <p:attrName>style.visibility</p:attrName>
+                                        </p:attrNameLst>
+                                      </p:cBhvr>
+                                      <p:to>
+                                        <p:strVal val="visible"/>
+                                      </p:to>
+                                    </p:set>
+                                  </p:childTnLst>
+                                </p:cTn>
+                              </p:par>
+                            </p:childTnLst>
+                          </p:cTn>
+                        </p:par>
+                      </p:childTnLst>
+                    </p:cTn>
+                  </p:par>
+                  <p:par>
+                    <p:cTn id="21" fill="hold">
+                      <p:stCondLst>
+                        <p:cond delay="indefinite"/>
+                      </p:stCondLst>
+                      <p:childTnLst>
+                        <p:par>
+                          <p:cTn id="22" fill="hold">
+                            <p:stCondLst>
+                              <p:cond delay="0"/>
+                            </p:stCondLst>
+                            <p:childTnLst>
+                              <p:par>
+                                <p:cTn id="23" presetID="1" presetClass="entr" presetSubtype="0" fill="hold" nodeType="clickEffect">
+                                  <p:stCondLst>
+                                    <p:cond delay="0"/>
+                                  </p:stCondLst>
+                                  <p:childTnLst>
+                                    <p:set>
+                                      <p:cBhvr>
+                                        <p:cTn id="24" dur="1" fill="hold">
+                                          <p:stCondLst>
+                                            <p:cond delay="0"/>
+                                          </p:stCondLst>
+                                        </p:cTn>
+                                        <p:tgtEl>
+                                          <p:spTgt spid="3">
+                                            <p:txEl>
+                                              <p:pRg st="6" end="6"/>
+                                            </p:txEl>
+                                          </p:spTgt>
+                                        </p:tgtEl>
+                                        <p:attrNameLst>
+                                          <p:attrName>style.visibility</p:attrName>
+                                        </p:attrNameLst>
+                                      </p:cBhvr>
+                                      <p:to>
+                                        <p:strVal val="visible"/>
+                                      </p:to>
+                                    </p:set>
+                                  </p:childTnLst>
+                                </p:cTn>
+                              </p:par>
+                            </p:childTnLst>
+                          </p:cTn>
+                        </p:par>
+                      </p:childTnLst>
+                    </p:cTn>
+                  </p:par>
+                  <p:par>
+                    <p:cTn id="25" fill="hold">
+                      <p:stCondLst>
+                        <p:cond delay="indefinite"/>
+                      </p:stCondLst>
+                      <p:childTnLst>
+                        <p:par>
+                          <p:cTn id="26" fill="hold">
+                            <p:stCondLst>
+                              <p:cond delay="0"/>
+                            </p:stCondLst>
+                            <p:childTnLst>
+                              <p:par>
+                                <p:cTn id="27" presetID="1" presetClass="entr" presetSubtype="0" fill="hold" nodeType="clickEffect">
+                                  <p:stCondLst>
+                                    <p:cond delay="0"/>
+                                  </p:stCondLst>
+                                  <p:childTnLst>
+                                    <p:set>
+                                      <p:cBhvr>
+                                        <p:cTn id="28" dur="1" fill="hold">
+                                          <p:stCondLst>
+                                            <p:cond delay="0"/>
+                                          </p:stCondLst>
+                                        </p:cTn>
+                                        <p:tgtEl>
+                                          <p:spTgt spid="3">
+                                            <p:txEl>
+                                              <p:pRg st="7" end="7"/>
+                                            </p:txEl>
+                                          </p:spTgt>
+                                        </p:tgtEl>
+                                        <p:attrNameLst>
+                                          <p:attrName>style.visibility</p:attrName>
+                                        </p:attrNameLst>
+                                      </p:cBhvr>
+                                      <p:to>
+                                        <p:strVal val="visible"/>
+                                      </p:to>
+                                    </p:set>
+                                  </p:childTnLst>
+                                </p:cTn>
+                              </p:par>
+                              <p:par>
+                                <p:cTn id="29" presetID="1" presetClass="entr" presetSubtype="0" fill="hold" nodeType="withEffect">
+                                  <p:stCondLst>
+                                    <p:cond delay="0"/>
+                                  </p:stCondLst>
+                                  <p:childTnLst>
+                                    <p:set>
+                                      <p:cBhvr>
+                                        <p:cTn id="30" dur="1" fill="hold">
+                                          <p:stCondLst>
+                                            <p:cond delay="0"/>
+                                          </p:stCondLst>
+                                        </p:cTn>
+                                        <p:tgtEl>
+                                          <p:spTgt spid="3">
+                                            <p:txEl>
+                                              <p:pRg st="8" end="8"/>
+                                            </p:txEl>
+                                          </p:spTgt>
+                                        </p:tgtEl>
+                                        <p:attrNameLst>
+                                          <p:attrName>style.visibility</p:attrName>
+                                        </p:attrNameLst>
+                                      </p:cBhvr>
+                                      <p:to>
+                                        <p:strVal val="visible"/>
+                                      </p:to>
+                                    </p:set>
+                                  </p:childTnLst>
+                                </p:cTn>
+                              </p:par>
+                            </p:childTnLst>
+                          </p:cTn>
+                        </p:par>
+                      </p:childTnLst>
+                    </p:cTn>
+                  </p:par>
+                  <p:par>
+                    <p:cTn id="31" fill="hold">
+                      <p:stCondLst>
+                        <p:cond delay="indefinite"/>
+                      </p:stCondLst>
+                      <p:childTnLst>
+                        <p:par>
+                          <p:cTn id="32" fill="hold">
+                            <p:stCondLst>
+                              <p:cond delay="0"/>
+                            </p:stCondLst>
+                            <p:childTnLst>
+                              <p:par>
+                                <p:cTn id="33" presetID="1" presetClass="entr" presetSubtype="0" fill="hold" nodeType="clickEffect">
+                                  <p:stCondLst>
+                                    <p:cond delay="0"/>
+                                  </p:stCondLst>
+                                  <p:childTnLst>
+                                    <p:set>
+                                      <p:cBhvr>
+                                        <p:cTn id="34" dur="1" fill="hold">
+                                          <p:stCondLst>
+                                            <p:cond delay="0"/>
+                                          </p:stCondLst>
+                                        </p:cTn>
+                                        <p:tgtEl>
+                                          <p:spTgt spid="3">
+                                            <p:txEl>
+                                              <p:pRg st="9" end="9"/>
+                                            </p:txEl>
+                                          </p:spTgt>
+                                        </p:tgtEl>
+                                        <p:attrNameLst>
+                                          <p:attrName>style.visibility</p:attrName>
+                                        </p:attrNameLst>
+                                      </p:cBhvr>
+                                      <p:to>
+                                        <p:strVal val="visible"/>
+                                      </p:to>
+                                    </p:set>
+                                  </p:childTnLst>
+                                </p:cTn>
+                              </p:par>
+                            </p:childTnLst>
+                          </p:cTn>
+                        </p:par>
+                      </p:childTnLst>
+                    </p:cTn>
+                  </p:par>
+                </p:childTnLst>
+              </p:cTn>
+              <p:prevCondLst>
+                <p:cond evt="onPrev" delay="0">
+                  <p:tgtEl>
+                    <p:sldTgt/>
+                  </p:tgtEl>
+                </p:cond>
+              </p:prevCondLst>
+              <p:nextCondLst>
+                <p:cond evt="onNext" delay="0">
+                  <p:tgtEl>
+                    <p:sldTgt/>
+                  </p:tgtEl>
+                </p:cond>
+              </p:nextCondLst>
+            </p:seq>
+          </p:childTnLst>
+        </p:cTn>
+      </p:par>
+    </p:tnLst>
+  </p:timing>
 </p:sld>
 </file>
 
@@ -14829,10 +15279,9 @@
               <a:buChar char="-"/>
             </a:pPr>
             <a:r>
-              <a:rPr lang="de-DE"/>
+              <a:rPr lang="de-DE" dirty="0"/>
               <a:t>Template Literals</a:t>
             </a:r>
-            <a:endParaRPr lang="de-DE" dirty="0"/>
           </a:p>
           <a:p>
             <a:pPr marL="285750" indent="-285750">
@@ -14966,6 +15415,444 @@
   <p:clrMapOvr>
     <a:masterClrMapping/>
   </p:clrMapOvr>
+  <p:timing>
+    <p:tnLst>
+      <p:par>
+        <p:cTn id="1" dur="indefinite" restart="never" nodeType="tmRoot">
+          <p:childTnLst>
+            <p:seq concurrent="1" nextAc="seek">
+              <p:cTn id="2" dur="indefinite" nodeType="mainSeq">
+                <p:childTnLst>
+                  <p:par>
+                    <p:cTn id="3" fill="hold">
+                      <p:stCondLst>
+                        <p:cond delay="indefinite"/>
+                      </p:stCondLst>
+                      <p:childTnLst>
+                        <p:par>
+                          <p:cTn id="4" fill="hold">
+                            <p:stCondLst>
+                              <p:cond delay="0"/>
+                            </p:stCondLst>
+                            <p:childTnLst>
+                              <p:par>
+                                <p:cTn id="5" presetID="1" presetClass="entr" presetSubtype="0" fill="hold" grpId="0" nodeType="clickEffect">
+                                  <p:stCondLst>
+                                    <p:cond delay="0"/>
+                                  </p:stCondLst>
+                                  <p:childTnLst>
+                                    <p:set>
+                                      <p:cBhvr>
+                                        <p:cTn id="6" dur="1" fill="hold">
+                                          <p:stCondLst>
+                                            <p:cond delay="0"/>
+                                          </p:stCondLst>
+                                        </p:cTn>
+                                        <p:tgtEl>
+                                          <p:spTgt spid="3">
+                                            <p:txEl>
+                                              <p:pRg st="0" end="0"/>
+                                            </p:txEl>
+                                          </p:spTgt>
+                                        </p:tgtEl>
+                                        <p:attrNameLst>
+                                          <p:attrName>style.visibility</p:attrName>
+                                        </p:attrNameLst>
+                                      </p:cBhvr>
+                                      <p:to>
+                                        <p:strVal val="visible"/>
+                                      </p:to>
+                                    </p:set>
+                                  </p:childTnLst>
+                                </p:cTn>
+                              </p:par>
+                            </p:childTnLst>
+                          </p:cTn>
+                        </p:par>
+                      </p:childTnLst>
+                    </p:cTn>
+                  </p:par>
+                  <p:par>
+                    <p:cTn id="7" fill="hold">
+                      <p:stCondLst>
+                        <p:cond delay="indefinite"/>
+                      </p:stCondLst>
+                      <p:childTnLst>
+                        <p:par>
+                          <p:cTn id="8" fill="hold">
+                            <p:stCondLst>
+                              <p:cond delay="0"/>
+                            </p:stCondLst>
+                            <p:childTnLst>
+                              <p:par>
+                                <p:cTn id="9" presetID="1" presetClass="entr" presetSubtype="0" fill="hold" grpId="0" nodeType="clickEffect">
+                                  <p:stCondLst>
+                                    <p:cond delay="0"/>
+                                  </p:stCondLst>
+                                  <p:childTnLst>
+                                    <p:set>
+                                      <p:cBhvr>
+                                        <p:cTn id="10" dur="1" fill="hold">
+                                          <p:stCondLst>
+                                            <p:cond delay="0"/>
+                                          </p:stCondLst>
+                                        </p:cTn>
+                                        <p:tgtEl>
+                                          <p:spTgt spid="3">
+                                            <p:txEl>
+                                              <p:pRg st="1" end="1"/>
+                                            </p:txEl>
+                                          </p:spTgt>
+                                        </p:tgtEl>
+                                        <p:attrNameLst>
+                                          <p:attrName>style.visibility</p:attrName>
+                                        </p:attrNameLst>
+                                      </p:cBhvr>
+                                      <p:to>
+                                        <p:strVal val="visible"/>
+                                      </p:to>
+                                    </p:set>
+                                  </p:childTnLst>
+                                </p:cTn>
+                              </p:par>
+                              <p:par>
+                                <p:cTn id="11" presetID="1" presetClass="entr" presetSubtype="0" fill="hold" grpId="0" nodeType="withEffect">
+                                  <p:stCondLst>
+                                    <p:cond delay="0"/>
+                                  </p:stCondLst>
+                                  <p:childTnLst>
+                                    <p:set>
+                                      <p:cBhvr>
+                                        <p:cTn id="12" dur="1" fill="hold">
+                                          <p:stCondLst>
+                                            <p:cond delay="0"/>
+                                          </p:stCondLst>
+                                        </p:cTn>
+                                        <p:tgtEl>
+                                          <p:spTgt spid="3">
+                                            <p:txEl>
+                                              <p:pRg st="2" end="2"/>
+                                            </p:txEl>
+                                          </p:spTgt>
+                                        </p:tgtEl>
+                                        <p:attrNameLst>
+                                          <p:attrName>style.visibility</p:attrName>
+                                        </p:attrNameLst>
+                                      </p:cBhvr>
+                                      <p:to>
+                                        <p:strVal val="visible"/>
+                                      </p:to>
+                                    </p:set>
+                                  </p:childTnLst>
+                                </p:cTn>
+                              </p:par>
+                            </p:childTnLst>
+                          </p:cTn>
+                        </p:par>
+                      </p:childTnLst>
+                    </p:cTn>
+                  </p:par>
+                  <p:par>
+                    <p:cTn id="13" fill="hold">
+                      <p:stCondLst>
+                        <p:cond delay="indefinite"/>
+                      </p:stCondLst>
+                      <p:childTnLst>
+                        <p:par>
+                          <p:cTn id="14" fill="hold">
+                            <p:stCondLst>
+                              <p:cond delay="0"/>
+                            </p:stCondLst>
+                            <p:childTnLst>
+                              <p:par>
+                                <p:cTn id="15" presetID="1" presetClass="entr" presetSubtype="0" fill="hold" grpId="0" nodeType="clickEffect">
+                                  <p:stCondLst>
+                                    <p:cond delay="0"/>
+                                  </p:stCondLst>
+                                  <p:childTnLst>
+                                    <p:set>
+                                      <p:cBhvr>
+                                        <p:cTn id="16" dur="1" fill="hold">
+                                          <p:stCondLst>
+                                            <p:cond delay="0"/>
+                                          </p:stCondLst>
+                                        </p:cTn>
+                                        <p:tgtEl>
+                                          <p:spTgt spid="3">
+                                            <p:txEl>
+                                              <p:pRg st="3" end="3"/>
+                                            </p:txEl>
+                                          </p:spTgt>
+                                        </p:tgtEl>
+                                        <p:attrNameLst>
+                                          <p:attrName>style.visibility</p:attrName>
+                                        </p:attrNameLst>
+                                      </p:cBhvr>
+                                      <p:to>
+                                        <p:strVal val="visible"/>
+                                      </p:to>
+                                    </p:set>
+                                  </p:childTnLst>
+                                </p:cTn>
+                              </p:par>
+                            </p:childTnLst>
+                          </p:cTn>
+                        </p:par>
+                      </p:childTnLst>
+                    </p:cTn>
+                  </p:par>
+                  <p:par>
+                    <p:cTn id="17" fill="hold">
+                      <p:stCondLst>
+                        <p:cond delay="indefinite"/>
+                      </p:stCondLst>
+                      <p:childTnLst>
+                        <p:par>
+                          <p:cTn id="18" fill="hold">
+                            <p:stCondLst>
+                              <p:cond delay="0"/>
+                            </p:stCondLst>
+                            <p:childTnLst>
+                              <p:par>
+                                <p:cTn id="19" presetID="1" presetClass="entr" presetSubtype="0" fill="hold" grpId="0" nodeType="clickEffect">
+                                  <p:stCondLst>
+                                    <p:cond delay="0"/>
+                                  </p:stCondLst>
+                                  <p:childTnLst>
+                                    <p:set>
+                                      <p:cBhvr>
+                                        <p:cTn id="20" dur="1" fill="hold">
+                                          <p:stCondLst>
+                                            <p:cond delay="0"/>
+                                          </p:stCondLst>
+                                        </p:cTn>
+                                        <p:tgtEl>
+                                          <p:spTgt spid="3">
+                                            <p:txEl>
+                                              <p:pRg st="4" end="4"/>
+                                            </p:txEl>
+                                          </p:spTgt>
+                                        </p:tgtEl>
+                                        <p:attrNameLst>
+                                          <p:attrName>style.visibility</p:attrName>
+                                        </p:attrNameLst>
+                                      </p:cBhvr>
+                                      <p:to>
+                                        <p:strVal val="visible"/>
+                                      </p:to>
+                                    </p:set>
+                                  </p:childTnLst>
+                                </p:cTn>
+                              </p:par>
+                            </p:childTnLst>
+                          </p:cTn>
+                        </p:par>
+                      </p:childTnLst>
+                    </p:cTn>
+                  </p:par>
+                  <p:par>
+                    <p:cTn id="21" fill="hold">
+                      <p:stCondLst>
+                        <p:cond delay="indefinite"/>
+                      </p:stCondLst>
+                      <p:childTnLst>
+                        <p:par>
+                          <p:cTn id="22" fill="hold">
+                            <p:stCondLst>
+                              <p:cond delay="0"/>
+                            </p:stCondLst>
+                            <p:childTnLst>
+                              <p:par>
+                                <p:cTn id="23" presetID="1" presetClass="entr" presetSubtype="0" fill="hold" grpId="0" nodeType="clickEffect">
+                                  <p:stCondLst>
+                                    <p:cond delay="0"/>
+                                  </p:stCondLst>
+                                  <p:childTnLst>
+                                    <p:set>
+                                      <p:cBhvr>
+                                        <p:cTn id="24" dur="1" fill="hold">
+                                          <p:stCondLst>
+                                            <p:cond delay="0"/>
+                                          </p:stCondLst>
+                                        </p:cTn>
+                                        <p:tgtEl>
+                                          <p:spTgt spid="3">
+                                            <p:txEl>
+                                              <p:pRg st="5" end="5"/>
+                                            </p:txEl>
+                                          </p:spTgt>
+                                        </p:tgtEl>
+                                        <p:attrNameLst>
+                                          <p:attrName>style.visibility</p:attrName>
+                                        </p:attrNameLst>
+                                      </p:cBhvr>
+                                      <p:to>
+                                        <p:strVal val="visible"/>
+                                      </p:to>
+                                    </p:set>
+                                  </p:childTnLst>
+                                </p:cTn>
+                              </p:par>
+                            </p:childTnLst>
+                          </p:cTn>
+                        </p:par>
+                      </p:childTnLst>
+                    </p:cTn>
+                  </p:par>
+                  <p:par>
+                    <p:cTn id="25" fill="hold">
+                      <p:stCondLst>
+                        <p:cond delay="indefinite"/>
+                      </p:stCondLst>
+                      <p:childTnLst>
+                        <p:par>
+                          <p:cTn id="26" fill="hold">
+                            <p:stCondLst>
+                              <p:cond delay="0"/>
+                            </p:stCondLst>
+                            <p:childTnLst>
+                              <p:par>
+                                <p:cTn id="27" presetID="1" presetClass="entr" presetSubtype="0" fill="hold" grpId="0" nodeType="clickEffect">
+                                  <p:stCondLst>
+                                    <p:cond delay="0"/>
+                                  </p:stCondLst>
+                                  <p:childTnLst>
+                                    <p:set>
+                                      <p:cBhvr>
+                                        <p:cTn id="28" dur="1" fill="hold">
+                                          <p:stCondLst>
+                                            <p:cond delay="0"/>
+                                          </p:stCondLst>
+                                        </p:cTn>
+                                        <p:tgtEl>
+                                          <p:spTgt spid="3">
+                                            <p:txEl>
+                                              <p:pRg st="6" end="6"/>
+                                            </p:txEl>
+                                          </p:spTgt>
+                                        </p:tgtEl>
+                                        <p:attrNameLst>
+                                          <p:attrName>style.visibility</p:attrName>
+                                        </p:attrNameLst>
+                                      </p:cBhvr>
+                                      <p:to>
+                                        <p:strVal val="visible"/>
+                                      </p:to>
+                                    </p:set>
+                                  </p:childTnLst>
+                                </p:cTn>
+                              </p:par>
+                            </p:childTnLst>
+                          </p:cTn>
+                        </p:par>
+                      </p:childTnLst>
+                    </p:cTn>
+                  </p:par>
+                  <p:par>
+                    <p:cTn id="29" fill="hold">
+                      <p:stCondLst>
+                        <p:cond delay="indefinite"/>
+                      </p:stCondLst>
+                      <p:childTnLst>
+                        <p:par>
+                          <p:cTn id="30" fill="hold">
+                            <p:stCondLst>
+                              <p:cond delay="0"/>
+                            </p:stCondLst>
+                            <p:childTnLst>
+                              <p:par>
+                                <p:cTn id="31" presetID="1" presetClass="entr" presetSubtype="0" fill="hold" grpId="0" nodeType="clickEffect">
+                                  <p:stCondLst>
+                                    <p:cond delay="0"/>
+                                  </p:stCondLst>
+                                  <p:childTnLst>
+                                    <p:set>
+                                      <p:cBhvr>
+                                        <p:cTn id="32" dur="1" fill="hold">
+                                          <p:stCondLst>
+                                            <p:cond delay="0"/>
+                                          </p:stCondLst>
+                                        </p:cTn>
+                                        <p:tgtEl>
+                                          <p:spTgt spid="3">
+                                            <p:txEl>
+                                              <p:pRg st="8" end="8"/>
+                                            </p:txEl>
+                                          </p:spTgt>
+                                        </p:tgtEl>
+                                        <p:attrNameLst>
+                                          <p:attrName>style.visibility</p:attrName>
+                                        </p:attrNameLst>
+                                      </p:cBhvr>
+                                      <p:to>
+                                        <p:strVal val="visible"/>
+                                      </p:to>
+                                    </p:set>
+                                  </p:childTnLst>
+                                </p:cTn>
+                              </p:par>
+                              <p:par>
+                                <p:cTn id="33" presetID="1" presetClass="entr" presetSubtype="0" fill="hold" grpId="0" nodeType="withEffect">
+                                  <p:stCondLst>
+                                    <p:cond delay="0"/>
+                                  </p:stCondLst>
+                                  <p:childTnLst>
+                                    <p:set>
+                                      <p:cBhvr>
+                                        <p:cTn id="34" dur="1" fill="hold">
+                                          <p:stCondLst>
+                                            <p:cond delay="0"/>
+                                          </p:stCondLst>
+                                        </p:cTn>
+                                        <p:tgtEl>
+                                          <p:spTgt spid="3">
+                                            <p:txEl>
+                                              <p:pRg st="9" end="9"/>
+                                            </p:txEl>
+                                          </p:spTgt>
+                                        </p:tgtEl>
+                                        <p:attrNameLst>
+                                          <p:attrName>style.visibility</p:attrName>
+                                        </p:attrNameLst>
+                                      </p:cBhvr>
+                                      <p:to>
+                                        <p:strVal val="visible"/>
+                                      </p:to>
+                                    </p:set>
+                                  </p:childTnLst>
+                                </p:cTn>
+                              </p:par>
+                            </p:childTnLst>
+                          </p:cTn>
+                        </p:par>
+                      </p:childTnLst>
+                    </p:cTn>
+                  </p:par>
+                </p:childTnLst>
+              </p:cTn>
+              <p:prevCondLst>
+                <p:cond evt="onPrev" delay="0">
+                  <p:tgtEl>
+                    <p:sldTgt/>
+                  </p:tgtEl>
+                </p:cond>
+              </p:prevCondLst>
+              <p:nextCondLst>
+                <p:cond evt="onNext" delay="0">
+                  <p:tgtEl>
+                    <p:sldTgt/>
+                  </p:tgtEl>
+                </p:cond>
+              </p:nextCondLst>
+            </p:seq>
+          </p:childTnLst>
+        </p:cTn>
+      </p:par>
+    </p:tnLst>
+    <p:bldLst>
+      <p:bldP spid="3" grpId="0" uiExpand="1" build="p"/>
+    </p:bldLst>
+  </p:timing>
 </p:sld>
 </file>
 
@@ -16198,6 +17085,266 @@
   <p:clrMapOvr>
     <a:masterClrMapping/>
   </p:clrMapOvr>
+  <p:timing>
+    <p:tnLst>
+      <p:par>
+        <p:cTn id="1" dur="indefinite" restart="never" nodeType="tmRoot">
+          <p:childTnLst>
+            <p:seq concurrent="1" nextAc="seek">
+              <p:cTn id="2" dur="indefinite" nodeType="mainSeq">
+                <p:childTnLst>
+                  <p:par>
+                    <p:cTn id="3" fill="hold">
+                      <p:stCondLst>
+                        <p:cond delay="indefinite"/>
+                      </p:stCondLst>
+                      <p:childTnLst>
+                        <p:par>
+                          <p:cTn id="4" fill="hold">
+                            <p:stCondLst>
+                              <p:cond delay="0"/>
+                            </p:stCondLst>
+                            <p:childTnLst>
+                              <p:par>
+                                <p:cTn id="5" presetID="1" presetClass="entr" presetSubtype="0" fill="hold" grpId="0" nodeType="clickEffect">
+                                  <p:stCondLst>
+                                    <p:cond delay="0"/>
+                                  </p:stCondLst>
+                                  <p:childTnLst>
+                                    <p:set>
+                                      <p:cBhvr>
+                                        <p:cTn id="6" dur="1" fill="hold">
+                                          <p:stCondLst>
+                                            <p:cond delay="0"/>
+                                          </p:stCondLst>
+                                        </p:cTn>
+                                        <p:tgtEl>
+                                          <p:spTgt spid="3">
+                                            <p:txEl>
+                                              <p:pRg st="0" end="0"/>
+                                            </p:txEl>
+                                          </p:spTgt>
+                                        </p:tgtEl>
+                                        <p:attrNameLst>
+                                          <p:attrName>style.visibility</p:attrName>
+                                        </p:attrNameLst>
+                                      </p:cBhvr>
+                                      <p:to>
+                                        <p:strVal val="visible"/>
+                                      </p:to>
+                                    </p:set>
+                                  </p:childTnLst>
+                                </p:cTn>
+                              </p:par>
+                            </p:childTnLst>
+                          </p:cTn>
+                        </p:par>
+                      </p:childTnLst>
+                    </p:cTn>
+                  </p:par>
+                  <p:par>
+                    <p:cTn id="7" fill="hold">
+                      <p:stCondLst>
+                        <p:cond delay="indefinite"/>
+                      </p:stCondLst>
+                      <p:childTnLst>
+                        <p:par>
+                          <p:cTn id="8" fill="hold">
+                            <p:stCondLst>
+                              <p:cond delay="0"/>
+                            </p:stCondLst>
+                            <p:childTnLst>
+                              <p:par>
+                                <p:cTn id="9" presetID="1" presetClass="entr" presetSubtype="0" fill="hold" grpId="0" nodeType="clickEffect">
+                                  <p:stCondLst>
+                                    <p:cond delay="0"/>
+                                  </p:stCondLst>
+                                  <p:childTnLst>
+                                    <p:set>
+                                      <p:cBhvr>
+                                        <p:cTn id="10" dur="1" fill="hold">
+                                          <p:stCondLst>
+                                            <p:cond delay="0"/>
+                                          </p:stCondLst>
+                                        </p:cTn>
+                                        <p:tgtEl>
+                                          <p:spTgt spid="3">
+                                            <p:txEl>
+                                              <p:pRg st="1" end="1"/>
+                                            </p:txEl>
+                                          </p:spTgt>
+                                        </p:tgtEl>
+                                        <p:attrNameLst>
+                                          <p:attrName>style.visibility</p:attrName>
+                                        </p:attrNameLst>
+                                      </p:cBhvr>
+                                      <p:to>
+                                        <p:strVal val="visible"/>
+                                      </p:to>
+                                    </p:set>
+                                  </p:childTnLst>
+                                </p:cTn>
+                              </p:par>
+                              <p:par>
+                                <p:cTn id="11" presetID="1" presetClass="entr" presetSubtype="0" fill="hold" grpId="0" nodeType="withEffect">
+                                  <p:stCondLst>
+                                    <p:cond delay="0"/>
+                                  </p:stCondLst>
+                                  <p:childTnLst>
+                                    <p:set>
+                                      <p:cBhvr>
+                                        <p:cTn id="12" dur="1" fill="hold">
+                                          <p:stCondLst>
+                                            <p:cond delay="0"/>
+                                          </p:stCondLst>
+                                        </p:cTn>
+                                        <p:tgtEl>
+                                          <p:spTgt spid="3">
+                                            <p:txEl>
+                                              <p:pRg st="2" end="2"/>
+                                            </p:txEl>
+                                          </p:spTgt>
+                                        </p:tgtEl>
+                                        <p:attrNameLst>
+                                          <p:attrName>style.visibility</p:attrName>
+                                        </p:attrNameLst>
+                                      </p:cBhvr>
+                                      <p:to>
+                                        <p:strVal val="visible"/>
+                                      </p:to>
+                                    </p:set>
+                                  </p:childTnLst>
+                                </p:cTn>
+                              </p:par>
+                            </p:childTnLst>
+                          </p:cTn>
+                        </p:par>
+                      </p:childTnLst>
+                    </p:cTn>
+                  </p:par>
+                  <p:par>
+                    <p:cTn id="13" fill="hold">
+                      <p:stCondLst>
+                        <p:cond delay="indefinite"/>
+                      </p:stCondLst>
+                      <p:childTnLst>
+                        <p:par>
+                          <p:cTn id="14" fill="hold">
+                            <p:stCondLst>
+                              <p:cond delay="0"/>
+                            </p:stCondLst>
+                            <p:childTnLst>
+                              <p:par>
+                                <p:cTn id="15" presetID="1" presetClass="entr" presetSubtype="0" fill="hold" grpId="0" nodeType="clickEffect">
+                                  <p:stCondLst>
+                                    <p:cond delay="0"/>
+                                  </p:stCondLst>
+                                  <p:childTnLst>
+                                    <p:set>
+                                      <p:cBhvr>
+                                        <p:cTn id="16" dur="1" fill="hold">
+                                          <p:stCondLst>
+                                            <p:cond delay="0"/>
+                                          </p:stCondLst>
+                                        </p:cTn>
+                                        <p:tgtEl>
+                                          <p:spTgt spid="3">
+                                            <p:txEl>
+                                              <p:pRg st="3" end="3"/>
+                                            </p:txEl>
+                                          </p:spTgt>
+                                        </p:tgtEl>
+                                        <p:attrNameLst>
+                                          <p:attrName>style.visibility</p:attrName>
+                                        </p:attrNameLst>
+                                      </p:cBhvr>
+                                      <p:to>
+                                        <p:strVal val="visible"/>
+                                      </p:to>
+                                    </p:set>
+                                  </p:childTnLst>
+                                </p:cTn>
+                              </p:par>
+                            </p:childTnLst>
+                          </p:cTn>
+                        </p:par>
+                      </p:childTnLst>
+                    </p:cTn>
+                  </p:par>
+                  <p:par>
+                    <p:cTn id="17" fill="hold">
+                      <p:stCondLst>
+                        <p:cond delay="indefinite"/>
+                      </p:stCondLst>
+                      <p:childTnLst>
+                        <p:par>
+                          <p:cTn id="18" fill="hold">
+                            <p:stCondLst>
+                              <p:cond delay="0"/>
+                            </p:stCondLst>
+                            <p:childTnLst>
+                              <p:par>
+                                <p:cTn id="19" presetID="1" presetClass="entr" presetSubtype="0" fill="hold" grpId="0" nodeType="clickEffect">
+                                  <p:stCondLst>
+                                    <p:cond delay="0"/>
+                                  </p:stCondLst>
+                                  <p:childTnLst>
+                                    <p:set>
+                                      <p:cBhvr>
+                                        <p:cTn id="20" dur="1" fill="hold">
+                                          <p:stCondLst>
+                                            <p:cond delay="0"/>
+                                          </p:stCondLst>
+                                        </p:cTn>
+                                        <p:tgtEl>
+                                          <p:spTgt spid="3">
+                                            <p:txEl>
+                                              <p:pRg st="4" end="4"/>
+                                            </p:txEl>
+                                          </p:spTgt>
+                                        </p:tgtEl>
+                                        <p:attrNameLst>
+                                          <p:attrName>style.visibility</p:attrName>
+                                        </p:attrNameLst>
+                                      </p:cBhvr>
+                                      <p:to>
+                                        <p:strVal val="visible"/>
+                                      </p:to>
+                                    </p:set>
+                                  </p:childTnLst>
+                                </p:cTn>
+                              </p:par>
+                            </p:childTnLst>
+                          </p:cTn>
+                        </p:par>
+                      </p:childTnLst>
+                    </p:cTn>
+                  </p:par>
+                </p:childTnLst>
+              </p:cTn>
+              <p:prevCondLst>
+                <p:cond evt="onPrev" delay="0">
+                  <p:tgtEl>
+                    <p:sldTgt/>
+                  </p:tgtEl>
+                </p:cond>
+              </p:prevCondLst>
+              <p:nextCondLst>
+                <p:cond evt="onNext" delay="0">
+                  <p:tgtEl>
+                    <p:sldTgt/>
+                  </p:tgtEl>
+                </p:cond>
+              </p:nextCondLst>
+            </p:seq>
+          </p:childTnLst>
+        </p:cTn>
+      </p:par>
+    </p:tnLst>
+    <p:bldLst>
+      <p:bldP spid="3" grpId="0" uiExpand="1" build="p"/>
+    </p:bldLst>
+  </p:timing>
 </p:sld>
 </file>
 
@@ -16491,7 +17638,7 @@
             </a:pPr>
             <a:r>
               <a:rPr lang="de-DE" dirty="0"/>
-              <a:t>Modules kommen aus ES6</a:t>
+              <a:t>Modules vergleichbar zu ES6</a:t>
             </a:r>
           </a:p>
           <a:p>
@@ -16515,16 +17662,20 @@
             </a:pPr>
             <a:r>
               <a:rPr lang="de-DE" dirty="0"/>
-              <a:t>Nicht so restriktiv wie Modules, kann schnell unübersichtlich werden</a:t>
-            </a:r>
-          </a:p>
-          <a:p>
-            <a:r>
-              <a:rPr lang="de-DE" dirty="0"/>
-              <a:t>- ABER: Modules benötigen einen Module-</a:t>
-            </a:r>
-            <a:r>
-              <a:rPr lang="de-DE" dirty="0" err="1"/>
+              <a:t>Nicht so restriktiv wie Modules; kann schnell unübersichtlich werden, da schachtelbar</a:t>
+            </a:r>
+          </a:p>
+          <a:p>
+            <a:pPr marL="285750" indent="-285750">
+              <a:buFontTx/>
+              <a:buChar char="-"/>
+            </a:pPr>
+            <a:r>
+              <a:rPr lang="de-DE" dirty="0"/>
+              <a:t>ABER: Modules benötigen einen Module-</a:t>
+            </a:r>
+            <a:r>
+              <a:rPr lang="de-DE"/>
               <a:t>Loader</a:t>
             </a:r>
             <a:endParaRPr lang="de-DE" dirty="0"/>
@@ -16563,6 +17714,349 @@
   <p:clrMapOvr>
     <a:masterClrMapping/>
   </p:clrMapOvr>
+  <p:timing>
+    <p:tnLst>
+      <p:par>
+        <p:cTn id="1" dur="indefinite" restart="never" nodeType="tmRoot">
+          <p:childTnLst>
+            <p:seq concurrent="1" nextAc="seek">
+              <p:cTn id="2" dur="indefinite" nodeType="mainSeq">
+                <p:childTnLst>
+                  <p:par>
+                    <p:cTn id="3" fill="hold">
+                      <p:stCondLst>
+                        <p:cond delay="indefinite"/>
+                        <p:cond evt="onBegin" delay="0">
+                          <p:tn val="2"/>
+                        </p:cond>
+                      </p:stCondLst>
+                      <p:childTnLst>
+                        <p:par>
+                          <p:cTn id="4" fill="hold">
+                            <p:stCondLst>
+                              <p:cond delay="0"/>
+                            </p:stCondLst>
+                            <p:childTnLst>
+                              <p:par>
+                                <p:cTn id="5" presetID="1" presetClass="entr" presetSubtype="0" fill="hold" grpId="0" nodeType="afterEffect">
+                                  <p:stCondLst>
+                                    <p:cond delay="0"/>
+                                  </p:stCondLst>
+                                  <p:childTnLst>
+                                    <p:set>
+                                      <p:cBhvr>
+                                        <p:cTn id="6" dur="1" fill="hold">
+                                          <p:stCondLst>
+                                            <p:cond delay="0"/>
+                                          </p:stCondLst>
+                                        </p:cTn>
+                                        <p:tgtEl>
+                                          <p:spTgt spid="3">
+                                            <p:txEl>
+                                              <p:pRg st="0" end="0"/>
+                                            </p:txEl>
+                                          </p:spTgt>
+                                        </p:tgtEl>
+                                        <p:attrNameLst>
+                                          <p:attrName>style.visibility</p:attrName>
+                                        </p:attrNameLst>
+                                      </p:cBhvr>
+                                      <p:to>
+                                        <p:strVal val="visible"/>
+                                      </p:to>
+                                    </p:set>
+                                  </p:childTnLst>
+                                </p:cTn>
+                              </p:par>
+                              <p:par>
+                                <p:cTn id="7" presetID="1" presetClass="entr" presetSubtype="0" fill="hold" grpId="0" nodeType="withEffect">
+                                  <p:stCondLst>
+                                    <p:cond delay="0"/>
+                                  </p:stCondLst>
+                                  <p:childTnLst>
+                                    <p:set>
+                                      <p:cBhvr>
+                                        <p:cTn id="8" dur="1" fill="hold">
+                                          <p:stCondLst>
+                                            <p:cond delay="0"/>
+                                          </p:stCondLst>
+                                        </p:cTn>
+                                        <p:tgtEl>
+                                          <p:spTgt spid="3">
+                                            <p:txEl>
+                                              <p:pRg st="1" end="1"/>
+                                            </p:txEl>
+                                          </p:spTgt>
+                                        </p:tgtEl>
+                                        <p:attrNameLst>
+                                          <p:attrName>style.visibility</p:attrName>
+                                        </p:attrNameLst>
+                                      </p:cBhvr>
+                                      <p:to>
+                                        <p:strVal val="visible"/>
+                                      </p:to>
+                                    </p:set>
+                                  </p:childTnLst>
+                                </p:cTn>
+                              </p:par>
+                            </p:childTnLst>
+                          </p:cTn>
+                        </p:par>
+                      </p:childTnLst>
+                    </p:cTn>
+                  </p:par>
+                  <p:par>
+                    <p:cTn id="9" fill="hold">
+                      <p:stCondLst>
+                        <p:cond delay="indefinite"/>
+                      </p:stCondLst>
+                      <p:childTnLst>
+                        <p:par>
+                          <p:cTn id="10" fill="hold">
+                            <p:stCondLst>
+                              <p:cond delay="0"/>
+                            </p:stCondLst>
+                            <p:childTnLst>
+                              <p:par>
+                                <p:cTn id="11" presetID="1" presetClass="entr" presetSubtype="0" fill="hold" grpId="0" nodeType="clickEffect">
+                                  <p:stCondLst>
+                                    <p:cond delay="0"/>
+                                  </p:stCondLst>
+                                  <p:childTnLst>
+                                    <p:set>
+                                      <p:cBhvr>
+                                        <p:cTn id="12" dur="1" fill="hold">
+                                          <p:stCondLst>
+                                            <p:cond delay="0"/>
+                                          </p:stCondLst>
+                                        </p:cTn>
+                                        <p:tgtEl>
+                                          <p:spTgt spid="3">
+                                            <p:txEl>
+                                              <p:pRg st="2" end="2"/>
+                                            </p:txEl>
+                                          </p:spTgt>
+                                        </p:tgtEl>
+                                        <p:attrNameLst>
+                                          <p:attrName>style.visibility</p:attrName>
+                                        </p:attrNameLst>
+                                      </p:cBhvr>
+                                      <p:to>
+                                        <p:strVal val="visible"/>
+                                      </p:to>
+                                    </p:set>
+                                  </p:childTnLst>
+                                </p:cTn>
+                              </p:par>
+                            </p:childTnLst>
+                          </p:cTn>
+                        </p:par>
+                      </p:childTnLst>
+                    </p:cTn>
+                  </p:par>
+                  <p:par>
+                    <p:cTn id="13" fill="hold">
+                      <p:stCondLst>
+                        <p:cond delay="indefinite"/>
+                      </p:stCondLst>
+                      <p:childTnLst>
+                        <p:par>
+                          <p:cTn id="14" fill="hold">
+                            <p:stCondLst>
+                              <p:cond delay="0"/>
+                            </p:stCondLst>
+                            <p:childTnLst>
+                              <p:par>
+                                <p:cTn id="15" presetID="1" presetClass="entr" presetSubtype="0" fill="hold" grpId="0" nodeType="clickEffect">
+                                  <p:stCondLst>
+                                    <p:cond delay="0"/>
+                                  </p:stCondLst>
+                                  <p:childTnLst>
+                                    <p:set>
+                                      <p:cBhvr>
+                                        <p:cTn id="16" dur="1" fill="hold">
+                                          <p:stCondLst>
+                                            <p:cond delay="0"/>
+                                          </p:stCondLst>
+                                        </p:cTn>
+                                        <p:tgtEl>
+                                          <p:spTgt spid="3">
+                                            <p:txEl>
+                                              <p:pRg st="3" end="3"/>
+                                            </p:txEl>
+                                          </p:spTgt>
+                                        </p:tgtEl>
+                                        <p:attrNameLst>
+                                          <p:attrName>style.visibility</p:attrName>
+                                        </p:attrNameLst>
+                                      </p:cBhvr>
+                                      <p:to>
+                                        <p:strVal val="visible"/>
+                                      </p:to>
+                                    </p:set>
+                                  </p:childTnLst>
+                                </p:cTn>
+                              </p:par>
+                              <p:par>
+                                <p:cTn id="17" presetID="1" presetClass="entr" presetSubtype="0" fill="hold" grpId="0" nodeType="withEffect">
+                                  <p:stCondLst>
+                                    <p:cond delay="0"/>
+                                  </p:stCondLst>
+                                  <p:childTnLst>
+                                    <p:set>
+                                      <p:cBhvr>
+                                        <p:cTn id="18" dur="1" fill="hold">
+                                          <p:stCondLst>
+                                            <p:cond delay="0"/>
+                                          </p:stCondLst>
+                                        </p:cTn>
+                                        <p:tgtEl>
+                                          <p:spTgt spid="3">
+                                            <p:txEl>
+                                              <p:pRg st="4" end="4"/>
+                                            </p:txEl>
+                                          </p:spTgt>
+                                        </p:tgtEl>
+                                        <p:attrNameLst>
+                                          <p:attrName>style.visibility</p:attrName>
+                                        </p:attrNameLst>
+                                      </p:cBhvr>
+                                      <p:to>
+                                        <p:strVal val="visible"/>
+                                      </p:to>
+                                    </p:set>
+                                  </p:childTnLst>
+                                </p:cTn>
+                              </p:par>
+                            </p:childTnLst>
+                          </p:cTn>
+                        </p:par>
+                      </p:childTnLst>
+                    </p:cTn>
+                  </p:par>
+                  <p:par>
+                    <p:cTn id="19" fill="hold">
+                      <p:stCondLst>
+                        <p:cond delay="indefinite"/>
+                      </p:stCondLst>
+                      <p:childTnLst>
+                        <p:par>
+                          <p:cTn id="20" fill="hold">
+                            <p:stCondLst>
+                              <p:cond delay="0"/>
+                            </p:stCondLst>
+                            <p:childTnLst>
+                              <p:par>
+                                <p:cTn id="21" presetID="1" presetClass="entr" presetSubtype="0" fill="hold" grpId="0" nodeType="clickEffect">
+                                  <p:stCondLst>
+                                    <p:cond delay="0"/>
+                                  </p:stCondLst>
+                                  <p:childTnLst>
+                                    <p:set>
+                                      <p:cBhvr>
+                                        <p:cTn id="22" dur="1" fill="hold">
+                                          <p:stCondLst>
+                                            <p:cond delay="0"/>
+                                          </p:stCondLst>
+                                        </p:cTn>
+                                        <p:tgtEl>
+                                          <p:spTgt spid="3">
+                                            <p:txEl>
+                                              <p:pRg st="5" end="5"/>
+                                            </p:txEl>
+                                          </p:spTgt>
+                                        </p:tgtEl>
+                                        <p:attrNameLst>
+                                          <p:attrName>style.visibility</p:attrName>
+                                        </p:attrNameLst>
+                                      </p:cBhvr>
+                                      <p:to>
+                                        <p:strVal val="visible"/>
+                                      </p:to>
+                                    </p:set>
+                                  </p:childTnLst>
+                                </p:cTn>
+                              </p:par>
+                            </p:childTnLst>
+                          </p:cTn>
+                        </p:par>
+                      </p:childTnLst>
+                    </p:cTn>
+                  </p:par>
+                  <p:par>
+                    <p:cTn id="23" fill="hold">
+                      <p:stCondLst>
+                        <p:cond delay="indefinite"/>
+                      </p:stCondLst>
+                      <p:childTnLst>
+                        <p:par>
+                          <p:cTn id="24" fill="hold">
+                            <p:stCondLst>
+                              <p:cond delay="0"/>
+                            </p:stCondLst>
+                            <p:childTnLst>
+                              <p:par>
+                                <p:cTn id="25" presetID="1" presetClass="entr" presetSubtype="0" fill="hold" grpId="0" nodeType="clickEffect">
+                                  <p:stCondLst>
+                                    <p:cond delay="0"/>
+                                  </p:stCondLst>
+                                  <p:childTnLst>
+                                    <p:set>
+                                      <p:cBhvr>
+                                        <p:cTn id="26" dur="1" fill="hold">
+                                          <p:stCondLst>
+                                            <p:cond delay="0"/>
+                                          </p:stCondLst>
+                                        </p:cTn>
+                                        <p:tgtEl>
+                                          <p:spTgt spid="3">
+                                            <p:txEl>
+                                              <p:pRg st="7" end="7"/>
+                                            </p:txEl>
+                                          </p:spTgt>
+                                        </p:tgtEl>
+                                        <p:attrNameLst>
+                                          <p:attrName>style.visibility</p:attrName>
+                                        </p:attrNameLst>
+                                      </p:cBhvr>
+                                      <p:to>
+                                        <p:strVal val="visible"/>
+                                      </p:to>
+                                    </p:set>
+                                  </p:childTnLst>
+                                </p:cTn>
+                              </p:par>
+                            </p:childTnLst>
+                          </p:cTn>
+                        </p:par>
+                      </p:childTnLst>
+                    </p:cTn>
+                  </p:par>
+                </p:childTnLst>
+              </p:cTn>
+              <p:prevCondLst>
+                <p:cond evt="onPrev" delay="0">
+                  <p:tgtEl>
+                    <p:sldTgt/>
+                  </p:tgtEl>
+                </p:cond>
+              </p:prevCondLst>
+              <p:nextCondLst>
+                <p:cond evt="onNext" delay="0">
+                  <p:tgtEl>
+                    <p:sldTgt/>
+                  </p:tgtEl>
+                </p:cond>
+              </p:nextCondLst>
+            </p:seq>
+          </p:childTnLst>
+        </p:cTn>
+      </p:par>
+    </p:tnLst>
+    <p:bldLst>
+      <p:bldP spid="3" grpId="0" uiExpand="1" build="p"/>
+    </p:bldLst>
+  </p:timing>
 </p:sld>
 </file>
 
@@ -16973,7 +18467,7 @@
 </file>
 
 <file path=ppt/slides/slide38.xml><?xml version="1.0" encoding="utf-8"?>
-<p:sld xmlns:a="http://schemas.openxmlformats.org/drawingml/2006/main" xmlns:r="http://schemas.openxmlformats.org/officeDocument/2006/relationships" xmlns:p="http://schemas.openxmlformats.org/presentationml/2006/main">
+<p:sld xmlns:a="http://schemas.openxmlformats.org/drawingml/2006/main" xmlns:r="http://schemas.openxmlformats.org/officeDocument/2006/relationships" xmlns:p="http://schemas.openxmlformats.org/presentationml/2006/main" show="0">
   <p:cSld>
     <p:spTree>
       <p:nvGrpSpPr>

--- a/TypeScriptBasics.pptx
+++ b/TypeScriptBasics.pptx
@@ -50,7 +50,7 @@
     <p:sldId id="260" r:id="rId41"/>
   </p:sldIdLst>
   <p:sldSz cx="12192000" cy="6858000"/>
-  <p:notesSz cx="6858000" cy="9144000"/>
+  <p:notesSz cx="6797675" cy="9926638"/>
   <p:defaultTextStyle>
     <a:defPPr>
       <a:defRPr lang="sv-SE"/>
@@ -231,7 +231,7 @@
         <p:spPr>
           <a:xfrm>
             <a:off x="0" y="0"/>
-            <a:ext cx="2971800" cy="458788"/>
+            <a:ext cx="2945659" cy="498056"/>
           </a:xfrm>
           <a:prstGeom prst="rect">
             <a:avLst/>
@@ -261,8 +261,8 @@
         </p:nvSpPr>
         <p:spPr>
           <a:xfrm>
-            <a:off x="3884613" y="0"/>
-            <a:ext cx="2971800" cy="458788"/>
+            <a:off x="3850443" y="0"/>
+            <a:ext cx="2945659" cy="498056"/>
           </a:xfrm>
           <a:prstGeom prst="rect">
             <a:avLst/>
@@ -296,8 +296,8 @@
         </p:nvSpPr>
         <p:spPr>
           <a:xfrm>
-            <a:off x="685800" y="1143000"/>
-            <a:ext cx="5486400" cy="3086100"/>
+            <a:off x="422275" y="1241425"/>
+            <a:ext cx="5953125" cy="3349625"/>
           </a:xfrm>
           <a:prstGeom prst="rect">
             <a:avLst/>
@@ -329,8 +329,8 @@
         </p:nvSpPr>
         <p:spPr>
           <a:xfrm>
-            <a:off x="685800" y="4400550"/>
-            <a:ext cx="5486400" cy="3600450"/>
+            <a:off x="679768" y="4777194"/>
+            <a:ext cx="5438140" cy="3908614"/>
           </a:xfrm>
           <a:prstGeom prst="rect">
             <a:avLst/>
@@ -388,8 +388,8 @@
         </p:nvSpPr>
         <p:spPr>
           <a:xfrm>
-            <a:off x="0" y="8685213"/>
-            <a:ext cx="2971800" cy="458787"/>
+            <a:off x="0" y="9428584"/>
+            <a:ext cx="2945659" cy="498055"/>
           </a:xfrm>
           <a:prstGeom prst="rect">
             <a:avLst/>
@@ -419,8 +419,8 @@
         </p:nvSpPr>
         <p:spPr>
           <a:xfrm>
-            <a:off x="3884613" y="8685213"/>
-            <a:ext cx="2971800" cy="458787"/>
+            <a:off x="3850443" y="9428584"/>
+            <a:ext cx="2945659" cy="498055"/>
           </a:xfrm>
           <a:prstGeom prst="rect">
             <a:avLst/>
@@ -684,7 +684,28 @@
           <a:bodyPr/>
           <a:lstStyle/>
           <a:p>
-            <a:endParaRPr lang="de-DE" dirty="0"/>
+            <a:r>
+              <a:rPr lang="de-DE" dirty="0" err="1"/>
+              <a:t>Let</a:t>
+            </a:r>
+            <a:r>
+              <a:rPr lang="de-DE" dirty="0"/>
+              <a:t> und </a:t>
+            </a:r>
+            <a:r>
+              <a:rPr lang="de-DE" dirty="0" err="1"/>
+              <a:t>const</a:t>
+            </a:r>
+            <a:r>
+              <a:rPr lang="de-DE" dirty="0"/>
+              <a:t> erst seit ES6 (ES2015)</a:t>
+            </a:r>
+          </a:p>
+          <a:p>
+            <a:r>
+              <a:rPr lang="de-DE" dirty="0"/>
+              <a:t>Var ist das schwächste Schlüsselwort</a:t>
+            </a:r>
           </a:p>
         </p:txBody>
       </p:sp>
@@ -705,7 +726,7 @@
           <a:p>
             <a:fld id="{C0663104-BBBB-4823-99BF-1DB3B469CAD1}" type="slidenum">
               <a:rPr lang="de-DE" smtClean="0"/>
-              <a:t>11</a:t>
+              <a:t>10</a:t>
             </a:fld>
             <a:endParaRPr lang="de-DE"/>
           </a:p>
@@ -714,7 +735,7 @@
     </p:spTree>
     <p:extLst>
       <p:ext uri="{BB962C8B-B14F-4D97-AF65-F5344CB8AC3E}">
-        <p14:creationId xmlns:p14="http://schemas.microsoft.com/office/powerpoint/2010/main" val="4013731935"/>
+        <p14:creationId xmlns:p14="http://schemas.microsoft.com/office/powerpoint/2010/main" val="1304083389"/>
       </p:ext>
     </p:extLst>
   </p:cSld>
@@ -768,24 +789,6 @@
           <a:bodyPr/>
           <a:lstStyle/>
           <a:p>
-            <a:r>
-              <a:rPr lang="de-DE" dirty="0"/>
-              <a:t>Gültig nur in der </a:t>
-            </a:r>
-            <a:r>
-              <a:rPr lang="de-DE" dirty="0" err="1"/>
-              <a:t>function</a:t>
-            </a:r>
-            <a:r>
-              <a:rPr lang="de-DE" dirty="0"/>
-              <a:t>, in der sie deklariert wurde</a:t>
-            </a:r>
-          </a:p>
-          <a:p>
-            <a:r>
-              <a:rPr lang="de-DE" dirty="0" err="1"/>
-              <a:t>Hoisting</a:t>
-            </a:r>
             <a:endParaRPr lang="de-DE" dirty="0"/>
           </a:p>
         </p:txBody>
@@ -807,7 +810,7 @@
           <a:p>
             <a:fld id="{C0663104-BBBB-4823-99BF-1DB3B469CAD1}" type="slidenum">
               <a:rPr lang="de-DE" smtClean="0"/>
-              <a:t>14</a:t>
+              <a:t>11</a:t>
             </a:fld>
             <a:endParaRPr lang="de-DE"/>
           </a:p>
@@ -816,7 +819,7 @@
     </p:spTree>
     <p:extLst>
       <p:ext uri="{BB962C8B-B14F-4D97-AF65-F5344CB8AC3E}">
-        <p14:creationId xmlns:p14="http://schemas.microsoft.com/office/powerpoint/2010/main" val="2006797410"/>
+        <p14:creationId xmlns:p14="http://schemas.microsoft.com/office/powerpoint/2010/main" val="4013731935"/>
       </p:ext>
     </p:extLst>
   </p:cSld>
@@ -870,23 +873,7 @@
           <a:bodyPr/>
           <a:lstStyle/>
           <a:p>
-            <a:r>
-              <a:rPr lang="de-DE" dirty="0"/>
-              <a:t>Nach Demo:</a:t>
-            </a:r>
-          </a:p>
-          <a:p>
-            <a:r>
-              <a:rPr lang="de-DE" dirty="0" err="1"/>
-              <a:t>Let</a:t>
-            </a:r>
-            <a:r>
-              <a:rPr lang="de-DE" dirty="0"/>
-              <a:t> stellt sicher, dass eine Variable vor dem Zugriff explizit deklariert werden muss!</a:t>
-            </a:r>
-          </a:p>
-          <a:p>
-            <a:endParaRPr lang="de-DE" dirty="0"/>
+            <a:endParaRPr lang="de-DE"/>
           </a:p>
         </p:txBody>
       </p:sp>
@@ -897,7 +884,7 @@
             <a:spLocks noGrp="1"/>
           </p:cNvSpPr>
           <p:nvPr>
-            <p:ph type="sldNum" sz="quarter" idx="10"/>
+            <p:ph type="sldNum" sz="quarter" idx="5"/>
           </p:nvPr>
         </p:nvSpPr>
         <p:spPr/>
@@ -907,7 +894,7 @@
           <a:p>
             <a:fld id="{C0663104-BBBB-4823-99BF-1DB3B469CAD1}" type="slidenum">
               <a:rPr lang="de-DE" smtClean="0"/>
-              <a:t>15</a:t>
+              <a:t>12</a:t>
             </a:fld>
             <a:endParaRPr lang="de-DE"/>
           </a:p>
@@ -916,7 +903,7 @@
     </p:spTree>
     <p:extLst>
       <p:ext uri="{BB962C8B-B14F-4D97-AF65-F5344CB8AC3E}">
-        <p14:creationId xmlns:p14="http://schemas.microsoft.com/office/powerpoint/2010/main" val="3710802712"/>
+        <p14:creationId xmlns:p14="http://schemas.microsoft.com/office/powerpoint/2010/main" val="2463255052"/>
       </p:ext>
     </p:extLst>
   </p:cSld>
@@ -970,26 +957,7 @@
           <a:bodyPr/>
           <a:lstStyle/>
           <a:p>
-            <a:r>
-              <a:rPr lang="de-DE" dirty="0"/>
-              <a:t>Aufruf über „</a:t>
-            </a:r>
-            <a:r>
-              <a:rPr lang="de-DE" dirty="0" err="1"/>
-              <a:t>new</a:t>
-            </a:r>
-            <a:r>
-              <a:rPr lang="de-DE" dirty="0"/>
-              <a:t>“ -&gt; </a:t>
-            </a:r>
-            <a:r>
-              <a:rPr lang="de-DE" dirty="0" err="1"/>
-              <a:t>Constructor</a:t>
-            </a:r>
-            <a:r>
-              <a:rPr lang="de-DE" dirty="0"/>
-              <a:t> Invokation</a:t>
-            </a:r>
+            <a:endParaRPr lang="de-DE"/>
           </a:p>
         </p:txBody>
       </p:sp>
@@ -1000,7 +968,7 @@
             <a:spLocks noGrp="1"/>
           </p:cNvSpPr>
           <p:nvPr>
-            <p:ph type="sldNum" sz="quarter" idx="10"/>
+            <p:ph type="sldNum" sz="quarter" idx="5"/>
           </p:nvPr>
         </p:nvSpPr>
         <p:spPr/>
@@ -1010,7 +978,7 @@
           <a:p>
             <a:fld id="{C0663104-BBBB-4823-99BF-1DB3B469CAD1}" type="slidenum">
               <a:rPr lang="de-DE" smtClean="0"/>
-              <a:t>16</a:t>
+              <a:t>13</a:t>
             </a:fld>
             <a:endParaRPr lang="de-DE"/>
           </a:p>
@@ -1019,7 +987,7 @@
     </p:spTree>
     <p:extLst>
       <p:ext uri="{BB962C8B-B14F-4D97-AF65-F5344CB8AC3E}">
-        <p14:creationId xmlns:p14="http://schemas.microsoft.com/office/powerpoint/2010/main" val="2777871867"/>
+        <p14:creationId xmlns:p14="http://schemas.microsoft.com/office/powerpoint/2010/main" val="1016067239"/>
       </p:ext>
     </p:extLst>
   </p:cSld>
@@ -1075,34 +1043,23 @@
           <a:p>
             <a:r>
               <a:rPr lang="de-DE" dirty="0"/>
-              <a:t>Übergang:</a:t>
-            </a:r>
-          </a:p>
-          <a:p>
+              <a:t>Gültig nur in der </a:t>
+            </a:r>
             <a:r>
               <a:rPr lang="de-DE" dirty="0" err="1"/>
-              <a:t>Wieviele</a:t>
-            </a:r>
-            <a:r>
-              <a:rPr lang="de-DE" dirty="0"/>
-              <a:t> Parameter hat die Funktion? -&gt; 2: </a:t>
-            </a:r>
+              <a:t>function</a:t>
+            </a:r>
+            <a:r>
+              <a:rPr lang="de-DE" dirty="0"/>
+              <a:t>, in der sie deklariert wurde</a:t>
+            </a:r>
+          </a:p>
+          <a:p>
             <a:r>
               <a:rPr lang="de-DE" dirty="0" err="1"/>
-              <a:t>name</a:t>
-            </a:r>
-            <a:r>
-              <a:rPr lang="de-DE" dirty="0"/>
-              <a:t> und ‚</a:t>
-            </a:r>
-            <a:r>
-              <a:rPr lang="de-DE" dirty="0" err="1"/>
-              <a:t>this</a:t>
-            </a:r>
-            <a:r>
-              <a:rPr lang="de-DE" dirty="0"/>
-              <a:t>‘</a:t>
-            </a:r>
+              <a:t>Hoisting</a:t>
+            </a:r>
+            <a:endParaRPr lang="de-DE" dirty="0"/>
           </a:p>
         </p:txBody>
       </p:sp>
@@ -1123,7 +1080,7 @@
           <a:p>
             <a:fld id="{C0663104-BBBB-4823-99BF-1DB3B469CAD1}" type="slidenum">
               <a:rPr lang="de-DE" smtClean="0"/>
-              <a:t>19</a:t>
+              <a:t>14</a:t>
             </a:fld>
             <a:endParaRPr lang="de-DE"/>
           </a:p>
@@ -1132,7 +1089,7 @@
     </p:spTree>
     <p:extLst>
       <p:ext uri="{BB962C8B-B14F-4D97-AF65-F5344CB8AC3E}">
-        <p14:creationId xmlns:p14="http://schemas.microsoft.com/office/powerpoint/2010/main" val="1044679522"/>
+        <p14:creationId xmlns:p14="http://schemas.microsoft.com/office/powerpoint/2010/main" val="2006797410"/>
       </p:ext>
     </p:extLst>
   </p:cSld>
@@ -1188,34 +1145,21 @@
           <a:p>
             <a:r>
               <a:rPr lang="de-DE" dirty="0"/>
-              <a:t>In C# immer ein Objekt der Klasse, indem die Funktion definiert ist</a:t>
-            </a:r>
-          </a:p>
-          <a:p>
-            <a:r>
-              <a:rPr lang="de-DE" dirty="0"/>
-              <a:t>In JS abhängig vom Aufruf der Funktion</a:t>
-            </a:r>
-          </a:p>
-          <a:p>
-            <a:r>
-              <a:rPr lang="de-DE" dirty="0"/>
-              <a:t>‚Der, der mich rief‘</a:t>
-            </a:r>
-          </a:p>
-          <a:p>
-            <a:r>
-              <a:rPr lang="de-DE" dirty="0"/>
-              <a:t>Ermitteln von </a:t>
-            </a:r>
+              <a:t>Nach Demo:</a:t>
+            </a:r>
+          </a:p>
+          <a:p>
             <a:r>
               <a:rPr lang="de-DE" dirty="0" err="1"/>
-              <a:t>this</a:t>
-            </a:r>
-            <a:r>
-              <a:rPr lang="de-DE" dirty="0"/>
-              <a:t> erfolgt zur Laufzeit</a:t>
-            </a:r>
+              <a:t>Let</a:t>
+            </a:r>
+            <a:r>
+              <a:rPr lang="de-DE" dirty="0"/>
+              <a:t> stellt sicher, dass eine Variable vor dem Zugriff explizit deklariert werden muss!</a:t>
+            </a:r>
+          </a:p>
+          <a:p>
+            <a:endParaRPr lang="de-DE" dirty="0"/>
           </a:p>
         </p:txBody>
       </p:sp>
@@ -1236,7 +1180,7 @@
           <a:p>
             <a:fld id="{C0663104-BBBB-4823-99BF-1DB3B469CAD1}" type="slidenum">
               <a:rPr lang="de-DE" smtClean="0"/>
-              <a:t>20</a:t>
+              <a:t>15</a:t>
             </a:fld>
             <a:endParaRPr lang="de-DE"/>
           </a:p>
@@ -1245,7 +1189,7 @@
     </p:spTree>
     <p:extLst>
       <p:ext uri="{BB962C8B-B14F-4D97-AF65-F5344CB8AC3E}">
-        <p14:creationId xmlns:p14="http://schemas.microsoft.com/office/powerpoint/2010/main" val="3419604036"/>
+        <p14:creationId xmlns:p14="http://schemas.microsoft.com/office/powerpoint/2010/main" val="3710802712"/>
       </p:ext>
     </p:extLst>
   </p:cSld>
@@ -1272,7 +1216,85 @@
           <a:chExt cx="0" cy="0"/>
         </a:xfrm>
       </p:grpSpPr>
+      <p:sp>
+        <p:nvSpPr>
+          <p:cNvPr id="2" name="Folienbildplatzhalter 1"/>
+          <p:cNvSpPr>
+            <a:spLocks noGrp="1" noRot="1" noChangeAspect="1"/>
+          </p:cNvSpPr>
+          <p:nvPr>
+            <p:ph type="sldImg"/>
+          </p:nvPr>
+        </p:nvSpPr>
+        <p:spPr/>
+      </p:sp>
+      <p:sp>
+        <p:nvSpPr>
+          <p:cNvPr id="3" name="Notizenplatzhalter 2"/>
+          <p:cNvSpPr>
+            <a:spLocks noGrp="1"/>
+          </p:cNvSpPr>
+          <p:nvPr>
+            <p:ph type="body" idx="1"/>
+          </p:nvPr>
+        </p:nvSpPr>
+        <p:spPr/>
+        <p:txBody>
+          <a:bodyPr/>
+          <a:lstStyle/>
+          <a:p>
+            <a:r>
+              <a:rPr lang="de-DE" dirty="0"/>
+              <a:t>Aufruf über „</a:t>
+            </a:r>
+            <a:r>
+              <a:rPr lang="de-DE" dirty="0" err="1"/>
+              <a:t>new</a:t>
+            </a:r>
+            <a:r>
+              <a:rPr lang="de-DE" dirty="0"/>
+              <a:t>“ -&gt; </a:t>
+            </a:r>
+            <a:r>
+              <a:rPr lang="de-DE" dirty="0" err="1"/>
+              <a:t>Constructor</a:t>
+            </a:r>
+            <a:r>
+              <a:rPr lang="de-DE" dirty="0"/>
+              <a:t> Invokation</a:t>
+            </a:r>
+          </a:p>
+        </p:txBody>
+      </p:sp>
+      <p:sp>
+        <p:nvSpPr>
+          <p:cNvPr id="4" name="Foliennummernplatzhalter 3"/>
+          <p:cNvSpPr>
+            <a:spLocks noGrp="1"/>
+          </p:cNvSpPr>
+          <p:nvPr>
+            <p:ph type="sldNum" sz="quarter" idx="10"/>
+          </p:nvPr>
+        </p:nvSpPr>
+        <p:spPr/>
+        <p:txBody>
+          <a:bodyPr/>
+          <a:lstStyle/>
+          <a:p>
+            <a:fld id="{C0663104-BBBB-4823-99BF-1DB3B469CAD1}" type="slidenum">
+              <a:rPr lang="de-DE" smtClean="0"/>
+              <a:t>16</a:t>
+            </a:fld>
+            <a:endParaRPr lang="de-DE"/>
+          </a:p>
+        </p:txBody>
+      </p:sp>
     </p:spTree>
+    <p:extLst>
+      <p:ext uri="{BB962C8B-B14F-4D97-AF65-F5344CB8AC3E}">
+        <p14:creationId xmlns:p14="http://schemas.microsoft.com/office/powerpoint/2010/main" val="2777871867"/>
+      </p:ext>
+    </p:extLst>
   </p:cSld>
   <p:clrMapOvr>
     <a:masterClrMapping/>
@@ -1324,51 +1346,7 @@
           <a:bodyPr/>
           <a:lstStyle/>
           <a:p>
-            <a:r>
-              <a:rPr lang="de-DE" dirty="0"/>
-              <a:t>JavaScript hohe Verbreitung -&gt; keine Breaking </a:t>
-            </a:r>
-            <a:r>
-              <a:rPr lang="de-DE" dirty="0" err="1"/>
-              <a:t>Changes</a:t>
-            </a:r>
-            <a:endParaRPr lang="de-DE" dirty="0"/>
-          </a:p>
-          <a:p>
-            <a:r>
-              <a:rPr lang="de-DE" dirty="0"/>
-              <a:t>Deshalb harmloses Literal ‚</a:t>
-            </a:r>
-            <a:r>
-              <a:rPr lang="de-DE" dirty="0" err="1"/>
-              <a:t>use</a:t>
-            </a:r>
-            <a:r>
-              <a:rPr lang="de-DE" dirty="0"/>
-              <a:t> </a:t>
-            </a:r>
-            <a:r>
-              <a:rPr lang="de-DE" dirty="0" err="1"/>
-              <a:t>strict</a:t>
-            </a:r>
-            <a:r>
-              <a:rPr lang="de-DE" dirty="0"/>
-              <a:t>‘</a:t>
-            </a:r>
-          </a:p>
-          <a:p>
-            <a:r>
-              <a:rPr lang="de-DE" dirty="0"/>
-              <a:t>X wird dem aktuellen Kontext (</a:t>
-            </a:r>
-            <a:r>
-              <a:rPr lang="de-DE" dirty="0" err="1"/>
-              <a:t>this</a:t>
-            </a:r>
-            <a:r>
-              <a:rPr lang="de-DE" dirty="0"/>
-              <a:t>) hinzugefügt</a:t>
-            </a:r>
+            <a:endParaRPr lang="de-DE"/>
           </a:p>
         </p:txBody>
       </p:sp>
@@ -1379,7 +1357,7 @@
             <a:spLocks noGrp="1"/>
           </p:cNvSpPr>
           <p:nvPr>
-            <p:ph type="sldNum" sz="quarter" idx="10"/>
+            <p:ph type="sldNum" sz="quarter" idx="5"/>
           </p:nvPr>
         </p:nvSpPr>
         <p:spPr/>
@@ -1389,7 +1367,7 @@
           <a:p>
             <a:fld id="{C0663104-BBBB-4823-99BF-1DB3B469CAD1}" type="slidenum">
               <a:rPr lang="de-DE" smtClean="0"/>
-              <a:t>22</a:t>
+              <a:t>17</a:t>
             </a:fld>
             <a:endParaRPr lang="de-DE"/>
           </a:p>
@@ -1398,7 +1376,7 @@
     </p:spTree>
     <p:extLst>
       <p:ext uri="{BB962C8B-B14F-4D97-AF65-F5344CB8AC3E}">
-        <p14:creationId xmlns:p14="http://schemas.microsoft.com/office/powerpoint/2010/main" val="3469212084"/>
+        <p14:creationId xmlns:p14="http://schemas.microsoft.com/office/powerpoint/2010/main" val="850729166"/>
       </p:ext>
     </p:extLst>
   </p:cSld>
@@ -1452,13 +1430,7 @@
           <a:bodyPr/>
           <a:lstStyle/>
           <a:p>
-            <a:r>
-              <a:rPr lang="de-DE" dirty="0"/>
-              <a:t>Typen existieren nur zur Entwicklung (gehen beim transpilieren verloren)</a:t>
-            </a:r>
-          </a:p>
-          <a:p>
-            <a:endParaRPr lang="de-DE" dirty="0"/>
+            <a:endParaRPr lang="de-DE"/>
           </a:p>
         </p:txBody>
       </p:sp>
@@ -1469,7 +1441,7 @@
             <a:spLocks noGrp="1"/>
           </p:cNvSpPr>
           <p:nvPr>
-            <p:ph type="sldNum" sz="quarter" idx="10"/>
+            <p:ph type="sldNum" sz="quarter" idx="5"/>
           </p:nvPr>
         </p:nvSpPr>
         <p:spPr/>
@@ -1479,7 +1451,7 @@
           <a:p>
             <a:fld id="{C0663104-BBBB-4823-99BF-1DB3B469CAD1}" type="slidenum">
               <a:rPr lang="de-DE" smtClean="0"/>
-              <a:t>25</a:t>
+              <a:t>18</a:t>
             </a:fld>
             <a:endParaRPr lang="de-DE"/>
           </a:p>
@@ -1488,7 +1460,7 @@
     </p:spTree>
     <p:extLst>
       <p:ext uri="{BB962C8B-B14F-4D97-AF65-F5344CB8AC3E}">
-        <p14:creationId xmlns:p14="http://schemas.microsoft.com/office/powerpoint/2010/main" val="4032013435"/>
+        <p14:creationId xmlns:p14="http://schemas.microsoft.com/office/powerpoint/2010/main" val="1311347082"/>
       </p:ext>
     </p:extLst>
   </p:cSld>
@@ -1544,11 +1516,34 @@
           <a:p>
             <a:r>
               <a:rPr lang="de-DE" dirty="0"/>
-              <a:t>Typen existieren nur zur Entwicklung (gehen beim transpilieren verloren)</a:t>
-            </a:r>
-          </a:p>
-          <a:p>
-            <a:endParaRPr lang="de-DE" dirty="0"/>
+              <a:t>Übergang:</a:t>
+            </a:r>
+          </a:p>
+          <a:p>
+            <a:r>
+              <a:rPr lang="de-DE" dirty="0" err="1"/>
+              <a:t>Wieviele</a:t>
+            </a:r>
+            <a:r>
+              <a:rPr lang="de-DE" dirty="0"/>
+              <a:t> Parameter hat die Funktion? -&gt; 2: </a:t>
+            </a:r>
+            <a:r>
+              <a:rPr lang="de-DE" dirty="0" err="1"/>
+              <a:t>name</a:t>
+            </a:r>
+            <a:r>
+              <a:rPr lang="de-DE" dirty="0"/>
+              <a:t> und ‚</a:t>
+            </a:r>
+            <a:r>
+              <a:rPr lang="de-DE" dirty="0" err="1"/>
+              <a:t>this</a:t>
+            </a:r>
+            <a:r>
+              <a:rPr lang="de-DE" dirty="0"/>
+              <a:t>‘</a:t>
+            </a:r>
           </a:p>
         </p:txBody>
       </p:sp>
@@ -1569,7 +1564,7 @@
           <a:p>
             <a:fld id="{C0663104-BBBB-4823-99BF-1DB3B469CAD1}" type="slidenum">
               <a:rPr lang="de-DE" smtClean="0"/>
-              <a:t>26</a:t>
+              <a:t>19</a:t>
             </a:fld>
             <a:endParaRPr lang="de-DE"/>
           </a:p>
@@ -1578,7 +1573,7 @@
     </p:spTree>
     <p:extLst>
       <p:ext uri="{BB962C8B-B14F-4D97-AF65-F5344CB8AC3E}">
-        <p14:creationId xmlns:p14="http://schemas.microsoft.com/office/powerpoint/2010/main" val="3411909009"/>
+        <p14:creationId xmlns:p14="http://schemas.microsoft.com/office/powerpoint/2010/main" val="1044679522"/>
       </p:ext>
     </p:extLst>
   </p:cSld>
@@ -1744,11 +1739,34 @@
           <a:p>
             <a:r>
               <a:rPr lang="de-DE" dirty="0"/>
-              <a:t>Typen existieren nur zur Entwicklung (gehen beim transpilieren verloren)</a:t>
-            </a:r>
-          </a:p>
-          <a:p>
-            <a:endParaRPr lang="de-DE" dirty="0"/>
+              <a:t>In C# immer ein Objekt der Klasse, indem die Funktion definiert ist</a:t>
+            </a:r>
+          </a:p>
+          <a:p>
+            <a:r>
+              <a:rPr lang="de-DE" dirty="0"/>
+              <a:t>In JS abhängig vom Aufruf der Funktion</a:t>
+            </a:r>
+          </a:p>
+          <a:p>
+            <a:r>
+              <a:rPr lang="de-DE" dirty="0"/>
+              <a:t>‚Der, der mich rief‘</a:t>
+            </a:r>
+          </a:p>
+          <a:p>
+            <a:r>
+              <a:rPr lang="de-DE" dirty="0"/>
+              <a:t>Ermitteln von </a:t>
+            </a:r>
+            <a:r>
+              <a:rPr lang="de-DE" dirty="0" err="1"/>
+              <a:t>this</a:t>
+            </a:r>
+            <a:r>
+              <a:rPr lang="de-DE" dirty="0"/>
+              <a:t> erfolgt zur Laufzeit</a:t>
+            </a:r>
           </a:p>
         </p:txBody>
       </p:sp>
@@ -1769,7 +1787,7 @@
           <a:p>
             <a:fld id="{C0663104-BBBB-4823-99BF-1DB3B469CAD1}" type="slidenum">
               <a:rPr lang="de-DE" smtClean="0"/>
-              <a:t>27</a:t>
+              <a:t>20</a:t>
             </a:fld>
             <a:endParaRPr lang="de-DE"/>
           </a:p>
@@ -1778,7 +1796,7 @@
     </p:spTree>
     <p:extLst>
       <p:ext uri="{BB962C8B-B14F-4D97-AF65-F5344CB8AC3E}">
-        <p14:creationId xmlns:p14="http://schemas.microsoft.com/office/powerpoint/2010/main" val="3583523099"/>
+        <p14:creationId xmlns:p14="http://schemas.microsoft.com/office/powerpoint/2010/main" val="3419604036"/>
       </p:ext>
     </p:extLst>
   </p:cSld>
@@ -1805,66 +1823,7 @@
           <a:chExt cx="0" cy="0"/>
         </a:xfrm>
       </p:grpSpPr>
-      <p:sp>
-        <p:nvSpPr>
-          <p:cNvPr id="2" name="Folienbildplatzhalter 1"/>
-          <p:cNvSpPr>
-            <a:spLocks noGrp="1" noRot="1" noChangeAspect="1"/>
-          </p:cNvSpPr>
-          <p:nvPr>
-            <p:ph type="sldImg"/>
-          </p:nvPr>
-        </p:nvSpPr>
-        <p:spPr/>
-      </p:sp>
-      <p:sp>
-        <p:nvSpPr>
-          <p:cNvPr id="3" name="Notizenplatzhalter 2"/>
-          <p:cNvSpPr>
-            <a:spLocks noGrp="1"/>
-          </p:cNvSpPr>
-          <p:nvPr>
-            <p:ph type="body" idx="1"/>
-          </p:nvPr>
-        </p:nvSpPr>
-        <p:spPr/>
-        <p:txBody>
-          <a:bodyPr/>
-          <a:lstStyle/>
-          <a:p>
-            <a:endParaRPr lang="de-DE" dirty="0"/>
-          </a:p>
-        </p:txBody>
-      </p:sp>
-      <p:sp>
-        <p:nvSpPr>
-          <p:cNvPr id="4" name="Foliennummernplatzhalter 3"/>
-          <p:cNvSpPr>
-            <a:spLocks noGrp="1"/>
-          </p:cNvSpPr>
-          <p:nvPr>
-            <p:ph type="sldNum" sz="quarter" idx="10"/>
-          </p:nvPr>
-        </p:nvSpPr>
-        <p:spPr/>
-        <p:txBody>
-          <a:bodyPr/>
-          <a:lstStyle/>
-          <a:p>
-            <a:fld id="{C0663104-BBBB-4823-99BF-1DB3B469CAD1}" type="slidenum">
-              <a:rPr lang="de-DE" smtClean="0"/>
-              <a:t>28</a:t>
-            </a:fld>
-            <a:endParaRPr lang="de-DE"/>
-          </a:p>
-        </p:txBody>
-      </p:sp>
     </p:spTree>
-    <p:extLst>
-      <p:ext uri="{BB962C8B-B14F-4D97-AF65-F5344CB8AC3E}">
-        <p14:creationId xmlns:p14="http://schemas.microsoft.com/office/powerpoint/2010/main" val="3395224485"/>
-      </p:ext>
-    </p:extLst>
   </p:cSld>
   <p:clrMapOvr>
     <a:masterClrMapping/>
@@ -1916,7 +1875,51 @@
           <a:bodyPr/>
           <a:lstStyle/>
           <a:p>
+            <a:r>
+              <a:rPr lang="de-DE" dirty="0"/>
+              <a:t>JavaScript hohe Verbreitung -&gt; keine Breaking </a:t>
+            </a:r>
+            <a:r>
+              <a:rPr lang="de-DE" dirty="0" err="1"/>
+              <a:t>Changes</a:t>
+            </a:r>
             <a:endParaRPr lang="de-DE" dirty="0"/>
+          </a:p>
+          <a:p>
+            <a:r>
+              <a:rPr lang="de-DE" dirty="0"/>
+              <a:t>Deshalb harmloses Literal ‚</a:t>
+            </a:r>
+            <a:r>
+              <a:rPr lang="de-DE" dirty="0" err="1"/>
+              <a:t>use</a:t>
+            </a:r>
+            <a:r>
+              <a:rPr lang="de-DE" dirty="0"/>
+              <a:t> </a:t>
+            </a:r>
+            <a:r>
+              <a:rPr lang="de-DE" dirty="0" err="1"/>
+              <a:t>strict</a:t>
+            </a:r>
+            <a:r>
+              <a:rPr lang="de-DE" dirty="0"/>
+              <a:t>‘</a:t>
+            </a:r>
+          </a:p>
+          <a:p>
+            <a:r>
+              <a:rPr lang="de-DE" dirty="0"/>
+              <a:t>X wird dem aktuellen Kontext (</a:t>
+            </a:r>
+            <a:r>
+              <a:rPr lang="de-DE" dirty="0" err="1"/>
+              <a:t>this</a:t>
+            </a:r>
+            <a:r>
+              <a:rPr lang="de-DE" dirty="0"/>
+              <a:t>) hinzugefügt</a:t>
+            </a:r>
           </a:p>
         </p:txBody>
       </p:sp>
@@ -1937,7 +1940,7 @@
           <a:p>
             <a:fld id="{C0663104-BBBB-4823-99BF-1DB3B469CAD1}" type="slidenum">
               <a:rPr lang="de-DE" smtClean="0"/>
-              <a:t>29</a:t>
+              <a:t>22</a:t>
             </a:fld>
             <a:endParaRPr lang="de-DE"/>
           </a:p>
@@ -1946,7 +1949,7 @@
     </p:spTree>
     <p:extLst>
       <p:ext uri="{BB962C8B-B14F-4D97-AF65-F5344CB8AC3E}">
-        <p14:creationId xmlns:p14="http://schemas.microsoft.com/office/powerpoint/2010/main" val="3611183911"/>
+        <p14:creationId xmlns:p14="http://schemas.microsoft.com/office/powerpoint/2010/main" val="3469212084"/>
       </p:ext>
     </p:extLst>
   </p:cSld>
@@ -2000,7 +2003,7 @@
           <a:bodyPr/>
           <a:lstStyle/>
           <a:p>
-            <a:endParaRPr lang="de-DE" dirty="0"/>
+            <a:endParaRPr lang="de-DE"/>
           </a:p>
         </p:txBody>
       </p:sp>
@@ -2011,7 +2014,7 @@
             <a:spLocks noGrp="1"/>
           </p:cNvSpPr>
           <p:nvPr>
-            <p:ph type="sldNum" sz="quarter" idx="10"/>
+            <p:ph type="sldNum" sz="quarter" idx="5"/>
           </p:nvPr>
         </p:nvSpPr>
         <p:spPr/>
@@ -2021,7 +2024,7 @@
           <a:p>
             <a:fld id="{C0663104-BBBB-4823-99BF-1DB3B469CAD1}" type="slidenum">
               <a:rPr lang="de-DE" smtClean="0"/>
-              <a:t>38</a:t>
+              <a:t>23</a:t>
             </a:fld>
             <a:endParaRPr lang="de-DE"/>
           </a:p>
@@ -2030,7 +2033,529 @@
     </p:spTree>
     <p:extLst>
       <p:ext uri="{BB962C8B-B14F-4D97-AF65-F5344CB8AC3E}">
-        <p14:creationId xmlns:p14="http://schemas.microsoft.com/office/powerpoint/2010/main" val="2580491595"/>
+        <p14:creationId xmlns:p14="http://schemas.microsoft.com/office/powerpoint/2010/main" val="988273234"/>
+      </p:ext>
+    </p:extLst>
+  </p:cSld>
+  <p:clrMapOvr>
+    <a:masterClrMapping/>
+  </p:clrMapOvr>
+</p:notes>
+</file>
+
+<file path=ppt/notesSlides/notesSlide24.xml><?xml version="1.0" encoding="utf-8"?>
+<p:notes xmlns:a="http://schemas.openxmlformats.org/drawingml/2006/main" xmlns:r="http://schemas.openxmlformats.org/officeDocument/2006/relationships" xmlns:p="http://schemas.openxmlformats.org/presentationml/2006/main">
+  <p:cSld>
+    <p:spTree>
+      <p:nvGrpSpPr>
+        <p:cNvPr id="1" name=""/>
+        <p:cNvGrpSpPr/>
+        <p:nvPr/>
+      </p:nvGrpSpPr>
+      <p:grpSpPr>
+        <a:xfrm>
+          <a:off x="0" y="0"/>
+          <a:ext cx="0" cy="0"/>
+          <a:chOff x="0" y="0"/>
+          <a:chExt cx="0" cy="0"/>
+        </a:xfrm>
+      </p:grpSpPr>
+      <p:sp>
+        <p:nvSpPr>
+          <p:cNvPr id="2" name="Folienbildplatzhalter 1"/>
+          <p:cNvSpPr>
+            <a:spLocks noGrp="1" noRot="1" noChangeAspect="1"/>
+          </p:cNvSpPr>
+          <p:nvPr>
+            <p:ph type="sldImg"/>
+          </p:nvPr>
+        </p:nvSpPr>
+        <p:spPr/>
+      </p:sp>
+      <p:sp>
+        <p:nvSpPr>
+          <p:cNvPr id="3" name="Notizenplatzhalter 2"/>
+          <p:cNvSpPr>
+            <a:spLocks noGrp="1"/>
+          </p:cNvSpPr>
+          <p:nvPr>
+            <p:ph type="body" idx="1"/>
+          </p:nvPr>
+        </p:nvSpPr>
+        <p:spPr/>
+        <p:txBody>
+          <a:bodyPr/>
+          <a:lstStyle/>
+          <a:p>
+            <a:endParaRPr lang="de-DE"/>
+          </a:p>
+        </p:txBody>
+      </p:sp>
+      <p:sp>
+        <p:nvSpPr>
+          <p:cNvPr id="4" name="Foliennummernplatzhalter 3"/>
+          <p:cNvSpPr>
+            <a:spLocks noGrp="1"/>
+          </p:cNvSpPr>
+          <p:nvPr>
+            <p:ph type="sldNum" sz="quarter" idx="5"/>
+          </p:nvPr>
+        </p:nvSpPr>
+        <p:spPr/>
+        <p:txBody>
+          <a:bodyPr/>
+          <a:lstStyle/>
+          <a:p>
+            <a:fld id="{C0663104-BBBB-4823-99BF-1DB3B469CAD1}" type="slidenum">
+              <a:rPr lang="de-DE" smtClean="0"/>
+              <a:t>24</a:t>
+            </a:fld>
+            <a:endParaRPr lang="de-DE"/>
+          </a:p>
+        </p:txBody>
+      </p:sp>
+    </p:spTree>
+    <p:extLst>
+      <p:ext uri="{BB962C8B-B14F-4D97-AF65-F5344CB8AC3E}">
+        <p14:creationId xmlns:p14="http://schemas.microsoft.com/office/powerpoint/2010/main" val="3090010265"/>
+      </p:ext>
+    </p:extLst>
+  </p:cSld>
+  <p:clrMapOvr>
+    <a:masterClrMapping/>
+  </p:clrMapOvr>
+</p:notes>
+</file>
+
+<file path=ppt/notesSlides/notesSlide25.xml><?xml version="1.0" encoding="utf-8"?>
+<p:notes xmlns:a="http://schemas.openxmlformats.org/drawingml/2006/main" xmlns:r="http://schemas.openxmlformats.org/officeDocument/2006/relationships" xmlns:p="http://schemas.openxmlformats.org/presentationml/2006/main">
+  <p:cSld>
+    <p:spTree>
+      <p:nvGrpSpPr>
+        <p:cNvPr id="1" name=""/>
+        <p:cNvGrpSpPr/>
+        <p:nvPr/>
+      </p:nvGrpSpPr>
+      <p:grpSpPr>
+        <a:xfrm>
+          <a:off x="0" y="0"/>
+          <a:ext cx="0" cy="0"/>
+          <a:chOff x="0" y="0"/>
+          <a:chExt cx="0" cy="0"/>
+        </a:xfrm>
+      </p:grpSpPr>
+      <p:sp>
+        <p:nvSpPr>
+          <p:cNvPr id="2" name="Folienbildplatzhalter 1"/>
+          <p:cNvSpPr>
+            <a:spLocks noGrp="1" noRot="1" noChangeAspect="1"/>
+          </p:cNvSpPr>
+          <p:nvPr>
+            <p:ph type="sldImg"/>
+          </p:nvPr>
+        </p:nvSpPr>
+        <p:spPr/>
+      </p:sp>
+      <p:sp>
+        <p:nvSpPr>
+          <p:cNvPr id="3" name="Notizenplatzhalter 2"/>
+          <p:cNvSpPr>
+            <a:spLocks noGrp="1"/>
+          </p:cNvSpPr>
+          <p:nvPr>
+            <p:ph type="body" idx="1"/>
+          </p:nvPr>
+        </p:nvSpPr>
+        <p:spPr/>
+        <p:txBody>
+          <a:bodyPr/>
+          <a:lstStyle/>
+          <a:p>
+            <a:r>
+              <a:rPr lang="de-DE" dirty="0"/>
+              <a:t>Typen existieren nur zur Entwicklung (gehen beim transpilieren verloren)</a:t>
+            </a:r>
+          </a:p>
+          <a:p>
+            <a:endParaRPr lang="de-DE" dirty="0"/>
+          </a:p>
+        </p:txBody>
+      </p:sp>
+      <p:sp>
+        <p:nvSpPr>
+          <p:cNvPr id="4" name="Foliennummernplatzhalter 3"/>
+          <p:cNvSpPr>
+            <a:spLocks noGrp="1"/>
+          </p:cNvSpPr>
+          <p:nvPr>
+            <p:ph type="sldNum" sz="quarter" idx="10"/>
+          </p:nvPr>
+        </p:nvSpPr>
+        <p:spPr/>
+        <p:txBody>
+          <a:bodyPr/>
+          <a:lstStyle/>
+          <a:p>
+            <a:fld id="{C0663104-BBBB-4823-99BF-1DB3B469CAD1}" type="slidenum">
+              <a:rPr lang="de-DE" smtClean="0"/>
+              <a:t>25</a:t>
+            </a:fld>
+            <a:endParaRPr lang="de-DE"/>
+          </a:p>
+        </p:txBody>
+      </p:sp>
+    </p:spTree>
+    <p:extLst>
+      <p:ext uri="{BB962C8B-B14F-4D97-AF65-F5344CB8AC3E}">
+        <p14:creationId xmlns:p14="http://schemas.microsoft.com/office/powerpoint/2010/main" val="4032013435"/>
+      </p:ext>
+    </p:extLst>
+  </p:cSld>
+  <p:clrMapOvr>
+    <a:masterClrMapping/>
+  </p:clrMapOvr>
+</p:notes>
+</file>
+
+<file path=ppt/notesSlides/notesSlide26.xml><?xml version="1.0" encoding="utf-8"?>
+<p:notes xmlns:a="http://schemas.openxmlformats.org/drawingml/2006/main" xmlns:r="http://schemas.openxmlformats.org/officeDocument/2006/relationships" xmlns:p="http://schemas.openxmlformats.org/presentationml/2006/main">
+  <p:cSld>
+    <p:spTree>
+      <p:nvGrpSpPr>
+        <p:cNvPr id="1" name=""/>
+        <p:cNvGrpSpPr/>
+        <p:nvPr/>
+      </p:nvGrpSpPr>
+      <p:grpSpPr>
+        <a:xfrm>
+          <a:off x="0" y="0"/>
+          <a:ext cx="0" cy="0"/>
+          <a:chOff x="0" y="0"/>
+          <a:chExt cx="0" cy="0"/>
+        </a:xfrm>
+      </p:grpSpPr>
+      <p:sp>
+        <p:nvSpPr>
+          <p:cNvPr id="2" name="Folienbildplatzhalter 1"/>
+          <p:cNvSpPr>
+            <a:spLocks noGrp="1" noRot="1" noChangeAspect="1"/>
+          </p:cNvSpPr>
+          <p:nvPr>
+            <p:ph type="sldImg"/>
+          </p:nvPr>
+        </p:nvSpPr>
+        <p:spPr/>
+      </p:sp>
+      <p:sp>
+        <p:nvSpPr>
+          <p:cNvPr id="3" name="Notizenplatzhalter 2"/>
+          <p:cNvSpPr>
+            <a:spLocks noGrp="1"/>
+          </p:cNvSpPr>
+          <p:nvPr>
+            <p:ph type="body" idx="1"/>
+          </p:nvPr>
+        </p:nvSpPr>
+        <p:spPr/>
+        <p:txBody>
+          <a:bodyPr/>
+          <a:lstStyle/>
+          <a:p>
+            <a:r>
+              <a:rPr lang="de-DE" dirty="0"/>
+              <a:t>Typen existieren nur zur Entwicklung (gehen beim transpilieren verloren)</a:t>
+            </a:r>
+          </a:p>
+          <a:p>
+            <a:endParaRPr lang="de-DE" dirty="0"/>
+          </a:p>
+        </p:txBody>
+      </p:sp>
+      <p:sp>
+        <p:nvSpPr>
+          <p:cNvPr id="4" name="Foliennummernplatzhalter 3"/>
+          <p:cNvSpPr>
+            <a:spLocks noGrp="1"/>
+          </p:cNvSpPr>
+          <p:nvPr>
+            <p:ph type="sldNum" sz="quarter" idx="10"/>
+          </p:nvPr>
+        </p:nvSpPr>
+        <p:spPr/>
+        <p:txBody>
+          <a:bodyPr/>
+          <a:lstStyle/>
+          <a:p>
+            <a:fld id="{C0663104-BBBB-4823-99BF-1DB3B469CAD1}" type="slidenum">
+              <a:rPr lang="de-DE" smtClean="0"/>
+              <a:t>26</a:t>
+            </a:fld>
+            <a:endParaRPr lang="de-DE"/>
+          </a:p>
+        </p:txBody>
+      </p:sp>
+    </p:spTree>
+    <p:extLst>
+      <p:ext uri="{BB962C8B-B14F-4D97-AF65-F5344CB8AC3E}">
+        <p14:creationId xmlns:p14="http://schemas.microsoft.com/office/powerpoint/2010/main" val="3411909009"/>
+      </p:ext>
+    </p:extLst>
+  </p:cSld>
+  <p:clrMapOvr>
+    <a:masterClrMapping/>
+  </p:clrMapOvr>
+</p:notes>
+</file>
+
+<file path=ppt/notesSlides/notesSlide27.xml><?xml version="1.0" encoding="utf-8"?>
+<p:notes xmlns:a="http://schemas.openxmlformats.org/drawingml/2006/main" xmlns:r="http://schemas.openxmlformats.org/officeDocument/2006/relationships" xmlns:p="http://schemas.openxmlformats.org/presentationml/2006/main">
+  <p:cSld>
+    <p:spTree>
+      <p:nvGrpSpPr>
+        <p:cNvPr id="1" name=""/>
+        <p:cNvGrpSpPr/>
+        <p:nvPr/>
+      </p:nvGrpSpPr>
+      <p:grpSpPr>
+        <a:xfrm>
+          <a:off x="0" y="0"/>
+          <a:ext cx="0" cy="0"/>
+          <a:chOff x="0" y="0"/>
+          <a:chExt cx="0" cy="0"/>
+        </a:xfrm>
+      </p:grpSpPr>
+      <p:sp>
+        <p:nvSpPr>
+          <p:cNvPr id="2" name="Folienbildplatzhalter 1"/>
+          <p:cNvSpPr>
+            <a:spLocks noGrp="1" noRot="1" noChangeAspect="1"/>
+          </p:cNvSpPr>
+          <p:nvPr>
+            <p:ph type="sldImg"/>
+          </p:nvPr>
+        </p:nvSpPr>
+        <p:spPr/>
+      </p:sp>
+      <p:sp>
+        <p:nvSpPr>
+          <p:cNvPr id="3" name="Notizenplatzhalter 2"/>
+          <p:cNvSpPr>
+            <a:spLocks noGrp="1"/>
+          </p:cNvSpPr>
+          <p:nvPr>
+            <p:ph type="body" idx="1"/>
+          </p:nvPr>
+        </p:nvSpPr>
+        <p:spPr/>
+        <p:txBody>
+          <a:bodyPr/>
+          <a:lstStyle/>
+          <a:p>
+            <a:r>
+              <a:rPr lang="de-DE" dirty="0"/>
+              <a:t>Typen existieren nur zur Entwicklung (gehen beim transpilieren verloren)</a:t>
+            </a:r>
+          </a:p>
+          <a:p>
+            <a:endParaRPr lang="de-DE" dirty="0"/>
+          </a:p>
+        </p:txBody>
+      </p:sp>
+      <p:sp>
+        <p:nvSpPr>
+          <p:cNvPr id="4" name="Foliennummernplatzhalter 3"/>
+          <p:cNvSpPr>
+            <a:spLocks noGrp="1"/>
+          </p:cNvSpPr>
+          <p:nvPr>
+            <p:ph type="sldNum" sz="quarter" idx="10"/>
+          </p:nvPr>
+        </p:nvSpPr>
+        <p:spPr/>
+        <p:txBody>
+          <a:bodyPr/>
+          <a:lstStyle/>
+          <a:p>
+            <a:fld id="{C0663104-BBBB-4823-99BF-1DB3B469CAD1}" type="slidenum">
+              <a:rPr lang="de-DE" smtClean="0"/>
+              <a:t>27</a:t>
+            </a:fld>
+            <a:endParaRPr lang="de-DE"/>
+          </a:p>
+        </p:txBody>
+      </p:sp>
+    </p:spTree>
+    <p:extLst>
+      <p:ext uri="{BB962C8B-B14F-4D97-AF65-F5344CB8AC3E}">
+        <p14:creationId xmlns:p14="http://schemas.microsoft.com/office/powerpoint/2010/main" val="3583523099"/>
+      </p:ext>
+    </p:extLst>
+  </p:cSld>
+  <p:clrMapOvr>
+    <a:masterClrMapping/>
+  </p:clrMapOvr>
+</p:notes>
+</file>
+
+<file path=ppt/notesSlides/notesSlide28.xml><?xml version="1.0" encoding="utf-8"?>
+<p:notes xmlns:a="http://schemas.openxmlformats.org/drawingml/2006/main" xmlns:r="http://schemas.openxmlformats.org/officeDocument/2006/relationships" xmlns:p="http://schemas.openxmlformats.org/presentationml/2006/main">
+  <p:cSld>
+    <p:spTree>
+      <p:nvGrpSpPr>
+        <p:cNvPr id="1" name=""/>
+        <p:cNvGrpSpPr/>
+        <p:nvPr/>
+      </p:nvGrpSpPr>
+      <p:grpSpPr>
+        <a:xfrm>
+          <a:off x="0" y="0"/>
+          <a:ext cx="0" cy="0"/>
+          <a:chOff x="0" y="0"/>
+          <a:chExt cx="0" cy="0"/>
+        </a:xfrm>
+      </p:grpSpPr>
+      <p:sp>
+        <p:nvSpPr>
+          <p:cNvPr id="2" name="Folienbildplatzhalter 1"/>
+          <p:cNvSpPr>
+            <a:spLocks noGrp="1" noRot="1" noChangeAspect="1"/>
+          </p:cNvSpPr>
+          <p:nvPr>
+            <p:ph type="sldImg"/>
+          </p:nvPr>
+        </p:nvSpPr>
+        <p:spPr/>
+      </p:sp>
+      <p:sp>
+        <p:nvSpPr>
+          <p:cNvPr id="3" name="Notizenplatzhalter 2"/>
+          <p:cNvSpPr>
+            <a:spLocks noGrp="1"/>
+          </p:cNvSpPr>
+          <p:nvPr>
+            <p:ph type="body" idx="1"/>
+          </p:nvPr>
+        </p:nvSpPr>
+        <p:spPr/>
+        <p:txBody>
+          <a:bodyPr/>
+          <a:lstStyle/>
+          <a:p>
+            <a:endParaRPr lang="de-DE" dirty="0"/>
+          </a:p>
+        </p:txBody>
+      </p:sp>
+      <p:sp>
+        <p:nvSpPr>
+          <p:cNvPr id="4" name="Foliennummernplatzhalter 3"/>
+          <p:cNvSpPr>
+            <a:spLocks noGrp="1"/>
+          </p:cNvSpPr>
+          <p:nvPr>
+            <p:ph type="sldNum" sz="quarter" idx="10"/>
+          </p:nvPr>
+        </p:nvSpPr>
+        <p:spPr/>
+        <p:txBody>
+          <a:bodyPr/>
+          <a:lstStyle/>
+          <a:p>
+            <a:fld id="{C0663104-BBBB-4823-99BF-1DB3B469CAD1}" type="slidenum">
+              <a:rPr lang="de-DE" smtClean="0"/>
+              <a:t>28</a:t>
+            </a:fld>
+            <a:endParaRPr lang="de-DE"/>
+          </a:p>
+        </p:txBody>
+      </p:sp>
+    </p:spTree>
+    <p:extLst>
+      <p:ext uri="{BB962C8B-B14F-4D97-AF65-F5344CB8AC3E}">
+        <p14:creationId xmlns:p14="http://schemas.microsoft.com/office/powerpoint/2010/main" val="3395224485"/>
+      </p:ext>
+    </p:extLst>
+  </p:cSld>
+  <p:clrMapOvr>
+    <a:masterClrMapping/>
+  </p:clrMapOvr>
+</p:notes>
+</file>
+
+<file path=ppt/notesSlides/notesSlide29.xml><?xml version="1.0" encoding="utf-8"?>
+<p:notes xmlns:a="http://schemas.openxmlformats.org/drawingml/2006/main" xmlns:r="http://schemas.openxmlformats.org/officeDocument/2006/relationships" xmlns:p="http://schemas.openxmlformats.org/presentationml/2006/main">
+  <p:cSld>
+    <p:spTree>
+      <p:nvGrpSpPr>
+        <p:cNvPr id="1" name=""/>
+        <p:cNvGrpSpPr/>
+        <p:nvPr/>
+      </p:nvGrpSpPr>
+      <p:grpSpPr>
+        <a:xfrm>
+          <a:off x="0" y="0"/>
+          <a:ext cx="0" cy="0"/>
+          <a:chOff x="0" y="0"/>
+          <a:chExt cx="0" cy="0"/>
+        </a:xfrm>
+      </p:grpSpPr>
+      <p:sp>
+        <p:nvSpPr>
+          <p:cNvPr id="2" name="Folienbildplatzhalter 1"/>
+          <p:cNvSpPr>
+            <a:spLocks noGrp="1" noRot="1" noChangeAspect="1"/>
+          </p:cNvSpPr>
+          <p:nvPr>
+            <p:ph type="sldImg"/>
+          </p:nvPr>
+        </p:nvSpPr>
+        <p:spPr/>
+      </p:sp>
+      <p:sp>
+        <p:nvSpPr>
+          <p:cNvPr id="3" name="Notizenplatzhalter 2"/>
+          <p:cNvSpPr>
+            <a:spLocks noGrp="1"/>
+          </p:cNvSpPr>
+          <p:nvPr>
+            <p:ph type="body" idx="1"/>
+          </p:nvPr>
+        </p:nvSpPr>
+        <p:spPr/>
+        <p:txBody>
+          <a:bodyPr/>
+          <a:lstStyle/>
+          <a:p>
+            <a:endParaRPr lang="de-DE" dirty="0"/>
+          </a:p>
+        </p:txBody>
+      </p:sp>
+      <p:sp>
+        <p:nvSpPr>
+          <p:cNvPr id="4" name="Foliennummernplatzhalter 3"/>
+          <p:cNvSpPr>
+            <a:spLocks noGrp="1"/>
+          </p:cNvSpPr>
+          <p:nvPr>
+            <p:ph type="sldNum" sz="quarter" idx="10"/>
+          </p:nvPr>
+        </p:nvSpPr>
+        <p:spPr/>
+        <p:txBody>
+          <a:bodyPr/>
+          <a:lstStyle/>
+          <a:p>
+            <a:fld id="{C0663104-BBBB-4823-99BF-1DB3B469CAD1}" type="slidenum">
+              <a:rPr lang="de-DE" smtClean="0"/>
+              <a:t>29</a:t>
+            </a:fld>
+            <a:endParaRPr lang="de-DE"/>
+          </a:p>
+        </p:txBody>
+      </p:sp>
+    </p:spTree>
+    <p:extLst>
+      <p:ext uri="{BB962C8B-B14F-4D97-AF65-F5344CB8AC3E}">
+        <p14:creationId xmlns:p14="http://schemas.microsoft.com/office/powerpoint/2010/main" val="3611183911"/>
       </p:ext>
     </p:extLst>
   </p:cSld>
@@ -2256,6 +2781,846 @@
 </p:notes>
 </file>
 
+<file path=ppt/notesSlides/notesSlide30.xml><?xml version="1.0" encoding="utf-8"?>
+<p:notes xmlns:a="http://schemas.openxmlformats.org/drawingml/2006/main" xmlns:r="http://schemas.openxmlformats.org/officeDocument/2006/relationships" xmlns:p="http://schemas.openxmlformats.org/presentationml/2006/main">
+  <p:cSld>
+    <p:spTree>
+      <p:nvGrpSpPr>
+        <p:cNvPr id="1" name=""/>
+        <p:cNvGrpSpPr/>
+        <p:nvPr/>
+      </p:nvGrpSpPr>
+      <p:grpSpPr>
+        <a:xfrm>
+          <a:off x="0" y="0"/>
+          <a:ext cx="0" cy="0"/>
+          <a:chOff x="0" y="0"/>
+          <a:chExt cx="0" cy="0"/>
+        </a:xfrm>
+      </p:grpSpPr>
+      <p:sp>
+        <p:nvSpPr>
+          <p:cNvPr id="2" name="Folienbildplatzhalter 1"/>
+          <p:cNvSpPr>
+            <a:spLocks noGrp="1" noRot="1" noChangeAspect="1"/>
+          </p:cNvSpPr>
+          <p:nvPr>
+            <p:ph type="sldImg"/>
+          </p:nvPr>
+        </p:nvSpPr>
+        <p:spPr/>
+      </p:sp>
+      <p:sp>
+        <p:nvSpPr>
+          <p:cNvPr id="3" name="Notizenplatzhalter 2"/>
+          <p:cNvSpPr>
+            <a:spLocks noGrp="1"/>
+          </p:cNvSpPr>
+          <p:nvPr>
+            <p:ph type="body" idx="1"/>
+          </p:nvPr>
+        </p:nvSpPr>
+        <p:spPr/>
+        <p:txBody>
+          <a:bodyPr/>
+          <a:lstStyle/>
+          <a:p>
+            <a:endParaRPr lang="de-DE"/>
+          </a:p>
+        </p:txBody>
+      </p:sp>
+      <p:sp>
+        <p:nvSpPr>
+          <p:cNvPr id="4" name="Foliennummernplatzhalter 3"/>
+          <p:cNvSpPr>
+            <a:spLocks noGrp="1"/>
+          </p:cNvSpPr>
+          <p:nvPr>
+            <p:ph type="sldNum" sz="quarter" idx="5"/>
+          </p:nvPr>
+        </p:nvSpPr>
+        <p:spPr/>
+        <p:txBody>
+          <a:bodyPr/>
+          <a:lstStyle/>
+          <a:p>
+            <a:fld id="{C0663104-BBBB-4823-99BF-1DB3B469CAD1}" type="slidenum">
+              <a:rPr lang="de-DE" smtClean="0"/>
+              <a:t>30</a:t>
+            </a:fld>
+            <a:endParaRPr lang="de-DE"/>
+          </a:p>
+        </p:txBody>
+      </p:sp>
+    </p:spTree>
+    <p:extLst>
+      <p:ext uri="{BB962C8B-B14F-4D97-AF65-F5344CB8AC3E}">
+        <p14:creationId xmlns:p14="http://schemas.microsoft.com/office/powerpoint/2010/main" val="867747444"/>
+      </p:ext>
+    </p:extLst>
+  </p:cSld>
+  <p:clrMapOvr>
+    <a:masterClrMapping/>
+  </p:clrMapOvr>
+</p:notes>
+</file>
+
+<file path=ppt/notesSlides/notesSlide31.xml><?xml version="1.0" encoding="utf-8"?>
+<p:notes xmlns:a="http://schemas.openxmlformats.org/drawingml/2006/main" xmlns:r="http://schemas.openxmlformats.org/officeDocument/2006/relationships" xmlns:p="http://schemas.openxmlformats.org/presentationml/2006/main">
+  <p:cSld>
+    <p:spTree>
+      <p:nvGrpSpPr>
+        <p:cNvPr id="1" name=""/>
+        <p:cNvGrpSpPr/>
+        <p:nvPr/>
+      </p:nvGrpSpPr>
+      <p:grpSpPr>
+        <a:xfrm>
+          <a:off x="0" y="0"/>
+          <a:ext cx="0" cy="0"/>
+          <a:chOff x="0" y="0"/>
+          <a:chExt cx="0" cy="0"/>
+        </a:xfrm>
+      </p:grpSpPr>
+      <p:sp>
+        <p:nvSpPr>
+          <p:cNvPr id="2" name="Folienbildplatzhalter 1"/>
+          <p:cNvSpPr>
+            <a:spLocks noGrp="1" noRot="1" noChangeAspect="1"/>
+          </p:cNvSpPr>
+          <p:nvPr>
+            <p:ph type="sldImg"/>
+          </p:nvPr>
+        </p:nvSpPr>
+        <p:spPr/>
+      </p:sp>
+      <p:sp>
+        <p:nvSpPr>
+          <p:cNvPr id="3" name="Notizenplatzhalter 2"/>
+          <p:cNvSpPr>
+            <a:spLocks noGrp="1"/>
+          </p:cNvSpPr>
+          <p:nvPr>
+            <p:ph type="body" idx="1"/>
+          </p:nvPr>
+        </p:nvSpPr>
+        <p:spPr/>
+        <p:txBody>
+          <a:bodyPr/>
+          <a:lstStyle/>
+          <a:p>
+            <a:endParaRPr lang="de-DE"/>
+          </a:p>
+        </p:txBody>
+      </p:sp>
+      <p:sp>
+        <p:nvSpPr>
+          <p:cNvPr id="4" name="Foliennummernplatzhalter 3"/>
+          <p:cNvSpPr>
+            <a:spLocks noGrp="1"/>
+          </p:cNvSpPr>
+          <p:nvPr>
+            <p:ph type="sldNum" sz="quarter" idx="5"/>
+          </p:nvPr>
+        </p:nvSpPr>
+        <p:spPr/>
+        <p:txBody>
+          <a:bodyPr/>
+          <a:lstStyle/>
+          <a:p>
+            <a:fld id="{C0663104-BBBB-4823-99BF-1DB3B469CAD1}" type="slidenum">
+              <a:rPr lang="de-DE" smtClean="0"/>
+              <a:t>31</a:t>
+            </a:fld>
+            <a:endParaRPr lang="de-DE"/>
+          </a:p>
+        </p:txBody>
+      </p:sp>
+    </p:spTree>
+    <p:extLst>
+      <p:ext uri="{BB962C8B-B14F-4D97-AF65-F5344CB8AC3E}">
+        <p14:creationId xmlns:p14="http://schemas.microsoft.com/office/powerpoint/2010/main" val="2006702672"/>
+      </p:ext>
+    </p:extLst>
+  </p:cSld>
+  <p:clrMapOvr>
+    <a:masterClrMapping/>
+  </p:clrMapOvr>
+</p:notes>
+</file>
+
+<file path=ppt/notesSlides/notesSlide32.xml><?xml version="1.0" encoding="utf-8"?>
+<p:notes xmlns:a="http://schemas.openxmlformats.org/drawingml/2006/main" xmlns:r="http://schemas.openxmlformats.org/officeDocument/2006/relationships" xmlns:p="http://schemas.openxmlformats.org/presentationml/2006/main">
+  <p:cSld>
+    <p:spTree>
+      <p:nvGrpSpPr>
+        <p:cNvPr id="1" name=""/>
+        <p:cNvGrpSpPr/>
+        <p:nvPr/>
+      </p:nvGrpSpPr>
+      <p:grpSpPr>
+        <a:xfrm>
+          <a:off x="0" y="0"/>
+          <a:ext cx="0" cy="0"/>
+          <a:chOff x="0" y="0"/>
+          <a:chExt cx="0" cy="0"/>
+        </a:xfrm>
+      </p:grpSpPr>
+      <p:sp>
+        <p:nvSpPr>
+          <p:cNvPr id="2" name="Folienbildplatzhalter 1"/>
+          <p:cNvSpPr>
+            <a:spLocks noGrp="1" noRot="1" noChangeAspect="1"/>
+          </p:cNvSpPr>
+          <p:nvPr>
+            <p:ph type="sldImg"/>
+          </p:nvPr>
+        </p:nvSpPr>
+        <p:spPr/>
+      </p:sp>
+      <p:sp>
+        <p:nvSpPr>
+          <p:cNvPr id="3" name="Notizenplatzhalter 2"/>
+          <p:cNvSpPr>
+            <a:spLocks noGrp="1"/>
+          </p:cNvSpPr>
+          <p:nvPr>
+            <p:ph type="body" idx="1"/>
+          </p:nvPr>
+        </p:nvSpPr>
+        <p:spPr/>
+        <p:txBody>
+          <a:bodyPr/>
+          <a:lstStyle/>
+          <a:p>
+            <a:endParaRPr lang="de-DE"/>
+          </a:p>
+        </p:txBody>
+      </p:sp>
+      <p:sp>
+        <p:nvSpPr>
+          <p:cNvPr id="4" name="Foliennummernplatzhalter 3"/>
+          <p:cNvSpPr>
+            <a:spLocks noGrp="1"/>
+          </p:cNvSpPr>
+          <p:nvPr>
+            <p:ph type="sldNum" sz="quarter" idx="5"/>
+          </p:nvPr>
+        </p:nvSpPr>
+        <p:spPr/>
+        <p:txBody>
+          <a:bodyPr/>
+          <a:lstStyle/>
+          <a:p>
+            <a:fld id="{C0663104-BBBB-4823-99BF-1DB3B469CAD1}" type="slidenum">
+              <a:rPr lang="de-DE" smtClean="0"/>
+              <a:t>32</a:t>
+            </a:fld>
+            <a:endParaRPr lang="de-DE"/>
+          </a:p>
+        </p:txBody>
+      </p:sp>
+    </p:spTree>
+    <p:extLst>
+      <p:ext uri="{BB962C8B-B14F-4D97-AF65-F5344CB8AC3E}">
+        <p14:creationId xmlns:p14="http://schemas.microsoft.com/office/powerpoint/2010/main" val="4266653754"/>
+      </p:ext>
+    </p:extLst>
+  </p:cSld>
+  <p:clrMapOvr>
+    <a:masterClrMapping/>
+  </p:clrMapOvr>
+</p:notes>
+</file>
+
+<file path=ppt/notesSlides/notesSlide33.xml><?xml version="1.0" encoding="utf-8"?>
+<p:notes xmlns:a="http://schemas.openxmlformats.org/drawingml/2006/main" xmlns:r="http://schemas.openxmlformats.org/officeDocument/2006/relationships" xmlns:p="http://schemas.openxmlformats.org/presentationml/2006/main">
+  <p:cSld>
+    <p:spTree>
+      <p:nvGrpSpPr>
+        <p:cNvPr id="1" name=""/>
+        <p:cNvGrpSpPr/>
+        <p:nvPr/>
+      </p:nvGrpSpPr>
+      <p:grpSpPr>
+        <a:xfrm>
+          <a:off x="0" y="0"/>
+          <a:ext cx="0" cy="0"/>
+          <a:chOff x="0" y="0"/>
+          <a:chExt cx="0" cy="0"/>
+        </a:xfrm>
+      </p:grpSpPr>
+      <p:sp>
+        <p:nvSpPr>
+          <p:cNvPr id="2" name="Folienbildplatzhalter 1"/>
+          <p:cNvSpPr>
+            <a:spLocks noGrp="1" noRot="1" noChangeAspect="1"/>
+          </p:cNvSpPr>
+          <p:nvPr>
+            <p:ph type="sldImg"/>
+          </p:nvPr>
+        </p:nvSpPr>
+        <p:spPr/>
+      </p:sp>
+      <p:sp>
+        <p:nvSpPr>
+          <p:cNvPr id="3" name="Notizenplatzhalter 2"/>
+          <p:cNvSpPr>
+            <a:spLocks noGrp="1"/>
+          </p:cNvSpPr>
+          <p:nvPr>
+            <p:ph type="body" idx="1"/>
+          </p:nvPr>
+        </p:nvSpPr>
+        <p:spPr/>
+        <p:txBody>
+          <a:bodyPr/>
+          <a:lstStyle/>
+          <a:p>
+            <a:endParaRPr lang="de-DE"/>
+          </a:p>
+        </p:txBody>
+      </p:sp>
+      <p:sp>
+        <p:nvSpPr>
+          <p:cNvPr id="4" name="Foliennummernplatzhalter 3"/>
+          <p:cNvSpPr>
+            <a:spLocks noGrp="1"/>
+          </p:cNvSpPr>
+          <p:nvPr>
+            <p:ph type="sldNum" sz="quarter" idx="5"/>
+          </p:nvPr>
+        </p:nvSpPr>
+        <p:spPr/>
+        <p:txBody>
+          <a:bodyPr/>
+          <a:lstStyle/>
+          <a:p>
+            <a:fld id="{C0663104-BBBB-4823-99BF-1DB3B469CAD1}" type="slidenum">
+              <a:rPr lang="de-DE" smtClean="0"/>
+              <a:t>33</a:t>
+            </a:fld>
+            <a:endParaRPr lang="de-DE"/>
+          </a:p>
+        </p:txBody>
+      </p:sp>
+    </p:spTree>
+    <p:extLst>
+      <p:ext uri="{BB962C8B-B14F-4D97-AF65-F5344CB8AC3E}">
+        <p14:creationId xmlns:p14="http://schemas.microsoft.com/office/powerpoint/2010/main" val="3473517493"/>
+      </p:ext>
+    </p:extLst>
+  </p:cSld>
+  <p:clrMapOvr>
+    <a:masterClrMapping/>
+  </p:clrMapOvr>
+</p:notes>
+</file>
+
+<file path=ppt/notesSlides/notesSlide34.xml><?xml version="1.0" encoding="utf-8"?>
+<p:notes xmlns:a="http://schemas.openxmlformats.org/drawingml/2006/main" xmlns:r="http://schemas.openxmlformats.org/officeDocument/2006/relationships" xmlns:p="http://schemas.openxmlformats.org/presentationml/2006/main">
+  <p:cSld>
+    <p:spTree>
+      <p:nvGrpSpPr>
+        <p:cNvPr id="1" name=""/>
+        <p:cNvGrpSpPr/>
+        <p:nvPr/>
+      </p:nvGrpSpPr>
+      <p:grpSpPr>
+        <a:xfrm>
+          <a:off x="0" y="0"/>
+          <a:ext cx="0" cy="0"/>
+          <a:chOff x="0" y="0"/>
+          <a:chExt cx="0" cy="0"/>
+        </a:xfrm>
+      </p:grpSpPr>
+      <p:sp>
+        <p:nvSpPr>
+          <p:cNvPr id="2" name="Folienbildplatzhalter 1"/>
+          <p:cNvSpPr>
+            <a:spLocks noGrp="1" noRot="1" noChangeAspect="1"/>
+          </p:cNvSpPr>
+          <p:nvPr>
+            <p:ph type="sldImg"/>
+          </p:nvPr>
+        </p:nvSpPr>
+        <p:spPr/>
+      </p:sp>
+      <p:sp>
+        <p:nvSpPr>
+          <p:cNvPr id="3" name="Notizenplatzhalter 2"/>
+          <p:cNvSpPr>
+            <a:spLocks noGrp="1"/>
+          </p:cNvSpPr>
+          <p:nvPr>
+            <p:ph type="body" idx="1"/>
+          </p:nvPr>
+        </p:nvSpPr>
+        <p:spPr/>
+        <p:txBody>
+          <a:bodyPr/>
+          <a:lstStyle/>
+          <a:p>
+            <a:endParaRPr lang="de-DE"/>
+          </a:p>
+        </p:txBody>
+      </p:sp>
+      <p:sp>
+        <p:nvSpPr>
+          <p:cNvPr id="4" name="Foliennummernplatzhalter 3"/>
+          <p:cNvSpPr>
+            <a:spLocks noGrp="1"/>
+          </p:cNvSpPr>
+          <p:nvPr>
+            <p:ph type="sldNum" sz="quarter" idx="5"/>
+          </p:nvPr>
+        </p:nvSpPr>
+        <p:spPr/>
+        <p:txBody>
+          <a:bodyPr/>
+          <a:lstStyle/>
+          <a:p>
+            <a:fld id="{C0663104-BBBB-4823-99BF-1DB3B469CAD1}" type="slidenum">
+              <a:rPr lang="de-DE" smtClean="0"/>
+              <a:t>34</a:t>
+            </a:fld>
+            <a:endParaRPr lang="de-DE"/>
+          </a:p>
+        </p:txBody>
+      </p:sp>
+    </p:spTree>
+    <p:extLst>
+      <p:ext uri="{BB962C8B-B14F-4D97-AF65-F5344CB8AC3E}">
+        <p14:creationId xmlns:p14="http://schemas.microsoft.com/office/powerpoint/2010/main" val="2782131244"/>
+      </p:ext>
+    </p:extLst>
+  </p:cSld>
+  <p:clrMapOvr>
+    <a:masterClrMapping/>
+  </p:clrMapOvr>
+</p:notes>
+</file>
+
+<file path=ppt/notesSlides/notesSlide35.xml><?xml version="1.0" encoding="utf-8"?>
+<p:notes xmlns:a="http://schemas.openxmlformats.org/drawingml/2006/main" xmlns:r="http://schemas.openxmlformats.org/officeDocument/2006/relationships" xmlns:p="http://schemas.openxmlformats.org/presentationml/2006/main">
+  <p:cSld>
+    <p:spTree>
+      <p:nvGrpSpPr>
+        <p:cNvPr id="1" name=""/>
+        <p:cNvGrpSpPr/>
+        <p:nvPr/>
+      </p:nvGrpSpPr>
+      <p:grpSpPr>
+        <a:xfrm>
+          <a:off x="0" y="0"/>
+          <a:ext cx="0" cy="0"/>
+          <a:chOff x="0" y="0"/>
+          <a:chExt cx="0" cy="0"/>
+        </a:xfrm>
+      </p:grpSpPr>
+      <p:sp>
+        <p:nvSpPr>
+          <p:cNvPr id="2" name="Folienbildplatzhalter 1"/>
+          <p:cNvSpPr>
+            <a:spLocks noGrp="1" noRot="1" noChangeAspect="1"/>
+          </p:cNvSpPr>
+          <p:nvPr>
+            <p:ph type="sldImg"/>
+          </p:nvPr>
+        </p:nvSpPr>
+        <p:spPr/>
+      </p:sp>
+      <p:sp>
+        <p:nvSpPr>
+          <p:cNvPr id="3" name="Notizenplatzhalter 2"/>
+          <p:cNvSpPr>
+            <a:spLocks noGrp="1"/>
+          </p:cNvSpPr>
+          <p:nvPr>
+            <p:ph type="body" idx="1"/>
+          </p:nvPr>
+        </p:nvSpPr>
+        <p:spPr/>
+        <p:txBody>
+          <a:bodyPr/>
+          <a:lstStyle/>
+          <a:p>
+            <a:endParaRPr lang="de-DE"/>
+          </a:p>
+        </p:txBody>
+      </p:sp>
+      <p:sp>
+        <p:nvSpPr>
+          <p:cNvPr id="4" name="Foliennummernplatzhalter 3"/>
+          <p:cNvSpPr>
+            <a:spLocks noGrp="1"/>
+          </p:cNvSpPr>
+          <p:nvPr>
+            <p:ph type="sldNum" sz="quarter" idx="5"/>
+          </p:nvPr>
+        </p:nvSpPr>
+        <p:spPr/>
+        <p:txBody>
+          <a:bodyPr/>
+          <a:lstStyle/>
+          <a:p>
+            <a:fld id="{C0663104-BBBB-4823-99BF-1DB3B469CAD1}" type="slidenum">
+              <a:rPr lang="de-DE" smtClean="0"/>
+              <a:t>35</a:t>
+            </a:fld>
+            <a:endParaRPr lang="de-DE"/>
+          </a:p>
+        </p:txBody>
+      </p:sp>
+    </p:spTree>
+    <p:extLst>
+      <p:ext uri="{BB962C8B-B14F-4D97-AF65-F5344CB8AC3E}">
+        <p14:creationId xmlns:p14="http://schemas.microsoft.com/office/powerpoint/2010/main" val="1874368314"/>
+      </p:ext>
+    </p:extLst>
+  </p:cSld>
+  <p:clrMapOvr>
+    <a:masterClrMapping/>
+  </p:clrMapOvr>
+</p:notes>
+</file>
+
+<file path=ppt/notesSlides/notesSlide36.xml><?xml version="1.0" encoding="utf-8"?>
+<p:notes xmlns:a="http://schemas.openxmlformats.org/drawingml/2006/main" xmlns:r="http://schemas.openxmlformats.org/officeDocument/2006/relationships" xmlns:p="http://schemas.openxmlformats.org/presentationml/2006/main">
+  <p:cSld>
+    <p:spTree>
+      <p:nvGrpSpPr>
+        <p:cNvPr id="1" name=""/>
+        <p:cNvGrpSpPr/>
+        <p:nvPr/>
+      </p:nvGrpSpPr>
+      <p:grpSpPr>
+        <a:xfrm>
+          <a:off x="0" y="0"/>
+          <a:ext cx="0" cy="0"/>
+          <a:chOff x="0" y="0"/>
+          <a:chExt cx="0" cy="0"/>
+        </a:xfrm>
+      </p:grpSpPr>
+      <p:sp>
+        <p:nvSpPr>
+          <p:cNvPr id="2" name="Folienbildplatzhalter 1"/>
+          <p:cNvSpPr>
+            <a:spLocks noGrp="1" noRot="1" noChangeAspect="1"/>
+          </p:cNvSpPr>
+          <p:nvPr>
+            <p:ph type="sldImg"/>
+          </p:nvPr>
+        </p:nvSpPr>
+        <p:spPr/>
+      </p:sp>
+      <p:sp>
+        <p:nvSpPr>
+          <p:cNvPr id="3" name="Notizenplatzhalter 2"/>
+          <p:cNvSpPr>
+            <a:spLocks noGrp="1"/>
+          </p:cNvSpPr>
+          <p:nvPr>
+            <p:ph type="body" idx="1"/>
+          </p:nvPr>
+        </p:nvSpPr>
+        <p:spPr/>
+        <p:txBody>
+          <a:bodyPr/>
+          <a:lstStyle/>
+          <a:p>
+            <a:endParaRPr lang="de-DE"/>
+          </a:p>
+        </p:txBody>
+      </p:sp>
+      <p:sp>
+        <p:nvSpPr>
+          <p:cNvPr id="4" name="Foliennummernplatzhalter 3"/>
+          <p:cNvSpPr>
+            <a:spLocks noGrp="1"/>
+          </p:cNvSpPr>
+          <p:nvPr>
+            <p:ph type="sldNum" sz="quarter" idx="5"/>
+          </p:nvPr>
+        </p:nvSpPr>
+        <p:spPr/>
+        <p:txBody>
+          <a:bodyPr/>
+          <a:lstStyle/>
+          <a:p>
+            <a:fld id="{C0663104-BBBB-4823-99BF-1DB3B469CAD1}" type="slidenum">
+              <a:rPr lang="de-DE" smtClean="0"/>
+              <a:t>36</a:t>
+            </a:fld>
+            <a:endParaRPr lang="de-DE"/>
+          </a:p>
+        </p:txBody>
+      </p:sp>
+    </p:spTree>
+    <p:extLst>
+      <p:ext uri="{BB962C8B-B14F-4D97-AF65-F5344CB8AC3E}">
+        <p14:creationId xmlns:p14="http://schemas.microsoft.com/office/powerpoint/2010/main" val="760373098"/>
+      </p:ext>
+    </p:extLst>
+  </p:cSld>
+  <p:clrMapOvr>
+    <a:masterClrMapping/>
+  </p:clrMapOvr>
+</p:notes>
+</file>
+
+<file path=ppt/notesSlides/notesSlide37.xml><?xml version="1.0" encoding="utf-8"?>
+<p:notes xmlns:a="http://schemas.openxmlformats.org/drawingml/2006/main" xmlns:r="http://schemas.openxmlformats.org/officeDocument/2006/relationships" xmlns:p="http://schemas.openxmlformats.org/presentationml/2006/main">
+  <p:cSld>
+    <p:spTree>
+      <p:nvGrpSpPr>
+        <p:cNvPr id="1" name=""/>
+        <p:cNvGrpSpPr/>
+        <p:nvPr/>
+      </p:nvGrpSpPr>
+      <p:grpSpPr>
+        <a:xfrm>
+          <a:off x="0" y="0"/>
+          <a:ext cx="0" cy="0"/>
+          <a:chOff x="0" y="0"/>
+          <a:chExt cx="0" cy="0"/>
+        </a:xfrm>
+      </p:grpSpPr>
+      <p:sp>
+        <p:nvSpPr>
+          <p:cNvPr id="2" name="Folienbildplatzhalter 1"/>
+          <p:cNvSpPr>
+            <a:spLocks noGrp="1" noRot="1" noChangeAspect="1"/>
+          </p:cNvSpPr>
+          <p:nvPr>
+            <p:ph type="sldImg"/>
+          </p:nvPr>
+        </p:nvSpPr>
+        <p:spPr/>
+      </p:sp>
+      <p:sp>
+        <p:nvSpPr>
+          <p:cNvPr id="3" name="Notizenplatzhalter 2"/>
+          <p:cNvSpPr>
+            <a:spLocks noGrp="1"/>
+          </p:cNvSpPr>
+          <p:nvPr>
+            <p:ph type="body" idx="1"/>
+          </p:nvPr>
+        </p:nvSpPr>
+        <p:spPr/>
+        <p:txBody>
+          <a:bodyPr/>
+          <a:lstStyle/>
+          <a:p>
+            <a:endParaRPr lang="de-DE"/>
+          </a:p>
+        </p:txBody>
+      </p:sp>
+      <p:sp>
+        <p:nvSpPr>
+          <p:cNvPr id="4" name="Foliennummernplatzhalter 3"/>
+          <p:cNvSpPr>
+            <a:spLocks noGrp="1"/>
+          </p:cNvSpPr>
+          <p:nvPr>
+            <p:ph type="sldNum" sz="quarter" idx="5"/>
+          </p:nvPr>
+        </p:nvSpPr>
+        <p:spPr/>
+        <p:txBody>
+          <a:bodyPr/>
+          <a:lstStyle/>
+          <a:p>
+            <a:fld id="{C0663104-BBBB-4823-99BF-1DB3B469CAD1}" type="slidenum">
+              <a:rPr lang="de-DE" smtClean="0"/>
+              <a:t>37</a:t>
+            </a:fld>
+            <a:endParaRPr lang="de-DE"/>
+          </a:p>
+        </p:txBody>
+      </p:sp>
+    </p:spTree>
+    <p:extLst>
+      <p:ext uri="{BB962C8B-B14F-4D97-AF65-F5344CB8AC3E}">
+        <p14:creationId xmlns:p14="http://schemas.microsoft.com/office/powerpoint/2010/main" val="1360891595"/>
+      </p:ext>
+    </p:extLst>
+  </p:cSld>
+  <p:clrMapOvr>
+    <a:masterClrMapping/>
+  </p:clrMapOvr>
+</p:notes>
+</file>
+
+<file path=ppt/notesSlides/notesSlide38.xml><?xml version="1.0" encoding="utf-8"?>
+<p:notes xmlns:a="http://schemas.openxmlformats.org/drawingml/2006/main" xmlns:r="http://schemas.openxmlformats.org/officeDocument/2006/relationships" xmlns:p="http://schemas.openxmlformats.org/presentationml/2006/main">
+  <p:cSld>
+    <p:spTree>
+      <p:nvGrpSpPr>
+        <p:cNvPr id="1" name=""/>
+        <p:cNvGrpSpPr/>
+        <p:nvPr/>
+      </p:nvGrpSpPr>
+      <p:grpSpPr>
+        <a:xfrm>
+          <a:off x="0" y="0"/>
+          <a:ext cx="0" cy="0"/>
+          <a:chOff x="0" y="0"/>
+          <a:chExt cx="0" cy="0"/>
+        </a:xfrm>
+      </p:grpSpPr>
+      <p:sp>
+        <p:nvSpPr>
+          <p:cNvPr id="2" name="Folienbildplatzhalter 1"/>
+          <p:cNvSpPr>
+            <a:spLocks noGrp="1" noRot="1" noChangeAspect="1"/>
+          </p:cNvSpPr>
+          <p:nvPr>
+            <p:ph type="sldImg"/>
+          </p:nvPr>
+        </p:nvSpPr>
+        <p:spPr/>
+      </p:sp>
+      <p:sp>
+        <p:nvSpPr>
+          <p:cNvPr id="3" name="Notizenplatzhalter 2"/>
+          <p:cNvSpPr>
+            <a:spLocks noGrp="1"/>
+          </p:cNvSpPr>
+          <p:nvPr>
+            <p:ph type="body" idx="1"/>
+          </p:nvPr>
+        </p:nvSpPr>
+        <p:spPr/>
+        <p:txBody>
+          <a:bodyPr/>
+          <a:lstStyle/>
+          <a:p>
+            <a:endParaRPr lang="de-DE" dirty="0"/>
+          </a:p>
+        </p:txBody>
+      </p:sp>
+      <p:sp>
+        <p:nvSpPr>
+          <p:cNvPr id="4" name="Foliennummernplatzhalter 3"/>
+          <p:cNvSpPr>
+            <a:spLocks noGrp="1"/>
+          </p:cNvSpPr>
+          <p:nvPr>
+            <p:ph type="sldNum" sz="quarter" idx="10"/>
+          </p:nvPr>
+        </p:nvSpPr>
+        <p:spPr/>
+        <p:txBody>
+          <a:bodyPr/>
+          <a:lstStyle/>
+          <a:p>
+            <a:fld id="{C0663104-BBBB-4823-99BF-1DB3B469CAD1}" type="slidenum">
+              <a:rPr lang="de-DE" smtClean="0"/>
+              <a:t>38</a:t>
+            </a:fld>
+            <a:endParaRPr lang="de-DE"/>
+          </a:p>
+        </p:txBody>
+      </p:sp>
+    </p:spTree>
+    <p:extLst>
+      <p:ext uri="{BB962C8B-B14F-4D97-AF65-F5344CB8AC3E}">
+        <p14:creationId xmlns:p14="http://schemas.microsoft.com/office/powerpoint/2010/main" val="2580491595"/>
+      </p:ext>
+    </p:extLst>
+  </p:cSld>
+  <p:clrMapOvr>
+    <a:masterClrMapping/>
+  </p:clrMapOvr>
+</p:notes>
+</file>
+
+<file path=ppt/notesSlides/notesSlide39.xml><?xml version="1.0" encoding="utf-8"?>
+<p:notes xmlns:a="http://schemas.openxmlformats.org/drawingml/2006/main" xmlns:r="http://schemas.openxmlformats.org/officeDocument/2006/relationships" xmlns:p="http://schemas.openxmlformats.org/presentationml/2006/main">
+  <p:cSld>
+    <p:spTree>
+      <p:nvGrpSpPr>
+        <p:cNvPr id="1" name=""/>
+        <p:cNvGrpSpPr/>
+        <p:nvPr/>
+      </p:nvGrpSpPr>
+      <p:grpSpPr>
+        <a:xfrm>
+          <a:off x="0" y="0"/>
+          <a:ext cx="0" cy="0"/>
+          <a:chOff x="0" y="0"/>
+          <a:chExt cx="0" cy="0"/>
+        </a:xfrm>
+      </p:grpSpPr>
+      <p:sp>
+        <p:nvSpPr>
+          <p:cNvPr id="2" name="Folienbildplatzhalter 1"/>
+          <p:cNvSpPr>
+            <a:spLocks noGrp="1" noRot="1" noChangeAspect="1"/>
+          </p:cNvSpPr>
+          <p:nvPr>
+            <p:ph type="sldImg"/>
+          </p:nvPr>
+        </p:nvSpPr>
+        <p:spPr/>
+      </p:sp>
+      <p:sp>
+        <p:nvSpPr>
+          <p:cNvPr id="3" name="Notizenplatzhalter 2"/>
+          <p:cNvSpPr>
+            <a:spLocks noGrp="1"/>
+          </p:cNvSpPr>
+          <p:nvPr>
+            <p:ph type="body" idx="1"/>
+          </p:nvPr>
+        </p:nvSpPr>
+        <p:spPr/>
+        <p:txBody>
+          <a:bodyPr/>
+          <a:lstStyle/>
+          <a:p>
+            <a:endParaRPr lang="de-DE"/>
+          </a:p>
+        </p:txBody>
+      </p:sp>
+      <p:sp>
+        <p:nvSpPr>
+          <p:cNvPr id="4" name="Foliennummernplatzhalter 3"/>
+          <p:cNvSpPr>
+            <a:spLocks noGrp="1"/>
+          </p:cNvSpPr>
+          <p:nvPr>
+            <p:ph type="sldNum" sz="quarter" idx="5"/>
+          </p:nvPr>
+        </p:nvSpPr>
+        <p:spPr/>
+        <p:txBody>
+          <a:bodyPr/>
+          <a:lstStyle/>
+          <a:p>
+            <a:fld id="{C0663104-BBBB-4823-99BF-1DB3B469CAD1}" type="slidenum">
+              <a:rPr lang="de-DE" smtClean="0"/>
+              <a:t>39</a:t>
+            </a:fld>
+            <a:endParaRPr lang="de-DE"/>
+          </a:p>
+        </p:txBody>
+      </p:sp>
+    </p:spTree>
+    <p:extLst>
+      <p:ext uri="{BB962C8B-B14F-4D97-AF65-F5344CB8AC3E}">
+        <p14:creationId xmlns:p14="http://schemas.microsoft.com/office/powerpoint/2010/main" val="1289809586"/>
+      </p:ext>
+    </p:extLst>
+  </p:cSld>
+  <p:clrMapOvr>
+    <a:masterClrMapping/>
+  </p:clrMapOvr>
+</p:notes>
+</file>
+
 <file path=ppt/notesSlides/notesSlide4.xml><?xml version="1.0" encoding="utf-8"?>
 <p:notes xmlns:a="http://schemas.openxmlformats.org/drawingml/2006/main" xmlns:r="http://schemas.openxmlformats.org/officeDocument/2006/relationships" xmlns:p="http://schemas.openxmlformats.org/presentationml/2006/main">
   <p:cSld>
@@ -2368,6 +3733,90 @@
     <p:extLst>
       <p:ext uri="{BB962C8B-B14F-4D97-AF65-F5344CB8AC3E}">
         <p14:creationId xmlns:p14="http://schemas.microsoft.com/office/powerpoint/2010/main" val="2878258015"/>
+      </p:ext>
+    </p:extLst>
+  </p:cSld>
+  <p:clrMapOvr>
+    <a:masterClrMapping/>
+  </p:clrMapOvr>
+</p:notes>
+</file>
+
+<file path=ppt/notesSlides/notesSlide40.xml><?xml version="1.0" encoding="utf-8"?>
+<p:notes xmlns:a="http://schemas.openxmlformats.org/drawingml/2006/main" xmlns:r="http://schemas.openxmlformats.org/officeDocument/2006/relationships" xmlns:p="http://schemas.openxmlformats.org/presentationml/2006/main">
+  <p:cSld>
+    <p:spTree>
+      <p:nvGrpSpPr>
+        <p:cNvPr id="1" name=""/>
+        <p:cNvGrpSpPr/>
+        <p:nvPr/>
+      </p:nvGrpSpPr>
+      <p:grpSpPr>
+        <a:xfrm>
+          <a:off x="0" y="0"/>
+          <a:ext cx="0" cy="0"/>
+          <a:chOff x="0" y="0"/>
+          <a:chExt cx="0" cy="0"/>
+        </a:xfrm>
+      </p:grpSpPr>
+      <p:sp>
+        <p:nvSpPr>
+          <p:cNvPr id="2" name="Folienbildplatzhalter 1"/>
+          <p:cNvSpPr>
+            <a:spLocks noGrp="1" noRot="1" noChangeAspect="1"/>
+          </p:cNvSpPr>
+          <p:nvPr>
+            <p:ph type="sldImg"/>
+          </p:nvPr>
+        </p:nvSpPr>
+        <p:spPr/>
+      </p:sp>
+      <p:sp>
+        <p:nvSpPr>
+          <p:cNvPr id="3" name="Notizenplatzhalter 2"/>
+          <p:cNvSpPr>
+            <a:spLocks noGrp="1"/>
+          </p:cNvSpPr>
+          <p:nvPr>
+            <p:ph type="body" idx="1"/>
+          </p:nvPr>
+        </p:nvSpPr>
+        <p:spPr/>
+        <p:txBody>
+          <a:bodyPr/>
+          <a:lstStyle/>
+          <a:p>
+            <a:endParaRPr lang="de-DE"/>
+          </a:p>
+        </p:txBody>
+      </p:sp>
+      <p:sp>
+        <p:nvSpPr>
+          <p:cNvPr id="4" name="Foliennummernplatzhalter 3"/>
+          <p:cNvSpPr>
+            <a:spLocks noGrp="1"/>
+          </p:cNvSpPr>
+          <p:nvPr>
+            <p:ph type="sldNum" sz="quarter" idx="5"/>
+          </p:nvPr>
+        </p:nvSpPr>
+        <p:spPr/>
+        <p:txBody>
+          <a:bodyPr/>
+          <a:lstStyle/>
+          <a:p>
+            <a:fld id="{C0663104-BBBB-4823-99BF-1DB3B469CAD1}" type="slidenum">
+              <a:rPr lang="de-DE" smtClean="0"/>
+              <a:t>40</a:t>
+            </a:fld>
+            <a:endParaRPr lang="de-DE"/>
+          </a:p>
+        </p:txBody>
+      </p:sp>
+    </p:spTree>
+    <p:extLst>
+      <p:ext uri="{BB962C8B-B14F-4D97-AF65-F5344CB8AC3E}">
+        <p14:creationId xmlns:p14="http://schemas.microsoft.com/office/powerpoint/2010/main" val="2092110748"/>
       </p:ext>
     </p:extLst>
   </p:cSld>
@@ -2637,45 +4086,7 @@
           <a:bodyPr/>
           <a:lstStyle/>
           <a:p>
-            <a:r>
-              <a:rPr lang="de-DE" dirty="0"/>
-              <a:t>Sonderrolle für null, </a:t>
-            </a:r>
-            <a:r>
-              <a:rPr lang="de-DE" dirty="0" err="1"/>
-              <a:t>undefined</a:t>
-            </a:r>
-            <a:r>
-              <a:rPr lang="de-DE" dirty="0"/>
-              <a:t> und </a:t>
-            </a:r>
-            <a:r>
-              <a:rPr lang="de-DE" dirty="0" err="1"/>
-              <a:t>nan</a:t>
-            </a:r>
-            <a:endParaRPr lang="de-DE" dirty="0"/>
-          </a:p>
-          <a:p>
-            <a:r>
-              <a:rPr lang="de-DE" dirty="0"/>
-              <a:t>Für null und </a:t>
-            </a:r>
-            <a:r>
-              <a:rPr lang="de-DE" dirty="0" err="1"/>
-              <a:t>undefined</a:t>
-            </a:r>
-            <a:r>
-              <a:rPr lang="de-DE" dirty="0"/>
-              <a:t> </a:t>
-            </a:r>
-            <a:r>
-              <a:rPr lang="de-DE" dirty="0" err="1"/>
-              <a:t>finded</a:t>
-            </a:r>
-            <a:r>
-              <a:rPr lang="de-DE" dirty="0"/>
-              <a:t> bei Vergleichen keine Typumwandlung statt</a:t>
-            </a:r>
+            <a:endParaRPr lang="de-DE"/>
           </a:p>
         </p:txBody>
       </p:sp>
@@ -2686,7 +4097,7 @@
             <a:spLocks noGrp="1"/>
           </p:cNvSpPr>
           <p:nvPr>
-            <p:ph type="sldNum" sz="quarter" idx="10"/>
+            <p:ph type="sldNum" sz="quarter" idx="5"/>
           </p:nvPr>
         </p:nvSpPr>
         <p:spPr/>
@@ -2696,7 +4107,7 @@
           <a:p>
             <a:fld id="{C0663104-BBBB-4823-99BF-1DB3B469CAD1}" type="slidenum">
               <a:rPr lang="de-DE" smtClean="0"/>
-              <a:t>8</a:t>
+              <a:t>7</a:t>
             </a:fld>
             <a:endParaRPr lang="de-DE"/>
           </a:p>
@@ -2705,7 +4116,7 @@
     </p:spTree>
     <p:extLst>
       <p:ext uri="{BB962C8B-B14F-4D97-AF65-F5344CB8AC3E}">
-        <p14:creationId xmlns:p14="http://schemas.microsoft.com/office/powerpoint/2010/main" val="1568095321"/>
+        <p14:creationId xmlns:p14="http://schemas.microsoft.com/office/powerpoint/2010/main" val="420112256"/>
       </p:ext>
     </p:extLst>
   </p:cSld>
@@ -2761,23 +4172,42 @@
           <a:p>
             <a:r>
               <a:rPr lang="de-DE" dirty="0"/>
-              <a:t>Überleitung:</a:t>
-            </a:r>
-          </a:p>
-          <a:p>
+              <a:t>Sonderrolle für null, </a:t>
+            </a:r>
             <a:r>
               <a:rPr lang="de-DE" dirty="0" err="1"/>
-              <a:t>Dynamsiches</a:t>
-            </a:r>
-            <a:r>
-              <a:rPr lang="de-DE" dirty="0"/>
-              <a:t> Typsystem -&gt; Variablen können zur Laufzeit andere Werte annehmen.</a:t>
-            </a:r>
-          </a:p>
-          <a:p>
-            <a:r>
-              <a:rPr lang="de-DE" dirty="0"/>
-              <a:t>Wie werden Variablen deklariert (angelegt)?</a:t>
+              <a:t>undefined</a:t>
+            </a:r>
+            <a:r>
+              <a:rPr lang="de-DE" dirty="0"/>
+              <a:t> und </a:t>
+            </a:r>
+            <a:r>
+              <a:rPr lang="de-DE" dirty="0" err="1"/>
+              <a:t>nan</a:t>
+            </a:r>
+            <a:endParaRPr lang="de-DE" dirty="0"/>
+          </a:p>
+          <a:p>
+            <a:r>
+              <a:rPr lang="de-DE" dirty="0"/>
+              <a:t>Für null und </a:t>
+            </a:r>
+            <a:r>
+              <a:rPr lang="de-DE" dirty="0" err="1"/>
+              <a:t>undefined</a:t>
+            </a:r>
+            <a:r>
+              <a:rPr lang="de-DE" dirty="0"/>
+              <a:t> </a:t>
+            </a:r>
+            <a:r>
+              <a:rPr lang="de-DE" dirty="0" err="1"/>
+              <a:t>finded</a:t>
+            </a:r>
+            <a:r>
+              <a:rPr lang="de-DE" dirty="0"/>
+              <a:t> bei Vergleichen keine Typumwandlung statt</a:t>
             </a:r>
           </a:p>
         </p:txBody>
@@ -2799,7 +4229,7 @@
           <a:p>
             <a:fld id="{C0663104-BBBB-4823-99BF-1DB3B469CAD1}" type="slidenum">
               <a:rPr lang="de-DE" smtClean="0"/>
-              <a:t>9</a:t>
+              <a:t>8</a:t>
             </a:fld>
             <a:endParaRPr lang="de-DE"/>
           </a:p>
@@ -2808,7 +4238,7 @@
     </p:spTree>
     <p:extLst>
       <p:ext uri="{BB962C8B-B14F-4D97-AF65-F5344CB8AC3E}">
-        <p14:creationId xmlns:p14="http://schemas.microsoft.com/office/powerpoint/2010/main" val="2980007734"/>
+        <p14:creationId xmlns:p14="http://schemas.microsoft.com/office/powerpoint/2010/main" val="1568095321"/>
       </p:ext>
     </p:extLst>
   </p:cSld>
@@ -2863,26 +4293,24 @@
           <a:lstStyle/>
           <a:p>
             <a:r>
+              <a:rPr lang="de-DE" dirty="0"/>
+              <a:t>Überleitung:</a:t>
+            </a:r>
+          </a:p>
+          <a:p>
+            <a:r>
               <a:rPr lang="de-DE" dirty="0" err="1"/>
-              <a:t>Let</a:t>
-            </a:r>
-            <a:r>
-              <a:rPr lang="de-DE" dirty="0"/>
-              <a:t> und </a:t>
-            </a:r>
-            <a:r>
-              <a:rPr lang="de-DE" dirty="0" err="1"/>
-              <a:t>const</a:t>
-            </a:r>
-            <a:r>
-              <a:rPr lang="de-DE" dirty="0"/>
-              <a:t> erst seit ES6 (ES2015)</a:t>
-            </a:r>
-          </a:p>
-          <a:p>
-            <a:r>
-              <a:rPr lang="de-DE" dirty="0"/>
-              <a:t>Var ist das schwächste Schlüsselwort</a:t>
+              <a:t>Dynamsiches</a:t>
+            </a:r>
+            <a:r>
+              <a:rPr lang="de-DE" dirty="0"/>
+              <a:t> Typsystem -&gt; Variablen können zur Laufzeit andere Werte annehmen.</a:t>
+            </a:r>
+          </a:p>
+          <a:p>
+            <a:r>
+              <a:rPr lang="de-DE" dirty="0"/>
+              <a:t>Wie werden Variablen deklariert (angelegt)?</a:t>
             </a:r>
           </a:p>
         </p:txBody>
@@ -2904,7 +4332,7 @@
           <a:p>
             <a:fld id="{C0663104-BBBB-4823-99BF-1DB3B469CAD1}" type="slidenum">
               <a:rPr lang="de-DE" smtClean="0"/>
-              <a:t>10</a:t>
+              <a:t>9</a:t>
             </a:fld>
             <a:endParaRPr lang="de-DE"/>
           </a:p>
@@ -2913,7 +4341,7 @@
     </p:spTree>
     <p:extLst>
       <p:ext uri="{BB962C8B-B14F-4D97-AF65-F5344CB8AC3E}">
-        <p14:creationId xmlns:p14="http://schemas.microsoft.com/office/powerpoint/2010/main" val="1304083389"/>
+        <p14:creationId xmlns:p14="http://schemas.microsoft.com/office/powerpoint/2010/main" val="2980007734"/>
       </p:ext>
     </p:extLst>
   </p:cSld>
@@ -17436,7 +18864,7 @@
 </file>
 
 <file path=ppt/slides/slide32.xml><?xml version="1.0" encoding="utf-8"?>
-<p:sld xmlns:a="http://schemas.openxmlformats.org/drawingml/2006/main" xmlns:r="http://schemas.openxmlformats.org/officeDocument/2006/relationships" xmlns:p="http://schemas.openxmlformats.org/presentationml/2006/main">
+<p:sld xmlns:a="http://schemas.openxmlformats.org/drawingml/2006/main" xmlns:r="http://schemas.openxmlformats.org/officeDocument/2006/relationships" xmlns:p="http://schemas.openxmlformats.org/presentationml/2006/main" show="0">
   <p:cSld>
     <p:spTree>
       <p:nvGrpSpPr>
@@ -17675,7 +19103,7 @@
               <a:t>ABER: Modules benötigen einen Module-</a:t>
             </a:r>
             <a:r>
-              <a:rPr lang="de-DE"/>
+              <a:rPr lang="de-DE" dirty="0" err="1"/>
               <a:t>Loader</a:t>
             </a:r>
             <a:endParaRPr lang="de-DE" dirty="0"/>
@@ -18649,7 +20077,7 @@
             </a:pPr>
             <a:r>
               <a:rPr lang="de-DE" dirty="0">
-                <a:hlinkClick r:id="rId2"/>
+                <a:hlinkClick r:id="rId3"/>
               </a:rPr>
               <a:t>www.typescriptlang.org</a:t>
             </a:r>
@@ -18662,7 +20090,7 @@
             </a:pPr>
             <a:r>
               <a:rPr lang="de-DE" dirty="0">
-                <a:hlinkClick r:id="rId3"/>
+                <a:hlinkClick r:id="rId4"/>
               </a:rPr>
               <a:t>https://medium.freecodecamp.org</a:t>
             </a:r>

--- a/TypeScriptBasics.pptx
+++ b/TypeScriptBasics.pptx
@@ -5,7 +5,7 @@
     <p:sldMasterId id="2147483660" r:id="rId1"/>
   </p:sldMasterIdLst>
   <p:notesMasterIdLst>
-    <p:notesMasterId r:id="rId42"/>
+    <p:notesMasterId r:id="rId41"/>
   </p:notesMasterIdLst>
   <p:sldIdLst>
     <p:sldId id="259" r:id="rId2"/>
@@ -47,7 +47,6 @@
     <p:sldId id="299" r:id="rId38"/>
     <p:sldId id="290" r:id="rId39"/>
     <p:sldId id="268" r:id="rId40"/>
-    <p:sldId id="260" r:id="rId41"/>
   </p:sldIdLst>
   <p:sldSz cx="12192000" cy="6858000"/>
   <p:notesSz cx="6797675" cy="9926638"/>
@@ -278,7 +277,7 @@
           <a:p>
             <a:fld id="{97BEE526-5EB7-4409-B76B-A01705954A4C}" type="datetimeFigureOut">
               <a:rPr lang="de-DE" smtClean="0"/>
-              <a:t>30.01.2019</a:t>
+              <a:t>13.03.2020</a:t>
             </a:fld>
             <a:endParaRPr lang="de-DE"/>
           </a:p>
@@ -436,7 +435,7 @@
           <a:p>
             <a:fld id="{C0663104-BBBB-4823-99BF-1DB3B469CAD1}" type="slidenum">
               <a:rPr lang="de-DE" smtClean="0"/>
-              <a:t>‹Nr.›</a:t>
+              <a:t>‹#›</a:t>
             </a:fld>
             <a:endParaRPr lang="de-DE"/>
           </a:p>
@@ -3742,90 +3741,6 @@
 </p:notes>
 </file>
 
-<file path=ppt/notesSlides/notesSlide40.xml><?xml version="1.0" encoding="utf-8"?>
-<p:notes xmlns:a="http://schemas.openxmlformats.org/drawingml/2006/main" xmlns:r="http://schemas.openxmlformats.org/officeDocument/2006/relationships" xmlns:p="http://schemas.openxmlformats.org/presentationml/2006/main">
-  <p:cSld>
-    <p:spTree>
-      <p:nvGrpSpPr>
-        <p:cNvPr id="1" name=""/>
-        <p:cNvGrpSpPr/>
-        <p:nvPr/>
-      </p:nvGrpSpPr>
-      <p:grpSpPr>
-        <a:xfrm>
-          <a:off x="0" y="0"/>
-          <a:ext cx="0" cy="0"/>
-          <a:chOff x="0" y="0"/>
-          <a:chExt cx="0" cy="0"/>
-        </a:xfrm>
-      </p:grpSpPr>
-      <p:sp>
-        <p:nvSpPr>
-          <p:cNvPr id="2" name="Folienbildplatzhalter 1"/>
-          <p:cNvSpPr>
-            <a:spLocks noGrp="1" noRot="1" noChangeAspect="1"/>
-          </p:cNvSpPr>
-          <p:nvPr>
-            <p:ph type="sldImg"/>
-          </p:nvPr>
-        </p:nvSpPr>
-        <p:spPr/>
-      </p:sp>
-      <p:sp>
-        <p:nvSpPr>
-          <p:cNvPr id="3" name="Notizenplatzhalter 2"/>
-          <p:cNvSpPr>
-            <a:spLocks noGrp="1"/>
-          </p:cNvSpPr>
-          <p:nvPr>
-            <p:ph type="body" idx="1"/>
-          </p:nvPr>
-        </p:nvSpPr>
-        <p:spPr/>
-        <p:txBody>
-          <a:bodyPr/>
-          <a:lstStyle/>
-          <a:p>
-            <a:endParaRPr lang="de-DE"/>
-          </a:p>
-        </p:txBody>
-      </p:sp>
-      <p:sp>
-        <p:nvSpPr>
-          <p:cNvPr id="4" name="Foliennummernplatzhalter 3"/>
-          <p:cNvSpPr>
-            <a:spLocks noGrp="1"/>
-          </p:cNvSpPr>
-          <p:nvPr>
-            <p:ph type="sldNum" sz="quarter" idx="5"/>
-          </p:nvPr>
-        </p:nvSpPr>
-        <p:spPr/>
-        <p:txBody>
-          <a:bodyPr/>
-          <a:lstStyle/>
-          <a:p>
-            <a:fld id="{C0663104-BBBB-4823-99BF-1DB3B469CAD1}" type="slidenum">
-              <a:rPr lang="de-DE" smtClean="0"/>
-              <a:t>40</a:t>
-            </a:fld>
-            <a:endParaRPr lang="de-DE"/>
-          </a:p>
-        </p:txBody>
-      </p:sp>
-    </p:spTree>
-    <p:extLst>
-      <p:ext uri="{BB962C8B-B14F-4D97-AF65-F5344CB8AC3E}">
-        <p14:creationId xmlns:p14="http://schemas.microsoft.com/office/powerpoint/2010/main" val="2092110748"/>
-      </p:ext>
-    </p:extLst>
-  </p:cSld>
-  <p:clrMapOvr>
-    <a:masterClrMapping/>
-  </p:clrMapOvr>
-</p:notes>
-</file>
-
 <file path=ppt/notesSlides/notesSlide5.xml><?xml version="1.0" encoding="utf-8"?>
 <p:notes xmlns:a="http://schemas.openxmlformats.org/drawingml/2006/main" xmlns:r="http://schemas.openxmlformats.org/officeDocument/2006/relationships" xmlns:p="http://schemas.openxmlformats.org/presentationml/2006/main">
   <p:cSld>
@@ -4299,12 +4214,12 @@
           </a:p>
           <a:p>
             <a:r>
-              <a:rPr lang="de-DE" dirty="0" err="1"/>
-              <a:t>Dynamsiches</a:t>
-            </a:r>
-            <a:r>
-              <a:rPr lang="de-DE" dirty="0"/>
-              <a:t> Typsystem -&gt; Variablen können zur Laufzeit andere Werte annehmen.</a:t>
+              <a:rPr lang="de-DE"/>
+              <a:t>Dynamiches </a:t>
+            </a:r>
+            <a:r>
+              <a:rPr lang="de-DE" dirty="0"/>
+              <a:t>Typsystem -&gt; Variablen können zur Laufzeit andere Werte annehmen.</a:t>
             </a:r>
           </a:p>
           <a:p>
@@ -4509,36 +4424,6 @@
           </a:p>
         </p:txBody>
       </p:sp>
-      <p:pic>
-        <p:nvPicPr>
-          <p:cNvPr id="9" name="Grafik 8"/>
-          <p:cNvPicPr>
-            <a:picLocks noChangeAspect="1"/>
-          </p:cNvPicPr>
-          <p:nvPr/>
-        </p:nvPicPr>
-        <p:blipFill>
-          <a:blip r:embed="rId2">
-            <a:extLst>
-              <a:ext uri="{28A0092B-C50C-407E-A947-70E740481C1C}">
-                <a14:useLocalDpi xmlns:a14="http://schemas.microsoft.com/office/drawing/2010/main" val="0"/>
-              </a:ext>
-            </a:extLst>
-          </a:blip>
-          <a:stretch>
-            <a:fillRect/>
-          </a:stretch>
-        </p:blipFill>
-        <p:spPr>
-          <a:xfrm>
-            <a:off x="9882885" y="626918"/>
-            <a:ext cx="1620211" cy="293616"/>
-          </a:xfrm>
-          <a:prstGeom prst="rect">
-            <a:avLst/>
-          </a:prstGeom>
-        </p:spPr>
-      </p:pic>
     </p:spTree>
     <p:extLst>
       <p:ext uri="{BB962C8B-B14F-4D97-AF65-F5344CB8AC3E}">
@@ -4708,7 +4593,7 @@
           <a:p>
             <a:fld id="{F1FE92DC-4F65-4B7E-8132-A160040A277A}" type="datetimeFigureOut">
               <a:rPr lang="de-DE" smtClean="0"/>
-              <a:t>30.01.2019</a:t>
+              <a:t>13.03.2020</a:t>
             </a:fld>
             <a:endParaRPr lang="de-DE"/>
           </a:p>
@@ -4749,7 +4634,7 @@
           <a:p>
             <a:fld id="{5E7461B4-C25F-4475-8141-D5CE4A844347}" type="slidenum">
               <a:rPr lang="de-DE" smtClean="0"/>
-              <a:t>‹Nr.›</a:t>
+              <a:t>‹#›</a:t>
             </a:fld>
             <a:endParaRPr lang="de-DE"/>
           </a:p>
@@ -5158,7 +5043,7 @@
   <p:clrMapOvr>
     <a:masterClrMapping/>
   </p:clrMapOvr>
-  <p:extLst mod="1">
+  <p:extLst>
     <p:ext uri="{DCECCB84-F9BA-43D5-87BE-67443E8EF086}">
       <p15:sldGuideLst xmlns:p15="http://schemas.microsoft.com/office/powerpoint/2012/main"/>
     </p:ext>
@@ -5360,7 +5245,7 @@
   <p:clrMapOvr>
     <a:masterClrMapping/>
   </p:clrMapOvr>
-  <p:extLst mod="1">
+  <p:extLst>
     <p:ext uri="{DCECCB84-F9BA-43D5-87BE-67443E8EF086}">
       <p15:sldGuideLst xmlns:p15="http://schemas.microsoft.com/office/powerpoint/2012/main"/>
     </p:ext>
@@ -6641,7 +6526,7 @@
           <a:p>
             <a:fld id="{F1FE92DC-4F65-4B7E-8132-A160040A277A}" type="datetimeFigureOut">
               <a:rPr lang="de-DE" smtClean="0"/>
-              <a:t>30.01.2019</a:t>
+              <a:t>13.03.2020</a:t>
             </a:fld>
             <a:endParaRPr lang="de-DE"/>
           </a:p>
@@ -6683,7 +6568,7 @@
           <a:p>
             <a:fld id="{5E7461B4-C25F-4475-8141-D5CE4A844347}" type="slidenum">
               <a:rPr lang="de-DE" smtClean="0"/>
-              <a:t>‹Nr.›</a:t>
+              <a:t>‹#›</a:t>
             </a:fld>
             <a:endParaRPr lang="de-DE"/>
           </a:p>
@@ -6979,7 +6864,7 @@
           <a:p>
             <a:fld id="{F1FE92DC-4F65-4B7E-8132-A160040A277A}" type="datetimeFigureOut">
               <a:rPr lang="de-DE" smtClean="0"/>
-              <a:t>30.01.2019</a:t>
+              <a:t>13.03.2020</a:t>
             </a:fld>
             <a:endParaRPr lang="de-DE"/>
           </a:p>
@@ -7021,7 +6906,7 @@
           <a:p>
             <a:fld id="{5E7461B4-C25F-4475-8141-D5CE4A844347}" type="slidenum">
               <a:rPr lang="de-DE" smtClean="0"/>
-              <a:t>‹Nr.›</a:t>
+              <a:t>‹#›</a:t>
             </a:fld>
             <a:endParaRPr lang="de-DE"/>
           </a:p>
@@ -7093,7 +6978,7 @@
   <p:clrMapOvr>
     <a:masterClrMapping/>
   </p:clrMapOvr>
-  <p:extLst mod="1">
+  <p:extLst>
     <p:ext uri="{DCECCB84-F9BA-43D5-87BE-67443E8EF086}">
       <p15:sldGuideLst xmlns:p15="http://schemas.microsoft.com/office/powerpoint/2012/main"/>
     </p:ext>
@@ -7250,7 +7135,7 @@
           <a:p>
             <a:fld id="{F1FE92DC-4F65-4B7E-8132-A160040A277A}" type="datetimeFigureOut">
               <a:rPr lang="de-DE" smtClean="0"/>
-              <a:t>30.01.2019</a:t>
+              <a:t>13.03.2020</a:t>
             </a:fld>
             <a:endParaRPr lang="de-DE"/>
           </a:p>
@@ -7292,7 +7177,7 @@
           <a:p>
             <a:fld id="{5E7461B4-C25F-4475-8141-D5CE4A844347}" type="slidenum">
               <a:rPr lang="de-DE" smtClean="0"/>
-              <a:t>‹Nr.›</a:t>
+              <a:t>‹#›</a:t>
             </a:fld>
             <a:endParaRPr lang="de-DE"/>
           </a:p>
@@ -7731,7 +7616,7 @@
           <a:p>
             <a:fld id="{F1FE92DC-4F65-4B7E-8132-A160040A277A}" type="datetimeFigureOut">
               <a:rPr lang="de-DE" smtClean="0"/>
-              <a:t>30.01.2019</a:t>
+              <a:t>13.03.2020</a:t>
             </a:fld>
             <a:endParaRPr lang="de-DE"/>
           </a:p>
@@ -7773,7 +7658,7 @@
           <a:p>
             <a:fld id="{5E7461B4-C25F-4475-8141-D5CE4A844347}" type="slidenum">
               <a:rPr lang="de-DE" smtClean="0"/>
-              <a:t>‹Nr.›</a:t>
+              <a:t>‹#›</a:t>
             </a:fld>
             <a:endParaRPr lang="de-DE"/>
           </a:p>
@@ -7901,7 +7786,7 @@
   <p:clrMapOvr>
     <a:masterClrMapping/>
   </p:clrMapOvr>
-  <p:extLst mod="1">
+  <p:extLst>
     <p:ext uri="{DCECCB84-F9BA-43D5-87BE-67443E8EF086}">
       <p15:sldGuideLst xmlns:p15="http://schemas.microsoft.com/office/powerpoint/2012/main"/>
     </p:ext>
@@ -8136,7 +8021,7 @@
           <a:p>
             <a:fld id="{F1FE92DC-4F65-4B7E-8132-A160040A277A}" type="datetimeFigureOut">
               <a:rPr lang="de-DE" smtClean="0"/>
-              <a:t>30.01.2019</a:t>
+              <a:t>13.03.2020</a:t>
             </a:fld>
             <a:endParaRPr lang="de-DE"/>
           </a:p>
@@ -8178,7 +8063,7 @@
           <a:p>
             <a:fld id="{5E7461B4-C25F-4475-8141-D5CE4A844347}" type="slidenum">
               <a:rPr lang="de-DE" smtClean="0"/>
-              <a:t>‹Nr.›</a:t>
+              <a:t>‹#›</a:t>
             </a:fld>
             <a:endParaRPr lang="de-DE"/>
           </a:p>
@@ -8250,7 +8135,7 @@
   <p:clrMapOvr>
     <a:masterClrMapping/>
   </p:clrMapOvr>
-  <p:extLst mod="1">
+  <p:extLst>
     <p:ext uri="{DCECCB84-F9BA-43D5-87BE-67443E8EF086}">
       <p15:sldGuideLst xmlns:p15="http://schemas.microsoft.com/office/powerpoint/2012/main"/>
     </p:ext>
@@ -8489,7 +8374,7 @@
           <a:p>
             <a:fld id="{F1FE92DC-4F65-4B7E-8132-A160040A277A}" type="datetimeFigureOut">
               <a:rPr lang="de-DE" smtClean="0"/>
-              <a:t>30.01.2019</a:t>
+              <a:t>13.03.2020</a:t>
             </a:fld>
             <a:endParaRPr lang="de-DE"/>
           </a:p>
@@ -8531,7 +8416,7 @@
           <a:p>
             <a:fld id="{5E7461B4-C25F-4475-8141-D5CE4A844347}" type="slidenum">
               <a:rPr lang="de-DE" smtClean="0"/>
-              <a:t>‹Nr.›</a:t>
+              <a:t>‹#›</a:t>
             </a:fld>
             <a:endParaRPr lang="de-DE"/>
           </a:p>
@@ -8603,7 +8488,7 @@
   <p:clrMapOvr>
     <a:masterClrMapping/>
   </p:clrMapOvr>
-  <p:extLst mod="1">
+  <p:extLst>
     <p:ext uri="{DCECCB84-F9BA-43D5-87BE-67443E8EF086}">
       <p15:sldGuideLst xmlns:p15="http://schemas.microsoft.com/office/powerpoint/2012/main"/>
     </p:ext>
@@ -8676,7 +8561,7 @@
           <a:p>
             <a:fld id="{F1FE92DC-4F65-4B7E-8132-A160040A277A}" type="datetimeFigureOut">
               <a:rPr lang="de-DE" smtClean="0"/>
-              <a:t>30.01.2019</a:t>
+              <a:t>13.03.2020</a:t>
             </a:fld>
             <a:endParaRPr lang="de-DE"/>
           </a:p>
@@ -8705,7 +8590,7 @@
           <a:p>
             <a:fld id="{5E7461B4-C25F-4475-8141-D5CE4A844347}" type="slidenum">
               <a:rPr lang="de-DE" smtClean="0"/>
-              <a:t>‹Nr.›</a:t>
+              <a:t>‹#›</a:t>
             </a:fld>
             <a:endParaRPr lang="de-DE"/>
           </a:p>
@@ -9052,7 +8937,7 @@
           <a:p>
             <a:fld id="{F1FE92DC-4F65-4B7E-8132-A160040A277A}" type="datetimeFigureOut">
               <a:rPr lang="de-DE" smtClean="0"/>
-              <a:t>30.01.2019</a:t>
+              <a:t>13.03.2020</a:t>
             </a:fld>
             <a:endParaRPr lang="de-DE"/>
           </a:p>
@@ -9094,7 +8979,7 @@
           <a:p>
             <a:fld id="{5E7461B4-C25F-4475-8141-D5CE4A844347}" type="slidenum">
               <a:rPr lang="de-DE" smtClean="0"/>
-              <a:t>‹Nr.›</a:t>
+              <a:t>‹#›</a:t>
             </a:fld>
             <a:endParaRPr lang="de-DE"/>
           </a:p>
@@ -9110,7 +8995,7 @@
   <p:clrMapOvr>
     <a:masterClrMapping/>
   </p:clrMapOvr>
-  <p:extLst mod="1">
+  <p:extLst>
     <p:ext uri="{DCECCB84-F9BA-43D5-87BE-67443E8EF086}">
       <p15:sldGuideLst xmlns:p15="http://schemas.microsoft.com/office/powerpoint/2012/main"/>
     </p:ext>
@@ -9327,7 +9212,7 @@
           <a:p>
             <a:fld id="{F1FE92DC-4F65-4B7E-8132-A160040A277A}" type="datetimeFigureOut">
               <a:rPr lang="de-DE" smtClean="0"/>
-              <a:t>30.01.2019</a:t>
+              <a:t>13.03.2020</a:t>
             </a:fld>
             <a:endParaRPr lang="de-DE"/>
           </a:p>
@@ -9369,42 +9254,12 @@
           <a:p>
             <a:fld id="{5E7461B4-C25F-4475-8141-D5CE4A844347}" type="slidenum">
               <a:rPr lang="de-DE" smtClean="0"/>
-              <a:t>‹Nr.›</a:t>
+              <a:t>‹#›</a:t>
             </a:fld>
             <a:endParaRPr lang="de-DE"/>
           </a:p>
         </p:txBody>
       </p:sp>
-      <p:pic>
-        <p:nvPicPr>
-          <p:cNvPr id="8" name="Grafik 7"/>
-          <p:cNvPicPr>
-            <a:picLocks noChangeAspect="1"/>
-          </p:cNvPicPr>
-          <p:nvPr/>
-        </p:nvPicPr>
-        <p:blipFill>
-          <a:blip r:embed="rId17">
-            <a:extLst>
-              <a:ext uri="{28A0092B-C50C-407E-A947-70E740481C1C}">
-                <a14:useLocalDpi xmlns:a14="http://schemas.microsoft.com/office/drawing/2010/main" val="0"/>
-              </a:ext>
-            </a:extLst>
-          </a:blip>
-          <a:stretch>
-            <a:fillRect/>
-          </a:stretch>
-        </p:blipFill>
-        <p:spPr>
-          <a:xfrm>
-            <a:off x="10956876" y="6372154"/>
-            <a:ext cx="900117" cy="163120"/>
-          </a:xfrm>
-          <a:prstGeom prst="rect">
-            <a:avLst/>
-          </a:prstGeom>
-        </p:spPr>
-      </p:pic>
     </p:spTree>
     <p:extLst>
       <p:ext uri="{BB962C8B-B14F-4D97-AF65-F5344CB8AC3E}">
@@ -9722,7 +9577,7 @@
       </a:lvl9pPr>
     </p:otherStyle>
   </p:txStyles>
-  <p:extLst mod="1">
+  <p:extLst>
     <p:ext uri="{27BBF7A9-308A-43DC-89C8-2F10F3537804}">
       <p15:sldGuideLst xmlns:p15="http://schemas.microsoft.com/office/powerpoint/2012/main">
         <p15:guide id="0" pos="438">
@@ -20279,36 +20134,6 @@
     <p:extLst>
       <p:ext uri="{BB962C8B-B14F-4D97-AF65-F5344CB8AC3E}">
         <p14:creationId xmlns:p14="http://schemas.microsoft.com/office/powerpoint/2010/main" val="3278483683"/>
-      </p:ext>
-    </p:extLst>
-  </p:cSld>
-  <p:clrMapOvr>
-    <a:masterClrMapping/>
-  </p:clrMapOvr>
-</p:sld>
-</file>
-
-<file path=ppt/slides/slide40.xml><?xml version="1.0" encoding="utf-8"?>
-<p:sld xmlns:a="http://schemas.openxmlformats.org/drawingml/2006/main" xmlns:r="http://schemas.openxmlformats.org/officeDocument/2006/relationships" xmlns:p="http://schemas.openxmlformats.org/presentationml/2006/main">
-  <p:cSld>
-    <p:spTree>
-      <p:nvGrpSpPr>
-        <p:cNvPr id="1" name=""/>
-        <p:cNvGrpSpPr/>
-        <p:nvPr/>
-      </p:nvGrpSpPr>
-      <p:grpSpPr>
-        <a:xfrm>
-          <a:off x="0" y="0"/>
-          <a:ext cx="0" cy="0"/>
-          <a:chOff x="0" y="0"/>
-          <a:chExt cx="0" cy="0"/>
-        </a:xfrm>
-      </p:grpSpPr>
-    </p:spTree>
-    <p:extLst>
-      <p:ext uri="{BB962C8B-B14F-4D97-AF65-F5344CB8AC3E}">
-        <p14:creationId xmlns:p14="http://schemas.microsoft.com/office/powerpoint/2010/main" val="1960385770"/>
       </p:ext>
     </p:extLst>
   </p:cSld>
